--- a/Final/影片動畫-孟瑾.pptx
+++ b/Final/影片動畫-孟瑾.pptx
@@ -3349,197 +3349,6 @@
       </p:grpSp>
       <p:sp>
         <p:nvSpPr>
-          <p:cNvPr id="19" name="矩形 18"/>
-          <p:cNvSpPr/>
-          <p:nvPr/>
-        </p:nvSpPr>
-        <p:spPr>
-          <a:xfrm>
-            <a:off x="0" y="1607827"/>
-            <a:ext cx="1390650" cy="162560"/>
-          </a:xfrm>
-          <a:prstGeom prst="rect">
-            <a:avLst/>
-          </a:prstGeom>
-          <a:solidFill>
-            <a:schemeClr val="bg1">
-              <a:lumMod val="85000"/>
-            </a:schemeClr>
-          </a:solidFill>
-          <a:ln>
-            <a:noFill/>
-          </a:ln>
-        </p:spPr>
-        <p:style>
-          <a:lnRef idx="2">
-            <a:schemeClr val="accent1">
-              <a:shade val="50000"/>
-            </a:schemeClr>
-          </a:lnRef>
-          <a:fillRef idx="1">
-            <a:schemeClr val="accent1"/>
-          </a:fillRef>
-          <a:effectRef idx="0">
-            <a:schemeClr val="accent1"/>
-          </a:effectRef>
-          <a:fontRef idx="minor">
-            <a:schemeClr val="lt1"/>
-          </a:fontRef>
-        </p:style>
-        <p:txBody>
-          <a:bodyPr rtlCol="0" anchor="ctr"/>
-          <a:lstStyle/>
-          <a:p>
-            <a:pPr algn="ctr"/>
-            <a:endParaRPr lang="zh-TW" altLang="en-US"/>
-          </a:p>
-        </p:txBody>
-      </p:sp>
-      <p:sp>
-        <p:nvSpPr>
-          <p:cNvPr id="20" name="矩形 19"/>
-          <p:cNvSpPr/>
-          <p:nvPr/>
-        </p:nvSpPr>
-        <p:spPr>
-          <a:xfrm>
-            <a:off x="81280" y="1607827"/>
-            <a:ext cx="1390650" cy="162560"/>
-          </a:xfrm>
-          <a:prstGeom prst="rect">
-            <a:avLst/>
-          </a:prstGeom>
-          <a:solidFill>
-            <a:schemeClr val="bg1">
-              <a:lumMod val="85000"/>
-            </a:schemeClr>
-          </a:solidFill>
-          <a:ln>
-            <a:noFill/>
-          </a:ln>
-        </p:spPr>
-        <p:style>
-          <a:lnRef idx="2">
-            <a:schemeClr val="accent1">
-              <a:shade val="50000"/>
-            </a:schemeClr>
-          </a:lnRef>
-          <a:fillRef idx="1">
-            <a:schemeClr val="accent1"/>
-          </a:fillRef>
-          <a:effectRef idx="0">
-            <a:schemeClr val="accent1"/>
-          </a:effectRef>
-          <a:fontRef idx="minor">
-            <a:schemeClr val="lt1"/>
-          </a:fontRef>
-        </p:style>
-        <p:txBody>
-          <a:bodyPr rtlCol="0" anchor="ctr"/>
-          <a:lstStyle/>
-          <a:p>
-            <a:pPr algn="ctr"/>
-            <a:endParaRPr lang="zh-TW" altLang="en-US"/>
-          </a:p>
-        </p:txBody>
-      </p:sp>
-      <p:sp>
-        <p:nvSpPr>
-          <p:cNvPr id="22" name="矩形 21"/>
-          <p:cNvSpPr/>
-          <p:nvPr/>
-        </p:nvSpPr>
-        <p:spPr>
-          <a:xfrm>
-            <a:off x="5467350" y="1595148"/>
-            <a:ext cx="1390650" cy="162560"/>
-          </a:xfrm>
-          <a:prstGeom prst="rect">
-            <a:avLst/>
-          </a:prstGeom>
-          <a:solidFill>
-            <a:schemeClr val="bg1">
-              <a:lumMod val="85000"/>
-            </a:schemeClr>
-          </a:solidFill>
-          <a:ln>
-            <a:noFill/>
-          </a:ln>
-        </p:spPr>
-        <p:style>
-          <a:lnRef idx="2">
-            <a:schemeClr val="accent1">
-              <a:shade val="50000"/>
-            </a:schemeClr>
-          </a:lnRef>
-          <a:fillRef idx="1">
-            <a:schemeClr val="accent1"/>
-          </a:fillRef>
-          <a:effectRef idx="0">
-            <a:schemeClr val="accent1"/>
-          </a:effectRef>
-          <a:fontRef idx="minor">
-            <a:schemeClr val="lt1"/>
-          </a:fontRef>
-        </p:style>
-        <p:txBody>
-          <a:bodyPr rtlCol="0" anchor="ctr"/>
-          <a:lstStyle/>
-          <a:p>
-            <a:pPr algn="ctr"/>
-            <a:endParaRPr lang="zh-TW" altLang="en-US"/>
-          </a:p>
-        </p:txBody>
-      </p:sp>
-      <p:sp>
-        <p:nvSpPr>
-          <p:cNvPr id="23" name="文字方塊 22" title="System time"/>
-          <p:cNvSpPr txBox="1"/>
-          <p:nvPr/>
-        </p:nvSpPr>
-        <p:spPr>
-          <a:xfrm>
-            <a:off x="2121352" y="2072668"/>
-            <a:ext cx="2615296" cy="584775"/>
-          </a:xfrm>
-          <a:prstGeom prst="rect">
-            <a:avLst/>
-          </a:prstGeom>
-          <a:noFill/>
-        </p:spPr>
-        <p:txBody>
-          <a:bodyPr wrap="square" rtlCol="0">
-            <a:spAutoFit/>
-          </a:bodyPr>
-          <a:lstStyle/>
-          <a:p>
-            <a:pPr algn="ctr"/>
-            <a:r>
-              <a:rPr lang="en-US" altLang="zh-TW" sz="3200" dirty="0" err="1" smtClean="0">
-                <a:solidFill>
-                  <a:schemeClr val="bg1">
-                    <a:lumMod val="50000"/>
-                  </a:schemeClr>
-                </a:solidFill>
-                <a:latin typeface="微軟正黑體" panose="020B0604030504040204" pitchFamily="34" charset="-120"/>
-                <a:ea typeface="微軟正黑體" panose="020B0604030504040204" pitchFamily="34" charset="-120"/>
-              </a:rPr>
-              <a:t>TextView</a:t>
-            </a:r>
-            <a:endParaRPr lang="zh-TW" altLang="en-US" dirty="0">
-              <a:solidFill>
-                <a:schemeClr val="bg1">
-                  <a:lumMod val="50000"/>
-                </a:schemeClr>
-              </a:solidFill>
-              <a:latin typeface="微軟正黑體" panose="020B0604030504040204" pitchFamily="34" charset="-120"/>
-              <a:ea typeface="微軟正黑體" panose="020B0604030504040204" pitchFamily="34" charset="-120"/>
-            </a:endParaRPr>
-          </a:p>
-        </p:txBody>
-      </p:sp>
-      <p:sp>
-        <p:nvSpPr>
           <p:cNvPr id="24" name="文字方塊 23" title="System time"/>
           <p:cNvSpPr txBox="1"/>
           <p:nvPr/>
@@ -5097,6 +4906,115 @@
           </a:fontRef>
         </p:style>
       </p:cxnSp>
+      <p:pic>
+        <p:nvPicPr>
+          <p:cNvPr id="42" name="圖片 41"/>
+          <p:cNvPicPr>
+            <a:picLocks noChangeAspect="1"/>
+          </p:cNvPicPr>
+          <p:nvPr/>
+        </p:nvPicPr>
+        <p:blipFill>
+          <a:blip r:embed="rId2">
+            <a:extLst>
+              <a:ext uri="{28A0092B-C50C-407E-A947-70E740481C1C}">
+                <a14:useLocalDpi xmlns:a14="http://schemas.microsoft.com/office/drawing/2010/main" val="0"/>
+              </a:ext>
+            </a:extLst>
+          </a:blip>
+          <a:stretch>
+            <a:fillRect/>
+          </a:stretch>
+        </p:blipFill>
+        <p:spPr>
+          <a:xfrm>
+            <a:off x="1350123" y="1971103"/>
+            <a:ext cx="444517" cy="453407"/>
+          </a:xfrm>
+          <a:prstGeom prst="rect">
+            <a:avLst/>
+          </a:prstGeom>
+        </p:spPr>
+      </p:pic>
+      <p:pic>
+        <p:nvPicPr>
+          <p:cNvPr id="43" name="圖片 42"/>
+          <p:cNvPicPr>
+            <a:picLocks noChangeAspect="1"/>
+          </p:cNvPicPr>
+          <p:nvPr/>
+        </p:nvPicPr>
+        <p:blipFill>
+          <a:blip r:embed="rId3">
+            <a:extLst>
+              <a:ext uri="{28A0092B-C50C-407E-A947-70E740481C1C}">
+                <a14:useLocalDpi xmlns:a14="http://schemas.microsoft.com/office/drawing/2010/main" val="0"/>
+              </a:ext>
+            </a:extLst>
+          </a:blip>
+          <a:stretch>
+            <a:fillRect/>
+          </a:stretch>
+        </p:blipFill>
+        <p:spPr>
+          <a:xfrm>
+            <a:off x="5330708" y="1971103"/>
+            <a:ext cx="444706" cy="453600"/>
+          </a:xfrm>
+          <a:prstGeom prst="rect">
+            <a:avLst/>
+          </a:prstGeom>
+        </p:spPr>
+      </p:pic>
+      <p:sp>
+        <p:nvSpPr>
+          <p:cNvPr id="44" name="文字方塊 43"/>
+          <p:cNvSpPr txBox="1"/>
+          <p:nvPr/>
+        </p:nvSpPr>
+        <p:spPr>
+          <a:xfrm>
+            <a:off x="2241734" y="1905419"/>
+            <a:ext cx="2633612" cy="584775"/>
+          </a:xfrm>
+          <a:prstGeom prst="rect">
+            <a:avLst/>
+          </a:prstGeom>
+          <a:noFill/>
+        </p:spPr>
+        <p:txBody>
+          <a:bodyPr wrap="square" rtlCol="0">
+            <a:spAutoFit/>
+          </a:bodyPr>
+          <a:lstStyle/>
+          <a:p>
+            <a:pPr algn="ctr"/>
+            <a:r>
+              <a:rPr lang="en-US" altLang="zh-TW" sz="3200" dirty="0" smtClean="0">
+                <a:solidFill>
+                  <a:schemeClr val="tx1">
+                    <a:lumMod val="65000"/>
+                    <a:lumOff val="35000"/>
+                  </a:schemeClr>
+                </a:solidFill>
+                <a:latin typeface="微軟正黑體" panose="020B0604030504040204" pitchFamily="34" charset="-120"/>
+                <a:ea typeface="微軟正黑體" panose="020B0604030504040204" pitchFamily="34" charset="-120"/>
+              </a:rPr>
+              <a:t>2018/06/10</a:t>
+            </a:r>
+            <a:endParaRPr lang="zh-TW" altLang="en-US" sz="3200" dirty="0">
+              <a:solidFill>
+                <a:schemeClr val="tx1">
+                  <a:lumMod val="65000"/>
+                  <a:lumOff val="35000"/>
+                </a:schemeClr>
+              </a:solidFill>
+              <a:latin typeface="微軟正黑體" panose="020B0604030504040204" pitchFamily="34" charset="-120"/>
+              <a:ea typeface="微軟正黑體" panose="020B0604030504040204" pitchFamily="34" charset="-120"/>
+            </a:endParaRPr>
+          </a:p>
+        </p:txBody>
+      </p:sp>
     </p:spTree>
     <p:extLst>
       <p:ext uri="{BB962C8B-B14F-4D97-AF65-F5344CB8AC3E}">
@@ -5118,6 +5036,2133 @@
 </file>
 
 <file path=ppt/slides/slide10.xml><?xml version="1.0" encoding="utf-8"?>
+<p:sld xmlns:a="http://schemas.openxmlformats.org/drawingml/2006/main" xmlns:r="http://schemas.openxmlformats.org/officeDocument/2006/relationships" xmlns:p="http://schemas.openxmlformats.org/presentationml/2006/main">
+  <p:cSld>
+    <p:spTree>
+      <p:nvGrpSpPr>
+        <p:cNvPr id="1" name=""/>
+        <p:cNvGrpSpPr/>
+        <p:nvPr/>
+      </p:nvGrpSpPr>
+      <p:grpSpPr>
+        <a:xfrm>
+          <a:off x="0" y="0"/>
+          <a:ext cx="0" cy="0"/>
+          <a:chOff x="0" y="0"/>
+          <a:chExt cx="0" cy="0"/>
+        </a:xfrm>
+      </p:grpSpPr>
+      <p:grpSp>
+        <p:nvGrpSpPr>
+          <p:cNvPr id="26" name="群組 25"/>
+          <p:cNvGrpSpPr/>
+          <p:nvPr/>
+        </p:nvGrpSpPr>
+        <p:grpSpPr>
+          <a:xfrm>
+            <a:off x="0" y="1"/>
+            <a:ext cx="7312294" cy="578782"/>
+            <a:chOff x="0" y="1"/>
+            <a:chExt cx="7312294" cy="578782"/>
+          </a:xfrm>
+        </p:grpSpPr>
+        <p:sp>
+          <p:nvSpPr>
+            <p:cNvPr id="7" name="矩形 6" title="Top system bar"/>
+            <p:cNvSpPr/>
+            <p:nvPr/>
+          </p:nvSpPr>
+          <p:spPr>
+            <a:xfrm>
+              <a:off x="0" y="1"/>
+              <a:ext cx="6858000" cy="406400"/>
+            </a:xfrm>
+            <a:prstGeom prst="rect">
+              <a:avLst/>
+            </a:prstGeom>
+            <a:solidFill>
+              <a:srgbClr val="345CCC"/>
+            </a:solidFill>
+            <a:ln>
+              <a:noFill/>
+            </a:ln>
+          </p:spPr>
+          <p:style>
+            <a:lnRef idx="2">
+              <a:schemeClr val="accent1">
+                <a:shade val="50000"/>
+              </a:schemeClr>
+            </a:lnRef>
+            <a:fillRef idx="1">
+              <a:schemeClr val="accent1"/>
+            </a:fillRef>
+            <a:effectRef idx="0">
+              <a:schemeClr val="accent1"/>
+            </a:effectRef>
+            <a:fontRef idx="minor">
+              <a:schemeClr val="lt1"/>
+            </a:fontRef>
+          </p:style>
+          <p:txBody>
+            <a:bodyPr rtlCol="0" anchor="ctr"/>
+            <a:lstStyle/>
+            <a:p>
+              <a:pPr algn="ctr"/>
+              <a:endParaRPr lang="zh-TW" altLang="en-US"/>
+            </a:p>
+          </p:txBody>
+        </p:sp>
+        <p:sp>
+          <p:nvSpPr>
+            <p:cNvPr id="4" name="圓形圖 3" title="Wifi sign"/>
+            <p:cNvSpPr/>
+            <p:nvPr/>
+          </p:nvSpPr>
+          <p:spPr>
+            <a:xfrm rot="2700000">
+              <a:off x="5357104" y="73451"/>
+              <a:ext cx="505332" cy="505332"/>
+            </a:xfrm>
+            <a:prstGeom prst="pie">
+              <a:avLst>
+                <a:gd name="adj1" fmla="val 10897748"/>
+                <a:gd name="adj2" fmla="val 16200000"/>
+              </a:avLst>
+            </a:prstGeom>
+            <a:solidFill>
+              <a:schemeClr val="bg1"/>
+            </a:solidFill>
+            <a:ln>
+              <a:noFill/>
+            </a:ln>
+          </p:spPr>
+          <p:style>
+            <a:lnRef idx="2">
+              <a:schemeClr val="accent1">
+                <a:shade val="50000"/>
+              </a:schemeClr>
+            </a:lnRef>
+            <a:fillRef idx="1">
+              <a:schemeClr val="accent1"/>
+            </a:fillRef>
+            <a:effectRef idx="0">
+              <a:schemeClr val="accent1"/>
+            </a:effectRef>
+            <a:fontRef idx="minor">
+              <a:schemeClr val="lt1"/>
+            </a:fontRef>
+          </p:style>
+          <p:txBody>
+            <a:bodyPr rtlCol="0" anchor="ctr"/>
+            <a:lstStyle/>
+            <a:p>
+              <a:pPr algn="ctr"/>
+              <a:endParaRPr lang="zh-TW" altLang="en-US">
+                <a:solidFill>
+                  <a:schemeClr val="tx1"/>
+                </a:solidFill>
+              </a:endParaRPr>
+            </a:p>
+          </p:txBody>
+        </p:sp>
+        <p:grpSp>
+          <p:nvGrpSpPr>
+            <p:cNvPr id="11" name="群組 10" title="Bettery sign"/>
+            <p:cNvGrpSpPr/>
+            <p:nvPr/>
+          </p:nvGrpSpPr>
+          <p:grpSpPr>
+            <a:xfrm>
+              <a:off x="5899149" y="73932"/>
+              <a:ext cx="135889" cy="252185"/>
+              <a:chOff x="6238239" y="70121"/>
+              <a:chExt cx="135889" cy="252185"/>
+            </a:xfrm>
+          </p:grpSpPr>
+          <p:sp>
+            <p:nvSpPr>
+              <p:cNvPr id="9" name="矩形 8"/>
+              <p:cNvSpPr/>
+              <p:nvPr/>
+            </p:nvSpPr>
+            <p:spPr>
+              <a:xfrm flipV="1">
+                <a:off x="6258602" y="70121"/>
+                <a:ext cx="95161" cy="45719"/>
+              </a:xfrm>
+              <a:prstGeom prst="rect">
+                <a:avLst/>
+              </a:prstGeom>
+              <a:solidFill>
+                <a:schemeClr val="bg1"/>
+              </a:solidFill>
+              <a:ln>
+                <a:noFill/>
+              </a:ln>
+            </p:spPr>
+            <p:style>
+              <a:lnRef idx="2">
+                <a:schemeClr val="accent1">
+                  <a:shade val="50000"/>
+                </a:schemeClr>
+              </a:lnRef>
+              <a:fillRef idx="1">
+                <a:schemeClr val="accent1"/>
+              </a:fillRef>
+              <a:effectRef idx="0">
+                <a:schemeClr val="accent1"/>
+              </a:effectRef>
+              <a:fontRef idx="minor">
+                <a:schemeClr val="lt1"/>
+              </a:fontRef>
+            </p:style>
+            <p:txBody>
+              <a:bodyPr rtlCol="0" anchor="ctr"/>
+              <a:lstStyle/>
+              <a:p>
+                <a:pPr algn="ctr"/>
+                <a:endParaRPr lang="zh-TW" altLang="en-US"/>
+              </a:p>
+            </p:txBody>
+          </p:sp>
+          <p:sp>
+            <p:nvSpPr>
+              <p:cNvPr id="10" name="矩形 9"/>
+              <p:cNvSpPr/>
+              <p:nvPr/>
+            </p:nvSpPr>
+            <p:spPr>
+              <a:xfrm>
+                <a:off x="6238239" y="110490"/>
+                <a:ext cx="135889" cy="211816"/>
+              </a:xfrm>
+              <a:prstGeom prst="rect">
+                <a:avLst/>
+              </a:prstGeom>
+              <a:solidFill>
+                <a:schemeClr val="bg1"/>
+              </a:solidFill>
+              <a:ln>
+                <a:noFill/>
+              </a:ln>
+            </p:spPr>
+            <p:style>
+              <a:lnRef idx="2">
+                <a:schemeClr val="accent1">
+                  <a:shade val="50000"/>
+                </a:schemeClr>
+              </a:lnRef>
+              <a:fillRef idx="1">
+                <a:schemeClr val="accent1"/>
+              </a:fillRef>
+              <a:effectRef idx="0">
+                <a:schemeClr val="accent1"/>
+              </a:effectRef>
+              <a:fontRef idx="minor">
+                <a:schemeClr val="lt1"/>
+              </a:fontRef>
+            </p:style>
+            <p:txBody>
+              <a:bodyPr rtlCol="0" anchor="ctr"/>
+              <a:lstStyle/>
+              <a:p>
+                <a:pPr algn="ctr"/>
+                <a:endParaRPr lang="zh-TW" altLang="en-US"/>
+              </a:p>
+            </p:txBody>
+          </p:sp>
+        </p:grpSp>
+        <p:sp>
+          <p:nvSpPr>
+            <p:cNvPr id="12" name="文字方塊 11" title="System time"/>
+            <p:cNvSpPr txBox="1"/>
+            <p:nvPr/>
+          </p:nvSpPr>
+          <p:spPr>
+            <a:xfrm>
+              <a:off x="6173104" y="18535"/>
+              <a:ext cx="1139190" cy="369332"/>
+            </a:xfrm>
+            <a:prstGeom prst="rect">
+              <a:avLst/>
+            </a:prstGeom>
+            <a:noFill/>
+          </p:spPr>
+          <p:txBody>
+            <a:bodyPr wrap="square" rtlCol="0">
+              <a:spAutoFit/>
+            </a:bodyPr>
+            <a:lstStyle/>
+            <a:p>
+              <a:r>
+                <a:rPr lang="en-US" altLang="zh-TW" b="1" dirty="0" smtClean="0">
+                  <a:solidFill>
+                    <a:schemeClr val="bg1"/>
+                  </a:solidFill>
+                  <a:latin typeface="微軟正黑體" panose="020B0604030504040204" pitchFamily="34" charset="-120"/>
+                  <a:ea typeface="微軟正黑體" panose="020B0604030504040204" pitchFamily="34" charset="-120"/>
+                </a:rPr>
+                <a:t>8:01</a:t>
+              </a:r>
+              <a:endParaRPr lang="zh-TW" altLang="en-US" b="1" dirty="0">
+                <a:solidFill>
+                  <a:schemeClr val="bg1"/>
+                </a:solidFill>
+                <a:latin typeface="微軟正黑體" panose="020B0604030504040204" pitchFamily="34" charset="-120"/>
+                <a:ea typeface="微軟正黑體" panose="020B0604030504040204" pitchFamily="34" charset="-120"/>
+              </a:endParaRPr>
+            </a:p>
+          </p:txBody>
+        </p:sp>
+      </p:grpSp>
+      <p:grpSp>
+        <p:nvGrpSpPr>
+          <p:cNvPr id="27" name="群組 26" title="Titile"/>
+          <p:cNvGrpSpPr/>
+          <p:nvPr/>
+        </p:nvGrpSpPr>
+        <p:grpSpPr>
+          <a:xfrm>
+            <a:off x="0" y="406400"/>
+            <a:ext cx="6858000" cy="975359"/>
+            <a:chOff x="0" y="406400"/>
+            <a:chExt cx="6858000" cy="975359"/>
+          </a:xfrm>
+        </p:grpSpPr>
+        <p:sp>
+          <p:nvSpPr>
+            <p:cNvPr id="17" name="矩形 16" title="Title BG"/>
+            <p:cNvSpPr/>
+            <p:nvPr/>
+          </p:nvSpPr>
+          <p:spPr>
+            <a:xfrm>
+              <a:off x="0" y="406400"/>
+              <a:ext cx="6858000" cy="975359"/>
+            </a:xfrm>
+            <a:prstGeom prst="rect">
+              <a:avLst/>
+            </a:prstGeom>
+            <a:solidFill>
+              <a:srgbClr val="5476D4"/>
+            </a:solidFill>
+            <a:ln>
+              <a:noFill/>
+            </a:ln>
+          </p:spPr>
+          <p:style>
+            <a:lnRef idx="2">
+              <a:schemeClr val="accent1">
+                <a:shade val="50000"/>
+              </a:schemeClr>
+            </a:lnRef>
+            <a:fillRef idx="1">
+              <a:schemeClr val="accent1"/>
+            </a:fillRef>
+            <a:effectRef idx="0">
+              <a:schemeClr val="accent1"/>
+            </a:effectRef>
+            <a:fontRef idx="minor">
+              <a:schemeClr val="lt1"/>
+            </a:fontRef>
+          </p:style>
+          <p:txBody>
+            <a:bodyPr rtlCol="0" anchor="ctr"/>
+            <a:lstStyle/>
+            <a:p>
+              <a:pPr algn="ctr"/>
+              <a:endParaRPr lang="zh-TW" altLang="en-US"/>
+            </a:p>
+          </p:txBody>
+        </p:sp>
+        <p:sp>
+          <p:nvSpPr>
+            <p:cNvPr id="18" name="文字方塊 17" title="Titile text"/>
+            <p:cNvSpPr txBox="1"/>
+            <p:nvPr/>
+          </p:nvSpPr>
+          <p:spPr>
+            <a:xfrm>
+              <a:off x="188864" y="632469"/>
+              <a:ext cx="2615296" cy="523220"/>
+            </a:xfrm>
+            <a:prstGeom prst="rect">
+              <a:avLst/>
+            </a:prstGeom>
+            <a:noFill/>
+          </p:spPr>
+          <p:txBody>
+            <a:bodyPr wrap="square" rtlCol="0">
+              <a:spAutoFit/>
+            </a:bodyPr>
+            <a:lstStyle/>
+            <a:p>
+              <a:r>
+                <a:rPr lang="en-US" altLang="zh-TW" sz="2800" b="1" dirty="0">
+                  <a:solidFill>
+                    <a:schemeClr val="bg1"/>
+                  </a:solidFill>
+                  <a:latin typeface="微軟正黑體" panose="020B0604030504040204" pitchFamily="34" charset="-120"/>
+                  <a:ea typeface="微軟正黑體" panose="020B0604030504040204" pitchFamily="34" charset="-120"/>
+                </a:rPr>
+                <a:t>Statistic</a:t>
+              </a:r>
+              <a:endParaRPr lang="zh-TW" altLang="en-US" b="1" dirty="0">
+                <a:solidFill>
+                  <a:schemeClr val="bg1"/>
+                </a:solidFill>
+                <a:latin typeface="微軟正黑體" panose="020B0604030504040204" pitchFamily="34" charset="-120"/>
+                <a:ea typeface="微軟正黑體" panose="020B0604030504040204" pitchFamily="34" charset="-120"/>
+              </a:endParaRPr>
+            </a:p>
+          </p:txBody>
+        </p:sp>
+      </p:grpSp>
+      <p:grpSp>
+        <p:nvGrpSpPr>
+          <p:cNvPr id="32" name="群組 31" title="Bottom system bar"/>
+          <p:cNvGrpSpPr/>
+          <p:nvPr/>
+        </p:nvGrpSpPr>
+        <p:grpSpPr>
+          <a:xfrm>
+            <a:off x="0" y="11440160"/>
+            <a:ext cx="6858000" cy="751840"/>
+            <a:chOff x="0" y="11440160"/>
+            <a:chExt cx="6858000" cy="751840"/>
+          </a:xfrm>
+        </p:grpSpPr>
+        <p:sp>
+          <p:nvSpPr>
+            <p:cNvPr id="28" name="矩形 27" title="Bottom system bar BG"/>
+            <p:cNvSpPr/>
+            <p:nvPr/>
+          </p:nvSpPr>
+          <p:spPr>
+            <a:xfrm>
+              <a:off x="0" y="11440160"/>
+              <a:ext cx="6858000" cy="751840"/>
+            </a:xfrm>
+            <a:prstGeom prst="rect">
+              <a:avLst/>
+            </a:prstGeom>
+            <a:solidFill>
+              <a:schemeClr val="tx1"/>
+            </a:solidFill>
+            <a:ln>
+              <a:noFill/>
+            </a:ln>
+          </p:spPr>
+          <p:style>
+            <a:lnRef idx="2">
+              <a:schemeClr val="accent1">
+                <a:shade val="50000"/>
+              </a:schemeClr>
+            </a:lnRef>
+            <a:fillRef idx="1">
+              <a:schemeClr val="accent1"/>
+            </a:fillRef>
+            <a:effectRef idx="0">
+              <a:schemeClr val="accent1"/>
+            </a:effectRef>
+            <a:fontRef idx="minor">
+              <a:schemeClr val="lt1"/>
+            </a:fontRef>
+          </p:style>
+          <p:txBody>
+            <a:bodyPr rtlCol="0" anchor="ctr"/>
+            <a:lstStyle/>
+            <a:p>
+              <a:pPr algn="ctr"/>
+              <a:endParaRPr lang="zh-TW" altLang="en-US"/>
+            </a:p>
+          </p:txBody>
+        </p:sp>
+        <p:sp>
+          <p:nvSpPr>
+            <p:cNvPr id="29" name="等腰三角形 28" title="Back button"/>
+            <p:cNvSpPr/>
+            <p:nvPr/>
+          </p:nvSpPr>
+          <p:spPr>
+            <a:xfrm rot="16200000">
+              <a:off x="1093700" y="11704405"/>
+              <a:ext cx="259082" cy="223348"/>
+            </a:xfrm>
+            <a:prstGeom prst="triangle">
+              <a:avLst/>
+            </a:prstGeom>
+            <a:noFill/>
+            <a:ln w="28575">
+              <a:solidFill>
+                <a:schemeClr val="bg1"/>
+              </a:solidFill>
+            </a:ln>
+          </p:spPr>
+          <p:style>
+            <a:lnRef idx="2">
+              <a:schemeClr val="accent1">
+                <a:shade val="50000"/>
+              </a:schemeClr>
+            </a:lnRef>
+            <a:fillRef idx="1">
+              <a:schemeClr val="accent1"/>
+            </a:fillRef>
+            <a:effectRef idx="0">
+              <a:schemeClr val="accent1"/>
+            </a:effectRef>
+            <a:fontRef idx="minor">
+              <a:schemeClr val="lt1"/>
+            </a:fontRef>
+          </p:style>
+          <p:txBody>
+            <a:bodyPr rtlCol="0" anchor="ctr"/>
+            <a:lstStyle/>
+            <a:p>
+              <a:pPr algn="ctr"/>
+              <a:endParaRPr lang="zh-TW" altLang="en-US"/>
+            </a:p>
+          </p:txBody>
+        </p:sp>
+        <p:sp>
+          <p:nvSpPr>
+            <p:cNvPr id="30" name="矩形 29" title="View botton"/>
+            <p:cNvSpPr/>
+            <p:nvPr/>
+          </p:nvSpPr>
+          <p:spPr>
+            <a:xfrm>
+              <a:off x="5511320" y="11691872"/>
+              <a:ext cx="246860" cy="246860"/>
+            </a:xfrm>
+            <a:prstGeom prst="rect">
+              <a:avLst/>
+            </a:prstGeom>
+            <a:noFill/>
+            <a:ln w="28575">
+              <a:solidFill>
+                <a:schemeClr val="bg1"/>
+              </a:solidFill>
+            </a:ln>
+          </p:spPr>
+          <p:style>
+            <a:lnRef idx="2">
+              <a:schemeClr val="accent1">
+                <a:shade val="50000"/>
+              </a:schemeClr>
+            </a:lnRef>
+            <a:fillRef idx="1">
+              <a:schemeClr val="accent1"/>
+            </a:fillRef>
+            <a:effectRef idx="0">
+              <a:schemeClr val="accent1"/>
+            </a:effectRef>
+            <a:fontRef idx="minor">
+              <a:schemeClr val="lt1"/>
+            </a:fontRef>
+          </p:style>
+          <p:txBody>
+            <a:bodyPr rtlCol="0" anchor="ctr"/>
+            <a:lstStyle/>
+            <a:p>
+              <a:pPr algn="ctr"/>
+              <a:endParaRPr lang="zh-TW" altLang="en-US"/>
+            </a:p>
+          </p:txBody>
+        </p:sp>
+        <p:sp>
+          <p:nvSpPr>
+            <p:cNvPr id="31" name="橢圓 30" title="Home botton"/>
+            <p:cNvSpPr>
+              <a:spLocks noChangeAspect="1"/>
+            </p:cNvSpPr>
+            <p:nvPr/>
+          </p:nvSpPr>
+          <p:spPr>
+            <a:xfrm>
+              <a:off x="3299462" y="11685763"/>
+              <a:ext cx="259078" cy="259078"/>
+            </a:xfrm>
+            <a:prstGeom prst="ellipse">
+              <a:avLst/>
+            </a:prstGeom>
+            <a:noFill/>
+            <a:ln w="28575">
+              <a:solidFill>
+                <a:schemeClr val="bg1"/>
+              </a:solidFill>
+            </a:ln>
+          </p:spPr>
+          <p:style>
+            <a:lnRef idx="2">
+              <a:schemeClr val="accent1">
+                <a:shade val="50000"/>
+              </a:schemeClr>
+            </a:lnRef>
+            <a:fillRef idx="1">
+              <a:schemeClr val="accent1"/>
+            </a:fillRef>
+            <a:effectRef idx="0">
+              <a:schemeClr val="accent1"/>
+            </a:effectRef>
+            <a:fontRef idx="minor">
+              <a:schemeClr val="lt1"/>
+            </a:fontRef>
+          </p:style>
+          <p:txBody>
+            <a:bodyPr rtlCol="0" anchor="ctr"/>
+            <a:lstStyle/>
+            <a:p>
+              <a:pPr algn="ctr"/>
+              <a:endParaRPr lang="zh-TW" altLang="en-US"/>
+            </a:p>
+          </p:txBody>
+        </p:sp>
+      </p:grpSp>
+      <p:sp>
+        <p:nvSpPr>
+          <p:cNvPr id="45" name="圓角矩形 44" title="Cal_/"/>
+          <p:cNvSpPr/>
+          <p:nvPr/>
+        </p:nvSpPr>
+        <p:spPr>
+          <a:xfrm>
+            <a:off x="64169" y="1450193"/>
+            <a:ext cx="2133600" cy="671488"/>
+          </a:xfrm>
+          <a:prstGeom prst="roundRect">
+            <a:avLst/>
+          </a:prstGeom>
+          <a:solidFill>
+            <a:schemeClr val="bg1">
+              <a:lumMod val="85000"/>
+            </a:schemeClr>
+          </a:solidFill>
+          <a:ln>
+            <a:solidFill>
+              <a:schemeClr val="bg1">
+                <a:lumMod val="75000"/>
+              </a:schemeClr>
+            </a:solidFill>
+          </a:ln>
+        </p:spPr>
+        <p:style>
+          <a:lnRef idx="2">
+            <a:schemeClr val="accent1">
+              <a:shade val="50000"/>
+            </a:schemeClr>
+          </a:lnRef>
+          <a:fillRef idx="1">
+            <a:schemeClr val="accent1"/>
+          </a:fillRef>
+          <a:effectRef idx="0">
+            <a:schemeClr val="accent1"/>
+          </a:effectRef>
+          <a:fontRef idx="minor">
+            <a:schemeClr val="lt1"/>
+          </a:fontRef>
+        </p:style>
+        <p:txBody>
+          <a:bodyPr rtlCol="0" anchor="ctr"/>
+          <a:lstStyle/>
+          <a:p>
+            <a:pPr algn="ctr"/>
+            <a:r>
+              <a:rPr lang="zh-TW" altLang="en-US" sz="2400" dirty="0" smtClean="0">
+                <a:solidFill>
+                  <a:schemeClr val="tx1"/>
+                </a:solidFill>
+                <a:latin typeface="微軟正黑體" panose="020B0604030504040204" pitchFamily="34" charset="-120"/>
+                <a:ea typeface="微軟正黑體" panose="020B0604030504040204" pitchFamily="34" charset="-120"/>
+              </a:rPr>
+              <a:t>年</a:t>
+            </a:r>
+            <a:endParaRPr lang="zh-TW" altLang="en-US" sz="2400" dirty="0">
+              <a:solidFill>
+                <a:schemeClr val="tx1"/>
+              </a:solidFill>
+              <a:latin typeface="微軟正黑體" panose="020B0604030504040204" pitchFamily="34" charset="-120"/>
+              <a:ea typeface="微軟正黑體" panose="020B0604030504040204" pitchFamily="34" charset="-120"/>
+            </a:endParaRPr>
+          </a:p>
+        </p:txBody>
+      </p:sp>
+      <p:sp>
+        <p:nvSpPr>
+          <p:cNvPr id="35" name="圓角矩形 34" title="Cal_/"/>
+          <p:cNvSpPr/>
+          <p:nvPr/>
+        </p:nvSpPr>
+        <p:spPr>
+          <a:xfrm>
+            <a:off x="2360998" y="1450193"/>
+            <a:ext cx="2133600" cy="671488"/>
+          </a:xfrm>
+          <a:prstGeom prst="roundRect">
+            <a:avLst/>
+          </a:prstGeom>
+          <a:solidFill>
+            <a:schemeClr val="bg1">
+              <a:lumMod val="85000"/>
+            </a:schemeClr>
+          </a:solidFill>
+          <a:ln>
+            <a:solidFill>
+              <a:schemeClr val="bg1">
+                <a:lumMod val="75000"/>
+              </a:schemeClr>
+            </a:solidFill>
+          </a:ln>
+        </p:spPr>
+        <p:style>
+          <a:lnRef idx="2">
+            <a:schemeClr val="accent1">
+              <a:shade val="50000"/>
+            </a:schemeClr>
+          </a:lnRef>
+          <a:fillRef idx="1">
+            <a:schemeClr val="accent1"/>
+          </a:fillRef>
+          <a:effectRef idx="0">
+            <a:schemeClr val="accent1"/>
+          </a:effectRef>
+          <a:fontRef idx="minor">
+            <a:schemeClr val="lt1"/>
+          </a:fontRef>
+        </p:style>
+        <p:txBody>
+          <a:bodyPr rtlCol="0" anchor="ctr"/>
+          <a:lstStyle/>
+          <a:p>
+            <a:pPr algn="ctr"/>
+            <a:r>
+              <a:rPr lang="zh-TW" altLang="en-US" sz="2400" dirty="0" smtClean="0">
+                <a:solidFill>
+                  <a:schemeClr val="tx1"/>
+                </a:solidFill>
+                <a:latin typeface="微軟正黑體" panose="020B0604030504040204" pitchFamily="34" charset="-120"/>
+                <a:ea typeface="微軟正黑體" panose="020B0604030504040204" pitchFamily="34" charset="-120"/>
+              </a:rPr>
+              <a:t>月</a:t>
+            </a:r>
+            <a:endParaRPr lang="zh-TW" altLang="en-US" sz="2400" dirty="0">
+              <a:solidFill>
+                <a:schemeClr val="tx1"/>
+              </a:solidFill>
+              <a:latin typeface="微軟正黑體" panose="020B0604030504040204" pitchFamily="34" charset="-120"/>
+              <a:ea typeface="微軟正黑體" panose="020B0604030504040204" pitchFamily="34" charset="-120"/>
+            </a:endParaRPr>
+          </a:p>
+        </p:txBody>
+      </p:sp>
+      <p:sp>
+        <p:nvSpPr>
+          <p:cNvPr id="36" name="圓角矩形 35" title="Cal_/"/>
+          <p:cNvSpPr/>
+          <p:nvPr/>
+        </p:nvSpPr>
+        <p:spPr>
+          <a:xfrm>
+            <a:off x="4657827" y="1450193"/>
+            <a:ext cx="2133600" cy="671488"/>
+          </a:xfrm>
+          <a:prstGeom prst="roundRect">
+            <a:avLst/>
+          </a:prstGeom>
+          <a:solidFill>
+            <a:schemeClr val="bg1">
+              <a:lumMod val="85000"/>
+            </a:schemeClr>
+          </a:solidFill>
+          <a:ln>
+            <a:solidFill>
+              <a:schemeClr val="bg1">
+                <a:lumMod val="75000"/>
+              </a:schemeClr>
+            </a:solidFill>
+          </a:ln>
+        </p:spPr>
+        <p:style>
+          <a:lnRef idx="2">
+            <a:schemeClr val="accent1">
+              <a:shade val="50000"/>
+            </a:schemeClr>
+          </a:lnRef>
+          <a:fillRef idx="1">
+            <a:schemeClr val="accent1"/>
+          </a:fillRef>
+          <a:effectRef idx="0">
+            <a:schemeClr val="accent1"/>
+          </a:effectRef>
+          <a:fontRef idx="minor">
+            <a:schemeClr val="lt1"/>
+          </a:fontRef>
+        </p:style>
+        <p:txBody>
+          <a:bodyPr rtlCol="0" anchor="ctr"/>
+          <a:lstStyle/>
+          <a:p>
+            <a:pPr algn="ctr"/>
+            <a:r>
+              <a:rPr lang="zh-TW" altLang="en-US" sz="2400" dirty="0" smtClean="0">
+                <a:solidFill>
+                  <a:schemeClr val="tx1"/>
+                </a:solidFill>
+                <a:latin typeface="微軟正黑體" panose="020B0604030504040204" pitchFamily="34" charset="-120"/>
+                <a:ea typeface="微軟正黑體" panose="020B0604030504040204" pitchFamily="34" charset="-120"/>
+              </a:rPr>
+              <a:t>日</a:t>
+            </a:r>
+            <a:endParaRPr lang="zh-TW" altLang="en-US" sz="2400" dirty="0">
+              <a:solidFill>
+                <a:schemeClr val="tx1"/>
+              </a:solidFill>
+              <a:latin typeface="微軟正黑體" panose="020B0604030504040204" pitchFamily="34" charset="-120"/>
+              <a:ea typeface="微軟正黑體" panose="020B0604030504040204" pitchFamily="34" charset="-120"/>
+            </a:endParaRPr>
+          </a:p>
+        </p:txBody>
+      </p:sp>
+      <p:pic>
+        <p:nvPicPr>
+          <p:cNvPr id="3" name="圖片 2"/>
+          <p:cNvPicPr>
+            <a:picLocks noChangeAspect="1"/>
+          </p:cNvPicPr>
+          <p:nvPr/>
+        </p:nvPicPr>
+        <p:blipFill>
+          <a:blip r:embed="rId2">
+            <a:extLst>
+              <a:ext uri="{28A0092B-C50C-407E-A947-70E740481C1C}">
+                <a14:useLocalDpi xmlns:a14="http://schemas.microsoft.com/office/drawing/2010/main" val="0"/>
+              </a:ext>
+            </a:extLst>
+          </a:blip>
+          <a:stretch>
+            <a:fillRect/>
+          </a:stretch>
+        </p:blipFill>
+        <p:spPr>
+          <a:xfrm>
+            <a:off x="1576165" y="2400143"/>
+            <a:ext cx="444517" cy="453407"/>
+          </a:xfrm>
+          <a:prstGeom prst="rect">
+            <a:avLst/>
+          </a:prstGeom>
+        </p:spPr>
+      </p:pic>
+      <p:pic>
+        <p:nvPicPr>
+          <p:cNvPr id="6" name="圖片 5"/>
+          <p:cNvPicPr>
+            <a:picLocks noChangeAspect="1"/>
+          </p:cNvPicPr>
+          <p:nvPr/>
+        </p:nvPicPr>
+        <p:blipFill>
+          <a:blip r:embed="rId3">
+            <a:extLst>
+              <a:ext uri="{28A0092B-C50C-407E-A947-70E740481C1C}">
+                <a14:useLocalDpi xmlns:a14="http://schemas.microsoft.com/office/drawing/2010/main" val="0"/>
+              </a:ext>
+            </a:extLst>
+          </a:blip>
+          <a:stretch>
+            <a:fillRect/>
+          </a:stretch>
+        </p:blipFill>
+        <p:spPr>
+          <a:xfrm>
+            <a:off x="4850902" y="2400143"/>
+            <a:ext cx="444706" cy="453600"/>
+          </a:xfrm>
+          <a:prstGeom prst="rect">
+            <a:avLst/>
+          </a:prstGeom>
+        </p:spPr>
+      </p:pic>
+      <p:sp>
+        <p:nvSpPr>
+          <p:cNvPr id="13" name="文字方塊 12"/>
+          <p:cNvSpPr txBox="1"/>
+          <p:nvPr/>
+        </p:nvSpPr>
+        <p:spPr>
+          <a:xfrm>
+            <a:off x="2114852" y="2334459"/>
+            <a:ext cx="2633612" cy="584775"/>
+          </a:xfrm>
+          <a:prstGeom prst="rect">
+            <a:avLst/>
+          </a:prstGeom>
+          <a:noFill/>
+        </p:spPr>
+        <p:txBody>
+          <a:bodyPr wrap="square" rtlCol="0">
+            <a:spAutoFit/>
+          </a:bodyPr>
+          <a:lstStyle/>
+          <a:p>
+            <a:pPr algn="ctr"/>
+            <a:r>
+              <a:rPr lang="en-US" altLang="zh-TW" sz="3200" dirty="0" smtClean="0">
+                <a:solidFill>
+                  <a:schemeClr val="tx1">
+                    <a:lumMod val="65000"/>
+                    <a:lumOff val="35000"/>
+                  </a:schemeClr>
+                </a:solidFill>
+                <a:latin typeface="微軟正黑體" panose="020B0604030504040204" pitchFamily="34" charset="-120"/>
+                <a:ea typeface="微軟正黑體" panose="020B0604030504040204" pitchFamily="34" charset="-120"/>
+              </a:rPr>
+              <a:t>2018/06</a:t>
+            </a:r>
+            <a:endParaRPr lang="zh-TW" altLang="en-US" sz="3200" dirty="0">
+              <a:solidFill>
+                <a:schemeClr val="tx1">
+                  <a:lumMod val="65000"/>
+                  <a:lumOff val="35000"/>
+                </a:schemeClr>
+              </a:solidFill>
+              <a:latin typeface="微軟正黑體" panose="020B0604030504040204" pitchFamily="34" charset="-120"/>
+              <a:ea typeface="微軟正黑體" panose="020B0604030504040204" pitchFamily="34" charset="-120"/>
+            </a:endParaRPr>
+          </a:p>
+        </p:txBody>
+      </p:sp>
+      <p:sp>
+        <p:nvSpPr>
+          <p:cNvPr id="14" name="文字方塊 13"/>
+          <p:cNvSpPr txBox="1"/>
+          <p:nvPr/>
+        </p:nvSpPr>
+        <p:spPr>
+          <a:xfrm>
+            <a:off x="417095" y="3336758"/>
+            <a:ext cx="5756009" cy="1384995"/>
+          </a:xfrm>
+          <a:prstGeom prst="rect">
+            <a:avLst/>
+          </a:prstGeom>
+          <a:noFill/>
+        </p:spPr>
+        <p:txBody>
+          <a:bodyPr wrap="square" rtlCol="0">
+            <a:spAutoFit/>
+          </a:bodyPr>
+          <a:lstStyle/>
+          <a:p>
+            <a:r>
+              <a:rPr lang="zh-TW" altLang="en-US" sz="2800" dirty="0" smtClean="0">
+                <a:latin typeface="微軟正黑體" panose="020B0604030504040204" pitchFamily="34" charset="-120"/>
+                <a:ea typeface="微軟正黑體" panose="020B0604030504040204" pitchFamily="34" charset="-120"/>
+              </a:rPr>
+              <a:t>收入：</a:t>
+            </a:r>
+            <a:r>
+              <a:rPr lang="en-US" altLang="zh-TW" sz="2800" dirty="0" smtClean="0">
+                <a:latin typeface="微軟正黑體" panose="020B0604030504040204" pitchFamily="34" charset="-120"/>
+                <a:ea typeface="微軟正黑體" panose="020B0604030504040204" pitchFamily="34" charset="-120"/>
+              </a:rPr>
+              <a:t>$22,000.00</a:t>
+            </a:r>
+          </a:p>
+          <a:p>
+            <a:r>
+              <a:rPr lang="zh-TW" altLang="en-US" sz="2800" dirty="0" smtClean="0">
+                <a:latin typeface="微軟正黑體" panose="020B0604030504040204" pitchFamily="34" charset="-120"/>
+                <a:ea typeface="微軟正黑體" panose="020B0604030504040204" pitchFamily="34" charset="-120"/>
+              </a:rPr>
+              <a:t>支出：</a:t>
+            </a:r>
+            <a:r>
+              <a:rPr lang="en-US" altLang="zh-TW" sz="2800" dirty="0" smtClean="0">
+                <a:latin typeface="微軟正黑體" panose="020B0604030504040204" pitchFamily="34" charset="-120"/>
+                <a:ea typeface="微軟正黑體" panose="020B0604030504040204" pitchFamily="34" charset="-120"/>
+              </a:rPr>
+              <a:t>$23,280.00</a:t>
+            </a:r>
+          </a:p>
+          <a:p>
+            <a:r>
+              <a:rPr lang="zh-TW" altLang="en-US" sz="2800" dirty="0" smtClean="0">
+                <a:latin typeface="微軟正黑體" panose="020B0604030504040204" pitchFamily="34" charset="-120"/>
+                <a:ea typeface="微軟正黑體" panose="020B0604030504040204" pitchFamily="34" charset="-120"/>
+              </a:rPr>
+              <a:t>結餘：</a:t>
+            </a:r>
+            <a:r>
+              <a:rPr lang="en-US" altLang="zh-TW" sz="2800" dirty="0" smtClean="0">
+                <a:latin typeface="微軟正黑體" panose="020B0604030504040204" pitchFamily="34" charset="-120"/>
+                <a:ea typeface="微軟正黑體" panose="020B0604030504040204" pitchFamily="34" charset="-120"/>
+              </a:rPr>
+              <a:t>$-1,280.00</a:t>
+            </a:r>
+            <a:endParaRPr lang="zh-TW" altLang="en-US" sz="2800" dirty="0">
+              <a:latin typeface="微軟正黑體" panose="020B0604030504040204" pitchFamily="34" charset="-120"/>
+              <a:ea typeface="微軟正黑體" panose="020B0604030504040204" pitchFamily="34" charset="-120"/>
+            </a:endParaRPr>
+          </a:p>
+        </p:txBody>
+      </p:sp>
+      <p:pic>
+        <p:nvPicPr>
+          <p:cNvPr id="2" name="圖片 1"/>
+          <p:cNvPicPr>
+            <a:picLocks noChangeAspect="1"/>
+          </p:cNvPicPr>
+          <p:nvPr/>
+        </p:nvPicPr>
+        <p:blipFill>
+          <a:blip r:embed="rId4"/>
+          <a:stretch>
+            <a:fillRect/>
+          </a:stretch>
+        </p:blipFill>
+        <p:spPr>
+          <a:xfrm>
+            <a:off x="1218503" y="5355935"/>
+            <a:ext cx="4506124" cy="4391423"/>
+          </a:xfrm>
+          <a:prstGeom prst="rect">
+            <a:avLst/>
+          </a:prstGeom>
+        </p:spPr>
+      </p:pic>
+      <p:pic>
+        <p:nvPicPr>
+          <p:cNvPr id="8" name="圖片 7"/>
+          <p:cNvPicPr>
+            <a:picLocks noChangeAspect="1"/>
+          </p:cNvPicPr>
+          <p:nvPr/>
+        </p:nvPicPr>
+        <p:blipFill>
+          <a:blip r:embed="rId5"/>
+          <a:stretch>
+            <a:fillRect/>
+          </a:stretch>
+        </p:blipFill>
+        <p:spPr>
+          <a:xfrm>
+            <a:off x="1142410" y="5489188"/>
+            <a:ext cx="4599728" cy="4795461"/>
+          </a:xfrm>
+          <a:prstGeom prst="rect">
+            <a:avLst/>
+          </a:prstGeom>
+        </p:spPr>
+      </p:pic>
+    </p:spTree>
+    <p:extLst>
+      <p:ext uri="{BB962C8B-B14F-4D97-AF65-F5344CB8AC3E}">
+        <p14:creationId xmlns:p14="http://schemas.microsoft.com/office/powerpoint/2010/main" val="3012887585"/>
+      </p:ext>
+    </p:extLst>
+  </p:cSld>
+  <p:clrMapOvr>
+    <a:masterClrMapping/>
+  </p:clrMapOvr>
+  <p:timing>
+    <p:tnLst>
+      <p:par>
+        <p:cTn id="1" dur="indefinite" restart="never" nodeType="tmRoot"/>
+      </p:par>
+    </p:tnLst>
+  </p:timing>
+</p:sld>
+</file>
+
+<file path=ppt/slides/slide11.xml><?xml version="1.0" encoding="utf-8"?>
+<p:sld xmlns:a="http://schemas.openxmlformats.org/drawingml/2006/main" xmlns:r="http://schemas.openxmlformats.org/officeDocument/2006/relationships" xmlns:p="http://schemas.openxmlformats.org/presentationml/2006/main">
+  <p:cSld>
+    <p:spTree>
+      <p:nvGrpSpPr>
+        <p:cNvPr id="1" name=""/>
+        <p:cNvGrpSpPr/>
+        <p:nvPr/>
+      </p:nvGrpSpPr>
+      <p:grpSpPr>
+        <a:xfrm>
+          <a:off x="0" y="0"/>
+          <a:ext cx="0" cy="0"/>
+          <a:chOff x="0" y="0"/>
+          <a:chExt cx="0" cy="0"/>
+        </a:xfrm>
+      </p:grpSpPr>
+      <p:pic>
+        <p:nvPicPr>
+          <p:cNvPr id="2" name="圖片 1"/>
+          <p:cNvPicPr>
+            <a:picLocks noChangeAspect="1"/>
+          </p:cNvPicPr>
+          <p:nvPr/>
+        </p:nvPicPr>
+        <p:blipFill>
+          <a:blip r:embed="rId2"/>
+          <a:stretch>
+            <a:fillRect/>
+          </a:stretch>
+        </p:blipFill>
+        <p:spPr>
+          <a:xfrm>
+            <a:off x="1138293" y="5482909"/>
+            <a:ext cx="4347274" cy="4233726"/>
+          </a:xfrm>
+          <a:prstGeom prst="rect">
+            <a:avLst/>
+          </a:prstGeom>
+        </p:spPr>
+      </p:pic>
+      <p:grpSp>
+        <p:nvGrpSpPr>
+          <p:cNvPr id="26" name="群組 25"/>
+          <p:cNvGrpSpPr/>
+          <p:nvPr/>
+        </p:nvGrpSpPr>
+        <p:grpSpPr>
+          <a:xfrm>
+            <a:off x="0" y="1"/>
+            <a:ext cx="7312294" cy="578782"/>
+            <a:chOff x="0" y="1"/>
+            <a:chExt cx="7312294" cy="578782"/>
+          </a:xfrm>
+        </p:grpSpPr>
+        <p:sp>
+          <p:nvSpPr>
+            <p:cNvPr id="7" name="矩形 6" title="Top system bar"/>
+            <p:cNvSpPr/>
+            <p:nvPr/>
+          </p:nvSpPr>
+          <p:spPr>
+            <a:xfrm>
+              <a:off x="0" y="1"/>
+              <a:ext cx="6858000" cy="406400"/>
+            </a:xfrm>
+            <a:prstGeom prst="rect">
+              <a:avLst/>
+            </a:prstGeom>
+            <a:solidFill>
+              <a:srgbClr val="345CCC"/>
+            </a:solidFill>
+            <a:ln>
+              <a:noFill/>
+            </a:ln>
+          </p:spPr>
+          <p:style>
+            <a:lnRef idx="2">
+              <a:schemeClr val="accent1">
+                <a:shade val="50000"/>
+              </a:schemeClr>
+            </a:lnRef>
+            <a:fillRef idx="1">
+              <a:schemeClr val="accent1"/>
+            </a:fillRef>
+            <a:effectRef idx="0">
+              <a:schemeClr val="accent1"/>
+            </a:effectRef>
+            <a:fontRef idx="minor">
+              <a:schemeClr val="lt1"/>
+            </a:fontRef>
+          </p:style>
+          <p:txBody>
+            <a:bodyPr rtlCol="0" anchor="ctr"/>
+            <a:lstStyle/>
+            <a:p>
+              <a:pPr algn="ctr"/>
+              <a:endParaRPr lang="zh-TW" altLang="en-US"/>
+            </a:p>
+          </p:txBody>
+        </p:sp>
+        <p:sp>
+          <p:nvSpPr>
+            <p:cNvPr id="4" name="圓形圖 3" title="Wifi sign"/>
+            <p:cNvSpPr/>
+            <p:nvPr/>
+          </p:nvSpPr>
+          <p:spPr>
+            <a:xfrm rot="2700000">
+              <a:off x="5357104" y="73451"/>
+              <a:ext cx="505332" cy="505332"/>
+            </a:xfrm>
+            <a:prstGeom prst="pie">
+              <a:avLst>
+                <a:gd name="adj1" fmla="val 10897748"/>
+                <a:gd name="adj2" fmla="val 16200000"/>
+              </a:avLst>
+            </a:prstGeom>
+            <a:solidFill>
+              <a:schemeClr val="bg1"/>
+            </a:solidFill>
+            <a:ln>
+              <a:noFill/>
+            </a:ln>
+          </p:spPr>
+          <p:style>
+            <a:lnRef idx="2">
+              <a:schemeClr val="accent1">
+                <a:shade val="50000"/>
+              </a:schemeClr>
+            </a:lnRef>
+            <a:fillRef idx="1">
+              <a:schemeClr val="accent1"/>
+            </a:fillRef>
+            <a:effectRef idx="0">
+              <a:schemeClr val="accent1"/>
+            </a:effectRef>
+            <a:fontRef idx="minor">
+              <a:schemeClr val="lt1"/>
+            </a:fontRef>
+          </p:style>
+          <p:txBody>
+            <a:bodyPr rtlCol="0" anchor="ctr"/>
+            <a:lstStyle/>
+            <a:p>
+              <a:pPr algn="ctr"/>
+              <a:endParaRPr lang="zh-TW" altLang="en-US">
+                <a:solidFill>
+                  <a:schemeClr val="tx1"/>
+                </a:solidFill>
+              </a:endParaRPr>
+            </a:p>
+          </p:txBody>
+        </p:sp>
+        <p:grpSp>
+          <p:nvGrpSpPr>
+            <p:cNvPr id="11" name="群組 10" title="Bettery sign"/>
+            <p:cNvGrpSpPr/>
+            <p:nvPr/>
+          </p:nvGrpSpPr>
+          <p:grpSpPr>
+            <a:xfrm>
+              <a:off x="5899149" y="73932"/>
+              <a:ext cx="135889" cy="252185"/>
+              <a:chOff x="6238239" y="70121"/>
+              <a:chExt cx="135889" cy="252185"/>
+            </a:xfrm>
+          </p:grpSpPr>
+          <p:sp>
+            <p:nvSpPr>
+              <p:cNvPr id="9" name="矩形 8"/>
+              <p:cNvSpPr/>
+              <p:nvPr/>
+            </p:nvSpPr>
+            <p:spPr>
+              <a:xfrm flipV="1">
+                <a:off x="6258602" y="70121"/>
+                <a:ext cx="95161" cy="45719"/>
+              </a:xfrm>
+              <a:prstGeom prst="rect">
+                <a:avLst/>
+              </a:prstGeom>
+              <a:solidFill>
+                <a:schemeClr val="bg1"/>
+              </a:solidFill>
+              <a:ln>
+                <a:noFill/>
+              </a:ln>
+            </p:spPr>
+            <p:style>
+              <a:lnRef idx="2">
+                <a:schemeClr val="accent1">
+                  <a:shade val="50000"/>
+                </a:schemeClr>
+              </a:lnRef>
+              <a:fillRef idx="1">
+                <a:schemeClr val="accent1"/>
+              </a:fillRef>
+              <a:effectRef idx="0">
+                <a:schemeClr val="accent1"/>
+              </a:effectRef>
+              <a:fontRef idx="minor">
+                <a:schemeClr val="lt1"/>
+              </a:fontRef>
+            </p:style>
+            <p:txBody>
+              <a:bodyPr rtlCol="0" anchor="ctr"/>
+              <a:lstStyle/>
+              <a:p>
+                <a:pPr algn="ctr"/>
+                <a:endParaRPr lang="zh-TW" altLang="en-US"/>
+              </a:p>
+            </p:txBody>
+          </p:sp>
+          <p:sp>
+            <p:nvSpPr>
+              <p:cNvPr id="10" name="矩形 9"/>
+              <p:cNvSpPr/>
+              <p:nvPr/>
+            </p:nvSpPr>
+            <p:spPr>
+              <a:xfrm>
+                <a:off x="6238239" y="110490"/>
+                <a:ext cx="135889" cy="211816"/>
+              </a:xfrm>
+              <a:prstGeom prst="rect">
+                <a:avLst/>
+              </a:prstGeom>
+              <a:solidFill>
+                <a:schemeClr val="bg1"/>
+              </a:solidFill>
+              <a:ln>
+                <a:noFill/>
+              </a:ln>
+            </p:spPr>
+            <p:style>
+              <a:lnRef idx="2">
+                <a:schemeClr val="accent1">
+                  <a:shade val="50000"/>
+                </a:schemeClr>
+              </a:lnRef>
+              <a:fillRef idx="1">
+                <a:schemeClr val="accent1"/>
+              </a:fillRef>
+              <a:effectRef idx="0">
+                <a:schemeClr val="accent1"/>
+              </a:effectRef>
+              <a:fontRef idx="minor">
+                <a:schemeClr val="lt1"/>
+              </a:fontRef>
+            </p:style>
+            <p:txBody>
+              <a:bodyPr rtlCol="0" anchor="ctr"/>
+              <a:lstStyle/>
+              <a:p>
+                <a:pPr algn="ctr"/>
+                <a:endParaRPr lang="zh-TW" altLang="en-US"/>
+              </a:p>
+            </p:txBody>
+          </p:sp>
+        </p:grpSp>
+        <p:sp>
+          <p:nvSpPr>
+            <p:cNvPr id="12" name="文字方塊 11" title="System time"/>
+            <p:cNvSpPr txBox="1"/>
+            <p:nvPr/>
+          </p:nvSpPr>
+          <p:spPr>
+            <a:xfrm>
+              <a:off x="6173104" y="18535"/>
+              <a:ext cx="1139190" cy="369332"/>
+            </a:xfrm>
+            <a:prstGeom prst="rect">
+              <a:avLst/>
+            </a:prstGeom>
+            <a:noFill/>
+          </p:spPr>
+          <p:txBody>
+            <a:bodyPr wrap="square" rtlCol="0">
+              <a:spAutoFit/>
+            </a:bodyPr>
+            <a:lstStyle/>
+            <a:p>
+              <a:r>
+                <a:rPr lang="en-US" altLang="zh-TW" b="1" dirty="0" smtClean="0">
+                  <a:solidFill>
+                    <a:schemeClr val="bg1"/>
+                  </a:solidFill>
+                  <a:latin typeface="微軟正黑體" panose="020B0604030504040204" pitchFamily="34" charset="-120"/>
+                  <a:ea typeface="微軟正黑體" panose="020B0604030504040204" pitchFamily="34" charset="-120"/>
+                </a:rPr>
+                <a:t>8:01</a:t>
+              </a:r>
+            </a:p>
+          </p:txBody>
+        </p:sp>
+      </p:grpSp>
+      <p:grpSp>
+        <p:nvGrpSpPr>
+          <p:cNvPr id="27" name="群組 26" title="Titile"/>
+          <p:cNvGrpSpPr/>
+          <p:nvPr/>
+        </p:nvGrpSpPr>
+        <p:grpSpPr>
+          <a:xfrm>
+            <a:off x="0" y="406400"/>
+            <a:ext cx="6858000" cy="975359"/>
+            <a:chOff x="0" y="406400"/>
+            <a:chExt cx="6858000" cy="975359"/>
+          </a:xfrm>
+        </p:grpSpPr>
+        <p:sp>
+          <p:nvSpPr>
+            <p:cNvPr id="17" name="矩形 16" title="Title BG"/>
+            <p:cNvSpPr/>
+            <p:nvPr/>
+          </p:nvSpPr>
+          <p:spPr>
+            <a:xfrm>
+              <a:off x="0" y="406400"/>
+              <a:ext cx="6858000" cy="975359"/>
+            </a:xfrm>
+            <a:prstGeom prst="rect">
+              <a:avLst/>
+            </a:prstGeom>
+            <a:solidFill>
+              <a:srgbClr val="5476D4"/>
+            </a:solidFill>
+            <a:ln>
+              <a:noFill/>
+            </a:ln>
+          </p:spPr>
+          <p:style>
+            <a:lnRef idx="2">
+              <a:schemeClr val="accent1">
+                <a:shade val="50000"/>
+              </a:schemeClr>
+            </a:lnRef>
+            <a:fillRef idx="1">
+              <a:schemeClr val="accent1"/>
+            </a:fillRef>
+            <a:effectRef idx="0">
+              <a:schemeClr val="accent1"/>
+            </a:effectRef>
+            <a:fontRef idx="minor">
+              <a:schemeClr val="lt1"/>
+            </a:fontRef>
+          </p:style>
+          <p:txBody>
+            <a:bodyPr rtlCol="0" anchor="ctr"/>
+            <a:lstStyle/>
+            <a:p>
+              <a:pPr algn="ctr"/>
+              <a:endParaRPr lang="zh-TW" altLang="en-US"/>
+            </a:p>
+          </p:txBody>
+        </p:sp>
+        <p:sp>
+          <p:nvSpPr>
+            <p:cNvPr id="18" name="文字方塊 17" title="Titile text"/>
+            <p:cNvSpPr txBox="1"/>
+            <p:nvPr/>
+          </p:nvSpPr>
+          <p:spPr>
+            <a:xfrm>
+              <a:off x="188864" y="632469"/>
+              <a:ext cx="2615296" cy="523220"/>
+            </a:xfrm>
+            <a:prstGeom prst="rect">
+              <a:avLst/>
+            </a:prstGeom>
+            <a:noFill/>
+          </p:spPr>
+          <p:txBody>
+            <a:bodyPr wrap="square" rtlCol="0">
+              <a:spAutoFit/>
+            </a:bodyPr>
+            <a:lstStyle/>
+            <a:p>
+              <a:r>
+                <a:rPr lang="en-US" altLang="zh-TW" sz="2800" b="1" dirty="0">
+                  <a:solidFill>
+                    <a:schemeClr val="bg1"/>
+                  </a:solidFill>
+                  <a:latin typeface="微軟正黑體" panose="020B0604030504040204" pitchFamily="34" charset="-120"/>
+                  <a:ea typeface="微軟正黑體" panose="020B0604030504040204" pitchFamily="34" charset="-120"/>
+                </a:rPr>
+                <a:t>Statistic</a:t>
+              </a:r>
+              <a:endParaRPr lang="zh-TW" altLang="en-US" b="1" dirty="0">
+                <a:solidFill>
+                  <a:schemeClr val="bg1"/>
+                </a:solidFill>
+                <a:latin typeface="微軟正黑體" panose="020B0604030504040204" pitchFamily="34" charset="-120"/>
+                <a:ea typeface="微軟正黑體" panose="020B0604030504040204" pitchFamily="34" charset="-120"/>
+              </a:endParaRPr>
+            </a:p>
+          </p:txBody>
+        </p:sp>
+      </p:grpSp>
+      <p:grpSp>
+        <p:nvGrpSpPr>
+          <p:cNvPr id="32" name="群組 31" title="Bottom system bar"/>
+          <p:cNvGrpSpPr/>
+          <p:nvPr/>
+        </p:nvGrpSpPr>
+        <p:grpSpPr>
+          <a:xfrm>
+            <a:off x="0" y="11440160"/>
+            <a:ext cx="6858000" cy="751840"/>
+            <a:chOff x="0" y="11440160"/>
+            <a:chExt cx="6858000" cy="751840"/>
+          </a:xfrm>
+        </p:grpSpPr>
+        <p:sp>
+          <p:nvSpPr>
+            <p:cNvPr id="28" name="矩形 27" title="Bottom system bar BG"/>
+            <p:cNvSpPr/>
+            <p:nvPr/>
+          </p:nvSpPr>
+          <p:spPr>
+            <a:xfrm>
+              <a:off x="0" y="11440160"/>
+              <a:ext cx="6858000" cy="751840"/>
+            </a:xfrm>
+            <a:prstGeom prst="rect">
+              <a:avLst/>
+            </a:prstGeom>
+            <a:solidFill>
+              <a:schemeClr val="tx1"/>
+            </a:solidFill>
+            <a:ln>
+              <a:noFill/>
+            </a:ln>
+          </p:spPr>
+          <p:style>
+            <a:lnRef idx="2">
+              <a:schemeClr val="accent1">
+                <a:shade val="50000"/>
+              </a:schemeClr>
+            </a:lnRef>
+            <a:fillRef idx="1">
+              <a:schemeClr val="accent1"/>
+            </a:fillRef>
+            <a:effectRef idx="0">
+              <a:schemeClr val="accent1"/>
+            </a:effectRef>
+            <a:fontRef idx="minor">
+              <a:schemeClr val="lt1"/>
+            </a:fontRef>
+          </p:style>
+          <p:txBody>
+            <a:bodyPr rtlCol="0" anchor="ctr"/>
+            <a:lstStyle/>
+            <a:p>
+              <a:pPr algn="ctr"/>
+              <a:endParaRPr lang="zh-TW" altLang="en-US"/>
+            </a:p>
+          </p:txBody>
+        </p:sp>
+        <p:sp>
+          <p:nvSpPr>
+            <p:cNvPr id="29" name="等腰三角形 28" title="Back button"/>
+            <p:cNvSpPr/>
+            <p:nvPr/>
+          </p:nvSpPr>
+          <p:spPr>
+            <a:xfrm rot="16200000">
+              <a:off x="1093700" y="11704405"/>
+              <a:ext cx="259082" cy="223348"/>
+            </a:xfrm>
+            <a:prstGeom prst="triangle">
+              <a:avLst/>
+            </a:prstGeom>
+            <a:noFill/>
+            <a:ln w="28575">
+              <a:solidFill>
+                <a:schemeClr val="bg1"/>
+              </a:solidFill>
+            </a:ln>
+          </p:spPr>
+          <p:style>
+            <a:lnRef idx="2">
+              <a:schemeClr val="accent1">
+                <a:shade val="50000"/>
+              </a:schemeClr>
+            </a:lnRef>
+            <a:fillRef idx="1">
+              <a:schemeClr val="accent1"/>
+            </a:fillRef>
+            <a:effectRef idx="0">
+              <a:schemeClr val="accent1"/>
+            </a:effectRef>
+            <a:fontRef idx="minor">
+              <a:schemeClr val="lt1"/>
+            </a:fontRef>
+          </p:style>
+          <p:txBody>
+            <a:bodyPr rtlCol="0" anchor="ctr"/>
+            <a:lstStyle/>
+            <a:p>
+              <a:pPr algn="ctr"/>
+              <a:endParaRPr lang="zh-TW" altLang="en-US"/>
+            </a:p>
+          </p:txBody>
+        </p:sp>
+        <p:sp>
+          <p:nvSpPr>
+            <p:cNvPr id="30" name="矩形 29" title="View botton"/>
+            <p:cNvSpPr/>
+            <p:nvPr/>
+          </p:nvSpPr>
+          <p:spPr>
+            <a:xfrm>
+              <a:off x="5511320" y="11691872"/>
+              <a:ext cx="246860" cy="246860"/>
+            </a:xfrm>
+            <a:prstGeom prst="rect">
+              <a:avLst/>
+            </a:prstGeom>
+            <a:noFill/>
+            <a:ln w="28575">
+              <a:solidFill>
+                <a:schemeClr val="bg1"/>
+              </a:solidFill>
+            </a:ln>
+          </p:spPr>
+          <p:style>
+            <a:lnRef idx="2">
+              <a:schemeClr val="accent1">
+                <a:shade val="50000"/>
+              </a:schemeClr>
+            </a:lnRef>
+            <a:fillRef idx="1">
+              <a:schemeClr val="accent1"/>
+            </a:fillRef>
+            <a:effectRef idx="0">
+              <a:schemeClr val="accent1"/>
+            </a:effectRef>
+            <a:fontRef idx="minor">
+              <a:schemeClr val="lt1"/>
+            </a:fontRef>
+          </p:style>
+          <p:txBody>
+            <a:bodyPr rtlCol="0" anchor="ctr"/>
+            <a:lstStyle/>
+            <a:p>
+              <a:pPr algn="ctr"/>
+              <a:endParaRPr lang="zh-TW" altLang="en-US"/>
+            </a:p>
+          </p:txBody>
+        </p:sp>
+        <p:sp>
+          <p:nvSpPr>
+            <p:cNvPr id="31" name="橢圓 30" title="Home botton"/>
+            <p:cNvSpPr>
+              <a:spLocks noChangeAspect="1"/>
+            </p:cNvSpPr>
+            <p:nvPr/>
+          </p:nvSpPr>
+          <p:spPr>
+            <a:xfrm>
+              <a:off x="3299462" y="11685763"/>
+              <a:ext cx="259078" cy="259078"/>
+            </a:xfrm>
+            <a:prstGeom prst="ellipse">
+              <a:avLst/>
+            </a:prstGeom>
+            <a:noFill/>
+            <a:ln w="28575">
+              <a:solidFill>
+                <a:schemeClr val="bg1"/>
+              </a:solidFill>
+            </a:ln>
+          </p:spPr>
+          <p:style>
+            <a:lnRef idx="2">
+              <a:schemeClr val="accent1">
+                <a:shade val="50000"/>
+              </a:schemeClr>
+            </a:lnRef>
+            <a:fillRef idx="1">
+              <a:schemeClr val="accent1"/>
+            </a:fillRef>
+            <a:effectRef idx="0">
+              <a:schemeClr val="accent1"/>
+            </a:effectRef>
+            <a:fontRef idx="minor">
+              <a:schemeClr val="lt1"/>
+            </a:fontRef>
+          </p:style>
+          <p:txBody>
+            <a:bodyPr rtlCol="0" anchor="ctr"/>
+            <a:lstStyle/>
+            <a:p>
+              <a:pPr algn="ctr"/>
+              <a:endParaRPr lang="zh-TW" altLang="en-US"/>
+            </a:p>
+          </p:txBody>
+        </p:sp>
+      </p:grpSp>
+      <p:sp>
+        <p:nvSpPr>
+          <p:cNvPr id="45" name="圓角矩形 44" title="Cal_/"/>
+          <p:cNvSpPr/>
+          <p:nvPr/>
+        </p:nvSpPr>
+        <p:spPr>
+          <a:xfrm>
+            <a:off x="64169" y="1450193"/>
+            <a:ext cx="2133600" cy="671488"/>
+          </a:xfrm>
+          <a:prstGeom prst="roundRect">
+            <a:avLst/>
+          </a:prstGeom>
+          <a:solidFill>
+            <a:schemeClr val="bg1">
+              <a:lumMod val="85000"/>
+            </a:schemeClr>
+          </a:solidFill>
+          <a:ln>
+            <a:solidFill>
+              <a:schemeClr val="bg1">
+                <a:lumMod val="75000"/>
+              </a:schemeClr>
+            </a:solidFill>
+          </a:ln>
+        </p:spPr>
+        <p:style>
+          <a:lnRef idx="2">
+            <a:schemeClr val="accent1">
+              <a:shade val="50000"/>
+            </a:schemeClr>
+          </a:lnRef>
+          <a:fillRef idx="1">
+            <a:schemeClr val="accent1"/>
+          </a:fillRef>
+          <a:effectRef idx="0">
+            <a:schemeClr val="accent1"/>
+          </a:effectRef>
+          <a:fontRef idx="minor">
+            <a:schemeClr val="lt1"/>
+          </a:fontRef>
+        </p:style>
+        <p:txBody>
+          <a:bodyPr rtlCol="0" anchor="ctr"/>
+          <a:lstStyle/>
+          <a:p>
+            <a:pPr algn="ctr"/>
+            <a:r>
+              <a:rPr lang="zh-TW" altLang="en-US" sz="2400" dirty="0" smtClean="0">
+                <a:solidFill>
+                  <a:schemeClr val="tx1"/>
+                </a:solidFill>
+                <a:latin typeface="微軟正黑體" panose="020B0604030504040204" pitchFamily="34" charset="-120"/>
+                <a:ea typeface="微軟正黑體" panose="020B0604030504040204" pitchFamily="34" charset="-120"/>
+              </a:rPr>
+              <a:t>年</a:t>
+            </a:r>
+            <a:endParaRPr lang="zh-TW" altLang="en-US" sz="2400" dirty="0">
+              <a:solidFill>
+                <a:schemeClr val="tx1"/>
+              </a:solidFill>
+              <a:latin typeface="微軟正黑體" panose="020B0604030504040204" pitchFamily="34" charset="-120"/>
+              <a:ea typeface="微軟正黑體" panose="020B0604030504040204" pitchFamily="34" charset="-120"/>
+            </a:endParaRPr>
+          </a:p>
+        </p:txBody>
+      </p:sp>
+      <p:sp>
+        <p:nvSpPr>
+          <p:cNvPr id="35" name="圓角矩形 34" title="Cal_/"/>
+          <p:cNvSpPr/>
+          <p:nvPr/>
+        </p:nvSpPr>
+        <p:spPr>
+          <a:xfrm>
+            <a:off x="2360998" y="1450193"/>
+            <a:ext cx="2133600" cy="671488"/>
+          </a:xfrm>
+          <a:prstGeom prst="roundRect">
+            <a:avLst/>
+          </a:prstGeom>
+          <a:solidFill>
+            <a:schemeClr val="bg1">
+              <a:lumMod val="85000"/>
+            </a:schemeClr>
+          </a:solidFill>
+          <a:ln>
+            <a:solidFill>
+              <a:schemeClr val="bg1">
+                <a:lumMod val="75000"/>
+              </a:schemeClr>
+            </a:solidFill>
+          </a:ln>
+        </p:spPr>
+        <p:style>
+          <a:lnRef idx="2">
+            <a:schemeClr val="accent1">
+              <a:shade val="50000"/>
+            </a:schemeClr>
+          </a:lnRef>
+          <a:fillRef idx="1">
+            <a:schemeClr val="accent1"/>
+          </a:fillRef>
+          <a:effectRef idx="0">
+            <a:schemeClr val="accent1"/>
+          </a:effectRef>
+          <a:fontRef idx="minor">
+            <a:schemeClr val="lt1"/>
+          </a:fontRef>
+        </p:style>
+        <p:txBody>
+          <a:bodyPr rtlCol="0" anchor="ctr"/>
+          <a:lstStyle/>
+          <a:p>
+            <a:pPr algn="ctr"/>
+            <a:r>
+              <a:rPr lang="zh-TW" altLang="en-US" sz="2400" dirty="0" smtClean="0">
+                <a:solidFill>
+                  <a:schemeClr val="tx1"/>
+                </a:solidFill>
+                <a:latin typeface="微軟正黑體" panose="020B0604030504040204" pitchFamily="34" charset="-120"/>
+                <a:ea typeface="微軟正黑體" panose="020B0604030504040204" pitchFamily="34" charset="-120"/>
+              </a:rPr>
+              <a:t>月</a:t>
+            </a:r>
+            <a:endParaRPr lang="zh-TW" altLang="en-US" sz="2400" dirty="0">
+              <a:solidFill>
+                <a:schemeClr val="tx1"/>
+              </a:solidFill>
+              <a:latin typeface="微軟正黑體" panose="020B0604030504040204" pitchFamily="34" charset="-120"/>
+              <a:ea typeface="微軟正黑體" panose="020B0604030504040204" pitchFamily="34" charset="-120"/>
+            </a:endParaRPr>
+          </a:p>
+        </p:txBody>
+      </p:sp>
+      <p:sp>
+        <p:nvSpPr>
+          <p:cNvPr id="36" name="圓角矩形 35" title="Cal_/"/>
+          <p:cNvSpPr/>
+          <p:nvPr/>
+        </p:nvSpPr>
+        <p:spPr>
+          <a:xfrm>
+            <a:off x="4657827" y="1450193"/>
+            <a:ext cx="2133600" cy="671488"/>
+          </a:xfrm>
+          <a:prstGeom prst="roundRect">
+            <a:avLst/>
+          </a:prstGeom>
+          <a:solidFill>
+            <a:schemeClr val="bg1">
+              <a:lumMod val="85000"/>
+            </a:schemeClr>
+          </a:solidFill>
+          <a:ln>
+            <a:solidFill>
+              <a:schemeClr val="bg1">
+                <a:lumMod val="75000"/>
+              </a:schemeClr>
+            </a:solidFill>
+          </a:ln>
+        </p:spPr>
+        <p:style>
+          <a:lnRef idx="2">
+            <a:schemeClr val="accent1">
+              <a:shade val="50000"/>
+            </a:schemeClr>
+          </a:lnRef>
+          <a:fillRef idx="1">
+            <a:schemeClr val="accent1"/>
+          </a:fillRef>
+          <a:effectRef idx="0">
+            <a:schemeClr val="accent1"/>
+          </a:effectRef>
+          <a:fontRef idx="minor">
+            <a:schemeClr val="lt1"/>
+          </a:fontRef>
+        </p:style>
+        <p:txBody>
+          <a:bodyPr rtlCol="0" anchor="ctr"/>
+          <a:lstStyle/>
+          <a:p>
+            <a:pPr algn="ctr"/>
+            <a:r>
+              <a:rPr lang="zh-TW" altLang="en-US" sz="2400" dirty="0" smtClean="0">
+                <a:solidFill>
+                  <a:schemeClr val="tx1"/>
+                </a:solidFill>
+                <a:latin typeface="微軟正黑體" panose="020B0604030504040204" pitchFamily="34" charset="-120"/>
+                <a:ea typeface="微軟正黑體" panose="020B0604030504040204" pitchFamily="34" charset="-120"/>
+              </a:rPr>
+              <a:t>日</a:t>
+            </a:r>
+            <a:endParaRPr lang="zh-TW" altLang="en-US" sz="2400" dirty="0">
+              <a:solidFill>
+                <a:schemeClr val="tx1"/>
+              </a:solidFill>
+              <a:latin typeface="微軟正黑體" panose="020B0604030504040204" pitchFamily="34" charset="-120"/>
+              <a:ea typeface="微軟正黑體" panose="020B0604030504040204" pitchFamily="34" charset="-120"/>
+            </a:endParaRPr>
+          </a:p>
+        </p:txBody>
+      </p:sp>
+      <p:pic>
+        <p:nvPicPr>
+          <p:cNvPr id="3" name="圖片 2"/>
+          <p:cNvPicPr>
+            <a:picLocks noChangeAspect="1"/>
+          </p:cNvPicPr>
+          <p:nvPr/>
+        </p:nvPicPr>
+        <p:blipFill>
+          <a:blip r:embed="rId3">
+            <a:extLst>
+              <a:ext uri="{28A0092B-C50C-407E-A947-70E740481C1C}">
+                <a14:useLocalDpi xmlns:a14="http://schemas.microsoft.com/office/drawing/2010/main" val="0"/>
+              </a:ext>
+            </a:extLst>
+          </a:blip>
+          <a:stretch>
+            <a:fillRect/>
+          </a:stretch>
+        </p:blipFill>
+        <p:spPr>
+          <a:xfrm>
+            <a:off x="1880963" y="2400143"/>
+            <a:ext cx="444517" cy="453407"/>
+          </a:xfrm>
+          <a:prstGeom prst="rect">
+            <a:avLst/>
+          </a:prstGeom>
+        </p:spPr>
+      </p:pic>
+      <p:pic>
+        <p:nvPicPr>
+          <p:cNvPr id="6" name="圖片 5"/>
+          <p:cNvPicPr>
+            <a:picLocks noChangeAspect="1"/>
+          </p:cNvPicPr>
+          <p:nvPr/>
+        </p:nvPicPr>
+        <p:blipFill>
+          <a:blip r:embed="rId4">
+            <a:extLst>
+              <a:ext uri="{28A0092B-C50C-407E-A947-70E740481C1C}">
+                <a14:useLocalDpi xmlns:a14="http://schemas.microsoft.com/office/drawing/2010/main" val="0"/>
+              </a:ext>
+            </a:extLst>
+          </a:blip>
+          <a:stretch>
+            <a:fillRect/>
+          </a:stretch>
+        </p:blipFill>
+        <p:spPr>
+          <a:xfrm>
+            <a:off x="4530060" y="2400143"/>
+            <a:ext cx="444706" cy="453600"/>
+          </a:xfrm>
+          <a:prstGeom prst="rect">
+            <a:avLst/>
+          </a:prstGeom>
+        </p:spPr>
+      </p:pic>
+      <p:sp>
+        <p:nvSpPr>
+          <p:cNvPr id="13" name="文字方塊 12"/>
+          <p:cNvSpPr txBox="1"/>
+          <p:nvPr/>
+        </p:nvSpPr>
+        <p:spPr>
+          <a:xfrm>
+            <a:off x="2110964" y="2334459"/>
+            <a:ext cx="2633612" cy="584775"/>
+          </a:xfrm>
+          <a:prstGeom prst="rect">
+            <a:avLst/>
+          </a:prstGeom>
+          <a:noFill/>
+        </p:spPr>
+        <p:txBody>
+          <a:bodyPr wrap="square" rtlCol="0">
+            <a:spAutoFit/>
+          </a:bodyPr>
+          <a:lstStyle/>
+          <a:p>
+            <a:pPr algn="ctr"/>
+            <a:r>
+              <a:rPr lang="en-US" altLang="zh-TW" sz="3200" dirty="0" smtClean="0">
+                <a:solidFill>
+                  <a:schemeClr val="tx1">
+                    <a:lumMod val="65000"/>
+                    <a:lumOff val="35000"/>
+                  </a:schemeClr>
+                </a:solidFill>
+                <a:latin typeface="微軟正黑體" panose="020B0604030504040204" pitchFamily="34" charset="-120"/>
+                <a:ea typeface="微軟正黑體" panose="020B0604030504040204" pitchFamily="34" charset="-120"/>
+              </a:rPr>
+              <a:t>2018</a:t>
+            </a:r>
+            <a:endParaRPr lang="zh-TW" altLang="en-US" sz="3200" dirty="0">
+              <a:solidFill>
+                <a:schemeClr val="tx1">
+                  <a:lumMod val="65000"/>
+                  <a:lumOff val="35000"/>
+                </a:schemeClr>
+              </a:solidFill>
+              <a:latin typeface="微軟正黑體" panose="020B0604030504040204" pitchFamily="34" charset="-120"/>
+              <a:ea typeface="微軟正黑體" panose="020B0604030504040204" pitchFamily="34" charset="-120"/>
+            </a:endParaRPr>
+          </a:p>
+        </p:txBody>
+      </p:sp>
+      <p:sp>
+        <p:nvSpPr>
+          <p:cNvPr id="14" name="文字方塊 13"/>
+          <p:cNvSpPr txBox="1"/>
+          <p:nvPr/>
+        </p:nvSpPr>
+        <p:spPr>
+          <a:xfrm>
+            <a:off x="417095" y="3336758"/>
+            <a:ext cx="5756009" cy="1384995"/>
+          </a:xfrm>
+          <a:prstGeom prst="rect">
+            <a:avLst/>
+          </a:prstGeom>
+          <a:noFill/>
+        </p:spPr>
+        <p:txBody>
+          <a:bodyPr wrap="square" rtlCol="0">
+            <a:spAutoFit/>
+          </a:bodyPr>
+          <a:lstStyle/>
+          <a:p>
+            <a:r>
+              <a:rPr lang="zh-TW" altLang="en-US" sz="2800" dirty="0" smtClean="0">
+                <a:latin typeface="微軟正黑體" panose="020B0604030504040204" pitchFamily="34" charset="-120"/>
+                <a:ea typeface="微軟正黑體" panose="020B0604030504040204" pitchFamily="34" charset="-120"/>
+              </a:rPr>
+              <a:t>收入：</a:t>
+            </a:r>
+            <a:r>
+              <a:rPr lang="en-US" altLang="zh-TW" sz="2800" dirty="0" smtClean="0">
+                <a:latin typeface="微軟正黑體" panose="020B0604030504040204" pitchFamily="34" charset="-120"/>
+                <a:ea typeface="微軟正黑體" panose="020B0604030504040204" pitchFamily="34" charset="-120"/>
+              </a:rPr>
+              <a:t>$308,000.00</a:t>
+            </a:r>
+          </a:p>
+          <a:p>
+            <a:r>
+              <a:rPr lang="zh-TW" altLang="en-US" sz="2800" dirty="0" smtClean="0">
+                <a:latin typeface="微軟正黑體" panose="020B0604030504040204" pitchFamily="34" charset="-120"/>
+                <a:ea typeface="微軟正黑體" panose="020B0604030504040204" pitchFamily="34" charset="-120"/>
+              </a:rPr>
+              <a:t>支出：</a:t>
+            </a:r>
+            <a:r>
+              <a:rPr lang="en-US" altLang="zh-TW" sz="2800" dirty="0" smtClean="0">
+                <a:latin typeface="微軟正黑體" panose="020B0604030504040204" pitchFamily="34" charset="-120"/>
+                <a:ea typeface="微軟正黑體" panose="020B0604030504040204" pitchFamily="34" charset="-120"/>
+              </a:rPr>
+              <a:t>$235,560.00</a:t>
+            </a:r>
+          </a:p>
+          <a:p>
+            <a:r>
+              <a:rPr lang="zh-TW" altLang="en-US" sz="2800" dirty="0" smtClean="0">
+                <a:latin typeface="微軟正黑體" panose="020B0604030504040204" pitchFamily="34" charset="-120"/>
+                <a:ea typeface="微軟正黑體" panose="020B0604030504040204" pitchFamily="34" charset="-120"/>
+              </a:rPr>
+              <a:t>結餘：</a:t>
+            </a:r>
+            <a:r>
+              <a:rPr lang="en-US" altLang="zh-TW" sz="2800" dirty="0" smtClean="0">
+                <a:latin typeface="微軟正黑體" panose="020B0604030504040204" pitchFamily="34" charset="-120"/>
+                <a:ea typeface="微軟正黑體" panose="020B0604030504040204" pitchFamily="34" charset="-120"/>
+              </a:rPr>
+              <a:t>$72,440.00</a:t>
+            </a:r>
+            <a:endParaRPr lang="zh-TW" altLang="en-US" sz="2800" dirty="0">
+              <a:latin typeface="微軟正黑體" panose="020B0604030504040204" pitchFamily="34" charset="-120"/>
+              <a:ea typeface="微軟正黑體" panose="020B0604030504040204" pitchFamily="34" charset="-120"/>
+            </a:endParaRPr>
+          </a:p>
+        </p:txBody>
+      </p:sp>
+    </p:spTree>
+    <p:extLst>
+      <p:ext uri="{BB962C8B-B14F-4D97-AF65-F5344CB8AC3E}">
+        <p14:creationId xmlns:p14="http://schemas.microsoft.com/office/powerpoint/2010/main" val="1902496552"/>
+      </p:ext>
+    </p:extLst>
+  </p:cSld>
+  <p:clrMapOvr>
+    <a:masterClrMapping/>
+  </p:clrMapOvr>
+  <p:timing>
+    <p:tnLst>
+      <p:par>
+        <p:cTn id="1" dur="indefinite" restart="never" nodeType="tmRoot"/>
+      </p:par>
+    </p:tnLst>
+  </p:timing>
+</p:sld>
+</file>
+
+<file path=ppt/slides/slide2.xml><?xml version="1.0" encoding="utf-8"?>
+<p:sld xmlns:a="http://schemas.openxmlformats.org/drawingml/2006/main" xmlns:r="http://schemas.openxmlformats.org/officeDocument/2006/relationships" xmlns:p="http://schemas.openxmlformats.org/presentationml/2006/main">
+  <p:cSld>
+    <p:spTree>
+      <p:nvGrpSpPr>
+        <p:cNvPr id="1" name=""/>
+        <p:cNvGrpSpPr/>
+        <p:nvPr/>
+      </p:nvGrpSpPr>
+      <p:grpSpPr>
+        <a:xfrm>
+          <a:off x="0" y="0"/>
+          <a:ext cx="0" cy="0"/>
+          <a:chOff x="0" y="0"/>
+          <a:chExt cx="0" cy="0"/>
+        </a:xfrm>
+      </p:grpSpPr>
+      <p:sp>
+        <p:nvSpPr>
+          <p:cNvPr id="2" name="標題 1"/>
+          <p:cNvSpPr>
+            <a:spLocks noGrp="1"/>
+          </p:cNvSpPr>
+          <p:nvPr>
+            <p:ph type="title"/>
+          </p:nvPr>
+        </p:nvSpPr>
+        <p:spPr>
+          <a:xfrm>
+            <a:off x="439404" y="4707767"/>
+            <a:ext cx="5915025" cy="2356556"/>
+          </a:xfrm>
+        </p:spPr>
+        <p:txBody>
+          <a:bodyPr/>
+          <a:lstStyle/>
+          <a:p>
+            <a:pPr algn="ctr"/>
+            <a:r>
+              <a:rPr lang="zh-TW" altLang="en-US" dirty="0" smtClean="0"/>
+              <a:t>↓ ↓</a:t>
+            </a:r>
+            <a:r>
+              <a:rPr lang="zh-TW" altLang="en-US" dirty="0"/>
+              <a:t> ↓</a:t>
+            </a:r>
+            <a:r>
+              <a:rPr lang="zh-TW" altLang="en-US" dirty="0" smtClean="0"/>
+              <a:t>帳戶管理↓</a:t>
+            </a:r>
+            <a:r>
+              <a:rPr lang="zh-TW" altLang="en-US" dirty="0"/>
+              <a:t> </a:t>
+            </a:r>
+            <a:r>
+              <a:rPr lang="zh-TW" altLang="en-US" dirty="0" smtClean="0"/>
+              <a:t>↓</a:t>
+            </a:r>
+            <a:r>
+              <a:rPr lang="zh-TW" altLang="en-US" dirty="0"/>
+              <a:t> ↓</a:t>
+            </a:r>
+          </a:p>
+        </p:txBody>
+      </p:sp>
+    </p:spTree>
+    <p:extLst>
+      <p:ext uri="{BB962C8B-B14F-4D97-AF65-F5344CB8AC3E}">
+        <p14:creationId xmlns:p14="http://schemas.microsoft.com/office/powerpoint/2010/main" val="1270170071"/>
+      </p:ext>
+    </p:extLst>
+  </p:cSld>
+  <p:clrMapOvr>
+    <a:masterClrMapping/>
+  </p:clrMapOvr>
+</p:sld>
+</file>
+
+<file path=ppt/slides/slide3.xml><?xml version="1.0" encoding="utf-8"?>
 <p:sld xmlns:a="http://schemas.openxmlformats.org/drawingml/2006/main" xmlns:r="http://schemas.openxmlformats.org/officeDocument/2006/relationships" xmlns:p="http://schemas.openxmlformats.org/presentationml/2006/main">
   <p:cSld>
     <p:spTree>
@@ -5480,14 +7525,14 @@
             <a:lstStyle/>
             <a:p>
               <a:r>
-                <a:rPr lang="en-US" altLang="zh-TW" sz="2800" b="1" dirty="0">
+                <a:rPr lang="en-US" altLang="zh-TW" sz="2800" b="1" dirty="0" smtClean="0">
                   <a:solidFill>
                     <a:schemeClr val="bg1"/>
                   </a:solidFill>
                   <a:latin typeface="微軟正黑體" panose="020B0604030504040204" pitchFamily="34" charset="-120"/>
                   <a:ea typeface="微軟正黑體" panose="020B0604030504040204" pitchFamily="34" charset="-120"/>
                 </a:rPr>
-                <a:t>Statistic</a:t>
+                <a:t>Account</a:t>
               </a:r>
               <a:endParaRPr lang="zh-TW" altLang="en-US" b="1" dirty="0">
                 <a:solidFill>
@@ -5703,14 +7748,88 @@
       </p:grpSp>
       <p:sp>
         <p:nvSpPr>
+          <p:cNvPr id="2" name="文字方塊 1"/>
+          <p:cNvSpPr txBox="1"/>
+          <p:nvPr/>
+        </p:nvSpPr>
+        <p:spPr>
+          <a:xfrm>
+            <a:off x="-3208" y="1563194"/>
+            <a:ext cx="4415806" cy="523220"/>
+          </a:xfrm>
+          <a:prstGeom prst="rect">
+            <a:avLst/>
+          </a:prstGeom>
+          <a:noFill/>
+        </p:spPr>
+        <p:txBody>
+          <a:bodyPr wrap="square" rtlCol="0">
+            <a:spAutoFit/>
+          </a:bodyPr>
+          <a:lstStyle/>
+          <a:p>
+            <a:r>
+              <a:rPr lang="zh-TW" altLang="en-US" sz="2800" dirty="0" smtClean="0">
+                <a:latin typeface="微軟正黑體" panose="020B0604030504040204" pitchFamily="34" charset="-120"/>
+                <a:ea typeface="微軟正黑體" panose="020B0604030504040204" pitchFamily="34" charset="-120"/>
+              </a:rPr>
+              <a:t>輸入欲新增之帳戶類別</a:t>
+            </a:r>
+            <a:endParaRPr lang="zh-TW" altLang="en-US" sz="2800" dirty="0">
+              <a:latin typeface="微軟正黑體" panose="020B0604030504040204" pitchFamily="34" charset="-120"/>
+              <a:ea typeface="微軟正黑體" panose="020B0604030504040204" pitchFamily="34" charset="-120"/>
+            </a:endParaRPr>
+          </a:p>
+        </p:txBody>
+      </p:sp>
+      <p:cxnSp>
+        <p:nvCxnSpPr>
+          <p:cNvPr id="5" name="直線接點 4"/>
+          <p:cNvCxnSpPr/>
+          <p:nvPr/>
+        </p:nvCxnSpPr>
+        <p:spPr>
+          <a:xfrm>
+            <a:off x="81280" y="2090907"/>
+            <a:ext cx="5114254" cy="0"/>
+          </a:xfrm>
+          <a:prstGeom prst="line">
+            <a:avLst/>
+          </a:prstGeom>
+          <a:ln>
+            <a:solidFill>
+              <a:schemeClr val="accent1">
+                <a:lumMod val="40000"/>
+                <a:lumOff val="60000"/>
+              </a:schemeClr>
+            </a:solidFill>
+          </a:ln>
+        </p:spPr>
+        <p:style>
+          <a:lnRef idx="1">
+            <a:schemeClr val="accent1"/>
+          </a:lnRef>
+          <a:fillRef idx="0">
+            <a:schemeClr val="accent1"/>
+          </a:fillRef>
+          <a:effectRef idx="0">
+            <a:schemeClr val="accent1"/>
+          </a:effectRef>
+          <a:fontRef idx="minor">
+            <a:schemeClr val="tx1"/>
+          </a:fontRef>
+        </p:style>
+      </p:cxnSp>
+      <p:sp>
+        <p:nvSpPr>
           <p:cNvPr id="45" name="圓角矩形 44" title="Cal_/"/>
           <p:cNvSpPr/>
           <p:nvPr/>
         </p:nvSpPr>
         <p:spPr>
           <a:xfrm>
-            <a:off x="64169" y="1450193"/>
-            <a:ext cx="2133600" cy="671488"/>
+            <a:off x="5171743" y="1451821"/>
+            <a:ext cx="1543115" cy="671488"/>
           </a:xfrm>
           <a:prstGeom prst="roundRect">
             <a:avLst/>
@@ -5757,7 +7876,7 @@
                 <a:latin typeface="微軟正黑體" panose="020B0604030504040204" pitchFamily="34" charset="-120"/>
                 <a:ea typeface="微軟正黑體" panose="020B0604030504040204" pitchFamily="34" charset="-120"/>
               </a:rPr>
-              <a:t>年</a:t>
+              <a:t>新增</a:t>
             </a:r>
             <a:endParaRPr lang="zh-TW" altLang="en-US" sz="2400" dirty="0">
               <a:solidFill>
@@ -5771,14 +7890,161 @@
       </p:sp>
       <p:sp>
         <p:nvSpPr>
-          <p:cNvPr id="35" name="圓角矩形 34" title="Cal_/"/>
+          <p:cNvPr id="8" name="文字方塊 7"/>
+          <p:cNvSpPr txBox="1"/>
+          <p:nvPr/>
+        </p:nvSpPr>
+        <p:spPr>
+          <a:xfrm>
+            <a:off x="1397165" y="3243207"/>
+            <a:ext cx="2482485" cy="830997"/>
+          </a:xfrm>
+          <a:prstGeom prst="rect">
+            <a:avLst/>
+          </a:prstGeom>
+          <a:noFill/>
+        </p:spPr>
+        <p:txBody>
+          <a:bodyPr wrap="square" rtlCol="0">
+            <a:spAutoFit/>
+          </a:bodyPr>
+          <a:lstStyle/>
+          <a:p>
+            <a:pPr algn="ctr"/>
+            <a:r>
+              <a:rPr lang="zh-TW" altLang="en-US" sz="4800" dirty="0" smtClean="0">
+                <a:solidFill>
+                  <a:schemeClr val="tx1">
+                    <a:lumMod val="65000"/>
+                    <a:lumOff val="35000"/>
+                  </a:schemeClr>
+                </a:solidFill>
+                <a:latin typeface="微軟正黑體" panose="020B0604030504040204" pitchFamily="34" charset="-120"/>
+                <a:ea typeface="微軟正黑體" panose="020B0604030504040204" pitchFamily="34" charset="-120"/>
+              </a:rPr>
+              <a:t>現金</a:t>
+            </a:r>
+            <a:endParaRPr lang="zh-TW" altLang="en-US" sz="4800" dirty="0">
+              <a:solidFill>
+                <a:schemeClr val="tx1">
+                  <a:lumMod val="65000"/>
+                  <a:lumOff val="35000"/>
+                </a:schemeClr>
+              </a:solidFill>
+              <a:latin typeface="微軟正黑體" panose="020B0604030504040204" pitchFamily="34" charset="-120"/>
+              <a:ea typeface="微軟正黑體" panose="020B0604030504040204" pitchFamily="34" charset="-120"/>
+            </a:endParaRPr>
+          </a:p>
+        </p:txBody>
+      </p:sp>
+      <p:sp>
+        <p:nvSpPr>
+          <p:cNvPr id="51" name="文字方塊 50"/>
+          <p:cNvSpPr txBox="1"/>
+          <p:nvPr/>
+        </p:nvSpPr>
+        <p:spPr>
+          <a:xfrm>
+            <a:off x="1397165" y="4619334"/>
+            <a:ext cx="2482485" cy="830997"/>
+          </a:xfrm>
+          <a:prstGeom prst="rect">
+            <a:avLst/>
+          </a:prstGeom>
+          <a:noFill/>
+        </p:spPr>
+        <p:txBody>
+          <a:bodyPr wrap="square" rtlCol="0">
+            <a:spAutoFit/>
+          </a:bodyPr>
+          <a:lstStyle/>
+          <a:p>
+            <a:pPr algn="ctr"/>
+            <a:r>
+              <a:rPr lang="zh-TW" altLang="en-US" sz="4800" dirty="0" smtClean="0">
+                <a:solidFill>
+                  <a:schemeClr val="tx1">
+                    <a:lumMod val="65000"/>
+                    <a:lumOff val="35000"/>
+                  </a:schemeClr>
+                </a:solidFill>
+                <a:latin typeface="微軟正黑體" panose="020B0604030504040204" pitchFamily="34" charset="-120"/>
+                <a:ea typeface="微軟正黑體" panose="020B0604030504040204" pitchFamily="34" charset="-120"/>
+              </a:rPr>
+              <a:t>信用卡</a:t>
+            </a:r>
+            <a:endParaRPr lang="zh-TW" altLang="en-US" sz="4800" dirty="0">
+              <a:solidFill>
+                <a:schemeClr val="tx1">
+                  <a:lumMod val="65000"/>
+                  <a:lumOff val="35000"/>
+                </a:schemeClr>
+              </a:solidFill>
+              <a:latin typeface="微軟正黑體" panose="020B0604030504040204" pitchFamily="34" charset="-120"/>
+              <a:ea typeface="微軟正黑體" panose="020B0604030504040204" pitchFamily="34" charset="-120"/>
+            </a:endParaRPr>
+          </a:p>
+        </p:txBody>
+      </p:sp>
+      <p:sp>
+        <p:nvSpPr>
+          <p:cNvPr id="53" name="文字方塊 52"/>
+          <p:cNvSpPr txBox="1"/>
+          <p:nvPr/>
+        </p:nvSpPr>
+        <p:spPr>
+          <a:xfrm>
+            <a:off x="1397165" y="5995461"/>
+            <a:ext cx="2482485" cy="830997"/>
+          </a:xfrm>
+          <a:prstGeom prst="rect">
+            <a:avLst/>
+          </a:prstGeom>
+          <a:noFill/>
+        </p:spPr>
+        <p:txBody>
+          <a:bodyPr wrap="square" rtlCol="0">
+            <a:spAutoFit/>
+          </a:bodyPr>
+          <a:lstStyle/>
+          <a:p>
+            <a:pPr algn="ctr"/>
+            <a:r>
+              <a:rPr lang="zh-TW" altLang="en-US" sz="4800" dirty="0" smtClean="0">
+                <a:solidFill>
+                  <a:schemeClr val="tx1">
+                    <a:lumMod val="65000"/>
+                    <a:lumOff val="35000"/>
+                  </a:schemeClr>
+                </a:solidFill>
+                <a:latin typeface="微軟正黑體" panose="020B0604030504040204" pitchFamily="34" charset="-120"/>
+                <a:ea typeface="微軟正黑體" panose="020B0604030504040204" pitchFamily="34" charset="-120"/>
+              </a:rPr>
+              <a:t>悠遊卡</a:t>
+            </a:r>
+            <a:endParaRPr lang="zh-TW" altLang="en-US" sz="4800" dirty="0">
+              <a:solidFill>
+                <a:schemeClr val="tx1">
+                  <a:lumMod val="65000"/>
+                  <a:lumOff val="35000"/>
+                </a:schemeClr>
+              </a:solidFill>
+              <a:latin typeface="微軟正黑體" panose="020B0604030504040204" pitchFamily="34" charset="-120"/>
+              <a:ea typeface="微軟正黑體" panose="020B0604030504040204" pitchFamily="34" charset="-120"/>
+            </a:endParaRPr>
+          </a:p>
+        </p:txBody>
+      </p:sp>
+      <p:sp>
+        <p:nvSpPr>
+          <p:cNvPr id="55" name="圓角矩形 54" title="Cal_/"/>
           <p:cNvSpPr/>
           <p:nvPr/>
         </p:nvSpPr>
         <p:spPr>
           <a:xfrm>
-            <a:off x="2360998" y="1450193"/>
-            <a:ext cx="2133600" cy="671488"/>
+            <a:off x="5171743" y="3322961"/>
+            <a:ext cx="1543115" cy="671488"/>
           </a:xfrm>
           <a:prstGeom prst="roundRect">
             <a:avLst/>
@@ -5818,35 +8084,28 @@
           <a:p>
             <a:pPr algn="ctr"/>
             <a:r>
-              <a:rPr lang="zh-TW" altLang="en-US" sz="2400" dirty="0" smtClean="0">
+              <a:rPr lang="zh-TW" altLang="en-US" sz="2400" dirty="0">
                 <a:solidFill>
                   <a:schemeClr val="tx1"/>
                 </a:solidFill>
                 <a:latin typeface="微軟正黑體" panose="020B0604030504040204" pitchFamily="34" charset="-120"/>
                 <a:ea typeface="微軟正黑體" panose="020B0604030504040204" pitchFamily="34" charset="-120"/>
               </a:rPr>
-              <a:t>月</a:t>
-            </a:r>
-            <a:endParaRPr lang="zh-TW" altLang="en-US" sz="2400" dirty="0">
-              <a:solidFill>
-                <a:schemeClr val="tx1"/>
-              </a:solidFill>
-              <a:latin typeface="微軟正黑體" panose="020B0604030504040204" pitchFamily="34" charset="-120"/>
-              <a:ea typeface="微軟正黑體" panose="020B0604030504040204" pitchFamily="34" charset="-120"/>
-            </a:endParaRPr>
+              <a:t>刪除</a:t>
+            </a:r>
           </a:p>
         </p:txBody>
       </p:sp>
       <p:sp>
         <p:nvSpPr>
-          <p:cNvPr id="36" name="圓角矩形 35" title="Cal_/"/>
+          <p:cNvPr id="69" name="圓角矩形 68" title="Cal_/"/>
           <p:cNvSpPr/>
           <p:nvPr/>
         </p:nvSpPr>
         <p:spPr>
           <a:xfrm>
-            <a:off x="4657827" y="1450193"/>
-            <a:ext cx="2133600" cy="671488"/>
+            <a:off x="5171743" y="4648798"/>
+            <a:ext cx="1543115" cy="671488"/>
           </a:xfrm>
           <a:prstGeom prst="roundRect">
             <a:avLst/>
@@ -5886,261 +8145,83 @@
           <a:p>
             <a:pPr algn="ctr"/>
             <a:r>
-              <a:rPr lang="zh-TW" altLang="en-US" sz="2400" dirty="0" smtClean="0">
+              <a:rPr lang="zh-TW" altLang="en-US" sz="2400" dirty="0">
                 <a:solidFill>
                   <a:schemeClr val="tx1"/>
                 </a:solidFill>
                 <a:latin typeface="微軟正黑體" panose="020B0604030504040204" pitchFamily="34" charset="-120"/>
                 <a:ea typeface="微軟正黑體" panose="020B0604030504040204" pitchFamily="34" charset="-120"/>
               </a:rPr>
-              <a:t>日</a:t>
-            </a:r>
-            <a:endParaRPr lang="zh-TW" altLang="en-US" sz="2400" dirty="0">
-              <a:solidFill>
-                <a:schemeClr val="tx1"/>
-              </a:solidFill>
-              <a:latin typeface="微軟正黑體" panose="020B0604030504040204" pitchFamily="34" charset="-120"/>
-              <a:ea typeface="微軟正黑體" panose="020B0604030504040204" pitchFamily="34" charset="-120"/>
-            </a:endParaRPr>
+              <a:t>刪除</a:t>
+            </a:r>
           </a:p>
         </p:txBody>
       </p:sp>
-      <p:pic>
-        <p:nvPicPr>
-          <p:cNvPr id="3" name="圖片 2"/>
-          <p:cNvPicPr>
-            <a:picLocks noChangeAspect="1"/>
-          </p:cNvPicPr>
-          <p:nvPr/>
-        </p:nvPicPr>
-        <p:blipFill>
-          <a:blip r:embed="rId2">
-            <a:extLst>
-              <a:ext uri="{28A0092B-C50C-407E-A947-70E740481C1C}">
-                <a14:useLocalDpi xmlns:a14="http://schemas.microsoft.com/office/drawing/2010/main" val="0"/>
-              </a:ext>
-            </a:extLst>
-          </a:blip>
-          <a:stretch>
-            <a:fillRect/>
-          </a:stretch>
-        </p:blipFill>
-        <p:spPr>
-          <a:xfrm>
-            <a:off x="1576165" y="2400143"/>
-            <a:ext cx="444517" cy="453407"/>
-          </a:xfrm>
-          <a:prstGeom prst="rect">
-            <a:avLst/>
-          </a:prstGeom>
-        </p:spPr>
-      </p:pic>
-      <p:pic>
-        <p:nvPicPr>
-          <p:cNvPr id="6" name="圖片 5"/>
-          <p:cNvPicPr>
-            <a:picLocks noChangeAspect="1"/>
-          </p:cNvPicPr>
-          <p:nvPr/>
-        </p:nvPicPr>
-        <p:blipFill>
-          <a:blip r:embed="rId3">
-            <a:extLst>
-              <a:ext uri="{28A0092B-C50C-407E-A947-70E740481C1C}">
-                <a14:useLocalDpi xmlns:a14="http://schemas.microsoft.com/office/drawing/2010/main" val="0"/>
-              </a:ext>
-            </a:extLst>
-          </a:blip>
-          <a:stretch>
-            <a:fillRect/>
-          </a:stretch>
-        </p:blipFill>
-        <p:spPr>
-          <a:xfrm>
-            <a:off x="4850902" y="2400143"/>
-            <a:ext cx="444706" cy="453600"/>
-          </a:xfrm>
-          <a:prstGeom prst="rect">
-            <a:avLst/>
-          </a:prstGeom>
-        </p:spPr>
-      </p:pic>
       <p:sp>
         <p:nvSpPr>
-          <p:cNvPr id="13" name="文字方塊 12"/>
-          <p:cNvSpPr txBox="1"/>
+          <p:cNvPr id="71" name="圓角矩形 70" title="Cal_/"/>
+          <p:cNvSpPr/>
           <p:nvPr/>
         </p:nvSpPr>
         <p:spPr>
           <a:xfrm>
-            <a:off x="2114852" y="2334459"/>
-            <a:ext cx="2633612" cy="584775"/>
-          </a:xfrm>
-          <a:prstGeom prst="rect">
+            <a:off x="5171743" y="6001782"/>
+            <a:ext cx="1543115" cy="671488"/>
+          </a:xfrm>
+          <a:prstGeom prst="roundRect">
             <a:avLst/>
           </a:prstGeom>
-          <a:noFill/>
+          <a:solidFill>
+            <a:schemeClr val="bg1">
+              <a:lumMod val="85000"/>
+            </a:schemeClr>
+          </a:solidFill>
+          <a:ln>
+            <a:solidFill>
+              <a:schemeClr val="bg1">
+                <a:lumMod val="75000"/>
+              </a:schemeClr>
+            </a:solidFill>
+          </a:ln>
         </p:spPr>
+        <p:style>
+          <a:lnRef idx="2">
+            <a:schemeClr val="accent1">
+              <a:shade val="50000"/>
+            </a:schemeClr>
+          </a:lnRef>
+          <a:fillRef idx="1">
+            <a:schemeClr val="accent1"/>
+          </a:fillRef>
+          <a:effectRef idx="0">
+            <a:schemeClr val="accent1"/>
+          </a:effectRef>
+          <a:fontRef idx="minor">
+            <a:schemeClr val="lt1"/>
+          </a:fontRef>
+        </p:style>
         <p:txBody>
-          <a:bodyPr wrap="square" rtlCol="0">
-            <a:spAutoFit/>
-          </a:bodyPr>
+          <a:bodyPr rtlCol="0" anchor="ctr"/>
           <a:lstStyle/>
           <a:p>
             <a:pPr algn="ctr"/>
             <a:r>
-              <a:rPr lang="en-US" altLang="zh-TW" sz="3200" dirty="0" smtClean="0">
+              <a:rPr lang="zh-TW" altLang="en-US" sz="2400" dirty="0">
                 <a:solidFill>
-                  <a:schemeClr val="tx1">
-                    <a:lumMod val="65000"/>
-                    <a:lumOff val="35000"/>
-                  </a:schemeClr>
+                  <a:schemeClr val="tx1"/>
                 </a:solidFill>
                 <a:latin typeface="微軟正黑體" panose="020B0604030504040204" pitchFamily="34" charset="-120"/>
                 <a:ea typeface="微軟正黑體" panose="020B0604030504040204" pitchFamily="34" charset="-120"/>
               </a:rPr>
-              <a:t>2018/06</a:t>
-            </a:r>
-            <a:endParaRPr lang="zh-TW" altLang="en-US" sz="3200" dirty="0">
-              <a:solidFill>
-                <a:schemeClr val="tx1">
-                  <a:lumMod val="65000"/>
-                  <a:lumOff val="35000"/>
-                </a:schemeClr>
-              </a:solidFill>
-              <a:latin typeface="微軟正黑體" panose="020B0604030504040204" pitchFamily="34" charset="-120"/>
-              <a:ea typeface="微軟正黑體" panose="020B0604030504040204" pitchFamily="34" charset="-120"/>
-            </a:endParaRPr>
+              <a:t>刪除</a:t>
+            </a:r>
           </a:p>
         </p:txBody>
       </p:sp>
-      <p:sp>
-        <p:nvSpPr>
-          <p:cNvPr id="14" name="文字方塊 13"/>
-          <p:cNvSpPr txBox="1"/>
-          <p:nvPr/>
-        </p:nvSpPr>
-        <p:spPr>
-          <a:xfrm>
-            <a:off x="417095" y="3336758"/>
-            <a:ext cx="5756009" cy="1384995"/>
-          </a:xfrm>
-          <a:prstGeom prst="rect">
-            <a:avLst/>
-          </a:prstGeom>
-          <a:noFill/>
-        </p:spPr>
-        <p:txBody>
-          <a:bodyPr wrap="square" rtlCol="0">
-            <a:spAutoFit/>
-          </a:bodyPr>
-          <a:lstStyle/>
-          <a:p>
-            <a:r>
-              <a:rPr lang="zh-TW" altLang="en-US" sz="2800" dirty="0" smtClean="0">
-                <a:latin typeface="微軟正黑體" panose="020B0604030504040204" pitchFamily="34" charset="-120"/>
-                <a:ea typeface="微軟正黑體" panose="020B0604030504040204" pitchFamily="34" charset="-120"/>
-              </a:rPr>
-              <a:t>收入：</a:t>
-            </a:r>
-            <a:r>
-              <a:rPr lang="en-US" altLang="zh-TW" sz="2800" dirty="0" smtClean="0">
-                <a:latin typeface="微軟正黑體" panose="020B0604030504040204" pitchFamily="34" charset="-120"/>
-                <a:ea typeface="微軟正黑體" panose="020B0604030504040204" pitchFamily="34" charset="-120"/>
-              </a:rPr>
-              <a:t>$22,000.00</a:t>
-            </a:r>
-          </a:p>
-          <a:p>
-            <a:r>
-              <a:rPr lang="zh-TW" altLang="en-US" sz="2800" dirty="0" smtClean="0">
-                <a:latin typeface="微軟正黑體" panose="020B0604030504040204" pitchFamily="34" charset="-120"/>
-                <a:ea typeface="微軟正黑體" panose="020B0604030504040204" pitchFamily="34" charset="-120"/>
-              </a:rPr>
-              <a:t>支出：</a:t>
-            </a:r>
-            <a:r>
-              <a:rPr lang="en-US" altLang="zh-TW" sz="2800" dirty="0" smtClean="0">
-                <a:latin typeface="微軟正黑體" panose="020B0604030504040204" pitchFamily="34" charset="-120"/>
-                <a:ea typeface="微軟正黑體" panose="020B0604030504040204" pitchFamily="34" charset="-120"/>
-              </a:rPr>
-              <a:t>$23,280.00</a:t>
-            </a:r>
-          </a:p>
-          <a:p>
-            <a:r>
-              <a:rPr lang="zh-TW" altLang="en-US" sz="2800" dirty="0" smtClean="0">
-                <a:latin typeface="微軟正黑體" panose="020B0604030504040204" pitchFamily="34" charset="-120"/>
-                <a:ea typeface="微軟正黑體" panose="020B0604030504040204" pitchFamily="34" charset="-120"/>
-              </a:rPr>
-              <a:t>結餘：</a:t>
-            </a:r>
-            <a:r>
-              <a:rPr lang="en-US" altLang="zh-TW" sz="2800" dirty="0" smtClean="0">
-                <a:latin typeface="微軟正黑體" panose="020B0604030504040204" pitchFamily="34" charset="-120"/>
-                <a:ea typeface="微軟正黑體" panose="020B0604030504040204" pitchFamily="34" charset="-120"/>
-              </a:rPr>
-              <a:t>$-1,280.00</a:t>
-            </a:r>
-            <a:endParaRPr lang="zh-TW" altLang="en-US" sz="2800" dirty="0">
-              <a:latin typeface="微軟正黑體" panose="020B0604030504040204" pitchFamily="34" charset="-120"/>
-              <a:ea typeface="微軟正黑體" panose="020B0604030504040204" pitchFamily="34" charset="-120"/>
-            </a:endParaRPr>
-          </a:p>
-        </p:txBody>
-      </p:sp>
-      <p:pic>
-        <p:nvPicPr>
-          <p:cNvPr id="2" name="圖片 1"/>
-          <p:cNvPicPr>
-            <a:picLocks noChangeAspect="1"/>
-          </p:cNvPicPr>
-          <p:nvPr/>
-        </p:nvPicPr>
-        <p:blipFill>
-          <a:blip r:embed="rId4"/>
-          <a:stretch>
-            <a:fillRect/>
-          </a:stretch>
-        </p:blipFill>
-        <p:spPr>
-          <a:xfrm>
-            <a:off x="1218503" y="5355935"/>
-            <a:ext cx="4506124" cy="4391423"/>
-          </a:xfrm>
-          <a:prstGeom prst="rect">
-            <a:avLst/>
-          </a:prstGeom>
-        </p:spPr>
-      </p:pic>
-      <p:pic>
-        <p:nvPicPr>
-          <p:cNvPr id="8" name="圖片 7"/>
-          <p:cNvPicPr>
-            <a:picLocks noChangeAspect="1"/>
-          </p:cNvPicPr>
-          <p:nvPr/>
-        </p:nvPicPr>
-        <p:blipFill>
-          <a:blip r:embed="rId5"/>
-          <a:stretch>
-            <a:fillRect/>
-          </a:stretch>
-        </p:blipFill>
-        <p:spPr>
-          <a:xfrm>
-            <a:off x="1142410" y="5489188"/>
-            <a:ext cx="4599728" cy="4795461"/>
-          </a:xfrm>
-          <a:prstGeom prst="rect">
-            <a:avLst/>
-          </a:prstGeom>
-        </p:spPr>
-      </p:pic>
     </p:spTree>
     <p:extLst>
       <p:ext uri="{BB962C8B-B14F-4D97-AF65-F5344CB8AC3E}">
-        <p14:creationId xmlns:p14="http://schemas.microsoft.com/office/powerpoint/2010/main" val="3012887585"/>
+        <p14:creationId xmlns:p14="http://schemas.microsoft.com/office/powerpoint/2010/main" val="2906299206"/>
       </p:ext>
     </p:extLst>
   </p:cSld>
@@ -6157,7 +8238,7 @@
 </p:sld>
 </file>
 
-<file path=ppt/slides/slide11.xml><?xml version="1.0" encoding="utf-8"?>
+<file path=ppt/slides/slide4.xml><?xml version="1.0" encoding="utf-8"?>
 <p:sld xmlns:a="http://schemas.openxmlformats.org/drawingml/2006/main" xmlns:r="http://schemas.openxmlformats.org/officeDocument/2006/relationships" xmlns:p="http://schemas.openxmlformats.org/presentationml/2006/main">
   <p:cSld>
     <p:spTree>
@@ -6174,30 +8255,6 @@
           <a:chExt cx="0" cy="0"/>
         </a:xfrm>
       </p:grpSpPr>
-      <p:pic>
-        <p:nvPicPr>
-          <p:cNvPr id="2" name="圖片 1"/>
-          <p:cNvPicPr>
-            <a:picLocks noChangeAspect="1"/>
-          </p:cNvPicPr>
-          <p:nvPr/>
-        </p:nvPicPr>
-        <p:blipFill>
-          <a:blip r:embed="rId2"/>
-          <a:stretch>
-            <a:fillRect/>
-          </a:stretch>
-        </p:blipFill>
-        <p:spPr>
-          <a:xfrm>
-            <a:off x="1138293" y="5482909"/>
-            <a:ext cx="4347274" cy="4233726"/>
-          </a:xfrm>
-          <a:prstGeom prst="rect">
-            <a:avLst/>
-          </a:prstGeom>
-        </p:spPr>
-      </p:pic>
       <p:grpSp>
         <p:nvGrpSpPr>
           <p:cNvPr id="26" name="群組 25"/>
@@ -6544,14 +8601,14 @@
             <a:lstStyle/>
             <a:p>
               <a:r>
-                <a:rPr lang="en-US" altLang="zh-TW" sz="2800" b="1" dirty="0">
+                <a:rPr lang="en-US" altLang="zh-TW" sz="2800" b="1" dirty="0" smtClean="0">
                   <a:solidFill>
                     <a:schemeClr val="bg1"/>
                   </a:solidFill>
                   <a:latin typeface="微軟正黑體" panose="020B0604030504040204" pitchFamily="34" charset="-120"/>
                   <a:ea typeface="微軟正黑體" panose="020B0604030504040204" pitchFamily="34" charset="-120"/>
                 </a:rPr>
-                <a:t>Statistic</a:t>
+                <a:t>Account</a:t>
               </a:r>
               <a:endParaRPr lang="zh-TW" altLang="en-US" b="1" dirty="0">
                 <a:solidFill>
@@ -6767,14 +8824,88 @@
       </p:grpSp>
       <p:sp>
         <p:nvSpPr>
+          <p:cNvPr id="2" name="文字方塊 1"/>
+          <p:cNvSpPr txBox="1"/>
+          <p:nvPr/>
+        </p:nvSpPr>
+        <p:spPr>
+          <a:xfrm>
+            <a:off x="-3208" y="1563194"/>
+            <a:ext cx="4415806" cy="523220"/>
+          </a:xfrm>
+          <a:prstGeom prst="rect">
+            <a:avLst/>
+          </a:prstGeom>
+          <a:noFill/>
+        </p:spPr>
+        <p:txBody>
+          <a:bodyPr wrap="square" rtlCol="0">
+            <a:spAutoFit/>
+          </a:bodyPr>
+          <a:lstStyle/>
+          <a:p>
+            <a:r>
+              <a:rPr lang="zh-TW" altLang="en-US" sz="2800" dirty="0" smtClean="0">
+                <a:latin typeface="微軟正黑體" panose="020B0604030504040204" pitchFamily="34" charset="-120"/>
+                <a:ea typeface="微軟正黑體" panose="020B0604030504040204" pitchFamily="34" charset="-120"/>
+              </a:rPr>
+              <a:t>一卡通</a:t>
+            </a:r>
+            <a:endParaRPr lang="zh-TW" altLang="en-US" sz="2800" dirty="0">
+              <a:latin typeface="微軟正黑體" panose="020B0604030504040204" pitchFamily="34" charset="-120"/>
+              <a:ea typeface="微軟正黑體" panose="020B0604030504040204" pitchFamily="34" charset="-120"/>
+            </a:endParaRPr>
+          </a:p>
+        </p:txBody>
+      </p:sp>
+      <p:cxnSp>
+        <p:nvCxnSpPr>
+          <p:cNvPr id="5" name="直線接點 4"/>
+          <p:cNvCxnSpPr/>
+          <p:nvPr/>
+        </p:nvCxnSpPr>
+        <p:spPr>
+          <a:xfrm>
+            <a:off x="81280" y="2090907"/>
+            <a:ext cx="5114254" cy="0"/>
+          </a:xfrm>
+          <a:prstGeom prst="line">
+            <a:avLst/>
+          </a:prstGeom>
+          <a:ln>
+            <a:solidFill>
+              <a:schemeClr val="accent1">
+                <a:lumMod val="40000"/>
+                <a:lumOff val="60000"/>
+              </a:schemeClr>
+            </a:solidFill>
+          </a:ln>
+        </p:spPr>
+        <p:style>
+          <a:lnRef idx="1">
+            <a:schemeClr val="accent1"/>
+          </a:lnRef>
+          <a:fillRef idx="0">
+            <a:schemeClr val="accent1"/>
+          </a:fillRef>
+          <a:effectRef idx="0">
+            <a:schemeClr val="accent1"/>
+          </a:effectRef>
+          <a:fontRef idx="minor">
+            <a:schemeClr val="tx1"/>
+          </a:fontRef>
+        </p:style>
+      </p:cxnSp>
+      <p:sp>
+        <p:nvSpPr>
           <p:cNvPr id="45" name="圓角矩形 44" title="Cal_/"/>
           <p:cNvSpPr/>
           <p:nvPr/>
         </p:nvSpPr>
         <p:spPr>
           <a:xfrm>
-            <a:off x="64169" y="1450193"/>
-            <a:ext cx="2133600" cy="671488"/>
+            <a:off x="5171743" y="1451821"/>
+            <a:ext cx="1543115" cy="671488"/>
           </a:xfrm>
           <a:prstGeom prst="roundRect">
             <a:avLst/>
@@ -6821,7 +8952,7 @@
                 <a:latin typeface="微軟正黑體" panose="020B0604030504040204" pitchFamily="34" charset="-120"/>
                 <a:ea typeface="微軟正黑體" panose="020B0604030504040204" pitchFamily="34" charset="-120"/>
               </a:rPr>
-              <a:t>年</a:t>
+              <a:t>新增</a:t>
             </a:r>
             <a:endParaRPr lang="zh-TW" altLang="en-US" sz="2400" dirty="0">
               <a:solidFill>
@@ -6835,14 +8966,161 @@
       </p:sp>
       <p:sp>
         <p:nvSpPr>
-          <p:cNvPr id="35" name="圓角矩形 34" title="Cal_/"/>
+          <p:cNvPr id="8" name="文字方塊 7"/>
+          <p:cNvSpPr txBox="1"/>
+          <p:nvPr/>
+        </p:nvSpPr>
+        <p:spPr>
+          <a:xfrm>
+            <a:off x="1397165" y="3243207"/>
+            <a:ext cx="2482485" cy="830997"/>
+          </a:xfrm>
+          <a:prstGeom prst="rect">
+            <a:avLst/>
+          </a:prstGeom>
+          <a:noFill/>
+        </p:spPr>
+        <p:txBody>
+          <a:bodyPr wrap="square" rtlCol="0">
+            <a:spAutoFit/>
+          </a:bodyPr>
+          <a:lstStyle/>
+          <a:p>
+            <a:pPr algn="ctr"/>
+            <a:r>
+              <a:rPr lang="zh-TW" altLang="en-US" sz="4800" dirty="0" smtClean="0">
+                <a:solidFill>
+                  <a:schemeClr val="tx1">
+                    <a:lumMod val="65000"/>
+                    <a:lumOff val="35000"/>
+                  </a:schemeClr>
+                </a:solidFill>
+                <a:latin typeface="微軟正黑體" panose="020B0604030504040204" pitchFamily="34" charset="-120"/>
+                <a:ea typeface="微軟正黑體" panose="020B0604030504040204" pitchFamily="34" charset="-120"/>
+              </a:rPr>
+              <a:t>現金</a:t>
+            </a:r>
+            <a:endParaRPr lang="zh-TW" altLang="en-US" sz="4800" dirty="0">
+              <a:solidFill>
+                <a:schemeClr val="tx1">
+                  <a:lumMod val="65000"/>
+                  <a:lumOff val="35000"/>
+                </a:schemeClr>
+              </a:solidFill>
+              <a:latin typeface="微軟正黑體" panose="020B0604030504040204" pitchFamily="34" charset="-120"/>
+              <a:ea typeface="微軟正黑體" panose="020B0604030504040204" pitchFamily="34" charset="-120"/>
+            </a:endParaRPr>
+          </a:p>
+        </p:txBody>
+      </p:sp>
+      <p:sp>
+        <p:nvSpPr>
+          <p:cNvPr id="51" name="文字方塊 50"/>
+          <p:cNvSpPr txBox="1"/>
+          <p:nvPr/>
+        </p:nvSpPr>
+        <p:spPr>
+          <a:xfrm>
+            <a:off x="1397165" y="4619334"/>
+            <a:ext cx="2482485" cy="830997"/>
+          </a:xfrm>
+          <a:prstGeom prst="rect">
+            <a:avLst/>
+          </a:prstGeom>
+          <a:noFill/>
+        </p:spPr>
+        <p:txBody>
+          <a:bodyPr wrap="square" rtlCol="0">
+            <a:spAutoFit/>
+          </a:bodyPr>
+          <a:lstStyle/>
+          <a:p>
+            <a:pPr algn="ctr"/>
+            <a:r>
+              <a:rPr lang="zh-TW" altLang="en-US" sz="4800" dirty="0" smtClean="0">
+                <a:solidFill>
+                  <a:schemeClr val="tx1">
+                    <a:lumMod val="65000"/>
+                    <a:lumOff val="35000"/>
+                  </a:schemeClr>
+                </a:solidFill>
+                <a:latin typeface="微軟正黑體" panose="020B0604030504040204" pitchFamily="34" charset="-120"/>
+                <a:ea typeface="微軟正黑體" panose="020B0604030504040204" pitchFamily="34" charset="-120"/>
+              </a:rPr>
+              <a:t>信用卡</a:t>
+            </a:r>
+            <a:endParaRPr lang="zh-TW" altLang="en-US" sz="4800" dirty="0">
+              <a:solidFill>
+                <a:schemeClr val="tx1">
+                  <a:lumMod val="65000"/>
+                  <a:lumOff val="35000"/>
+                </a:schemeClr>
+              </a:solidFill>
+              <a:latin typeface="微軟正黑體" panose="020B0604030504040204" pitchFamily="34" charset="-120"/>
+              <a:ea typeface="微軟正黑體" panose="020B0604030504040204" pitchFamily="34" charset="-120"/>
+            </a:endParaRPr>
+          </a:p>
+        </p:txBody>
+      </p:sp>
+      <p:sp>
+        <p:nvSpPr>
+          <p:cNvPr id="53" name="文字方塊 52"/>
+          <p:cNvSpPr txBox="1"/>
+          <p:nvPr/>
+        </p:nvSpPr>
+        <p:spPr>
+          <a:xfrm>
+            <a:off x="1397165" y="5995461"/>
+            <a:ext cx="2482485" cy="830997"/>
+          </a:xfrm>
+          <a:prstGeom prst="rect">
+            <a:avLst/>
+          </a:prstGeom>
+          <a:noFill/>
+        </p:spPr>
+        <p:txBody>
+          <a:bodyPr wrap="square" rtlCol="0">
+            <a:spAutoFit/>
+          </a:bodyPr>
+          <a:lstStyle/>
+          <a:p>
+            <a:pPr algn="ctr"/>
+            <a:r>
+              <a:rPr lang="zh-TW" altLang="en-US" sz="4800" dirty="0" smtClean="0">
+                <a:solidFill>
+                  <a:schemeClr val="tx1">
+                    <a:lumMod val="65000"/>
+                    <a:lumOff val="35000"/>
+                  </a:schemeClr>
+                </a:solidFill>
+                <a:latin typeface="微軟正黑體" panose="020B0604030504040204" pitchFamily="34" charset="-120"/>
+                <a:ea typeface="微軟正黑體" panose="020B0604030504040204" pitchFamily="34" charset="-120"/>
+              </a:rPr>
+              <a:t>悠遊卡</a:t>
+            </a:r>
+            <a:endParaRPr lang="zh-TW" altLang="en-US" sz="4800" dirty="0">
+              <a:solidFill>
+                <a:schemeClr val="tx1">
+                  <a:lumMod val="65000"/>
+                  <a:lumOff val="35000"/>
+                </a:schemeClr>
+              </a:solidFill>
+              <a:latin typeface="微軟正黑體" panose="020B0604030504040204" pitchFamily="34" charset="-120"/>
+              <a:ea typeface="微軟正黑體" panose="020B0604030504040204" pitchFamily="34" charset="-120"/>
+            </a:endParaRPr>
+          </a:p>
+        </p:txBody>
+      </p:sp>
+      <p:sp>
+        <p:nvSpPr>
+          <p:cNvPr id="55" name="圓角矩形 54" title="Cal_/"/>
           <p:cNvSpPr/>
           <p:nvPr/>
         </p:nvSpPr>
         <p:spPr>
           <a:xfrm>
-            <a:off x="2360998" y="1450193"/>
-            <a:ext cx="2133600" cy="671488"/>
+            <a:off x="5171743" y="3322961"/>
+            <a:ext cx="1543115" cy="671488"/>
           </a:xfrm>
           <a:prstGeom prst="roundRect">
             <a:avLst/>
@@ -6882,35 +9160,28 @@
           <a:p>
             <a:pPr algn="ctr"/>
             <a:r>
-              <a:rPr lang="zh-TW" altLang="en-US" sz="2400" dirty="0" smtClean="0">
+              <a:rPr lang="zh-TW" altLang="en-US" sz="2400" dirty="0">
                 <a:solidFill>
                   <a:schemeClr val="tx1"/>
                 </a:solidFill>
                 <a:latin typeface="微軟正黑體" panose="020B0604030504040204" pitchFamily="34" charset="-120"/>
                 <a:ea typeface="微軟正黑體" panose="020B0604030504040204" pitchFamily="34" charset="-120"/>
               </a:rPr>
-              <a:t>月</a:t>
-            </a:r>
-            <a:endParaRPr lang="zh-TW" altLang="en-US" sz="2400" dirty="0">
-              <a:solidFill>
-                <a:schemeClr val="tx1"/>
-              </a:solidFill>
-              <a:latin typeface="微軟正黑體" panose="020B0604030504040204" pitchFamily="34" charset="-120"/>
-              <a:ea typeface="微軟正黑體" panose="020B0604030504040204" pitchFamily="34" charset="-120"/>
-            </a:endParaRPr>
+              <a:t>刪除</a:t>
+            </a:r>
           </a:p>
         </p:txBody>
       </p:sp>
       <p:sp>
         <p:nvSpPr>
-          <p:cNvPr id="36" name="圓角矩形 35" title="Cal_/"/>
+          <p:cNvPr id="69" name="圓角矩形 68" title="Cal_/"/>
           <p:cNvSpPr/>
           <p:nvPr/>
         </p:nvSpPr>
         <p:spPr>
           <a:xfrm>
-            <a:off x="4657827" y="1450193"/>
-            <a:ext cx="2133600" cy="671488"/>
+            <a:off x="5171743" y="4648798"/>
+            <a:ext cx="1543115" cy="671488"/>
           </a:xfrm>
           <a:prstGeom prst="roundRect">
             <a:avLst/>
@@ -6950,213 +9221,83 @@
           <a:p>
             <a:pPr algn="ctr"/>
             <a:r>
-              <a:rPr lang="zh-TW" altLang="en-US" sz="2400" dirty="0" smtClean="0">
+              <a:rPr lang="zh-TW" altLang="en-US" sz="2400" dirty="0">
                 <a:solidFill>
                   <a:schemeClr val="tx1"/>
                 </a:solidFill>
                 <a:latin typeface="微軟正黑體" panose="020B0604030504040204" pitchFamily="34" charset="-120"/>
                 <a:ea typeface="微軟正黑體" panose="020B0604030504040204" pitchFamily="34" charset="-120"/>
               </a:rPr>
-              <a:t>日</a:t>
-            </a:r>
-            <a:endParaRPr lang="zh-TW" altLang="en-US" sz="2400" dirty="0">
-              <a:solidFill>
-                <a:schemeClr val="tx1"/>
-              </a:solidFill>
-              <a:latin typeface="微軟正黑體" panose="020B0604030504040204" pitchFamily="34" charset="-120"/>
-              <a:ea typeface="微軟正黑體" panose="020B0604030504040204" pitchFamily="34" charset="-120"/>
-            </a:endParaRPr>
+              <a:t>刪除</a:t>
+            </a:r>
           </a:p>
         </p:txBody>
       </p:sp>
-      <p:pic>
-        <p:nvPicPr>
-          <p:cNvPr id="3" name="圖片 2"/>
-          <p:cNvPicPr>
-            <a:picLocks noChangeAspect="1"/>
-          </p:cNvPicPr>
-          <p:nvPr/>
-        </p:nvPicPr>
-        <p:blipFill>
-          <a:blip r:embed="rId3">
-            <a:extLst>
-              <a:ext uri="{28A0092B-C50C-407E-A947-70E740481C1C}">
-                <a14:useLocalDpi xmlns:a14="http://schemas.microsoft.com/office/drawing/2010/main" val="0"/>
-              </a:ext>
-            </a:extLst>
-          </a:blip>
-          <a:stretch>
-            <a:fillRect/>
-          </a:stretch>
-        </p:blipFill>
-        <p:spPr>
-          <a:xfrm>
-            <a:off x="1880963" y="2400143"/>
-            <a:ext cx="444517" cy="453407"/>
-          </a:xfrm>
-          <a:prstGeom prst="rect">
-            <a:avLst/>
-          </a:prstGeom>
-        </p:spPr>
-      </p:pic>
-      <p:pic>
-        <p:nvPicPr>
-          <p:cNvPr id="6" name="圖片 5"/>
-          <p:cNvPicPr>
-            <a:picLocks noChangeAspect="1"/>
-          </p:cNvPicPr>
-          <p:nvPr/>
-        </p:nvPicPr>
-        <p:blipFill>
-          <a:blip r:embed="rId4">
-            <a:extLst>
-              <a:ext uri="{28A0092B-C50C-407E-A947-70E740481C1C}">
-                <a14:useLocalDpi xmlns:a14="http://schemas.microsoft.com/office/drawing/2010/main" val="0"/>
-              </a:ext>
-            </a:extLst>
-          </a:blip>
-          <a:stretch>
-            <a:fillRect/>
-          </a:stretch>
-        </p:blipFill>
-        <p:spPr>
-          <a:xfrm>
-            <a:off x="4530060" y="2400143"/>
-            <a:ext cx="444706" cy="453600"/>
-          </a:xfrm>
-          <a:prstGeom prst="rect">
-            <a:avLst/>
-          </a:prstGeom>
-        </p:spPr>
-      </p:pic>
       <p:sp>
         <p:nvSpPr>
-          <p:cNvPr id="13" name="文字方塊 12"/>
-          <p:cNvSpPr txBox="1"/>
+          <p:cNvPr id="71" name="圓角矩形 70" title="Cal_/"/>
+          <p:cNvSpPr/>
           <p:nvPr/>
         </p:nvSpPr>
         <p:spPr>
           <a:xfrm>
-            <a:off x="2110964" y="2334459"/>
-            <a:ext cx="2633612" cy="584775"/>
-          </a:xfrm>
-          <a:prstGeom prst="rect">
+            <a:off x="5171743" y="6001782"/>
+            <a:ext cx="1543115" cy="671488"/>
+          </a:xfrm>
+          <a:prstGeom prst="roundRect">
             <a:avLst/>
           </a:prstGeom>
-          <a:noFill/>
+          <a:solidFill>
+            <a:schemeClr val="bg1">
+              <a:lumMod val="85000"/>
+            </a:schemeClr>
+          </a:solidFill>
+          <a:ln>
+            <a:solidFill>
+              <a:schemeClr val="bg1">
+                <a:lumMod val="75000"/>
+              </a:schemeClr>
+            </a:solidFill>
+          </a:ln>
         </p:spPr>
+        <p:style>
+          <a:lnRef idx="2">
+            <a:schemeClr val="accent1">
+              <a:shade val="50000"/>
+            </a:schemeClr>
+          </a:lnRef>
+          <a:fillRef idx="1">
+            <a:schemeClr val="accent1"/>
+          </a:fillRef>
+          <a:effectRef idx="0">
+            <a:schemeClr val="accent1"/>
+          </a:effectRef>
+          <a:fontRef idx="minor">
+            <a:schemeClr val="lt1"/>
+          </a:fontRef>
+        </p:style>
         <p:txBody>
-          <a:bodyPr wrap="square" rtlCol="0">
-            <a:spAutoFit/>
-          </a:bodyPr>
+          <a:bodyPr rtlCol="0" anchor="ctr"/>
           <a:lstStyle/>
           <a:p>
             <a:pPr algn="ctr"/>
             <a:r>
-              <a:rPr lang="en-US" altLang="zh-TW" sz="3200" dirty="0" smtClean="0">
+              <a:rPr lang="zh-TW" altLang="en-US" sz="2400" dirty="0">
                 <a:solidFill>
-                  <a:schemeClr val="tx1">
-                    <a:lumMod val="65000"/>
-                    <a:lumOff val="35000"/>
-                  </a:schemeClr>
+                  <a:schemeClr val="tx1"/>
                 </a:solidFill>
                 <a:latin typeface="微軟正黑體" panose="020B0604030504040204" pitchFamily="34" charset="-120"/>
                 <a:ea typeface="微軟正黑體" panose="020B0604030504040204" pitchFamily="34" charset="-120"/>
               </a:rPr>
-              <a:t>2018</a:t>
-            </a:r>
-            <a:endParaRPr lang="zh-TW" altLang="en-US" sz="3200" dirty="0">
-              <a:solidFill>
-                <a:schemeClr val="tx1">
-                  <a:lumMod val="65000"/>
-                  <a:lumOff val="35000"/>
-                </a:schemeClr>
-              </a:solidFill>
-              <a:latin typeface="微軟正黑體" panose="020B0604030504040204" pitchFamily="34" charset="-120"/>
-              <a:ea typeface="微軟正黑體" panose="020B0604030504040204" pitchFamily="34" charset="-120"/>
-            </a:endParaRPr>
-          </a:p>
-        </p:txBody>
-      </p:sp>
-      <p:sp>
-        <p:nvSpPr>
-          <p:cNvPr id="14" name="文字方塊 13"/>
-          <p:cNvSpPr txBox="1"/>
-          <p:nvPr/>
-        </p:nvSpPr>
-        <p:spPr>
-          <a:xfrm>
-            <a:off x="417095" y="3336758"/>
-            <a:ext cx="5756009" cy="1384995"/>
-          </a:xfrm>
-          <a:prstGeom prst="rect">
-            <a:avLst/>
-          </a:prstGeom>
-          <a:noFill/>
-        </p:spPr>
-        <p:txBody>
-          <a:bodyPr wrap="square" rtlCol="0">
-            <a:spAutoFit/>
-          </a:bodyPr>
-          <a:lstStyle/>
-          <a:p>
-            <a:r>
-              <a:rPr lang="zh-TW" altLang="en-US" sz="2800" dirty="0" smtClean="0">
-                <a:latin typeface="微軟正黑體" panose="020B0604030504040204" pitchFamily="34" charset="-120"/>
-                <a:ea typeface="微軟正黑體" panose="020B0604030504040204" pitchFamily="34" charset="-120"/>
-              </a:rPr>
-              <a:t>收入：</a:t>
-            </a:r>
-            <a:r>
-              <a:rPr lang="en-US" altLang="zh-TW" sz="2800" dirty="0" smtClean="0">
-                <a:latin typeface="微軟正黑體" panose="020B0604030504040204" pitchFamily="34" charset="-120"/>
-                <a:ea typeface="微軟正黑體" panose="020B0604030504040204" pitchFamily="34" charset="-120"/>
-              </a:rPr>
-              <a:t>$308,000.00</a:t>
-            </a:r>
-          </a:p>
-          <a:p>
-            <a:r>
-              <a:rPr lang="zh-TW" altLang="en-US" sz="2800" dirty="0" smtClean="0">
-                <a:latin typeface="微軟正黑體" panose="020B0604030504040204" pitchFamily="34" charset="-120"/>
-                <a:ea typeface="微軟正黑體" panose="020B0604030504040204" pitchFamily="34" charset="-120"/>
-              </a:rPr>
-              <a:t>支出：</a:t>
-            </a:r>
-            <a:r>
-              <a:rPr lang="en-US" altLang="zh-TW" sz="2800" dirty="0" smtClean="0">
-                <a:latin typeface="微軟正黑體" panose="020B0604030504040204" pitchFamily="34" charset="-120"/>
-                <a:ea typeface="微軟正黑體" panose="020B0604030504040204" pitchFamily="34" charset="-120"/>
-              </a:rPr>
-              <a:t>$235,560.00</a:t>
-            </a:r>
-          </a:p>
-          <a:p>
-            <a:r>
-              <a:rPr lang="zh-TW" altLang="en-US" sz="2800" dirty="0" smtClean="0">
-                <a:latin typeface="微軟正黑體" panose="020B0604030504040204" pitchFamily="34" charset="-120"/>
-                <a:ea typeface="微軟正黑體" panose="020B0604030504040204" pitchFamily="34" charset="-120"/>
-              </a:rPr>
-              <a:t>結餘：</a:t>
-            </a:r>
-            <a:r>
-              <a:rPr lang="en-US" altLang="zh-TW" sz="2800" dirty="0" smtClean="0">
-                <a:latin typeface="微軟正黑體" panose="020B0604030504040204" pitchFamily="34" charset="-120"/>
-                <a:ea typeface="微軟正黑體" panose="020B0604030504040204" pitchFamily="34" charset="-120"/>
-              </a:rPr>
-              <a:t>$72,440.00</a:t>
-            </a:r>
-            <a:endParaRPr lang="zh-TW" altLang="en-US" sz="2800" dirty="0">
-              <a:latin typeface="微軟正黑體" panose="020B0604030504040204" pitchFamily="34" charset="-120"/>
-              <a:ea typeface="微軟正黑體" panose="020B0604030504040204" pitchFamily="34" charset="-120"/>
-            </a:endParaRPr>
+              <a:t>刪除</a:t>
+            </a:r>
           </a:p>
         </p:txBody>
       </p:sp>
     </p:spTree>
     <p:extLst>
       <p:ext uri="{BB962C8B-B14F-4D97-AF65-F5344CB8AC3E}">
-        <p14:creationId xmlns:p14="http://schemas.microsoft.com/office/powerpoint/2010/main" val="1902496552"/>
+        <p14:creationId xmlns:p14="http://schemas.microsoft.com/office/powerpoint/2010/main" val="1734895405"/>
       </p:ext>
     </p:extLst>
   </p:cSld>
@@ -7173,85 +9314,7 @@
 </p:sld>
 </file>
 
-<file path=ppt/slides/slide2.xml><?xml version="1.0" encoding="utf-8"?>
-<p:sld xmlns:a="http://schemas.openxmlformats.org/drawingml/2006/main" xmlns:r="http://schemas.openxmlformats.org/officeDocument/2006/relationships" xmlns:p="http://schemas.openxmlformats.org/presentationml/2006/main">
-  <p:cSld>
-    <p:spTree>
-      <p:nvGrpSpPr>
-        <p:cNvPr id="1" name=""/>
-        <p:cNvGrpSpPr/>
-        <p:nvPr/>
-      </p:nvGrpSpPr>
-      <p:grpSpPr>
-        <a:xfrm>
-          <a:off x="0" y="0"/>
-          <a:ext cx="0" cy="0"/>
-          <a:chOff x="0" y="0"/>
-          <a:chExt cx="0" cy="0"/>
-        </a:xfrm>
-      </p:grpSpPr>
-      <p:sp>
-        <p:nvSpPr>
-          <p:cNvPr id="2" name="標題 1"/>
-          <p:cNvSpPr>
-            <a:spLocks noGrp="1"/>
-          </p:cNvSpPr>
-          <p:nvPr>
-            <p:ph type="title"/>
-          </p:nvPr>
-        </p:nvSpPr>
-        <p:spPr>
-          <a:xfrm>
-            <a:off x="439404" y="4707767"/>
-            <a:ext cx="5915025" cy="2356556"/>
-          </a:xfrm>
-        </p:spPr>
-        <p:txBody>
-          <a:bodyPr/>
-          <a:lstStyle/>
-          <a:p>
-            <a:pPr algn="ctr"/>
-            <a:r>
-              <a:rPr lang="zh-TW" altLang="en-US" dirty="0" smtClean="0"/>
-              <a:t>↓ ↓</a:t>
-            </a:r>
-            <a:r>
-              <a:rPr lang="zh-TW" altLang="en-US" dirty="0"/>
-              <a:t> ↓</a:t>
-            </a:r>
-            <a:r>
-              <a:rPr lang="zh-TW" altLang="en-US" dirty="0" smtClean="0"/>
-              <a:t>帳戶管理↓</a:t>
-            </a:r>
-            <a:r>
-              <a:rPr lang="zh-TW" altLang="en-US" dirty="0"/>
-              <a:t> </a:t>
-            </a:r>
-            <a:r>
-              <a:rPr lang="zh-TW" altLang="en-US" dirty="0" smtClean="0"/>
-              <a:t>↓</a:t>
-            </a:r>
-            <a:r>
-              <a:rPr lang="zh-TW" altLang="en-US" dirty="0"/>
-              <a:t> ↓</a:t>
-            </a:r>
-          </a:p>
-        </p:txBody>
-      </p:sp>
-    </p:spTree>
-    <p:extLst>
-      <p:ext uri="{BB962C8B-B14F-4D97-AF65-F5344CB8AC3E}">
-        <p14:creationId xmlns:p14="http://schemas.microsoft.com/office/powerpoint/2010/main" val="1270170071"/>
-      </p:ext>
-    </p:extLst>
-  </p:cSld>
-  <p:clrMapOvr>
-    <a:masterClrMapping/>
-  </p:clrMapOvr>
-</p:sld>
-</file>
-
-<file path=ppt/slides/slide3.xml><?xml version="1.0" encoding="utf-8"?>
+<file path=ppt/slides/slide5.xml><?xml version="1.0" encoding="utf-8"?>
 <p:sld xmlns:a="http://schemas.openxmlformats.org/drawingml/2006/main" xmlns:r="http://schemas.openxmlformats.org/officeDocument/2006/relationships" xmlns:p="http://schemas.openxmlformats.org/presentationml/2006/main">
   <p:cSld>
     <p:spTree>
@@ -7835,42 +9898,6 @@
           </p:txBody>
         </p:sp>
       </p:grpSp>
-      <p:sp>
-        <p:nvSpPr>
-          <p:cNvPr id="2" name="文字方塊 1"/>
-          <p:cNvSpPr txBox="1"/>
-          <p:nvPr/>
-        </p:nvSpPr>
-        <p:spPr>
-          <a:xfrm>
-            <a:off x="-3208" y="1563194"/>
-            <a:ext cx="4415806" cy="523220"/>
-          </a:xfrm>
-          <a:prstGeom prst="rect">
-            <a:avLst/>
-          </a:prstGeom>
-          <a:noFill/>
-        </p:spPr>
-        <p:txBody>
-          <a:bodyPr wrap="square" rtlCol="0">
-            <a:spAutoFit/>
-          </a:bodyPr>
-          <a:lstStyle/>
-          <a:p>
-            <a:r>
-              <a:rPr lang="zh-TW" altLang="en-US" sz="2800" dirty="0" smtClean="0">
-                <a:latin typeface="微軟正黑體" panose="020B0604030504040204" pitchFamily="34" charset="-120"/>
-                <a:ea typeface="微軟正黑體" panose="020B0604030504040204" pitchFamily="34" charset="-120"/>
-              </a:rPr>
-              <a:t>輸入欲新增之帳戶類別</a:t>
-            </a:r>
-            <a:endParaRPr lang="zh-TW" altLang="en-US" sz="2800" dirty="0">
-              <a:latin typeface="微軟正黑體" panose="020B0604030504040204" pitchFamily="34" charset="-120"/>
-              <a:ea typeface="微軟正黑體" panose="020B0604030504040204" pitchFamily="34" charset="-120"/>
-            </a:endParaRPr>
-          </a:p>
-        </p:txBody>
-      </p:sp>
       <p:cxnSp>
         <p:nvCxnSpPr>
           <p:cNvPr id="5" name="直線接點 4"/>
@@ -8182,13 +10209,6 @@
               </a:rPr>
               <a:t>刪除</a:t>
             </a:r>
-            <a:endParaRPr lang="zh-TW" altLang="en-US" sz="2400" dirty="0">
-              <a:solidFill>
-                <a:schemeClr val="tx1"/>
-              </a:solidFill>
-              <a:latin typeface="微軟正黑體" panose="020B0604030504040204" pitchFamily="34" charset="-120"/>
-              <a:ea typeface="微軟正黑體" panose="020B0604030504040204" pitchFamily="34" charset="-120"/>
-            </a:endParaRPr>
           </a:p>
         </p:txBody>
       </p:sp>
@@ -8250,13 +10270,6 @@
               </a:rPr>
               <a:t>刪除</a:t>
             </a:r>
-            <a:endParaRPr lang="zh-TW" altLang="en-US" sz="2400" dirty="0">
-              <a:solidFill>
-                <a:schemeClr val="tx1"/>
-              </a:solidFill>
-              <a:latin typeface="微軟正黑體" panose="020B0604030504040204" pitchFamily="34" charset="-120"/>
-              <a:ea typeface="微軟正黑體" panose="020B0604030504040204" pitchFamily="34" charset="-120"/>
-            </a:endParaRPr>
           </a:p>
         </p:txBody>
       </p:sp>
@@ -8318,20 +10331,123 @@
               </a:rPr>
               <a:t>刪除</a:t>
             </a:r>
-            <a:endParaRPr lang="zh-TW" altLang="en-US" sz="2400" dirty="0">
+          </a:p>
+        </p:txBody>
+      </p:sp>
+      <p:sp>
+        <p:nvSpPr>
+          <p:cNvPr id="33" name="文字方塊 32"/>
+          <p:cNvSpPr txBox="1"/>
+          <p:nvPr/>
+        </p:nvSpPr>
+        <p:spPr>
+          <a:xfrm>
+            <a:off x="1397165" y="7371588"/>
+            <a:ext cx="2482485" cy="830997"/>
+          </a:xfrm>
+          <a:prstGeom prst="rect">
+            <a:avLst/>
+          </a:prstGeom>
+          <a:noFill/>
+        </p:spPr>
+        <p:txBody>
+          <a:bodyPr wrap="square" rtlCol="0">
+            <a:spAutoFit/>
+          </a:bodyPr>
+          <a:lstStyle/>
+          <a:p>
+            <a:pPr algn="ctr"/>
+            <a:r>
+              <a:rPr lang="zh-TW" altLang="en-US" sz="4800" dirty="0" smtClean="0">
+                <a:solidFill>
+                  <a:schemeClr val="tx1">
+                    <a:lumMod val="65000"/>
+                    <a:lumOff val="35000"/>
+                  </a:schemeClr>
+                </a:solidFill>
+                <a:latin typeface="微軟正黑體" panose="020B0604030504040204" pitchFamily="34" charset="-120"/>
+                <a:ea typeface="微軟正黑體" panose="020B0604030504040204" pitchFamily="34" charset="-120"/>
+              </a:rPr>
+              <a:t>一卡通</a:t>
+            </a:r>
+            <a:endParaRPr lang="zh-TW" altLang="en-US" sz="4800" dirty="0">
               <a:solidFill>
-                <a:schemeClr val="tx1"/>
+                <a:schemeClr val="tx1">
+                  <a:lumMod val="65000"/>
+                  <a:lumOff val="35000"/>
+                </a:schemeClr>
               </a:solidFill>
               <a:latin typeface="微軟正黑體" panose="020B0604030504040204" pitchFamily="34" charset="-120"/>
               <a:ea typeface="微軟正黑體" panose="020B0604030504040204" pitchFamily="34" charset="-120"/>
             </a:endParaRPr>
+          </a:p>
+        </p:txBody>
+      </p:sp>
+      <p:sp>
+        <p:nvSpPr>
+          <p:cNvPr id="36" name="圓角矩形 35" title="Cal_/"/>
+          <p:cNvSpPr/>
+          <p:nvPr/>
+        </p:nvSpPr>
+        <p:spPr>
+          <a:xfrm>
+            <a:off x="5171742" y="7372991"/>
+            <a:ext cx="1543115" cy="671488"/>
+          </a:xfrm>
+          <a:prstGeom prst="roundRect">
+            <a:avLst/>
+          </a:prstGeom>
+          <a:solidFill>
+            <a:schemeClr val="bg1">
+              <a:lumMod val="85000"/>
+            </a:schemeClr>
+          </a:solidFill>
+          <a:ln>
+            <a:solidFill>
+              <a:schemeClr val="bg1">
+                <a:lumMod val="75000"/>
+              </a:schemeClr>
+            </a:solidFill>
+          </a:ln>
+        </p:spPr>
+        <p:style>
+          <a:lnRef idx="2">
+            <a:schemeClr val="accent1">
+              <a:shade val="50000"/>
+            </a:schemeClr>
+          </a:lnRef>
+          <a:fillRef idx="1">
+            <a:schemeClr val="accent1"/>
+          </a:fillRef>
+          <a:effectRef idx="0">
+            <a:schemeClr val="accent1"/>
+          </a:effectRef>
+          <a:fontRef idx="minor">
+            <a:schemeClr val="lt1"/>
+          </a:fontRef>
+        </p:style>
+        <p:txBody>
+          <a:bodyPr rtlCol="0" anchor="ctr"/>
+          <a:lstStyle/>
+          <a:p>
+            <a:pPr algn="ctr"/>
+            <a:r>
+              <a:rPr lang="zh-TW" altLang="en-US" sz="2400" dirty="0">
+                <a:solidFill>
+                  <a:schemeClr val="tx1"/>
+                </a:solidFill>
+                <a:latin typeface="微軟正黑體" panose="020B0604030504040204" pitchFamily="34" charset="-120"/>
+                <a:ea typeface="微軟正黑體" panose="020B0604030504040204" pitchFamily="34" charset="-120"/>
+              </a:rPr>
+              <a:t>刪除</a:t>
+            </a:r>
           </a:p>
         </p:txBody>
       </p:sp>
     </p:spTree>
     <p:extLst>
       <p:ext uri="{BB962C8B-B14F-4D97-AF65-F5344CB8AC3E}">
-        <p14:creationId xmlns:p14="http://schemas.microsoft.com/office/powerpoint/2010/main" val="2906299206"/>
+        <p14:creationId xmlns:p14="http://schemas.microsoft.com/office/powerpoint/2010/main" val="1309752825"/>
       </p:ext>
     </p:extLst>
   </p:cSld>
@@ -8348,7 +10464,66 @@
 </p:sld>
 </file>
 
-<file path=ppt/slides/slide4.xml><?xml version="1.0" encoding="utf-8"?>
+<file path=ppt/slides/slide6.xml><?xml version="1.0" encoding="utf-8"?>
+<p:sld xmlns:a="http://schemas.openxmlformats.org/drawingml/2006/main" xmlns:r="http://schemas.openxmlformats.org/officeDocument/2006/relationships" xmlns:p="http://schemas.openxmlformats.org/presentationml/2006/main">
+  <p:cSld>
+    <p:spTree>
+      <p:nvGrpSpPr>
+        <p:cNvPr id="1" name=""/>
+        <p:cNvGrpSpPr/>
+        <p:nvPr/>
+      </p:nvGrpSpPr>
+      <p:grpSpPr>
+        <a:xfrm>
+          <a:off x="0" y="0"/>
+          <a:ext cx="0" cy="0"/>
+          <a:chOff x="0" y="0"/>
+          <a:chExt cx="0" cy="0"/>
+        </a:xfrm>
+      </p:grpSpPr>
+      <p:sp>
+        <p:nvSpPr>
+          <p:cNvPr id="2" name="標題 1"/>
+          <p:cNvSpPr>
+            <a:spLocks noGrp="1"/>
+          </p:cNvSpPr>
+          <p:nvPr>
+            <p:ph type="title"/>
+          </p:nvPr>
+        </p:nvSpPr>
+        <p:spPr>
+          <a:xfrm>
+            <a:off x="439404" y="4707767"/>
+            <a:ext cx="5915025" cy="2356556"/>
+          </a:xfrm>
+        </p:spPr>
+        <p:txBody>
+          <a:bodyPr/>
+          <a:lstStyle/>
+          <a:p>
+            <a:pPr algn="ctr"/>
+            <a:r>
+              <a:rPr lang="zh-TW" altLang="en-US" dirty="0" smtClean="0"/>
+              <a:t>↓ ↓ ↓圖表統計↓ ↓ ↓</a:t>
+            </a:r>
+            <a:endParaRPr lang="zh-TW" altLang="en-US" dirty="0"/>
+          </a:p>
+        </p:txBody>
+      </p:sp>
+    </p:spTree>
+    <p:extLst>
+      <p:ext uri="{BB962C8B-B14F-4D97-AF65-F5344CB8AC3E}">
+        <p14:creationId xmlns:p14="http://schemas.microsoft.com/office/powerpoint/2010/main" val="803325029"/>
+      </p:ext>
+    </p:extLst>
+  </p:cSld>
+  <p:clrMapOvr>
+    <a:masterClrMapping/>
+  </p:clrMapOvr>
+</p:sld>
+</file>
+
+<file path=ppt/slides/slide7.xml><?xml version="1.0" encoding="utf-8"?>
 <p:sld xmlns:a="http://schemas.openxmlformats.org/drawingml/2006/main" xmlns:r="http://schemas.openxmlformats.org/officeDocument/2006/relationships" xmlns:p="http://schemas.openxmlformats.org/presentationml/2006/main">
   <p:cSld>
     <p:spTree>
@@ -8711,14 +10886,14 @@
             <a:lstStyle/>
             <a:p>
               <a:r>
-                <a:rPr lang="en-US" altLang="zh-TW" sz="2800" b="1" dirty="0" smtClean="0">
+                <a:rPr lang="en-US" altLang="zh-TW" sz="2800" b="1" dirty="0">
                   <a:solidFill>
                     <a:schemeClr val="bg1"/>
                   </a:solidFill>
                   <a:latin typeface="微軟正黑體" panose="020B0604030504040204" pitchFamily="34" charset="-120"/>
                   <a:ea typeface="微軟正黑體" panose="020B0604030504040204" pitchFamily="34" charset="-120"/>
                 </a:rPr>
-                <a:t>Account</a:t>
+                <a:t>Statistic</a:t>
               </a:r>
               <a:endParaRPr lang="zh-TW" altLang="en-US" b="1" dirty="0">
                 <a:solidFill>
@@ -8934,88 +11109,14 @@
       </p:grpSp>
       <p:sp>
         <p:nvSpPr>
-          <p:cNvPr id="2" name="文字方塊 1"/>
-          <p:cNvSpPr txBox="1"/>
-          <p:nvPr/>
-        </p:nvSpPr>
-        <p:spPr>
-          <a:xfrm>
-            <a:off x="-3208" y="1563194"/>
-            <a:ext cx="4415806" cy="523220"/>
-          </a:xfrm>
-          <a:prstGeom prst="rect">
-            <a:avLst/>
-          </a:prstGeom>
-          <a:noFill/>
-        </p:spPr>
-        <p:txBody>
-          <a:bodyPr wrap="square" rtlCol="0">
-            <a:spAutoFit/>
-          </a:bodyPr>
-          <a:lstStyle/>
-          <a:p>
-            <a:r>
-              <a:rPr lang="en-US" altLang="zh-TW" sz="2800" dirty="0" smtClean="0">
-                <a:latin typeface="微軟正黑體" panose="020B0604030504040204" pitchFamily="34" charset="-120"/>
-                <a:ea typeface="微軟正黑體" panose="020B0604030504040204" pitchFamily="34" charset="-120"/>
-              </a:rPr>
-              <a:t>test</a:t>
-            </a:r>
-            <a:endParaRPr lang="zh-TW" altLang="en-US" sz="2800" dirty="0">
-              <a:latin typeface="微軟正黑體" panose="020B0604030504040204" pitchFamily="34" charset="-120"/>
-              <a:ea typeface="微軟正黑體" panose="020B0604030504040204" pitchFamily="34" charset="-120"/>
-            </a:endParaRPr>
-          </a:p>
-        </p:txBody>
-      </p:sp>
-      <p:cxnSp>
-        <p:nvCxnSpPr>
-          <p:cNvPr id="5" name="直線接點 4"/>
-          <p:cNvCxnSpPr/>
-          <p:nvPr/>
-        </p:nvCxnSpPr>
-        <p:spPr>
-          <a:xfrm>
-            <a:off x="81280" y="2090907"/>
-            <a:ext cx="5114254" cy="0"/>
-          </a:xfrm>
-          <a:prstGeom prst="line">
-            <a:avLst/>
-          </a:prstGeom>
-          <a:ln>
-            <a:solidFill>
-              <a:schemeClr val="accent1">
-                <a:lumMod val="40000"/>
-                <a:lumOff val="60000"/>
-              </a:schemeClr>
-            </a:solidFill>
-          </a:ln>
-        </p:spPr>
-        <p:style>
-          <a:lnRef idx="1">
-            <a:schemeClr val="accent1"/>
-          </a:lnRef>
-          <a:fillRef idx="0">
-            <a:schemeClr val="accent1"/>
-          </a:fillRef>
-          <a:effectRef idx="0">
-            <a:schemeClr val="accent1"/>
-          </a:effectRef>
-          <a:fontRef idx="minor">
-            <a:schemeClr val="tx1"/>
-          </a:fontRef>
-        </p:style>
-      </p:cxnSp>
-      <p:sp>
-        <p:nvSpPr>
           <p:cNvPr id="45" name="圓角矩形 44" title="Cal_/"/>
           <p:cNvSpPr/>
           <p:nvPr/>
         </p:nvSpPr>
         <p:spPr>
           <a:xfrm>
-            <a:off x="5171743" y="1451821"/>
-            <a:ext cx="1543115" cy="671488"/>
+            <a:off x="64169" y="1450193"/>
+            <a:ext cx="2133600" cy="671488"/>
           </a:xfrm>
           <a:prstGeom prst="roundRect">
             <a:avLst/>
@@ -9062,7 +11163,7 @@
                 <a:latin typeface="微軟正黑體" panose="020B0604030504040204" pitchFamily="34" charset="-120"/>
                 <a:ea typeface="微軟正黑體" panose="020B0604030504040204" pitchFamily="34" charset="-120"/>
               </a:rPr>
-              <a:t>新增</a:t>
+              <a:t>年</a:t>
             </a:r>
             <a:endParaRPr lang="zh-TW" altLang="en-US" sz="2400" dirty="0">
               <a:solidFill>
@@ -9076,161 +11177,14 @@
       </p:sp>
       <p:sp>
         <p:nvSpPr>
-          <p:cNvPr id="8" name="文字方塊 7"/>
-          <p:cNvSpPr txBox="1"/>
-          <p:nvPr/>
-        </p:nvSpPr>
-        <p:spPr>
-          <a:xfrm>
-            <a:off x="1397165" y="3243207"/>
-            <a:ext cx="2482485" cy="830997"/>
-          </a:xfrm>
-          <a:prstGeom prst="rect">
-            <a:avLst/>
-          </a:prstGeom>
-          <a:noFill/>
-        </p:spPr>
-        <p:txBody>
-          <a:bodyPr wrap="square" rtlCol="0">
-            <a:spAutoFit/>
-          </a:bodyPr>
-          <a:lstStyle/>
-          <a:p>
-            <a:pPr algn="ctr"/>
-            <a:r>
-              <a:rPr lang="zh-TW" altLang="en-US" sz="4800" dirty="0" smtClean="0">
-                <a:solidFill>
-                  <a:schemeClr val="tx1">
-                    <a:lumMod val="65000"/>
-                    <a:lumOff val="35000"/>
-                  </a:schemeClr>
-                </a:solidFill>
-                <a:latin typeface="微軟正黑體" panose="020B0604030504040204" pitchFamily="34" charset="-120"/>
-                <a:ea typeface="微軟正黑體" panose="020B0604030504040204" pitchFamily="34" charset="-120"/>
-              </a:rPr>
-              <a:t>現金</a:t>
-            </a:r>
-            <a:endParaRPr lang="zh-TW" altLang="en-US" sz="4800" dirty="0">
-              <a:solidFill>
-                <a:schemeClr val="tx1">
-                  <a:lumMod val="65000"/>
-                  <a:lumOff val="35000"/>
-                </a:schemeClr>
-              </a:solidFill>
-              <a:latin typeface="微軟正黑體" panose="020B0604030504040204" pitchFamily="34" charset="-120"/>
-              <a:ea typeface="微軟正黑體" panose="020B0604030504040204" pitchFamily="34" charset="-120"/>
-            </a:endParaRPr>
-          </a:p>
-        </p:txBody>
-      </p:sp>
-      <p:sp>
-        <p:nvSpPr>
-          <p:cNvPr id="51" name="文字方塊 50"/>
-          <p:cNvSpPr txBox="1"/>
-          <p:nvPr/>
-        </p:nvSpPr>
-        <p:spPr>
-          <a:xfrm>
-            <a:off x="1397165" y="4619334"/>
-            <a:ext cx="2482485" cy="830997"/>
-          </a:xfrm>
-          <a:prstGeom prst="rect">
-            <a:avLst/>
-          </a:prstGeom>
-          <a:noFill/>
-        </p:spPr>
-        <p:txBody>
-          <a:bodyPr wrap="square" rtlCol="0">
-            <a:spAutoFit/>
-          </a:bodyPr>
-          <a:lstStyle/>
-          <a:p>
-            <a:pPr algn="ctr"/>
-            <a:r>
-              <a:rPr lang="zh-TW" altLang="en-US" sz="4800" dirty="0" smtClean="0">
-                <a:solidFill>
-                  <a:schemeClr val="tx1">
-                    <a:lumMod val="65000"/>
-                    <a:lumOff val="35000"/>
-                  </a:schemeClr>
-                </a:solidFill>
-                <a:latin typeface="微軟正黑體" panose="020B0604030504040204" pitchFamily="34" charset="-120"/>
-                <a:ea typeface="微軟正黑體" panose="020B0604030504040204" pitchFamily="34" charset="-120"/>
-              </a:rPr>
-              <a:t>信用卡</a:t>
-            </a:r>
-            <a:endParaRPr lang="zh-TW" altLang="en-US" sz="4800" dirty="0">
-              <a:solidFill>
-                <a:schemeClr val="tx1">
-                  <a:lumMod val="65000"/>
-                  <a:lumOff val="35000"/>
-                </a:schemeClr>
-              </a:solidFill>
-              <a:latin typeface="微軟正黑體" panose="020B0604030504040204" pitchFamily="34" charset="-120"/>
-              <a:ea typeface="微軟正黑體" panose="020B0604030504040204" pitchFamily="34" charset="-120"/>
-            </a:endParaRPr>
-          </a:p>
-        </p:txBody>
-      </p:sp>
-      <p:sp>
-        <p:nvSpPr>
-          <p:cNvPr id="53" name="文字方塊 52"/>
-          <p:cNvSpPr txBox="1"/>
-          <p:nvPr/>
-        </p:nvSpPr>
-        <p:spPr>
-          <a:xfrm>
-            <a:off x="1397165" y="5995461"/>
-            <a:ext cx="2482485" cy="830997"/>
-          </a:xfrm>
-          <a:prstGeom prst="rect">
-            <a:avLst/>
-          </a:prstGeom>
-          <a:noFill/>
-        </p:spPr>
-        <p:txBody>
-          <a:bodyPr wrap="square" rtlCol="0">
-            <a:spAutoFit/>
-          </a:bodyPr>
-          <a:lstStyle/>
-          <a:p>
-            <a:pPr algn="ctr"/>
-            <a:r>
-              <a:rPr lang="zh-TW" altLang="en-US" sz="4800" dirty="0" smtClean="0">
-                <a:solidFill>
-                  <a:schemeClr val="tx1">
-                    <a:lumMod val="65000"/>
-                    <a:lumOff val="35000"/>
-                  </a:schemeClr>
-                </a:solidFill>
-                <a:latin typeface="微軟正黑體" panose="020B0604030504040204" pitchFamily="34" charset="-120"/>
-                <a:ea typeface="微軟正黑體" panose="020B0604030504040204" pitchFamily="34" charset="-120"/>
-              </a:rPr>
-              <a:t>悠遊卡</a:t>
-            </a:r>
-            <a:endParaRPr lang="zh-TW" altLang="en-US" sz="4800" dirty="0">
-              <a:solidFill>
-                <a:schemeClr val="tx1">
-                  <a:lumMod val="65000"/>
-                  <a:lumOff val="35000"/>
-                </a:schemeClr>
-              </a:solidFill>
-              <a:latin typeface="微軟正黑體" panose="020B0604030504040204" pitchFamily="34" charset="-120"/>
-              <a:ea typeface="微軟正黑體" panose="020B0604030504040204" pitchFamily="34" charset="-120"/>
-            </a:endParaRPr>
-          </a:p>
-        </p:txBody>
-      </p:sp>
-      <p:sp>
-        <p:nvSpPr>
-          <p:cNvPr id="55" name="圓角矩形 54" title="Cal_/"/>
+          <p:cNvPr id="35" name="圓角矩形 34" title="Cal_/"/>
           <p:cNvSpPr/>
           <p:nvPr/>
         </p:nvSpPr>
         <p:spPr>
           <a:xfrm>
-            <a:off x="5171743" y="3322961"/>
-            <a:ext cx="1543115" cy="671488"/>
+            <a:off x="2360998" y="1450193"/>
+            <a:ext cx="2133600" cy="671488"/>
           </a:xfrm>
           <a:prstGeom prst="roundRect">
             <a:avLst/>
@@ -9270,14 +11224,14 @@
           <a:p>
             <a:pPr algn="ctr"/>
             <a:r>
-              <a:rPr lang="zh-TW" altLang="en-US" sz="2400" dirty="0">
+              <a:rPr lang="zh-TW" altLang="en-US" sz="2400" dirty="0" smtClean="0">
                 <a:solidFill>
                   <a:schemeClr val="tx1"/>
                 </a:solidFill>
                 <a:latin typeface="微軟正黑體" panose="020B0604030504040204" pitchFamily="34" charset="-120"/>
                 <a:ea typeface="微軟正黑體" panose="020B0604030504040204" pitchFamily="34" charset="-120"/>
               </a:rPr>
-              <a:t>刪除</a:t>
+              <a:t>月</a:t>
             </a:r>
             <a:endParaRPr lang="zh-TW" altLang="en-US" sz="2400" dirty="0">
               <a:solidFill>
@@ -9291,14 +11245,14 @@
       </p:sp>
       <p:sp>
         <p:nvSpPr>
-          <p:cNvPr id="69" name="圓角矩形 68" title="Cal_/"/>
+          <p:cNvPr id="36" name="圓角矩形 35" title="Cal_/"/>
           <p:cNvSpPr/>
           <p:nvPr/>
         </p:nvSpPr>
         <p:spPr>
           <a:xfrm>
-            <a:off x="5171743" y="4648798"/>
-            <a:ext cx="1543115" cy="671488"/>
+            <a:off x="4657827" y="1450193"/>
+            <a:ext cx="2133600" cy="671488"/>
           </a:xfrm>
           <a:prstGeom prst="roundRect">
             <a:avLst/>
@@ -9338,14 +11292,14 @@
           <a:p>
             <a:pPr algn="ctr"/>
             <a:r>
-              <a:rPr lang="zh-TW" altLang="en-US" sz="2400" dirty="0">
+              <a:rPr lang="zh-TW" altLang="en-US" sz="2400" dirty="0" smtClean="0">
                 <a:solidFill>
                   <a:schemeClr val="tx1"/>
                 </a:solidFill>
                 <a:latin typeface="微軟正黑體" panose="020B0604030504040204" pitchFamily="34" charset="-120"/>
                 <a:ea typeface="微軟正黑體" panose="020B0604030504040204" pitchFamily="34" charset="-120"/>
               </a:rPr>
-              <a:t>刪除</a:t>
+              <a:t>日</a:t>
             </a:r>
             <a:endParaRPr lang="zh-TW" altLang="en-US" sz="2400" dirty="0">
               <a:solidFill>
@@ -9357,67 +11311,108 @@
           </a:p>
         </p:txBody>
       </p:sp>
+      <p:pic>
+        <p:nvPicPr>
+          <p:cNvPr id="3" name="圖片 2"/>
+          <p:cNvPicPr>
+            <a:picLocks noChangeAspect="1"/>
+          </p:cNvPicPr>
+          <p:nvPr/>
+        </p:nvPicPr>
+        <p:blipFill>
+          <a:blip r:embed="rId2">
+            <a:extLst>
+              <a:ext uri="{28A0092B-C50C-407E-A947-70E740481C1C}">
+                <a14:useLocalDpi xmlns:a14="http://schemas.microsoft.com/office/drawing/2010/main" val="0"/>
+              </a:ext>
+            </a:extLst>
+          </a:blip>
+          <a:stretch>
+            <a:fillRect/>
+          </a:stretch>
+        </p:blipFill>
+        <p:spPr>
+          <a:xfrm>
+            <a:off x="1223241" y="2400143"/>
+            <a:ext cx="444517" cy="453407"/>
+          </a:xfrm>
+          <a:prstGeom prst="rect">
+            <a:avLst/>
+          </a:prstGeom>
+        </p:spPr>
+      </p:pic>
+      <p:pic>
+        <p:nvPicPr>
+          <p:cNvPr id="6" name="圖片 5"/>
+          <p:cNvPicPr>
+            <a:picLocks noChangeAspect="1"/>
+          </p:cNvPicPr>
+          <p:nvPr/>
+        </p:nvPicPr>
+        <p:blipFill>
+          <a:blip r:embed="rId3">
+            <a:extLst>
+              <a:ext uri="{28A0092B-C50C-407E-A947-70E740481C1C}">
+                <a14:useLocalDpi xmlns:a14="http://schemas.microsoft.com/office/drawing/2010/main" val="0"/>
+              </a:ext>
+            </a:extLst>
+          </a:blip>
+          <a:stretch>
+            <a:fillRect/>
+          </a:stretch>
+        </p:blipFill>
+        <p:spPr>
+          <a:xfrm>
+            <a:off x="5203826" y="2400143"/>
+            <a:ext cx="444706" cy="453600"/>
+          </a:xfrm>
+          <a:prstGeom prst="rect">
+            <a:avLst/>
+          </a:prstGeom>
+        </p:spPr>
+      </p:pic>
       <p:sp>
         <p:nvSpPr>
-          <p:cNvPr id="71" name="圓角矩形 70" title="Cal_/"/>
-          <p:cNvSpPr/>
+          <p:cNvPr id="13" name="文字方塊 12"/>
+          <p:cNvSpPr txBox="1"/>
           <p:nvPr/>
         </p:nvSpPr>
         <p:spPr>
           <a:xfrm>
-            <a:off x="5171743" y="6001782"/>
-            <a:ext cx="1543115" cy="671488"/>
-          </a:xfrm>
-          <a:prstGeom prst="roundRect">
+            <a:off x="2114852" y="2334459"/>
+            <a:ext cx="2633612" cy="584775"/>
+          </a:xfrm>
+          <a:prstGeom prst="rect">
             <a:avLst/>
           </a:prstGeom>
-          <a:solidFill>
-            <a:schemeClr val="bg1">
-              <a:lumMod val="85000"/>
-            </a:schemeClr>
-          </a:solidFill>
-          <a:ln>
-            <a:solidFill>
-              <a:schemeClr val="bg1">
-                <a:lumMod val="75000"/>
-              </a:schemeClr>
-            </a:solidFill>
-          </a:ln>
+          <a:noFill/>
         </p:spPr>
-        <p:style>
-          <a:lnRef idx="2">
-            <a:schemeClr val="accent1">
-              <a:shade val="50000"/>
-            </a:schemeClr>
-          </a:lnRef>
-          <a:fillRef idx="1">
-            <a:schemeClr val="accent1"/>
-          </a:fillRef>
-          <a:effectRef idx="0">
-            <a:schemeClr val="accent1"/>
-          </a:effectRef>
-          <a:fontRef idx="minor">
-            <a:schemeClr val="lt1"/>
-          </a:fontRef>
-        </p:style>
         <p:txBody>
-          <a:bodyPr rtlCol="0" anchor="ctr"/>
+          <a:bodyPr wrap="square" rtlCol="0">
+            <a:spAutoFit/>
+          </a:bodyPr>
           <a:lstStyle/>
           <a:p>
             <a:pPr algn="ctr"/>
             <a:r>
-              <a:rPr lang="zh-TW" altLang="en-US" sz="2400" dirty="0">
+              <a:rPr lang="en-US" altLang="zh-TW" sz="3200" dirty="0" smtClean="0">
                 <a:solidFill>
-                  <a:schemeClr val="tx1"/>
+                  <a:schemeClr val="tx1">
+                    <a:lumMod val="65000"/>
+                    <a:lumOff val="35000"/>
+                  </a:schemeClr>
                 </a:solidFill>
                 <a:latin typeface="微軟正黑體" panose="020B0604030504040204" pitchFamily="34" charset="-120"/>
                 <a:ea typeface="微軟正黑體" panose="020B0604030504040204" pitchFamily="34" charset="-120"/>
               </a:rPr>
-              <a:t>刪除</a:t>
-            </a:r>
-            <a:endParaRPr lang="zh-TW" altLang="en-US" sz="2400" dirty="0">
+              <a:t>2018/06/10</a:t>
+            </a:r>
+            <a:endParaRPr lang="zh-TW" altLang="en-US" sz="3200" dirty="0">
               <a:solidFill>
-                <a:schemeClr val="tx1"/>
+                <a:schemeClr val="tx1">
+                  <a:lumMod val="65000"/>
+                  <a:lumOff val="35000"/>
+                </a:schemeClr>
               </a:solidFill>
               <a:latin typeface="微軟正黑體" panose="020B0604030504040204" pitchFamily="34" charset="-120"/>
               <a:ea typeface="微軟正黑體" panose="020B0604030504040204" pitchFamily="34" charset="-120"/>
@@ -9425,10 +11420,109 @@
           </a:p>
         </p:txBody>
       </p:sp>
+      <p:sp>
+        <p:nvSpPr>
+          <p:cNvPr id="14" name="文字方塊 13"/>
+          <p:cNvSpPr txBox="1"/>
+          <p:nvPr/>
+        </p:nvSpPr>
+        <p:spPr>
+          <a:xfrm>
+            <a:off x="417095" y="3336758"/>
+            <a:ext cx="5756009" cy="1384995"/>
+          </a:xfrm>
+          <a:prstGeom prst="rect">
+            <a:avLst/>
+          </a:prstGeom>
+          <a:noFill/>
+        </p:spPr>
+        <p:txBody>
+          <a:bodyPr wrap="square" rtlCol="0">
+            <a:spAutoFit/>
+          </a:bodyPr>
+          <a:lstStyle/>
+          <a:p>
+            <a:r>
+              <a:rPr lang="zh-TW" altLang="en-US" sz="2800" dirty="0" smtClean="0">
+                <a:latin typeface="微軟正黑體" panose="020B0604030504040204" pitchFamily="34" charset="-120"/>
+                <a:ea typeface="微軟正黑體" panose="020B0604030504040204" pitchFamily="34" charset="-120"/>
+              </a:rPr>
+              <a:t>收入：</a:t>
+            </a:r>
+            <a:r>
+              <a:rPr lang="en-US" altLang="zh-TW" sz="2800" dirty="0" smtClean="0">
+                <a:latin typeface="微軟正黑體" panose="020B0604030504040204" pitchFamily="34" charset="-120"/>
+                <a:ea typeface="微軟正黑體" panose="020B0604030504040204" pitchFamily="34" charset="-120"/>
+              </a:rPr>
+              <a:t>$400.00</a:t>
+            </a:r>
+          </a:p>
+          <a:p>
+            <a:r>
+              <a:rPr lang="zh-TW" altLang="en-US" sz="2800" dirty="0" smtClean="0">
+                <a:latin typeface="微軟正黑體" panose="020B0604030504040204" pitchFamily="34" charset="-120"/>
+                <a:ea typeface="微軟正黑體" panose="020B0604030504040204" pitchFamily="34" charset="-120"/>
+              </a:rPr>
+              <a:t>支出：</a:t>
+            </a:r>
+            <a:r>
+              <a:rPr lang="en-US" altLang="zh-TW" sz="2800" dirty="0" smtClean="0">
+                <a:latin typeface="微軟正黑體" panose="020B0604030504040204" pitchFamily="34" charset="-120"/>
+                <a:ea typeface="微軟正黑體" panose="020B0604030504040204" pitchFamily="34" charset="-120"/>
+              </a:rPr>
+              <a:t>$1,640.00</a:t>
+            </a:r>
+          </a:p>
+          <a:p>
+            <a:r>
+              <a:rPr lang="zh-TW" altLang="en-US" sz="2800" dirty="0" smtClean="0">
+                <a:latin typeface="微軟正黑體" panose="020B0604030504040204" pitchFamily="34" charset="-120"/>
+                <a:ea typeface="微軟正黑體" panose="020B0604030504040204" pitchFamily="34" charset="-120"/>
+              </a:rPr>
+              <a:t>結餘：</a:t>
+            </a:r>
+            <a:r>
+              <a:rPr lang="en-US" altLang="zh-TW" sz="2800" dirty="0" smtClean="0">
+                <a:latin typeface="微軟正黑體" panose="020B0604030504040204" pitchFamily="34" charset="-120"/>
+                <a:ea typeface="微軟正黑體" panose="020B0604030504040204" pitchFamily="34" charset="-120"/>
+              </a:rPr>
+              <a:t>$-1,240.00</a:t>
+            </a:r>
+            <a:endParaRPr lang="zh-TW" altLang="en-US" sz="2800" dirty="0">
+              <a:latin typeface="微軟正黑體" panose="020B0604030504040204" pitchFamily="34" charset="-120"/>
+              <a:ea typeface="微軟正黑體" panose="020B0604030504040204" pitchFamily="34" charset="-120"/>
+            </a:endParaRPr>
+          </a:p>
+        </p:txBody>
+      </p:sp>
+      <p:pic>
+        <p:nvPicPr>
+          <p:cNvPr id="15" name="圖片 14"/>
+          <p:cNvPicPr>
+            <a:picLocks noChangeAspect="1"/>
+          </p:cNvPicPr>
+          <p:nvPr/>
+        </p:nvPicPr>
+        <p:blipFill>
+          <a:blip r:embed="rId4"/>
+          <a:stretch>
+            <a:fillRect/>
+          </a:stretch>
+        </p:blipFill>
+        <p:spPr>
+          <a:xfrm>
+            <a:off x="1108761" y="5374462"/>
+            <a:ext cx="4501009" cy="4350418"/>
+          </a:xfrm>
+          <a:prstGeom prst="rect">
+            <a:avLst/>
+          </a:prstGeom>
+        </p:spPr>
+      </p:pic>
     </p:spTree>
     <p:extLst>
       <p:ext uri="{BB962C8B-B14F-4D97-AF65-F5344CB8AC3E}">
-        <p14:creationId xmlns:p14="http://schemas.microsoft.com/office/powerpoint/2010/main" val="1734895405"/>
+        <p14:creationId xmlns:p14="http://schemas.microsoft.com/office/powerpoint/2010/main" val="3537659288"/>
       </p:ext>
     </p:extLst>
   </p:cSld>
@@ -9445,7 +11539,7 @@
 </p:sld>
 </file>
 
-<file path=ppt/slides/slide5.xml><?xml version="1.0" encoding="utf-8"?>
+<file path=ppt/slides/slide8.xml><?xml version="1.0" encoding="utf-8"?>
 <p:sld xmlns:a="http://schemas.openxmlformats.org/drawingml/2006/main" xmlns:r="http://schemas.openxmlformats.org/officeDocument/2006/relationships" xmlns:p="http://schemas.openxmlformats.org/presentationml/2006/main">
   <p:cSld>
     <p:spTree>
@@ -9808,14 +11902,14 @@
             <a:lstStyle/>
             <a:p>
               <a:r>
-                <a:rPr lang="en-US" altLang="zh-TW" sz="2800" b="1" dirty="0" smtClean="0">
+                <a:rPr lang="en-US" altLang="zh-TW" sz="2800" b="1" dirty="0">
                   <a:solidFill>
                     <a:schemeClr val="bg1"/>
                   </a:solidFill>
                   <a:latin typeface="微軟正黑體" panose="020B0604030504040204" pitchFamily="34" charset="-120"/>
                   <a:ea typeface="微軟正黑體" panose="020B0604030504040204" pitchFamily="34" charset="-120"/>
                 </a:rPr>
-                <a:t>Account</a:t>
+                <a:t>Statistic</a:t>
               </a:r>
               <a:endParaRPr lang="zh-TW" altLang="en-US" b="1" dirty="0">
                 <a:solidFill>
@@ -10031,88 +12125,14 @@
       </p:grpSp>
       <p:sp>
         <p:nvSpPr>
-          <p:cNvPr id="2" name="文字方塊 1"/>
-          <p:cNvSpPr txBox="1"/>
-          <p:nvPr/>
-        </p:nvSpPr>
-        <p:spPr>
-          <a:xfrm>
-            <a:off x="-3208" y="1563194"/>
-            <a:ext cx="4415806" cy="523220"/>
-          </a:xfrm>
-          <a:prstGeom prst="rect">
-            <a:avLst/>
-          </a:prstGeom>
-          <a:noFill/>
-        </p:spPr>
-        <p:txBody>
-          <a:bodyPr wrap="square" rtlCol="0">
-            <a:spAutoFit/>
-          </a:bodyPr>
-          <a:lstStyle/>
-          <a:p>
-            <a:r>
-              <a:rPr lang="en-US" altLang="zh-TW" sz="2800" dirty="0" smtClean="0">
-                <a:latin typeface="微軟正黑體" panose="020B0604030504040204" pitchFamily="34" charset="-120"/>
-                <a:ea typeface="微軟正黑體" panose="020B0604030504040204" pitchFamily="34" charset="-120"/>
-              </a:rPr>
-              <a:t>test</a:t>
-            </a:r>
-            <a:endParaRPr lang="zh-TW" altLang="en-US" sz="2800" dirty="0">
-              <a:latin typeface="微軟正黑體" panose="020B0604030504040204" pitchFamily="34" charset="-120"/>
-              <a:ea typeface="微軟正黑體" panose="020B0604030504040204" pitchFamily="34" charset="-120"/>
-            </a:endParaRPr>
-          </a:p>
-        </p:txBody>
-      </p:sp>
-      <p:cxnSp>
-        <p:nvCxnSpPr>
-          <p:cNvPr id="5" name="直線接點 4"/>
-          <p:cNvCxnSpPr/>
-          <p:nvPr/>
-        </p:nvCxnSpPr>
-        <p:spPr>
-          <a:xfrm>
-            <a:off x="81280" y="2090907"/>
-            <a:ext cx="5114254" cy="0"/>
-          </a:xfrm>
-          <a:prstGeom prst="line">
-            <a:avLst/>
-          </a:prstGeom>
-          <a:ln>
-            <a:solidFill>
-              <a:schemeClr val="accent1">
-                <a:lumMod val="40000"/>
-                <a:lumOff val="60000"/>
-              </a:schemeClr>
-            </a:solidFill>
-          </a:ln>
-        </p:spPr>
-        <p:style>
-          <a:lnRef idx="1">
-            <a:schemeClr val="accent1"/>
-          </a:lnRef>
-          <a:fillRef idx="0">
-            <a:schemeClr val="accent1"/>
-          </a:fillRef>
-          <a:effectRef idx="0">
-            <a:schemeClr val="accent1"/>
-          </a:effectRef>
-          <a:fontRef idx="minor">
-            <a:schemeClr val="tx1"/>
-          </a:fontRef>
-        </p:style>
-      </p:cxnSp>
-      <p:sp>
-        <p:nvSpPr>
           <p:cNvPr id="45" name="圓角矩形 44" title="Cal_/"/>
           <p:cNvSpPr/>
           <p:nvPr/>
         </p:nvSpPr>
         <p:spPr>
           <a:xfrm>
-            <a:off x="5171743" y="1451821"/>
-            <a:ext cx="1543115" cy="671488"/>
+            <a:off x="64169" y="1450193"/>
+            <a:ext cx="2133600" cy="671488"/>
           </a:xfrm>
           <a:prstGeom prst="roundRect">
             <a:avLst/>
@@ -10159,7 +12179,7 @@
                 <a:latin typeface="微軟正黑體" panose="020B0604030504040204" pitchFamily="34" charset="-120"/>
                 <a:ea typeface="微軟正黑體" panose="020B0604030504040204" pitchFamily="34" charset="-120"/>
               </a:rPr>
-              <a:t>新增</a:t>
+              <a:t>年</a:t>
             </a:r>
             <a:endParaRPr lang="zh-TW" altLang="en-US" sz="2400" dirty="0">
               <a:solidFill>
@@ -10173,161 +12193,14 @@
       </p:sp>
       <p:sp>
         <p:nvSpPr>
-          <p:cNvPr id="8" name="文字方塊 7"/>
-          <p:cNvSpPr txBox="1"/>
-          <p:nvPr/>
-        </p:nvSpPr>
-        <p:spPr>
-          <a:xfrm>
-            <a:off x="1397165" y="3243207"/>
-            <a:ext cx="2482485" cy="830997"/>
-          </a:xfrm>
-          <a:prstGeom prst="rect">
-            <a:avLst/>
-          </a:prstGeom>
-          <a:noFill/>
-        </p:spPr>
-        <p:txBody>
-          <a:bodyPr wrap="square" rtlCol="0">
-            <a:spAutoFit/>
-          </a:bodyPr>
-          <a:lstStyle/>
-          <a:p>
-            <a:pPr algn="ctr"/>
-            <a:r>
-              <a:rPr lang="zh-TW" altLang="en-US" sz="4800" dirty="0" smtClean="0">
-                <a:solidFill>
-                  <a:schemeClr val="tx1">
-                    <a:lumMod val="65000"/>
-                    <a:lumOff val="35000"/>
-                  </a:schemeClr>
-                </a:solidFill>
-                <a:latin typeface="微軟正黑體" panose="020B0604030504040204" pitchFamily="34" charset="-120"/>
-                <a:ea typeface="微軟正黑體" panose="020B0604030504040204" pitchFamily="34" charset="-120"/>
-              </a:rPr>
-              <a:t>現金</a:t>
-            </a:r>
-            <a:endParaRPr lang="zh-TW" altLang="en-US" sz="4800" dirty="0">
-              <a:solidFill>
-                <a:schemeClr val="tx1">
-                  <a:lumMod val="65000"/>
-                  <a:lumOff val="35000"/>
-                </a:schemeClr>
-              </a:solidFill>
-              <a:latin typeface="微軟正黑體" panose="020B0604030504040204" pitchFamily="34" charset="-120"/>
-              <a:ea typeface="微軟正黑體" panose="020B0604030504040204" pitchFamily="34" charset="-120"/>
-            </a:endParaRPr>
-          </a:p>
-        </p:txBody>
-      </p:sp>
-      <p:sp>
-        <p:nvSpPr>
-          <p:cNvPr id="51" name="文字方塊 50"/>
-          <p:cNvSpPr txBox="1"/>
-          <p:nvPr/>
-        </p:nvSpPr>
-        <p:spPr>
-          <a:xfrm>
-            <a:off x="1397165" y="4619334"/>
-            <a:ext cx="2482485" cy="830997"/>
-          </a:xfrm>
-          <a:prstGeom prst="rect">
-            <a:avLst/>
-          </a:prstGeom>
-          <a:noFill/>
-        </p:spPr>
-        <p:txBody>
-          <a:bodyPr wrap="square" rtlCol="0">
-            <a:spAutoFit/>
-          </a:bodyPr>
-          <a:lstStyle/>
-          <a:p>
-            <a:pPr algn="ctr"/>
-            <a:r>
-              <a:rPr lang="zh-TW" altLang="en-US" sz="4800" dirty="0" smtClean="0">
-                <a:solidFill>
-                  <a:schemeClr val="tx1">
-                    <a:lumMod val="65000"/>
-                    <a:lumOff val="35000"/>
-                  </a:schemeClr>
-                </a:solidFill>
-                <a:latin typeface="微軟正黑體" panose="020B0604030504040204" pitchFamily="34" charset="-120"/>
-                <a:ea typeface="微軟正黑體" panose="020B0604030504040204" pitchFamily="34" charset="-120"/>
-              </a:rPr>
-              <a:t>信用卡</a:t>
-            </a:r>
-            <a:endParaRPr lang="zh-TW" altLang="en-US" sz="4800" dirty="0">
-              <a:solidFill>
-                <a:schemeClr val="tx1">
-                  <a:lumMod val="65000"/>
-                  <a:lumOff val="35000"/>
-                </a:schemeClr>
-              </a:solidFill>
-              <a:latin typeface="微軟正黑體" panose="020B0604030504040204" pitchFamily="34" charset="-120"/>
-              <a:ea typeface="微軟正黑體" panose="020B0604030504040204" pitchFamily="34" charset="-120"/>
-            </a:endParaRPr>
-          </a:p>
-        </p:txBody>
-      </p:sp>
-      <p:sp>
-        <p:nvSpPr>
-          <p:cNvPr id="53" name="文字方塊 52"/>
-          <p:cNvSpPr txBox="1"/>
-          <p:nvPr/>
-        </p:nvSpPr>
-        <p:spPr>
-          <a:xfrm>
-            <a:off x="1397165" y="5995461"/>
-            <a:ext cx="2482485" cy="830997"/>
-          </a:xfrm>
-          <a:prstGeom prst="rect">
-            <a:avLst/>
-          </a:prstGeom>
-          <a:noFill/>
-        </p:spPr>
-        <p:txBody>
-          <a:bodyPr wrap="square" rtlCol="0">
-            <a:spAutoFit/>
-          </a:bodyPr>
-          <a:lstStyle/>
-          <a:p>
-            <a:pPr algn="ctr"/>
-            <a:r>
-              <a:rPr lang="zh-TW" altLang="en-US" sz="4800" dirty="0" smtClean="0">
-                <a:solidFill>
-                  <a:schemeClr val="tx1">
-                    <a:lumMod val="65000"/>
-                    <a:lumOff val="35000"/>
-                  </a:schemeClr>
-                </a:solidFill>
-                <a:latin typeface="微軟正黑體" panose="020B0604030504040204" pitchFamily="34" charset="-120"/>
-                <a:ea typeface="微軟正黑體" panose="020B0604030504040204" pitchFamily="34" charset="-120"/>
-              </a:rPr>
-              <a:t>悠遊卡</a:t>
-            </a:r>
-            <a:endParaRPr lang="zh-TW" altLang="en-US" sz="4800" dirty="0">
-              <a:solidFill>
-                <a:schemeClr val="tx1">
-                  <a:lumMod val="65000"/>
-                  <a:lumOff val="35000"/>
-                </a:schemeClr>
-              </a:solidFill>
-              <a:latin typeface="微軟正黑體" panose="020B0604030504040204" pitchFamily="34" charset="-120"/>
-              <a:ea typeface="微軟正黑體" panose="020B0604030504040204" pitchFamily="34" charset="-120"/>
-            </a:endParaRPr>
-          </a:p>
-        </p:txBody>
-      </p:sp>
-      <p:sp>
-        <p:nvSpPr>
-          <p:cNvPr id="55" name="圓角矩形 54" title="Cal_/"/>
+          <p:cNvPr id="35" name="圓角矩形 34" title="Cal_/"/>
           <p:cNvSpPr/>
           <p:nvPr/>
         </p:nvSpPr>
         <p:spPr>
           <a:xfrm>
-            <a:off x="5171743" y="3322961"/>
-            <a:ext cx="1543115" cy="671488"/>
+            <a:off x="2360998" y="1450193"/>
+            <a:ext cx="2133600" cy="671488"/>
           </a:xfrm>
           <a:prstGeom prst="roundRect">
             <a:avLst/>
@@ -10367,14 +12240,14 @@
           <a:p>
             <a:pPr algn="ctr"/>
             <a:r>
-              <a:rPr lang="zh-TW" altLang="en-US" sz="2400" dirty="0">
+              <a:rPr lang="zh-TW" altLang="en-US" sz="2400" dirty="0" smtClean="0">
                 <a:solidFill>
                   <a:schemeClr val="tx1"/>
                 </a:solidFill>
                 <a:latin typeface="微軟正黑體" panose="020B0604030504040204" pitchFamily="34" charset="-120"/>
                 <a:ea typeface="微軟正黑體" panose="020B0604030504040204" pitchFamily="34" charset="-120"/>
               </a:rPr>
-              <a:t>刪除</a:t>
+              <a:t>月</a:t>
             </a:r>
             <a:endParaRPr lang="zh-TW" altLang="en-US" sz="2400" dirty="0">
               <a:solidFill>
@@ -10388,14 +12261,14 @@
       </p:sp>
       <p:sp>
         <p:nvSpPr>
-          <p:cNvPr id="69" name="圓角矩形 68" title="Cal_/"/>
+          <p:cNvPr id="36" name="圓角矩形 35" title="Cal_/"/>
           <p:cNvSpPr/>
           <p:nvPr/>
         </p:nvSpPr>
         <p:spPr>
           <a:xfrm>
-            <a:off x="5171743" y="4648798"/>
-            <a:ext cx="1543115" cy="671488"/>
+            <a:off x="4657827" y="1450193"/>
+            <a:ext cx="2133600" cy="671488"/>
           </a:xfrm>
           <a:prstGeom prst="roundRect">
             <a:avLst/>
@@ -10435,14 +12308,14 @@
           <a:p>
             <a:pPr algn="ctr"/>
             <a:r>
-              <a:rPr lang="zh-TW" altLang="en-US" sz="2400" dirty="0">
+              <a:rPr lang="zh-TW" altLang="en-US" sz="2400" dirty="0" smtClean="0">
                 <a:solidFill>
                   <a:schemeClr val="tx1"/>
                 </a:solidFill>
                 <a:latin typeface="微軟正黑體" panose="020B0604030504040204" pitchFamily="34" charset="-120"/>
                 <a:ea typeface="微軟正黑體" panose="020B0604030504040204" pitchFamily="34" charset="-120"/>
               </a:rPr>
-              <a:t>刪除</a:t>
+              <a:t>日</a:t>
             </a:r>
             <a:endParaRPr lang="zh-TW" altLang="en-US" sz="2400" dirty="0">
               <a:solidFill>
@@ -10454,84 +12327,76 @@
           </a:p>
         </p:txBody>
       </p:sp>
+      <p:pic>
+        <p:nvPicPr>
+          <p:cNvPr id="3" name="圖片 2"/>
+          <p:cNvPicPr>
+            <a:picLocks noChangeAspect="1"/>
+          </p:cNvPicPr>
+          <p:nvPr/>
+        </p:nvPicPr>
+        <p:blipFill>
+          <a:blip r:embed="rId2">
+            <a:extLst>
+              <a:ext uri="{28A0092B-C50C-407E-A947-70E740481C1C}">
+                <a14:useLocalDpi xmlns:a14="http://schemas.microsoft.com/office/drawing/2010/main" val="0"/>
+              </a:ext>
+            </a:extLst>
+          </a:blip>
+          <a:stretch>
+            <a:fillRect/>
+          </a:stretch>
+        </p:blipFill>
+        <p:spPr>
+          <a:xfrm>
+            <a:off x="1223241" y="2400143"/>
+            <a:ext cx="444517" cy="453407"/>
+          </a:xfrm>
+          <a:prstGeom prst="rect">
+            <a:avLst/>
+          </a:prstGeom>
+        </p:spPr>
+      </p:pic>
+      <p:pic>
+        <p:nvPicPr>
+          <p:cNvPr id="6" name="圖片 5"/>
+          <p:cNvPicPr>
+            <a:picLocks noChangeAspect="1"/>
+          </p:cNvPicPr>
+          <p:nvPr/>
+        </p:nvPicPr>
+        <p:blipFill>
+          <a:blip r:embed="rId3">
+            <a:extLst>
+              <a:ext uri="{28A0092B-C50C-407E-A947-70E740481C1C}">
+                <a14:useLocalDpi xmlns:a14="http://schemas.microsoft.com/office/drawing/2010/main" val="0"/>
+              </a:ext>
+            </a:extLst>
+          </a:blip>
+          <a:stretch>
+            <a:fillRect/>
+          </a:stretch>
+        </p:blipFill>
+        <p:spPr>
+          <a:xfrm>
+            <a:off x="5203826" y="2400143"/>
+            <a:ext cx="444706" cy="453600"/>
+          </a:xfrm>
+          <a:prstGeom prst="rect">
+            <a:avLst/>
+          </a:prstGeom>
+        </p:spPr>
+      </p:pic>
       <p:sp>
         <p:nvSpPr>
-          <p:cNvPr id="71" name="圓角矩形 70" title="Cal_/"/>
-          <p:cNvSpPr/>
-          <p:nvPr/>
-        </p:nvSpPr>
-        <p:spPr>
-          <a:xfrm>
-            <a:off x="5171743" y="6001782"/>
-            <a:ext cx="1543115" cy="671488"/>
-          </a:xfrm>
-          <a:prstGeom prst="roundRect">
-            <a:avLst/>
-          </a:prstGeom>
-          <a:solidFill>
-            <a:schemeClr val="bg1">
-              <a:lumMod val="85000"/>
-            </a:schemeClr>
-          </a:solidFill>
-          <a:ln>
-            <a:solidFill>
-              <a:schemeClr val="bg1">
-                <a:lumMod val="75000"/>
-              </a:schemeClr>
-            </a:solidFill>
-          </a:ln>
-        </p:spPr>
-        <p:style>
-          <a:lnRef idx="2">
-            <a:schemeClr val="accent1">
-              <a:shade val="50000"/>
-            </a:schemeClr>
-          </a:lnRef>
-          <a:fillRef idx="1">
-            <a:schemeClr val="accent1"/>
-          </a:fillRef>
-          <a:effectRef idx="0">
-            <a:schemeClr val="accent1"/>
-          </a:effectRef>
-          <a:fontRef idx="minor">
-            <a:schemeClr val="lt1"/>
-          </a:fontRef>
-        </p:style>
-        <p:txBody>
-          <a:bodyPr rtlCol="0" anchor="ctr"/>
-          <a:lstStyle/>
-          <a:p>
-            <a:pPr algn="ctr"/>
-            <a:r>
-              <a:rPr lang="zh-TW" altLang="en-US" sz="2400" dirty="0">
-                <a:solidFill>
-                  <a:schemeClr val="tx1"/>
-                </a:solidFill>
-                <a:latin typeface="微軟正黑體" panose="020B0604030504040204" pitchFamily="34" charset="-120"/>
-                <a:ea typeface="微軟正黑體" panose="020B0604030504040204" pitchFamily="34" charset="-120"/>
-              </a:rPr>
-              <a:t>刪除</a:t>
-            </a:r>
-            <a:endParaRPr lang="zh-TW" altLang="en-US" sz="2400" dirty="0">
-              <a:solidFill>
-                <a:schemeClr val="tx1"/>
-              </a:solidFill>
-              <a:latin typeface="微軟正黑體" panose="020B0604030504040204" pitchFamily="34" charset="-120"/>
-              <a:ea typeface="微軟正黑體" panose="020B0604030504040204" pitchFamily="34" charset="-120"/>
-            </a:endParaRPr>
-          </a:p>
-        </p:txBody>
-      </p:sp>
-      <p:sp>
-        <p:nvSpPr>
-          <p:cNvPr id="33" name="文字方塊 32"/>
+          <p:cNvPr id="13" name="文字方塊 12"/>
           <p:cNvSpPr txBox="1"/>
           <p:nvPr/>
         </p:nvSpPr>
         <p:spPr>
           <a:xfrm>
-            <a:off x="1397165" y="7371588"/>
-            <a:ext cx="2482485" cy="830997"/>
+            <a:off x="2114852" y="2334459"/>
+            <a:ext cx="2633612" cy="584775"/>
           </a:xfrm>
           <a:prstGeom prst="rect">
             <a:avLst/>
@@ -10546,7 +12411,7 @@
           <a:p>
             <a:pPr algn="ctr"/>
             <a:r>
-              <a:rPr lang="en-US" altLang="zh-TW" sz="4800" dirty="0" smtClean="0">
+              <a:rPr lang="en-US" altLang="zh-TW" sz="3200" dirty="0" smtClean="0">
                 <a:solidFill>
                   <a:schemeClr val="tx1">
                     <a:lumMod val="65000"/>
@@ -10556,9 +12421,9 @@
                 <a:latin typeface="微軟正黑體" panose="020B0604030504040204" pitchFamily="34" charset="-120"/>
                 <a:ea typeface="微軟正黑體" panose="020B0604030504040204" pitchFamily="34" charset="-120"/>
               </a:rPr>
-              <a:t>test</a:t>
-            </a:r>
-            <a:endParaRPr lang="zh-TW" altLang="en-US" sz="4800" dirty="0">
+              <a:t>2018/06/09</a:t>
+            </a:r>
+            <a:endParaRPr lang="zh-TW" altLang="en-US" sz="3200" dirty="0">
               <a:solidFill>
                 <a:schemeClr val="tx1">
                   <a:lumMod val="65000"/>
@@ -10573,76 +12438,107 @@
       </p:sp>
       <p:sp>
         <p:nvSpPr>
-          <p:cNvPr id="36" name="圓角矩形 35" title="Cal_/"/>
-          <p:cNvSpPr/>
+          <p:cNvPr id="14" name="文字方塊 13"/>
+          <p:cNvSpPr txBox="1"/>
           <p:nvPr/>
         </p:nvSpPr>
         <p:spPr>
           <a:xfrm>
-            <a:off x="5171742" y="7372991"/>
-            <a:ext cx="1543115" cy="671488"/>
-          </a:xfrm>
-          <a:prstGeom prst="roundRect">
+            <a:off x="417095" y="3336758"/>
+            <a:ext cx="5756009" cy="1384995"/>
+          </a:xfrm>
+          <a:prstGeom prst="rect">
             <a:avLst/>
           </a:prstGeom>
-          <a:solidFill>
-            <a:schemeClr val="bg1">
-              <a:lumMod val="85000"/>
-            </a:schemeClr>
-          </a:solidFill>
-          <a:ln>
-            <a:solidFill>
-              <a:schemeClr val="bg1">
-                <a:lumMod val="75000"/>
-              </a:schemeClr>
-            </a:solidFill>
-          </a:ln>
+          <a:noFill/>
         </p:spPr>
-        <p:style>
-          <a:lnRef idx="2">
-            <a:schemeClr val="accent1">
-              <a:shade val="50000"/>
-            </a:schemeClr>
-          </a:lnRef>
-          <a:fillRef idx="1">
-            <a:schemeClr val="accent1"/>
-          </a:fillRef>
-          <a:effectRef idx="0">
-            <a:schemeClr val="accent1"/>
-          </a:effectRef>
-          <a:fontRef idx="minor">
-            <a:schemeClr val="lt1"/>
-          </a:fontRef>
-        </p:style>
         <p:txBody>
-          <a:bodyPr rtlCol="0" anchor="ctr"/>
+          <a:bodyPr wrap="square" rtlCol="0">
+            <a:spAutoFit/>
+          </a:bodyPr>
           <a:lstStyle/>
           <a:p>
-            <a:pPr algn="ctr"/>
-            <a:r>
-              <a:rPr lang="zh-TW" altLang="en-US" sz="2400" dirty="0">
-                <a:solidFill>
-                  <a:schemeClr val="tx1"/>
-                </a:solidFill>
+            <a:r>
+              <a:rPr lang="zh-TW" altLang="en-US" sz="2800" dirty="0" smtClean="0">
                 <a:latin typeface="微軟正黑體" panose="020B0604030504040204" pitchFamily="34" charset="-120"/>
                 <a:ea typeface="微軟正黑體" panose="020B0604030504040204" pitchFamily="34" charset="-120"/>
               </a:rPr>
-              <a:t>刪除</a:t>
-            </a:r>
-            <a:endParaRPr lang="zh-TW" altLang="en-US" sz="2400" dirty="0">
-              <a:solidFill>
-                <a:schemeClr val="tx1"/>
-              </a:solidFill>
+              <a:t>收入：</a:t>
+            </a:r>
+            <a:r>
+              <a:rPr lang="en-US" altLang="zh-TW" sz="2800" dirty="0" smtClean="0">
+                <a:latin typeface="微軟正黑體" panose="020B0604030504040204" pitchFamily="34" charset="-120"/>
+                <a:ea typeface="微軟正黑體" panose="020B0604030504040204" pitchFamily="34" charset="-120"/>
+              </a:rPr>
+              <a:t>$300.00</a:t>
+            </a:r>
+          </a:p>
+          <a:p>
+            <a:r>
+              <a:rPr lang="zh-TW" altLang="en-US" sz="2800" dirty="0" smtClean="0">
+                <a:latin typeface="微軟正黑體" panose="020B0604030504040204" pitchFamily="34" charset="-120"/>
+                <a:ea typeface="微軟正黑體" panose="020B0604030504040204" pitchFamily="34" charset="-120"/>
+              </a:rPr>
+              <a:t>支出：</a:t>
+            </a:r>
+            <a:r>
+              <a:rPr lang="en-US" altLang="zh-TW" sz="2800" dirty="0" smtClean="0">
+                <a:latin typeface="微軟正黑體" panose="020B0604030504040204" pitchFamily="34" charset="-120"/>
+                <a:ea typeface="微軟正黑體" panose="020B0604030504040204" pitchFamily="34" charset="-120"/>
+              </a:rPr>
+              <a:t>$1,420.00</a:t>
+            </a:r>
+          </a:p>
+          <a:p>
+            <a:r>
+              <a:rPr lang="zh-TW" altLang="en-US" sz="2800" dirty="0" smtClean="0">
+                <a:latin typeface="微軟正黑體" panose="020B0604030504040204" pitchFamily="34" charset="-120"/>
+                <a:ea typeface="微軟正黑體" panose="020B0604030504040204" pitchFamily="34" charset="-120"/>
+              </a:rPr>
+              <a:t>結餘：</a:t>
+            </a:r>
+            <a:r>
+              <a:rPr lang="en-US" altLang="zh-TW" sz="2800" dirty="0" smtClean="0">
+                <a:latin typeface="微軟正黑體" panose="020B0604030504040204" pitchFamily="34" charset="-120"/>
+                <a:ea typeface="微軟正黑體" panose="020B0604030504040204" pitchFamily="34" charset="-120"/>
+              </a:rPr>
+              <a:t>$-1,120.00</a:t>
+            </a:r>
+            <a:endParaRPr lang="zh-TW" altLang="en-US" sz="2800" dirty="0">
               <a:latin typeface="微軟正黑體" panose="020B0604030504040204" pitchFamily="34" charset="-120"/>
               <a:ea typeface="微軟正黑體" panose="020B0604030504040204" pitchFamily="34" charset="-120"/>
             </a:endParaRPr>
           </a:p>
         </p:txBody>
       </p:sp>
+      <p:pic>
+        <p:nvPicPr>
+          <p:cNvPr id="5" name="圖片 4"/>
+          <p:cNvPicPr>
+            <a:picLocks noChangeAspect="1"/>
+          </p:cNvPicPr>
+          <p:nvPr/>
+        </p:nvPicPr>
+        <p:blipFill>
+          <a:blip r:embed="rId4"/>
+          <a:stretch>
+            <a:fillRect/>
+          </a:stretch>
+        </p:blipFill>
+        <p:spPr>
+          <a:xfrm>
+            <a:off x="922639" y="5299132"/>
+            <a:ext cx="4914065" cy="4613204"/>
+          </a:xfrm>
+          <a:prstGeom prst="rect">
+            <a:avLst/>
+          </a:prstGeom>
+        </p:spPr>
+      </p:pic>
     </p:spTree>
     <p:extLst>
       <p:ext uri="{BB962C8B-B14F-4D97-AF65-F5344CB8AC3E}">
-        <p14:creationId xmlns:p14="http://schemas.microsoft.com/office/powerpoint/2010/main" val="1309752825"/>
+        <p14:creationId xmlns:p14="http://schemas.microsoft.com/office/powerpoint/2010/main" val="3333223657"/>
       </p:ext>
     </p:extLst>
   </p:cSld>
@@ -10659,66 +12555,7 @@
 </p:sld>
 </file>
 
-<file path=ppt/slides/slide6.xml><?xml version="1.0" encoding="utf-8"?>
-<p:sld xmlns:a="http://schemas.openxmlformats.org/drawingml/2006/main" xmlns:r="http://schemas.openxmlformats.org/officeDocument/2006/relationships" xmlns:p="http://schemas.openxmlformats.org/presentationml/2006/main">
-  <p:cSld>
-    <p:spTree>
-      <p:nvGrpSpPr>
-        <p:cNvPr id="1" name=""/>
-        <p:cNvGrpSpPr/>
-        <p:nvPr/>
-      </p:nvGrpSpPr>
-      <p:grpSpPr>
-        <a:xfrm>
-          <a:off x="0" y="0"/>
-          <a:ext cx="0" cy="0"/>
-          <a:chOff x="0" y="0"/>
-          <a:chExt cx="0" cy="0"/>
-        </a:xfrm>
-      </p:grpSpPr>
-      <p:sp>
-        <p:nvSpPr>
-          <p:cNvPr id="2" name="標題 1"/>
-          <p:cNvSpPr>
-            <a:spLocks noGrp="1"/>
-          </p:cNvSpPr>
-          <p:nvPr>
-            <p:ph type="title"/>
-          </p:nvPr>
-        </p:nvSpPr>
-        <p:spPr>
-          <a:xfrm>
-            <a:off x="439404" y="4707767"/>
-            <a:ext cx="5915025" cy="2356556"/>
-          </a:xfrm>
-        </p:spPr>
-        <p:txBody>
-          <a:bodyPr/>
-          <a:lstStyle/>
-          <a:p>
-            <a:pPr algn="ctr"/>
-            <a:r>
-              <a:rPr lang="zh-TW" altLang="en-US" dirty="0" smtClean="0"/>
-              <a:t>↓ ↓ ↓圖表統計↓ ↓ ↓</a:t>
-            </a:r>
-            <a:endParaRPr lang="zh-TW" altLang="en-US" dirty="0"/>
-          </a:p>
-        </p:txBody>
-      </p:sp>
-    </p:spTree>
-    <p:extLst>
-      <p:ext uri="{BB962C8B-B14F-4D97-AF65-F5344CB8AC3E}">
-        <p14:creationId xmlns:p14="http://schemas.microsoft.com/office/powerpoint/2010/main" val="803325029"/>
-      </p:ext>
-    </p:extLst>
-  </p:cSld>
-  <p:clrMapOvr>
-    <a:masterClrMapping/>
-  </p:clrMapOvr>
-</p:sld>
-</file>
-
-<file path=ppt/slides/slide7.xml><?xml version="1.0" encoding="utf-8"?>
+<file path=ppt/slides/slide9.xml><?xml version="1.0" encoding="utf-8"?>
 <p:sld xmlns:a="http://schemas.openxmlformats.org/drawingml/2006/main" xmlns:r="http://schemas.openxmlformats.org/officeDocument/2006/relationships" xmlns:p="http://schemas.openxmlformats.org/presentationml/2006/main">
   <p:cSld>
     <p:spTree>
@@ -10985,2039 +12822,7 @@
                   <a:latin typeface="微軟正黑體" panose="020B0604030504040204" pitchFamily="34" charset="-120"/>
                   <a:ea typeface="微軟正黑體" panose="020B0604030504040204" pitchFamily="34" charset="-120"/>
                 </a:rPr>
-                <a:t>8:00</a:t>
-              </a:r>
-              <a:endParaRPr lang="zh-TW" altLang="en-US" b="1" dirty="0">
-                <a:solidFill>
-                  <a:schemeClr val="bg1"/>
-                </a:solidFill>
-                <a:latin typeface="微軟正黑體" panose="020B0604030504040204" pitchFamily="34" charset="-120"/>
-                <a:ea typeface="微軟正黑體" panose="020B0604030504040204" pitchFamily="34" charset="-120"/>
-              </a:endParaRPr>
-            </a:p>
-          </p:txBody>
-        </p:sp>
-      </p:grpSp>
-      <p:grpSp>
-        <p:nvGrpSpPr>
-          <p:cNvPr id="27" name="群組 26" title="Titile"/>
-          <p:cNvGrpSpPr/>
-          <p:nvPr/>
-        </p:nvGrpSpPr>
-        <p:grpSpPr>
-          <a:xfrm>
-            <a:off x="0" y="406400"/>
-            <a:ext cx="6858000" cy="975359"/>
-            <a:chOff x="0" y="406400"/>
-            <a:chExt cx="6858000" cy="975359"/>
-          </a:xfrm>
-        </p:grpSpPr>
-        <p:sp>
-          <p:nvSpPr>
-            <p:cNvPr id="17" name="矩形 16" title="Title BG"/>
-            <p:cNvSpPr/>
-            <p:nvPr/>
-          </p:nvSpPr>
-          <p:spPr>
-            <a:xfrm>
-              <a:off x="0" y="406400"/>
-              <a:ext cx="6858000" cy="975359"/>
-            </a:xfrm>
-            <a:prstGeom prst="rect">
-              <a:avLst/>
-            </a:prstGeom>
-            <a:solidFill>
-              <a:srgbClr val="5476D4"/>
-            </a:solidFill>
-            <a:ln>
-              <a:noFill/>
-            </a:ln>
-          </p:spPr>
-          <p:style>
-            <a:lnRef idx="2">
-              <a:schemeClr val="accent1">
-                <a:shade val="50000"/>
-              </a:schemeClr>
-            </a:lnRef>
-            <a:fillRef idx="1">
-              <a:schemeClr val="accent1"/>
-            </a:fillRef>
-            <a:effectRef idx="0">
-              <a:schemeClr val="accent1"/>
-            </a:effectRef>
-            <a:fontRef idx="minor">
-              <a:schemeClr val="lt1"/>
-            </a:fontRef>
-          </p:style>
-          <p:txBody>
-            <a:bodyPr rtlCol="0" anchor="ctr"/>
-            <a:lstStyle/>
-            <a:p>
-              <a:pPr algn="ctr"/>
-              <a:endParaRPr lang="zh-TW" altLang="en-US"/>
-            </a:p>
-          </p:txBody>
-        </p:sp>
-        <p:sp>
-          <p:nvSpPr>
-            <p:cNvPr id="18" name="文字方塊 17" title="Titile text"/>
-            <p:cNvSpPr txBox="1"/>
-            <p:nvPr/>
-          </p:nvSpPr>
-          <p:spPr>
-            <a:xfrm>
-              <a:off x="188864" y="632469"/>
-              <a:ext cx="2615296" cy="523220"/>
-            </a:xfrm>
-            <a:prstGeom prst="rect">
-              <a:avLst/>
-            </a:prstGeom>
-            <a:noFill/>
-          </p:spPr>
-          <p:txBody>
-            <a:bodyPr wrap="square" rtlCol="0">
-              <a:spAutoFit/>
-            </a:bodyPr>
-            <a:lstStyle/>
-            <a:p>
-              <a:r>
-                <a:rPr lang="en-US" altLang="zh-TW" sz="2800" b="1" dirty="0">
-                  <a:solidFill>
-                    <a:schemeClr val="bg1"/>
-                  </a:solidFill>
-                  <a:latin typeface="微軟正黑體" panose="020B0604030504040204" pitchFamily="34" charset="-120"/>
-                  <a:ea typeface="微軟正黑體" panose="020B0604030504040204" pitchFamily="34" charset="-120"/>
-                </a:rPr>
-                <a:t>Statistic</a:t>
-              </a:r>
-              <a:endParaRPr lang="zh-TW" altLang="en-US" b="1" dirty="0">
-                <a:solidFill>
-                  <a:schemeClr val="bg1"/>
-                </a:solidFill>
-                <a:latin typeface="微軟正黑體" panose="020B0604030504040204" pitchFamily="34" charset="-120"/>
-                <a:ea typeface="微軟正黑體" panose="020B0604030504040204" pitchFamily="34" charset="-120"/>
-              </a:endParaRPr>
-            </a:p>
-          </p:txBody>
-        </p:sp>
-      </p:grpSp>
-      <p:grpSp>
-        <p:nvGrpSpPr>
-          <p:cNvPr id="32" name="群組 31" title="Bottom system bar"/>
-          <p:cNvGrpSpPr/>
-          <p:nvPr/>
-        </p:nvGrpSpPr>
-        <p:grpSpPr>
-          <a:xfrm>
-            <a:off x="0" y="11440160"/>
-            <a:ext cx="6858000" cy="751840"/>
-            <a:chOff x="0" y="11440160"/>
-            <a:chExt cx="6858000" cy="751840"/>
-          </a:xfrm>
-        </p:grpSpPr>
-        <p:sp>
-          <p:nvSpPr>
-            <p:cNvPr id="28" name="矩形 27" title="Bottom system bar BG"/>
-            <p:cNvSpPr/>
-            <p:nvPr/>
-          </p:nvSpPr>
-          <p:spPr>
-            <a:xfrm>
-              <a:off x="0" y="11440160"/>
-              <a:ext cx="6858000" cy="751840"/>
-            </a:xfrm>
-            <a:prstGeom prst="rect">
-              <a:avLst/>
-            </a:prstGeom>
-            <a:solidFill>
-              <a:schemeClr val="tx1"/>
-            </a:solidFill>
-            <a:ln>
-              <a:noFill/>
-            </a:ln>
-          </p:spPr>
-          <p:style>
-            <a:lnRef idx="2">
-              <a:schemeClr val="accent1">
-                <a:shade val="50000"/>
-              </a:schemeClr>
-            </a:lnRef>
-            <a:fillRef idx="1">
-              <a:schemeClr val="accent1"/>
-            </a:fillRef>
-            <a:effectRef idx="0">
-              <a:schemeClr val="accent1"/>
-            </a:effectRef>
-            <a:fontRef idx="minor">
-              <a:schemeClr val="lt1"/>
-            </a:fontRef>
-          </p:style>
-          <p:txBody>
-            <a:bodyPr rtlCol="0" anchor="ctr"/>
-            <a:lstStyle/>
-            <a:p>
-              <a:pPr algn="ctr"/>
-              <a:endParaRPr lang="zh-TW" altLang="en-US"/>
-            </a:p>
-          </p:txBody>
-        </p:sp>
-        <p:sp>
-          <p:nvSpPr>
-            <p:cNvPr id="29" name="等腰三角形 28" title="Back button"/>
-            <p:cNvSpPr/>
-            <p:nvPr/>
-          </p:nvSpPr>
-          <p:spPr>
-            <a:xfrm rot="16200000">
-              <a:off x="1093700" y="11704405"/>
-              <a:ext cx="259082" cy="223348"/>
-            </a:xfrm>
-            <a:prstGeom prst="triangle">
-              <a:avLst/>
-            </a:prstGeom>
-            <a:noFill/>
-            <a:ln w="28575">
-              <a:solidFill>
-                <a:schemeClr val="bg1"/>
-              </a:solidFill>
-            </a:ln>
-          </p:spPr>
-          <p:style>
-            <a:lnRef idx="2">
-              <a:schemeClr val="accent1">
-                <a:shade val="50000"/>
-              </a:schemeClr>
-            </a:lnRef>
-            <a:fillRef idx="1">
-              <a:schemeClr val="accent1"/>
-            </a:fillRef>
-            <a:effectRef idx="0">
-              <a:schemeClr val="accent1"/>
-            </a:effectRef>
-            <a:fontRef idx="minor">
-              <a:schemeClr val="lt1"/>
-            </a:fontRef>
-          </p:style>
-          <p:txBody>
-            <a:bodyPr rtlCol="0" anchor="ctr"/>
-            <a:lstStyle/>
-            <a:p>
-              <a:pPr algn="ctr"/>
-              <a:endParaRPr lang="zh-TW" altLang="en-US"/>
-            </a:p>
-          </p:txBody>
-        </p:sp>
-        <p:sp>
-          <p:nvSpPr>
-            <p:cNvPr id="30" name="矩形 29" title="View botton"/>
-            <p:cNvSpPr/>
-            <p:nvPr/>
-          </p:nvSpPr>
-          <p:spPr>
-            <a:xfrm>
-              <a:off x="5511320" y="11691872"/>
-              <a:ext cx="246860" cy="246860"/>
-            </a:xfrm>
-            <a:prstGeom prst="rect">
-              <a:avLst/>
-            </a:prstGeom>
-            <a:noFill/>
-            <a:ln w="28575">
-              <a:solidFill>
-                <a:schemeClr val="bg1"/>
-              </a:solidFill>
-            </a:ln>
-          </p:spPr>
-          <p:style>
-            <a:lnRef idx="2">
-              <a:schemeClr val="accent1">
-                <a:shade val="50000"/>
-              </a:schemeClr>
-            </a:lnRef>
-            <a:fillRef idx="1">
-              <a:schemeClr val="accent1"/>
-            </a:fillRef>
-            <a:effectRef idx="0">
-              <a:schemeClr val="accent1"/>
-            </a:effectRef>
-            <a:fontRef idx="minor">
-              <a:schemeClr val="lt1"/>
-            </a:fontRef>
-          </p:style>
-          <p:txBody>
-            <a:bodyPr rtlCol="0" anchor="ctr"/>
-            <a:lstStyle/>
-            <a:p>
-              <a:pPr algn="ctr"/>
-              <a:endParaRPr lang="zh-TW" altLang="en-US"/>
-            </a:p>
-          </p:txBody>
-        </p:sp>
-        <p:sp>
-          <p:nvSpPr>
-            <p:cNvPr id="31" name="橢圓 30" title="Home botton"/>
-            <p:cNvSpPr>
-              <a:spLocks noChangeAspect="1"/>
-            </p:cNvSpPr>
-            <p:nvPr/>
-          </p:nvSpPr>
-          <p:spPr>
-            <a:xfrm>
-              <a:off x="3299462" y="11685763"/>
-              <a:ext cx="259078" cy="259078"/>
-            </a:xfrm>
-            <a:prstGeom prst="ellipse">
-              <a:avLst/>
-            </a:prstGeom>
-            <a:noFill/>
-            <a:ln w="28575">
-              <a:solidFill>
-                <a:schemeClr val="bg1"/>
-              </a:solidFill>
-            </a:ln>
-          </p:spPr>
-          <p:style>
-            <a:lnRef idx="2">
-              <a:schemeClr val="accent1">
-                <a:shade val="50000"/>
-              </a:schemeClr>
-            </a:lnRef>
-            <a:fillRef idx="1">
-              <a:schemeClr val="accent1"/>
-            </a:fillRef>
-            <a:effectRef idx="0">
-              <a:schemeClr val="accent1"/>
-            </a:effectRef>
-            <a:fontRef idx="minor">
-              <a:schemeClr val="lt1"/>
-            </a:fontRef>
-          </p:style>
-          <p:txBody>
-            <a:bodyPr rtlCol="0" anchor="ctr"/>
-            <a:lstStyle/>
-            <a:p>
-              <a:pPr algn="ctr"/>
-              <a:endParaRPr lang="zh-TW" altLang="en-US"/>
-            </a:p>
-          </p:txBody>
-        </p:sp>
-      </p:grpSp>
-      <p:sp>
-        <p:nvSpPr>
-          <p:cNvPr id="45" name="圓角矩形 44" title="Cal_/"/>
-          <p:cNvSpPr/>
-          <p:nvPr/>
-        </p:nvSpPr>
-        <p:spPr>
-          <a:xfrm>
-            <a:off x="64169" y="1450193"/>
-            <a:ext cx="2133600" cy="671488"/>
-          </a:xfrm>
-          <a:prstGeom prst="roundRect">
-            <a:avLst/>
-          </a:prstGeom>
-          <a:solidFill>
-            <a:schemeClr val="bg1">
-              <a:lumMod val="85000"/>
-            </a:schemeClr>
-          </a:solidFill>
-          <a:ln>
-            <a:solidFill>
-              <a:schemeClr val="bg1">
-                <a:lumMod val="75000"/>
-              </a:schemeClr>
-            </a:solidFill>
-          </a:ln>
-        </p:spPr>
-        <p:style>
-          <a:lnRef idx="2">
-            <a:schemeClr val="accent1">
-              <a:shade val="50000"/>
-            </a:schemeClr>
-          </a:lnRef>
-          <a:fillRef idx="1">
-            <a:schemeClr val="accent1"/>
-          </a:fillRef>
-          <a:effectRef idx="0">
-            <a:schemeClr val="accent1"/>
-          </a:effectRef>
-          <a:fontRef idx="minor">
-            <a:schemeClr val="lt1"/>
-          </a:fontRef>
-        </p:style>
-        <p:txBody>
-          <a:bodyPr rtlCol="0" anchor="ctr"/>
-          <a:lstStyle/>
-          <a:p>
-            <a:pPr algn="ctr"/>
-            <a:r>
-              <a:rPr lang="zh-TW" altLang="en-US" sz="2400" dirty="0" smtClean="0">
-                <a:solidFill>
-                  <a:schemeClr val="tx1"/>
-                </a:solidFill>
-                <a:latin typeface="微軟正黑體" panose="020B0604030504040204" pitchFamily="34" charset="-120"/>
-                <a:ea typeface="微軟正黑體" panose="020B0604030504040204" pitchFamily="34" charset="-120"/>
-              </a:rPr>
-              <a:t>年</a:t>
-            </a:r>
-            <a:endParaRPr lang="zh-TW" altLang="en-US" sz="2400" dirty="0">
-              <a:solidFill>
-                <a:schemeClr val="tx1"/>
-              </a:solidFill>
-              <a:latin typeface="微軟正黑體" panose="020B0604030504040204" pitchFamily="34" charset="-120"/>
-              <a:ea typeface="微軟正黑體" panose="020B0604030504040204" pitchFamily="34" charset="-120"/>
-            </a:endParaRPr>
-          </a:p>
-        </p:txBody>
-      </p:sp>
-      <p:sp>
-        <p:nvSpPr>
-          <p:cNvPr id="35" name="圓角矩形 34" title="Cal_/"/>
-          <p:cNvSpPr/>
-          <p:nvPr/>
-        </p:nvSpPr>
-        <p:spPr>
-          <a:xfrm>
-            <a:off x="2360998" y="1450193"/>
-            <a:ext cx="2133600" cy="671488"/>
-          </a:xfrm>
-          <a:prstGeom prst="roundRect">
-            <a:avLst/>
-          </a:prstGeom>
-          <a:solidFill>
-            <a:schemeClr val="bg1">
-              <a:lumMod val="85000"/>
-            </a:schemeClr>
-          </a:solidFill>
-          <a:ln>
-            <a:solidFill>
-              <a:schemeClr val="bg1">
-                <a:lumMod val="75000"/>
-              </a:schemeClr>
-            </a:solidFill>
-          </a:ln>
-        </p:spPr>
-        <p:style>
-          <a:lnRef idx="2">
-            <a:schemeClr val="accent1">
-              <a:shade val="50000"/>
-            </a:schemeClr>
-          </a:lnRef>
-          <a:fillRef idx="1">
-            <a:schemeClr val="accent1"/>
-          </a:fillRef>
-          <a:effectRef idx="0">
-            <a:schemeClr val="accent1"/>
-          </a:effectRef>
-          <a:fontRef idx="minor">
-            <a:schemeClr val="lt1"/>
-          </a:fontRef>
-        </p:style>
-        <p:txBody>
-          <a:bodyPr rtlCol="0" anchor="ctr"/>
-          <a:lstStyle/>
-          <a:p>
-            <a:pPr algn="ctr"/>
-            <a:r>
-              <a:rPr lang="zh-TW" altLang="en-US" sz="2400" dirty="0" smtClean="0">
-                <a:solidFill>
-                  <a:schemeClr val="tx1"/>
-                </a:solidFill>
-                <a:latin typeface="微軟正黑體" panose="020B0604030504040204" pitchFamily="34" charset="-120"/>
-                <a:ea typeface="微軟正黑體" panose="020B0604030504040204" pitchFamily="34" charset="-120"/>
-              </a:rPr>
-              <a:t>月</a:t>
-            </a:r>
-            <a:endParaRPr lang="zh-TW" altLang="en-US" sz="2400" dirty="0">
-              <a:solidFill>
-                <a:schemeClr val="tx1"/>
-              </a:solidFill>
-              <a:latin typeface="微軟正黑體" panose="020B0604030504040204" pitchFamily="34" charset="-120"/>
-              <a:ea typeface="微軟正黑體" panose="020B0604030504040204" pitchFamily="34" charset="-120"/>
-            </a:endParaRPr>
-          </a:p>
-        </p:txBody>
-      </p:sp>
-      <p:sp>
-        <p:nvSpPr>
-          <p:cNvPr id="36" name="圓角矩形 35" title="Cal_/"/>
-          <p:cNvSpPr/>
-          <p:nvPr/>
-        </p:nvSpPr>
-        <p:spPr>
-          <a:xfrm>
-            <a:off x="4657827" y="1450193"/>
-            <a:ext cx="2133600" cy="671488"/>
-          </a:xfrm>
-          <a:prstGeom prst="roundRect">
-            <a:avLst/>
-          </a:prstGeom>
-          <a:solidFill>
-            <a:schemeClr val="bg1">
-              <a:lumMod val="85000"/>
-            </a:schemeClr>
-          </a:solidFill>
-          <a:ln>
-            <a:solidFill>
-              <a:schemeClr val="bg1">
-                <a:lumMod val="75000"/>
-              </a:schemeClr>
-            </a:solidFill>
-          </a:ln>
-        </p:spPr>
-        <p:style>
-          <a:lnRef idx="2">
-            <a:schemeClr val="accent1">
-              <a:shade val="50000"/>
-            </a:schemeClr>
-          </a:lnRef>
-          <a:fillRef idx="1">
-            <a:schemeClr val="accent1"/>
-          </a:fillRef>
-          <a:effectRef idx="0">
-            <a:schemeClr val="accent1"/>
-          </a:effectRef>
-          <a:fontRef idx="minor">
-            <a:schemeClr val="lt1"/>
-          </a:fontRef>
-        </p:style>
-        <p:txBody>
-          <a:bodyPr rtlCol="0" anchor="ctr"/>
-          <a:lstStyle/>
-          <a:p>
-            <a:pPr algn="ctr"/>
-            <a:r>
-              <a:rPr lang="zh-TW" altLang="en-US" sz="2400" dirty="0" smtClean="0">
-                <a:solidFill>
-                  <a:schemeClr val="tx1"/>
-                </a:solidFill>
-                <a:latin typeface="微軟正黑體" panose="020B0604030504040204" pitchFamily="34" charset="-120"/>
-                <a:ea typeface="微軟正黑體" panose="020B0604030504040204" pitchFamily="34" charset="-120"/>
-              </a:rPr>
-              <a:t>日</a:t>
-            </a:r>
-            <a:endParaRPr lang="zh-TW" altLang="en-US" sz="2400" dirty="0">
-              <a:solidFill>
-                <a:schemeClr val="tx1"/>
-              </a:solidFill>
-              <a:latin typeface="微軟正黑體" panose="020B0604030504040204" pitchFamily="34" charset="-120"/>
-              <a:ea typeface="微軟正黑體" panose="020B0604030504040204" pitchFamily="34" charset="-120"/>
-            </a:endParaRPr>
-          </a:p>
-        </p:txBody>
-      </p:sp>
-      <p:pic>
-        <p:nvPicPr>
-          <p:cNvPr id="3" name="圖片 2"/>
-          <p:cNvPicPr>
-            <a:picLocks noChangeAspect="1"/>
-          </p:cNvPicPr>
-          <p:nvPr/>
-        </p:nvPicPr>
-        <p:blipFill>
-          <a:blip r:embed="rId2">
-            <a:extLst>
-              <a:ext uri="{28A0092B-C50C-407E-A947-70E740481C1C}">
-                <a14:useLocalDpi xmlns:a14="http://schemas.microsoft.com/office/drawing/2010/main" val="0"/>
-              </a:ext>
-            </a:extLst>
-          </a:blip>
-          <a:stretch>
-            <a:fillRect/>
-          </a:stretch>
-        </p:blipFill>
-        <p:spPr>
-          <a:xfrm>
-            <a:off x="1223241" y="2400143"/>
-            <a:ext cx="444517" cy="453407"/>
-          </a:xfrm>
-          <a:prstGeom prst="rect">
-            <a:avLst/>
-          </a:prstGeom>
-        </p:spPr>
-      </p:pic>
-      <p:pic>
-        <p:nvPicPr>
-          <p:cNvPr id="6" name="圖片 5"/>
-          <p:cNvPicPr>
-            <a:picLocks noChangeAspect="1"/>
-          </p:cNvPicPr>
-          <p:nvPr/>
-        </p:nvPicPr>
-        <p:blipFill>
-          <a:blip r:embed="rId3">
-            <a:extLst>
-              <a:ext uri="{28A0092B-C50C-407E-A947-70E740481C1C}">
-                <a14:useLocalDpi xmlns:a14="http://schemas.microsoft.com/office/drawing/2010/main" val="0"/>
-              </a:ext>
-            </a:extLst>
-          </a:blip>
-          <a:stretch>
-            <a:fillRect/>
-          </a:stretch>
-        </p:blipFill>
-        <p:spPr>
-          <a:xfrm>
-            <a:off x="5203826" y="2400143"/>
-            <a:ext cx="444706" cy="453600"/>
-          </a:xfrm>
-          <a:prstGeom prst="rect">
-            <a:avLst/>
-          </a:prstGeom>
-        </p:spPr>
-      </p:pic>
-      <p:sp>
-        <p:nvSpPr>
-          <p:cNvPr id="13" name="文字方塊 12"/>
-          <p:cNvSpPr txBox="1"/>
-          <p:nvPr/>
-        </p:nvSpPr>
-        <p:spPr>
-          <a:xfrm>
-            <a:off x="2114852" y="2334459"/>
-            <a:ext cx="2633612" cy="584775"/>
-          </a:xfrm>
-          <a:prstGeom prst="rect">
-            <a:avLst/>
-          </a:prstGeom>
-          <a:noFill/>
-        </p:spPr>
-        <p:txBody>
-          <a:bodyPr wrap="square" rtlCol="0">
-            <a:spAutoFit/>
-          </a:bodyPr>
-          <a:lstStyle/>
-          <a:p>
-            <a:pPr algn="ctr"/>
-            <a:r>
-              <a:rPr lang="en-US" altLang="zh-TW" sz="3200" dirty="0" smtClean="0">
-                <a:solidFill>
-                  <a:schemeClr val="tx1">
-                    <a:lumMod val="65000"/>
-                    <a:lumOff val="35000"/>
-                  </a:schemeClr>
-                </a:solidFill>
-                <a:latin typeface="微軟正黑體" panose="020B0604030504040204" pitchFamily="34" charset="-120"/>
-                <a:ea typeface="微軟正黑體" panose="020B0604030504040204" pitchFamily="34" charset="-120"/>
-              </a:rPr>
-              <a:t>2018/06/10</a:t>
-            </a:r>
-            <a:endParaRPr lang="zh-TW" altLang="en-US" sz="3200" dirty="0">
-              <a:solidFill>
-                <a:schemeClr val="tx1">
-                  <a:lumMod val="65000"/>
-                  <a:lumOff val="35000"/>
-                </a:schemeClr>
-              </a:solidFill>
-              <a:latin typeface="微軟正黑體" panose="020B0604030504040204" pitchFamily="34" charset="-120"/>
-              <a:ea typeface="微軟正黑體" panose="020B0604030504040204" pitchFamily="34" charset="-120"/>
-            </a:endParaRPr>
-          </a:p>
-        </p:txBody>
-      </p:sp>
-      <p:sp>
-        <p:nvSpPr>
-          <p:cNvPr id="14" name="文字方塊 13"/>
-          <p:cNvSpPr txBox="1"/>
-          <p:nvPr/>
-        </p:nvSpPr>
-        <p:spPr>
-          <a:xfrm>
-            <a:off x="417095" y="3336758"/>
-            <a:ext cx="5756009" cy="1384995"/>
-          </a:xfrm>
-          <a:prstGeom prst="rect">
-            <a:avLst/>
-          </a:prstGeom>
-          <a:noFill/>
-        </p:spPr>
-        <p:txBody>
-          <a:bodyPr wrap="square" rtlCol="0">
-            <a:spAutoFit/>
-          </a:bodyPr>
-          <a:lstStyle/>
-          <a:p>
-            <a:r>
-              <a:rPr lang="zh-TW" altLang="en-US" sz="2800" dirty="0" smtClean="0">
-                <a:latin typeface="微軟正黑體" panose="020B0604030504040204" pitchFamily="34" charset="-120"/>
-                <a:ea typeface="微軟正黑體" panose="020B0604030504040204" pitchFamily="34" charset="-120"/>
-              </a:rPr>
-              <a:t>收入：</a:t>
-            </a:r>
-            <a:r>
-              <a:rPr lang="en-US" altLang="zh-TW" sz="2800" dirty="0" smtClean="0">
-                <a:latin typeface="微軟正黑體" panose="020B0604030504040204" pitchFamily="34" charset="-120"/>
-                <a:ea typeface="微軟正黑體" panose="020B0604030504040204" pitchFamily="34" charset="-120"/>
-              </a:rPr>
-              <a:t>$400.00</a:t>
-            </a:r>
-          </a:p>
-          <a:p>
-            <a:r>
-              <a:rPr lang="zh-TW" altLang="en-US" sz="2800" dirty="0" smtClean="0">
-                <a:latin typeface="微軟正黑體" panose="020B0604030504040204" pitchFamily="34" charset="-120"/>
-                <a:ea typeface="微軟正黑體" panose="020B0604030504040204" pitchFamily="34" charset="-120"/>
-              </a:rPr>
-              <a:t>支出：</a:t>
-            </a:r>
-            <a:r>
-              <a:rPr lang="en-US" altLang="zh-TW" sz="2800" dirty="0" smtClean="0">
-                <a:latin typeface="微軟正黑體" panose="020B0604030504040204" pitchFamily="34" charset="-120"/>
-                <a:ea typeface="微軟正黑體" panose="020B0604030504040204" pitchFamily="34" charset="-120"/>
-              </a:rPr>
-              <a:t>$1,640.00</a:t>
-            </a:r>
-          </a:p>
-          <a:p>
-            <a:r>
-              <a:rPr lang="zh-TW" altLang="en-US" sz="2800" dirty="0" smtClean="0">
-                <a:latin typeface="微軟正黑體" panose="020B0604030504040204" pitchFamily="34" charset="-120"/>
-                <a:ea typeface="微軟正黑體" panose="020B0604030504040204" pitchFamily="34" charset="-120"/>
-              </a:rPr>
-              <a:t>結餘：</a:t>
-            </a:r>
-            <a:r>
-              <a:rPr lang="en-US" altLang="zh-TW" sz="2800" dirty="0" smtClean="0">
-                <a:latin typeface="微軟正黑體" panose="020B0604030504040204" pitchFamily="34" charset="-120"/>
-                <a:ea typeface="微軟正黑體" panose="020B0604030504040204" pitchFamily="34" charset="-120"/>
-              </a:rPr>
-              <a:t>$-1,240.00</a:t>
-            </a:r>
-            <a:endParaRPr lang="zh-TW" altLang="en-US" sz="2800" dirty="0">
-              <a:latin typeface="微軟正黑體" panose="020B0604030504040204" pitchFamily="34" charset="-120"/>
-              <a:ea typeface="微軟正黑體" panose="020B0604030504040204" pitchFamily="34" charset="-120"/>
-            </a:endParaRPr>
-          </a:p>
-        </p:txBody>
-      </p:sp>
-      <p:pic>
-        <p:nvPicPr>
-          <p:cNvPr id="15" name="圖片 14"/>
-          <p:cNvPicPr>
-            <a:picLocks noChangeAspect="1"/>
-          </p:cNvPicPr>
-          <p:nvPr/>
-        </p:nvPicPr>
-        <p:blipFill>
-          <a:blip r:embed="rId4"/>
-          <a:stretch>
-            <a:fillRect/>
-          </a:stretch>
-        </p:blipFill>
-        <p:spPr>
-          <a:xfrm>
-            <a:off x="1108761" y="5374462"/>
-            <a:ext cx="4501009" cy="4350418"/>
-          </a:xfrm>
-          <a:prstGeom prst="rect">
-            <a:avLst/>
-          </a:prstGeom>
-        </p:spPr>
-      </p:pic>
-    </p:spTree>
-    <p:extLst>
-      <p:ext uri="{BB962C8B-B14F-4D97-AF65-F5344CB8AC3E}">
-        <p14:creationId xmlns:p14="http://schemas.microsoft.com/office/powerpoint/2010/main" val="3537659288"/>
-      </p:ext>
-    </p:extLst>
-  </p:cSld>
-  <p:clrMapOvr>
-    <a:masterClrMapping/>
-  </p:clrMapOvr>
-  <p:timing>
-    <p:tnLst>
-      <p:par>
-        <p:cTn id="1" dur="indefinite" restart="never" nodeType="tmRoot"/>
-      </p:par>
-    </p:tnLst>
-  </p:timing>
-</p:sld>
-</file>
-
-<file path=ppt/slides/slide8.xml><?xml version="1.0" encoding="utf-8"?>
-<p:sld xmlns:a="http://schemas.openxmlformats.org/drawingml/2006/main" xmlns:r="http://schemas.openxmlformats.org/officeDocument/2006/relationships" xmlns:p="http://schemas.openxmlformats.org/presentationml/2006/main">
-  <p:cSld>
-    <p:spTree>
-      <p:nvGrpSpPr>
-        <p:cNvPr id="1" name=""/>
-        <p:cNvGrpSpPr/>
-        <p:nvPr/>
-      </p:nvGrpSpPr>
-      <p:grpSpPr>
-        <a:xfrm>
-          <a:off x="0" y="0"/>
-          <a:ext cx="0" cy="0"/>
-          <a:chOff x="0" y="0"/>
-          <a:chExt cx="0" cy="0"/>
-        </a:xfrm>
-      </p:grpSpPr>
-      <p:grpSp>
-        <p:nvGrpSpPr>
-          <p:cNvPr id="26" name="群組 25"/>
-          <p:cNvGrpSpPr/>
-          <p:nvPr/>
-        </p:nvGrpSpPr>
-        <p:grpSpPr>
-          <a:xfrm>
-            <a:off x="0" y="1"/>
-            <a:ext cx="7312294" cy="578782"/>
-            <a:chOff x="0" y="1"/>
-            <a:chExt cx="7312294" cy="578782"/>
-          </a:xfrm>
-        </p:grpSpPr>
-        <p:sp>
-          <p:nvSpPr>
-            <p:cNvPr id="7" name="矩形 6" title="Top system bar"/>
-            <p:cNvSpPr/>
-            <p:nvPr/>
-          </p:nvSpPr>
-          <p:spPr>
-            <a:xfrm>
-              <a:off x="0" y="1"/>
-              <a:ext cx="6858000" cy="406400"/>
-            </a:xfrm>
-            <a:prstGeom prst="rect">
-              <a:avLst/>
-            </a:prstGeom>
-            <a:solidFill>
-              <a:srgbClr val="345CCC"/>
-            </a:solidFill>
-            <a:ln>
-              <a:noFill/>
-            </a:ln>
-          </p:spPr>
-          <p:style>
-            <a:lnRef idx="2">
-              <a:schemeClr val="accent1">
-                <a:shade val="50000"/>
-              </a:schemeClr>
-            </a:lnRef>
-            <a:fillRef idx="1">
-              <a:schemeClr val="accent1"/>
-            </a:fillRef>
-            <a:effectRef idx="0">
-              <a:schemeClr val="accent1"/>
-            </a:effectRef>
-            <a:fontRef idx="minor">
-              <a:schemeClr val="lt1"/>
-            </a:fontRef>
-          </p:style>
-          <p:txBody>
-            <a:bodyPr rtlCol="0" anchor="ctr"/>
-            <a:lstStyle/>
-            <a:p>
-              <a:pPr algn="ctr"/>
-              <a:endParaRPr lang="zh-TW" altLang="en-US"/>
-            </a:p>
-          </p:txBody>
-        </p:sp>
-        <p:sp>
-          <p:nvSpPr>
-            <p:cNvPr id="4" name="圓形圖 3" title="Wifi sign"/>
-            <p:cNvSpPr/>
-            <p:nvPr/>
-          </p:nvSpPr>
-          <p:spPr>
-            <a:xfrm rot="2700000">
-              <a:off x="5357104" y="73451"/>
-              <a:ext cx="505332" cy="505332"/>
-            </a:xfrm>
-            <a:prstGeom prst="pie">
-              <a:avLst>
-                <a:gd name="adj1" fmla="val 10897748"/>
-                <a:gd name="adj2" fmla="val 16200000"/>
-              </a:avLst>
-            </a:prstGeom>
-            <a:solidFill>
-              <a:schemeClr val="bg1"/>
-            </a:solidFill>
-            <a:ln>
-              <a:noFill/>
-            </a:ln>
-          </p:spPr>
-          <p:style>
-            <a:lnRef idx="2">
-              <a:schemeClr val="accent1">
-                <a:shade val="50000"/>
-              </a:schemeClr>
-            </a:lnRef>
-            <a:fillRef idx="1">
-              <a:schemeClr val="accent1"/>
-            </a:fillRef>
-            <a:effectRef idx="0">
-              <a:schemeClr val="accent1"/>
-            </a:effectRef>
-            <a:fontRef idx="minor">
-              <a:schemeClr val="lt1"/>
-            </a:fontRef>
-          </p:style>
-          <p:txBody>
-            <a:bodyPr rtlCol="0" anchor="ctr"/>
-            <a:lstStyle/>
-            <a:p>
-              <a:pPr algn="ctr"/>
-              <a:endParaRPr lang="zh-TW" altLang="en-US">
-                <a:solidFill>
-                  <a:schemeClr val="tx1"/>
-                </a:solidFill>
-              </a:endParaRPr>
-            </a:p>
-          </p:txBody>
-        </p:sp>
-        <p:grpSp>
-          <p:nvGrpSpPr>
-            <p:cNvPr id="11" name="群組 10" title="Bettery sign"/>
-            <p:cNvGrpSpPr/>
-            <p:nvPr/>
-          </p:nvGrpSpPr>
-          <p:grpSpPr>
-            <a:xfrm>
-              <a:off x="5899149" y="73932"/>
-              <a:ext cx="135889" cy="252185"/>
-              <a:chOff x="6238239" y="70121"/>
-              <a:chExt cx="135889" cy="252185"/>
-            </a:xfrm>
-          </p:grpSpPr>
-          <p:sp>
-            <p:nvSpPr>
-              <p:cNvPr id="9" name="矩形 8"/>
-              <p:cNvSpPr/>
-              <p:nvPr/>
-            </p:nvSpPr>
-            <p:spPr>
-              <a:xfrm flipV="1">
-                <a:off x="6258602" y="70121"/>
-                <a:ext cx="95161" cy="45719"/>
-              </a:xfrm>
-              <a:prstGeom prst="rect">
-                <a:avLst/>
-              </a:prstGeom>
-              <a:solidFill>
-                <a:schemeClr val="bg1"/>
-              </a:solidFill>
-              <a:ln>
-                <a:noFill/>
-              </a:ln>
-            </p:spPr>
-            <p:style>
-              <a:lnRef idx="2">
-                <a:schemeClr val="accent1">
-                  <a:shade val="50000"/>
-                </a:schemeClr>
-              </a:lnRef>
-              <a:fillRef idx="1">
-                <a:schemeClr val="accent1"/>
-              </a:fillRef>
-              <a:effectRef idx="0">
-                <a:schemeClr val="accent1"/>
-              </a:effectRef>
-              <a:fontRef idx="minor">
-                <a:schemeClr val="lt1"/>
-              </a:fontRef>
-            </p:style>
-            <p:txBody>
-              <a:bodyPr rtlCol="0" anchor="ctr"/>
-              <a:lstStyle/>
-              <a:p>
-                <a:pPr algn="ctr"/>
-                <a:endParaRPr lang="zh-TW" altLang="en-US"/>
-              </a:p>
-            </p:txBody>
-          </p:sp>
-          <p:sp>
-            <p:nvSpPr>
-              <p:cNvPr id="10" name="矩形 9"/>
-              <p:cNvSpPr/>
-              <p:nvPr/>
-            </p:nvSpPr>
-            <p:spPr>
-              <a:xfrm>
-                <a:off x="6238239" y="110490"/>
-                <a:ext cx="135889" cy="211816"/>
-              </a:xfrm>
-              <a:prstGeom prst="rect">
-                <a:avLst/>
-              </a:prstGeom>
-              <a:solidFill>
-                <a:schemeClr val="bg1"/>
-              </a:solidFill>
-              <a:ln>
-                <a:noFill/>
-              </a:ln>
-            </p:spPr>
-            <p:style>
-              <a:lnRef idx="2">
-                <a:schemeClr val="accent1">
-                  <a:shade val="50000"/>
-                </a:schemeClr>
-              </a:lnRef>
-              <a:fillRef idx="1">
-                <a:schemeClr val="accent1"/>
-              </a:fillRef>
-              <a:effectRef idx="0">
-                <a:schemeClr val="accent1"/>
-              </a:effectRef>
-              <a:fontRef idx="minor">
-                <a:schemeClr val="lt1"/>
-              </a:fontRef>
-            </p:style>
-            <p:txBody>
-              <a:bodyPr rtlCol="0" anchor="ctr"/>
-              <a:lstStyle/>
-              <a:p>
-                <a:pPr algn="ctr"/>
-                <a:endParaRPr lang="zh-TW" altLang="en-US"/>
-              </a:p>
-            </p:txBody>
-          </p:sp>
-        </p:grpSp>
-        <p:sp>
-          <p:nvSpPr>
-            <p:cNvPr id="12" name="文字方塊 11" title="System time"/>
-            <p:cNvSpPr txBox="1"/>
-            <p:nvPr/>
-          </p:nvSpPr>
-          <p:spPr>
-            <a:xfrm>
-              <a:off x="6173104" y="18535"/>
-              <a:ext cx="1139190" cy="369332"/>
-            </a:xfrm>
-            <a:prstGeom prst="rect">
-              <a:avLst/>
-            </a:prstGeom>
-            <a:noFill/>
-          </p:spPr>
-          <p:txBody>
-            <a:bodyPr wrap="square" rtlCol="0">
-              <a:spAutoFit/>
-            </a:bodyPr>
-            <a:lstStyle/>
-            <a:p>
-              <a:r>
-                <a:rPr lang="en-US" altLang="zh-TW" b="1" dirty="0" smtClean="0">
-                  <a:solidFill>
-                    <a:schemeClr val="bg1"/>
-                  </a:solidFill>
-                  <a:latin typeface="微軟正黑體" panose="020B0604030504040204" pitchFamily="34" charset="-120"/>
-                  <a:ea typeface="微軟正黑體" panose="020B0604030504040204" pitchFamily="34" charset="-120"/>
-                </a:rPr>
-                <a:t>8:00</a:t>
-              </a:r>
-              <a:endParaRPr lang="zh-TW" altLang="en-US" b="1" dirty="0">
-                <a:solidFill>
-                  <a:schemeClr val="bg1"/>
-                </a:solidFill>
-                <a:latin typeface="微軟正黑體" panose="020B0604030504040204" pitchFamily="34" charset="-120"/>
-                <a:ea typeface="微軟正黑體" panose="020B0604030504040204" pitchFamily="34" charset="-120"/>
-              </a:endParaRPr>
-            </a:p>
-          </p:txBody>
-        </p:sp>
-      </p:grpSp>
-      <p:grpSp>
-        <p:nvGrpSpPr>
-          <p:cNvPr id="27" name="群組 26" title="Titile"/>
-          <p:cNvGrpSpPr/>
-          <p:nvPr/>
-        </p:nvGrpSpPr>
-        <p:grpSpPr>
-          <a:xfrm>
-            <a:off x="0" y="406400"/>
-            <a:ext cx="6858000" cy="975359"/>
-            <a:chOff x="0" y="406400"/>
-            <a:chExt cx="6858000" cy="975359"/>
-          </a:xfrm>
-        </p:grpSpPr>
-        <p:sp>
-          <p:nvSpPr>
-            <p:cNvPr id="17" name="矩形 16" title="Title BG"/>
-            <p:cNvSpPr/>
-            <p:nvPr/>
-          </p:nvSpPr>
-          <p:spPr>
-            <a:xfrm>
-              <a:off x="0" y="406400"/>
-              <a:ext cx="6858000" cy="975359"/>
-            </a:xfrm>
-            <a:prstGeom prst="rect">
-              <a:avLst/>
-            </a:prstGeom>
-            <a:solidFill>
-              <a:srgbClr val="5476D4"/>
-            </a:solidFill>
-            <a:ln>
-              <a:noFill/>
-            </a:ln>
-          </p:spPr>
-          <p:style>
-            <a:lnRef idx="2">
-              <a:schemeClr val="accent1">
-                <a:shade val="50000"/>
-              </a:schemeClr>
-            </a:lnRef>
-            <a:fillRef idx="1">
-              <a:schemeClr val="accent1"/>
-            </a:fillRef>
-            <a:effectRef idx="0">
-              <a:schemeClr val="accent1"/>
-            </a:effectRef>
-            <a:fontRef idx="minor">
-              <a:schemeClr val="lt1"/>
-            </a:fontRef>
-          </p:style>
-          <p:txBody>
-            <a:bodyPr rtlCol="0" anchor="ctr"/>
-            <a:lstStyle/>
-            <a:p>
-              <a:pPr algn="ctr"/>
-              <a:endParaRPr lang="zh-TW" altLang="en-US"/>
-            </a:p>
-          </p:txBody>
-        </p:sp>
-        <p:sp>
-          <p:nvSpPr>
-            <p:cNvPr id="18" name="文字方塊 17" title="Titile text"/>
-            <p:cNvSpPr txBox="1"/>
-            <p:nvPr/>
-          </p:nvSpPr>
-          <p:spPr>
-            <a:xfrm>
-              <a:off x="188864" y="632469"/>
-              <a:ext cx="2615296" cy="523220"/>
-            </a:xfrm>
-            <a:prstGeom prst="rect">
-              <a:avLst/>
-            </a:prstGeom>
-            <a:noFill/>
-          </p:spPr>
-          <p:txBody>
-            <a:bodyPr wrap="square" rtlCol="0">
-              <a:spAutoFit/>
-            </a:bodyPr>
-            <a:lstStyle/>
-            <a:p>
-              <a:r>
-                <a:rPr lang="en-US" altLang="zh-TW" sz="2800" b="1" dirty="0">
-                  <a:solidFill>
-                    <a:schemeClr val="bg1"/>
-                  </a:solidFill>
-                  <a:latin typeface="微軟正黑體" panose="020B0604030504040204" pitchFamily="34" charset="-120"/>
-                  <a:ea typeface="微軟正黑體" panose="020B0604030504040204" pitchFamily="34" charset="-120"/>
-                </a:rPr>
-                <a:t>Statistic</a:t>
-              </a:r>
-              <a:endParaRPr lang="zh-TW" altLang="en-US" b="1" dirty="0">
-                <a:solidFill>
-                  <a:schemeClr val="bg1"/>
-                </a:solidFill>
-                <a:latin typeface="微軟正黑體" panose="020B0604030504040204" pitchFamily="34" charset="-120"/>
-                <a:ea typeface="微軟正黑體" panose="020B0604030504040204" pitchFamily="34" charset="-120"/>
-              </a:endParaRPr>
-            </a:p>
-          </p:txBody>
-        </p:sp>
-      </p:grpSp>
-      <p:grpSp>
-        <p:nvGrpSpPr>
-          <p:cNvPr id="32" name="群組 31" title="Bottom system bar"/>
-          <p:cNvGrpSpPr/>
-          <p:nvPr/>
-        </p:nvGrpSpPr>
-        <p:grpSpPr>
-          <a:xfrm>
-            <a:off x="0" y="11440160"/>
-            <a:ext cx="6858000" cy="751840"/>
-            <a:chOff x="0" y="11440160"/>
-            <a:chExt cx="6858000" cy="751840"/>
-          </a:xfrm>
-        </p:grpSpPr>
-        <p:sp>
-          <p:nvSpPr>
-            <p:cNvPr id="28" name="矩形 27" title="Bottom system bar BG"/>
-            <p:cNvSpPr/>
-            <p:nvPr/>
-          </p:nvSpPr>
-          <p:spPr>
-            <a:xfrm>
-              <a:off x="0" y="11440160"/>
-              <a:ext cx="6858000" cy="751840"/>
-            </a:xfrm>
-            <a:prstGeom prst="rect">
-              <a:avLst/>
-            </a:prstGeom>
-            <a:solidFill>
-              <a:schemeClr val="tx1"/>
-            </a:solidFill>
-            <a:ln>
-              <a:noFill/>
-            </a:ln>
-          </p:spPr>
-          <p:style>
-            <a:lnRef idx="2">
-              <a:schemeClr val="accent1">
-                <a:shade val="50000"/>
-              </a:schemeClr>
-            </a:lnRef>
-            <a:fillRef idx="1">
-              <a:schemeClr val="accent1"/>
-            </a:fillRef>
-            <a:effectRef idx="0">
-              <a:schemeClr val="accent1"/>
-            </a:effectRef>
-            <a:fontRef idx="minor">
-              <a:schemeClr val="lt1"/>
-            </a:fontRef>
-          </p:style>
-          <p:txBody>
-            <a:bodyPr rtlCol="0" anchor="ctr"/>
-            <a:lstStyle/>
-            <a:p>
-              <a:pPr algn="ctr"/>
-              <a:endParaRPr lang="zh-TW" altLang="en-US"/>
-            </a:p>
-          </p:txBody>
-        </p:sp>
-        <p:sp>
-          <p:nvSpPr>
-            <p:cNvPr id="29" name="等腰三角形 28" title="Back button"/>
-            <p:cNvSpPr/>
-            <p:nvPr/>
-          </p:nvSpPr>
-          <p:spPr>
-            <a:xfrm rot="16200000">
-              <a:off x="1093700" y="11704405"/>
-              <a:ext cx="259082" cy="223348"/>
-            </a:xfrm>
-            <a:prstGeom prst="triangle">
-              <a:avLst/>
-            </a:prstGeom>
-            <a:noFill/>
-            <a:ln w="28575">
-              <a:solidFill>
-                <a:schemeClr val="bg1"/>
-              </a:solidFill>
-            </a:ln>
-          </p:spPr>
-          <p:style>
-            <a:lnRef idx="2">
-              <a:schemeClr val="accent1">
-                <a:shade val="50000"/>
-              </a:schemeClr>
-            </a:lnRef>
-            <a:fillRef idx="1">
-              <a:schemeClr val="accent1"/>
-            </a:fillRef>
-            <a:effectRef idx="0">
-              <a:schemeClr val="accent1"/>
-            </a:effectRef>
-            <a:fontRef idx="minor">
-              <a:schemeClr val="lt1"/>
-            </a:fontRef>
-          </p:style>
-          <p:txBody>
-            <a:bodyPr rtlCol="0" anchor="ctr"/>
-            <a:lstStyle/>
-            <a:p>
-              <a:pPr algn="ctr"/>
-              <a:endParaRPr lang="zh-TW" altLang="en-US"/>
-            </a:p>
-          </p:txBody>
-        </p:sp>
-        <p:sp>
-          <p:nvSpPr>
-            <p:cNvPr id="30" name="矩形 29" title="View botton"/>
-            <p:cNvSpPr/>
-            <p:nvPr/>
-          </p:nvSpPr>
-          <p:spPr>
-            <a:xfrm>
-              <a:off x="5511320" y="11691872"/>
-              <a:ext cx="246860" cy="246860"/>
-            </a:xfrm>
-            <a:prstGeom prst="rect">
-              <a:avLst/>
-            </a:prstGeom>
-            <a:noFill/>
-            <a:ln w="28575">
-              <a:solidFill>
-                <a:schemeClr val="bg1"/>
-              </a:solidFill>
-            </a:ln>
-          </p:spPr>
-          <p:style>
-            <a:lnRef idx="2">
-              <a:schemeClr val="accent1">
-                <a:shade val="50000"/>
-              </a:schemeClr>
-            </a:lnRef>
-            <a:fillRef idx="1">
-              <a:schemeClr val="accent1"/>
-            </a:fillRef>
-            <a:effectRef idx="0">
-              <a:schemeClr val="accent1"/>
-            </a:effectRef>
-            <a:fontRef idx="minor">
-              <a:schemeClr val="lt1"/>
-            </a:fontRef>
-          </p:style>
-          <p:txBody>
-            <a:bodyPr rtlCol="0" anchor="ctr"/>
-            <a:lstStyle/>
-            <a:p>
-              <a:pPr algn="ctr"/>
-              <a:endParaRPr lang="zh-TW" altLang="en-US"/>
-            </a:p>
-          </p:txBody>
-        </p:sp>
-        <p:sp>
-          <p:nvSpPr>
-            <p:cNvPr id="31" name="橢圓 30" title="Home botton"/>
-            <p:cNvSpPr>
-              <a:spLocks noChangeAspect="1"/>
-            </p:cNvSpPr>
-            <p:nvPr/>
-          </p:nvSpPr>
-          <p:spPr>
-            <a:xfrm>
-              <a:off x="3299462" y="11685763"/>
-              <a:ext cx="259078" cy="259078"/>
-            </a:xfrm>
-            <a:prstGeom prst="ellipse">
-              <a:avLst/>
-            </a:prstGeom>
-            <a:noFill/>
-            <a:ln w="28575">
-              <a:solidFill>
-                <a:schemeClr val="bg1"/>
-              </a:solidFill>
-            </a:ln>
-          </p:spPr>
-          <p:style>
-            <a:lnRef idx="2">
-              <a:schemeClr val="accent1">
-                <a:shade val="50000"/>
-              </a:schemeClr>
-            </a:lnRef>
-            <a:fillRef idx="1">
-              <a:schemeClr val="accent1"/>
-            </a:fillRef>
-            <a:effectRef idx="0">
-              <a:schemeClr val="accent1"/>
-            </a:effectRef>
-            <a:fontRef idx="minor">
-              <a:schemeClr val="lt1"/>
-            </a:fontRef>
-          </p:style>
-          <p:txBody>
-            <a:bodyPr rtlCol="0" anchor="ctr"/>
-            <a:lstStyle/>
-            <a:p>
-              <a:pPr algn="ctr"/>
-              <a:endParaRPr lang="zh-TW" altLang="en-US"/>
-            </a:p>
-          </p:txBody>
-        </p:sp>
-      </p:grpSp>
-      <p:sp>
-        <p:nvSpPr>
-          <p:cNvPr id="45" name="圓角矩形 44" title="Cal_/"/>
-          <p:cNvSpPr/>
-          <p:nvPr/>
-        </p:nvSpPr>
-        <p:spPr>
-          <a:xfrm>
-            <a:off x="64169" y="1450193"/>
-            <a:ext cx="2133600" cy="671488"/>
-          </a:xfrm>
-          <a:prstGeom prst="roundRect">
-            <a:avLst/>
-          </a:prstGeom>
-          <a:solidFill>
-            <a:schemeClr val="bg1">
-              <a:lumMod val="85000"/>
-            </a:schemeClr>
-          </a:solidFill>
-          <a:ln>
-            <a:solidFill>
-              <a:schemeClr val="bg1">
-                <a:lumMod val="75000"/>
-              </a:schemeClr>
-            </a:solidFill>
-          </a:ln>
-        </p:spPr>
-        <p:style>
-          <a:lnRef idx="2">
-            <a:schemeClr val="accent1">
-              <a:shade val="50000"/>
-            </a:schemeClr>
-          </a:lnRef>
-          <a:fillRef idx="1">
-            <a:schemeClr val="accent1"/>
-          </a:fillRef>
-          <a:effectRef idx="0">
-            <a:schemeClr val="accent1"/>
-          </a:effectRef>
-          <a:fontRef idx="minor">
-            <a:schemeClr val="lt1"/>
-          </a:fontRef>
-        </p:style>
-        <p:txBody>
-          <a:bodyPr rtlCol="0" anchor="ctr"/>
-          <a:lstStyle/>
-          <a:p>
-            <a:pPr algn="ctr"/>
-            <a:r>
-              <a:rPr lang="zh-TW" altLang="en-US" sz="2400" dirty="0" smtClean="0">
-                <a:solidFill>
-                  <a:schemeClr val="tx1"/>
-                </a:solidFill>
-                <a:latin typeface="微軟正黑體" panose="020B0604030504040204" pitchFamily="34" charset="-120"/>
-                <a:ea typeface="微軟正黑體" panose="020B0604030504040204" pitchFamily="34" charset="-120"/>
-              </a:rPr>
-              <a:t>年</a:t>
-            </a:r>
-            <a:endParaRPr lang="zh-TW" altLang="en-US" sz="2400" dirty="0">
-              <a:solidFill>
-                <a:schemeClr val="tx1"/>
-              </a:solidFill>
-              <a:latin typeface="微軟正黑體" panose="020B0604030504040204" pitchFamily="34" charset="-120"/>
-              <a:ea typeface="微軟正黑體" panose="020B0604030504040204" pitchFamily="34" charset="-120"/>
-            </a:endParaRPr>
-          </a:p>
-        </p:txBody>
-      </p:sp>
-      <p:sp>
-        <p:nvSpPr>
-          <p:cNvPr id="35" name="圓角矩形 34" title="Cal_/"/>
-          <p:cNvSpPr/>
-          <p:nvPr/>
-        </p:nvSpPr>
-        <p:spPr>
-          <a:xfrm>
-            <a:off x="2360998" y="1450193"/>
-            <a:ext cx="2133600" cy="671488"/>
-          </a:xfrm>
-          <a:prstGeom prst="roundRect">
-            <a:avLst/>
-          </a:prstGeom>
-          <a:solidFill>
-            <a:schemeClr val="bg1">
-              <a:lumMod val="85000"/>
-            </a:schemeClr>
-          </a:solidFill>
-          <a:ln>
-            <a:solidFill>
-              <a:schemeClr val="bg1">
-                <a:lumMod val="75000"/>
-              </a:schemeClr>
-            </a:solidFill>
-          </a:ln>
-        </p:spPr>
-        <p:style>
-          <a:lnRef idx="2">
-            <a:schemeClr val="accent1">
-              <a:shade val="50000"/>
-            </a:schemeClr>
-          </a:lnRef>
-          <a:fillRef idx="1">
-            <a:schemeClr val="accent1"/>
-          </a:fillRef>
-          <a:effectRef idx="0">
-            <a:schemeClr val="accent1"/>
-          </a:effectRef>
-          <a:fontRef idx="minor">
-            <a:schemeClr val="lt1"/>
-          </a:fontRef>
-        </p:style>
-        <p:txBody>
-          <a:bodyPr rtlCol="0" anchor="ctr"/>
-          <a:lstStyle/>
-          <a:p>
-            <a:pPr algn="ctr"/>
-            <a:r>
-              <a:rPr lang="zh-TW" altLang="en-US" sz="2400" dirty="0" smtClean="0">
-                <a:solidFill>
-                  <a:schemeClr val="tx1"/>
-                </a:solidFill>
-                <a:latin typeface="微軟正黑體" panose="020B0604030504040204" pitchFamily="34" charset="-120"/>
-                <a:ea typeface="微軟正黑體" panose="020B0604030504040204" pitchFamily="34" charset="-120"/>
-              </a:rPr>
-              <a:t>月</a:t>
-            </a:r>
-            <a:endParaRPr lang="zh-TW" altLang="en-US" sz="2400" dirty="0">
-              <a:solidFill>
-                <a:schemeClr val="tx1"/>
-              </a:solidFill>
-              <a:latin typeface="微軟正黑體" panose="020B0604030504040204" pitchFamily="34" charset="-120"/>
-              <a:ea typeface="微軟正黑體" panose="020B0604030504040204" pitchFamily="34" charset="-120"/>
-            </a:endParaRPr>
-          </a:p>
-        </p:txBody>
-      </p:sp>
-      <p:sp>
-        <p:nvSpPr>
-          <p:cNvPr id="36" name="圓角矩形 35" title="Cal_/"/>
-          <p:cNvSpPr/>
-          <p:nvPr/>
-        </p:nvSpPr>
-        <p:spPr>
-          <a:xfrm>
-            <a:off x="4657827" y="1450193"/>
-            <a:ext cx="2133600" cy="671488"/>
-          </a:xfrm>
-          <a:prstGeom prst="roundRect">
-            <a:avLst/>
-          </a:prstGeom>
-          <a:solidFill>
-            <a:schemeClr val="bg1">
-              <a:lumMod val="85000"/>
-            </a:schemeClr>
-          </a:solidFill>
-          <a:ln>
-            <a:solidFill>
-              <a:schemeClr val="bg1">
-                <a:lumMod val="75000"/>
-              </a:schemeClr>
-            </a:solidFill>
-          </a:ln>
-        </p:spPr>
-        <p:style>
-          <a:lnRef idx="2">
-            <a:schemeClr val="accent1">
-              <a:shade val="50000"/>
-            </a:schemeClr>
-          </a:lnRef>
-          <a:fillRef idx="1">
-            <a:schemeClr val="accent1"/>
-          </a:fillRef>
-          <a:effectRef idx="0">
-            <a:schemeClr val="accent1"/>
-          </a:effectRef>
-          <a:fontRef idx="minor">
-            <a:schemeClr val="lt1"/>
-          </a:fontRef>
-        </p:style>
-        <p:txBody>
-          <a:bodyPr rtlCol="0" anchor="ctr"/>
-          <a:lstStyle/>
-          <a:p>
-            <a:pPr algn="ctr"/>
-            <a:r>
-              <a:rPr lang="zh-TW" altLang="en-US" sz="2400" dirty="0" smtClean="0">
-                <a:solidFill>
-                  <a:schemeClr val="tx1"/>
-                </a:solidFill>
-                <a:latin typeface="微軟正黑體" panose="020B0604030504040204" pitchFamily="34" charset="-120"/>
-                <a:ea typeface="微軟正黑體" panose="020B0604030504040204" pitchFamily="34" charset="-120"/>
-              </a:rPr>
-              <a:t>日</a:t>
-            </a:r>
-            <a:endParaRPr lang="zh-TW" altLang="en-US" sz="2400" dirty="0">
-              <a:solidFill>
-                <a:schemeClr val="tx1"/>
-              </a:solidFill>
-              <a:latin typeface="微軟正黑體" panose="020B0604030504040204" pitchFamily="34" charset="-120"/>
-              <a:ea typeface="微軟正黑體" panose="020B0604030504040204" pitchFamily="34" charset="-120"/>
-            </a:endParaRPr>
-          </a:p>
-        </p:txBody>
-      </p:sp>
-      <p:pic>
-        <p:nvPicPr>
-          <p:cNvPr id="3" name="圖片 2"/>
-          <p:cNvPicPr>
-            <a:picLocks noChangeAspect="1"/>
-          </p:cNvPicPr>
-          <p:nvPr/>
-        </p:nvPicPr>
-        <p:blipFill>
-          <a:blip r:embed="rId2">
-            <a:extLst>
-              <a:ext uri="{28A0092B-C50C-407E-A947-70E740481C1C}">
-                <a14:useLocalDpi xmlns:a14="http://schemas.microsoft.com/office/drawing/2010/main" val="0"/>
-              </a:ext>
-            </a:extLst>
-          </a:blip>
-          <a:stretch>
-            <a:fillRect/>
-          </a:stretch>
-        </p:blipFill>
-        <p:spPr>
-          <a:xfrm>
-            <a:off x="1223241" y="2400143"/>
-            <a:ext cx="444517" cy="453407"/>
-          </a:xfrm>
-          <a:prstGeom prst="rect">
-            <a:avLst/>
-          </a:prstGeom>
-        </p:spPr>
-      </p:pic>
-      <p:pic>
-        <p:nvPicPr>
-          <p:cNvPr id="6" name="圖片 5"/>
-          <p:cNvPicPr>
-            <a:picLocks noChangeAspect="1"/>
-          </p:cNvPicPr>
-          <p:nvPr/>
-        </p:nvPicPr>
-        <p:blipFill>
-          <a:blip r:embed="rId3">
-            <a:extLst>
-              <a:ext uri="{28A0092B-C50C-407E-A947-70E740481C1C}">
-                <a14:useLocalDpi xmlns:a14="http://schemas.microsoft.com/office/drawing/2010/main" val="0"/>
-              </a:ext>
-            </a:extLst>
-          </a:blip>
-          <a:stretch>
-            <a:fillRect/>
-          </a:stretch>
-        </p:blipFill>
-        <p:spPr>
-          <a:xfrm>
-            <a:off x="5203826" y="2400143"/>
-            <a:ext cx="444706" cy="453600"/>
-          </a:xfrm>
-          <a:prstGeom prst="rect">
-            <a:avLst/>
-          </a:prstGeom>
-        </p:spPr>
-      </p:pic>
-      <p:sp>
-        <p:nvSpPr>
-          <p:cNvPr id="13" name="文字方塊 12"/>
-          <p:cNvSpPr txBox="1"/>
-          <p:nvPr/>
-        </p:nvSpPr>
-        <p:spPr>
-          <a:xfrm>
-            <a:off x="2114852" y="2334459"/>
-            <a:ext cx="2633612" cy="584775"/>
-          </a:xfrm>
-          <a:prstGeom prst="rect">
-            <a:avLst/>
-          </a:prstGeom>
-          <a:noFill/>
-        </p:spPr>
-        <p:txBody>
-          <a:bodyPr wrap="square" rtlCol="0">
-            <a:spAutoFit/>
-          </a:bodyPr>
-          <a:lstStyle/>
-          <a:p>
-            <a:pPr algn="ctr"/>
-            <a:r>
-              <a:rPr lang="en-US" altLang="zh-TW" sz="3200" dirty="0" smtClean="0">
-                <a:solidFill>
-                  <a:schemeClr val="tx1">
-                    <a:lumMod val="65000"/>
-                    <a:lumOff val="35000"/>
-                  </a:schemeClr>
-                </a:solidFill>
-                <a:latin typeface="微軟正黑體" panose="020B0604030504040204" pitchFamily="34" charset="-120"/>
-                <a:ea typeface="微軟正黑體" panose="020B0604030504040204" pitchFamily="34" charset="-120"/>
-              </a:rPr>
-              <a:t>2018/06/09</a:t>
-            </a:r>
-            <a:endParaRPr lang="zh-TW" altLang="en-US" sz="3200" dirty="0">
-              <a:solidFill>
-                <a:schemeClr val="tx1">
-                  <a:lumMod val="65000"/>
-                  <a:lumOff val="35000"/>
-                </a:schemeClr>
-              </a:solidFill>
-              <a:latin typeface="微軟正黑體" panose="020B0604030504040204" pitchFamily="34" charset="-120"/>
-              <a:ea typeface="微軟正黑體" panose="020B0604030504040204" pitchFamily="34" charset="-120"/>
-            </a:endParaRPr>
-          </a:p>
-        </p:txBody>
-      </p:sp>
-      <p:sp>
-        <p:nvSpPr>
-          <p:cNvPr id="14" name="文字方塊 13"/>
-          <p:cNvSpPr txBox="1"/>
-          <p:nvPr/>
-        </p:nvSpPr>
-        <p:spPr>
-          <a:xfrm>
-            <a:off x="417095" y="3336758"/>
-            <a:ext cx="5756009" cy="1384995"/>
-          </a:xfrm>
-          <a:prstGeom prst="rect">
-            <a:avLst/>
-          </a:prstGeom>
-          <a:noFill/>
-        </p:spPr>
-        <p:txBody>
-          <a:bodyPr wrap="square" rtlCol="0">
-            <a:spAutoFit/>
-          </a:bodyPr>
-          <a:lstStyle/>
-          <a:p>
-            <a:r>
-              <a:rPr lang="zh-TW" altLang="en-US" sz="2800" dirty="0" smtClean="0">
-                <a:latin typeface="微軟正黑體" panose="020B0604030504040204" pitchFamily="34" charset="-120"/>
-                <a:ea typeface="微軟正黑體" panose="020B0604030504040204" pitchFamily="34" charset="-120"/>
-              </a:rPr>
-              <a:t>收入：</a:t>
-            </a:r>
-            <a:r>
-              <a:rPr lang="en-US" altLang="zh-TW" sz="2800" dirty="0" smtClean="0">
-                <a:latin typeface="微軟正黑體" panose="020B0604030504040204" pitchFamily="34" charset="-120"/>
-                <a:ea typeface="微軟正黑體" panose="020B0604030504040204" pitchFamily="34" charset="-120"/>
-              </a:rPr>
-              <a:t>$300.00</a:t>
-            </a:r>
-          </a:p>
-          <a:p>
-            <a:r>
-              <a:rPr lang="zh-TW" altLang="en-US" sz="2800" dirty="0" smtClean="0">
-                <a:latin typeface="微軟正黑體" panose="020B0604030504040204" pitchFamily="34" charset="-120"/>
-                <a:ea typeface="微軟正黑體" panose="020B0604030504040204" pitchFamily="34" charset="-120"/>
-              </a:rPr>
-              <a:t>支出：</a:t>
-            </a:r>
-            <a:r>
-              <a:rPr lang="en-US" altLang="zh-TW" sz="2800" dirty="0" smtClean="0">
-                <a:latin typeface="微軟正黑體" panose="020B0604030504040204" pitchFamily="34" charset="-120"/>
-                <a:ea typeface="微軟正黑體" panose="020B0604030504040204" pitchFamily="34" charset="-120"/>
-              </a:rPr>
-              <a:t>$1,420.00</a:t>
-            </a:r>
-          </a:p>
-          <a:p>
-            <a:r>
-              <a:rPr lang="zh-TW" altLang="en-US" sz="2800" dirty="0" smtClean="0">
-                <a:latin typeface="微軟正黑體" panose="020B0604030504040204" pitchFamily="34" charset="-120"/>
-                <a:ea typeface="微軟正黑體" panose="020B0604030504040204" pitchFamily="34" charset="-120"/>
-              </a:rPr>
-              <a:t>結餘：</a:t>
-            </a:r>
-            <a:r>
-              <a:rPr lang="en-US" altLang="zh-TW" sz="2800" dirty="0" smtClean="0">
-                <a:latin typeface="微軟正黑體" panose="020B0604030504040204" pitchFamily="34" charset="-120"/>
-                <a:ea typeface="微軟正黑體" panose="020B0604030504040204" pitchFamily="34" charset="-120"/>
-              </a:rPr>
-              <a:t>$-1,120.00</a:t>
-            </a:r>
-            <a:endParaRPr lang="zh-TW" altLang="en-US" sz="2800" dirty="0">
-              <a:latin typeface="微軟正黑體" panose="020B0604030504040204" pitchFamily="34" charset="-120"/>
-              <a:ea typeface="微軟正黑體" panose="020B0604030504040204" pitchFamily="34" charset="-120"/>
-            </a:endParaRPr>
-          </a:p>
-        </p:txBody>
-      </p:sp>
-      <p:pic>
-        <p:nvPicPr>
-          <p:cNvPr id="5" name="圖片 4"/>
-          <p:cNvPicPr>
-            <a:picLocks noChangeAspect="1"/>
-          </p:cNvPicPr>
-          <p:nvPr/>
-        </p:nvPicPr>
-        <p:blipFill>
-          <a:blip r:embed="rId4"/>
-          <a:stretch>
-            <a:fillRect/>
-          </a:stretch>
-        </p:blipFill>
-        <p:spPr>
-          <a:xfrm>
-            <a:off x="922639" y="5299132"/>
-            <a:ext cx="4914065" cy="4613204"/>
-          </a:xfrm>
-          <a:prstGeom prst="rect">
-            <a:avLst/>
-          </a:prstGeom>
-        </p:spPr>
-      </p:pic>
-    </p:spTree>
-    <p:extLst>
-      <p:ext uri="{BB962C8B-B14F-4D97-AF65-F5344CB8AC3E}">
-        <p14:creationId xmlns:p14="http://schemas.microsoft.com/office/powerpoint/2010/main" val="3333223657"/>
-      </p:ext>
-    </p:extLst>
-  </p:cSld>
-  <p:clrMapOvr>
-    <a:masterClrMapping/>
-  </p:clrMapOvr>
-  <p:timing>
-    <p:tnLst>
-      <p:par>
-        <p:cTn id="1" dur="indefinite" restart="never" nodeType="tmRoot"/>
-      </p:par>
-    </p:tnLst>
-  </p:timing>
-</p:sld>
-</file>
-
-<file path=ppt/slides/slide9.xml><?xml version="1.0" encoding="utf-8"?>
-<p:sld xmlns:a="http://schemas.openxmlformats.org/drawingml/2006/main" xmlns:r="http://schemas.openxmlformats.org/officeDocument/2006/relationships" xmlns:p="http://schemas.openxmlformats.org/presentationml/2006/main">
-  <p:cSld>
-    <p:spTree>
-      <p:nvGrpSpPr>
-        <p:cNvPr id="1" name=""/>
-        <p:cNvGrpSpPr/>
-        <p:nvPr/>
-      </p:nvGrpSpPr>
-      <p:grpSpPr>
-        <a:xfrm>
-          <a:off x="0" y="0"/>
-          <a:ext cx="0" cy="0"/>
-          <a:chOff x="0" y="0"/>
-          <a:chExt cx="0" cy="0"/>
-        </a:xfrm>
-      </p:grpSpPr>
-      <p:grpSp>
-        <p:nvGrpSpPr>
-          <p:cNvPr id="26" name="群組 25"/>
-          <p:cNvGrpSpPr/>
-          <p:nvPr/>
-        </p:nvGrpSpPr>
-        <p:grpSpPr>
-          <a:xfrm>
-            <a:off x="0" y="1"/>
-            <a:ext cx="7312294" cy="578782"/>
-            <a:chOff x="0" y="1"/>
-            <a:chExt cx="7312294" cy="578782"/>
-          </a:xfrm>
-        </p:grpSpPr>
-        <p:sp>
-          <p:nvSpPr>
-            <p:cNvPr id="7" name="矩形 6" title="Top system bar"/>
-            <p:cNvSpPr/>
-            <p:nvPr/>
-          </p:nvSpPr>
-          <p:spPr>
-            <a:xfrm>
-              <a:off x="0" y="1"/>
-              <a:ext cx="6858000" cy="406400"/>
-            </a:xfrm>
-            <a:prstGeom prst="rect">
-              <a:avLst/>
-            </a:prstGeom>
-            <a:solidFill>
-              <a:srgbClr val="345CCC"/>
-            </a:solidFill>
-            <a:ln>
-              <a:noFill/>
-            </a:ln>
-          </p:spPr>
-          <p:style>
-            <a:lnRef idx="2">
-              <a:schemeClr val="accent1">
-                <a:shade val="50000"/>
-              </a:schemeClr>
-            </a:lnRef>
-            <a:fillRef idx="1">
-              <a:schemeClr val="accent1"/>
-            </a:fillRef>
-            <a:effectRef idx="0">
-              <a:schemeClr val="accent1"/>
-            </a:effectRef>
-            <a:fontRef idx="minor">
-              <a:schemeClr val="lt1"/>
-            </a:fontRef>
-          </p:style>
-          <p:txBody>
-            <a:bodyPr rtlCol="0" anchor="ctr"/>
-            <a:lstStyle/>
-            <a:p>
-              <a:pPr algn="ctr"/>
-              <a:endParaRPr lang="zh-TW" altLang="en-US"/>
-            </a:p>
-          </p:txBody>
-        </p:sp>
-        <p:sp>
-          <p:nvSpPr>
-            <p:cNvPr id="4" name="圓形圖 3" title="Wifi sign"/>
-            <p:cNvSpPr/>
-            <p:nvPr/>
-          </p:nvSpPr>
-          <p:spPr>
-            <a:xfrm rot="2700000">
-              <a:off x="5357104" y="73451"/>
-              <a:ext cx="505332" cy="505332"/>
-            </a:xfrm>
-            <a:prstGeom prst="pie">
-              <a:avLst>
-                <a:gd name="adj1" fmla="val 10897748"/>
-                <a:gd name="adj2" fmla="val 16200000"/>
-              </a:avLst>
-            </a:prstGeom>
-            <a:solidFill>
-              <a:schemeClr val="bg1"/>
-            </a:solidFill>
-            <a:ln>
-              <a:noFill/>
-            </a:ln>
-          </p:spPr>
-          <p:style>
-            <a:lnRef idx="2">
-              <a:schemeClr val="accent1">
-                <a:shade val="50000"/>
-              </a:schemeClr>
-            </a:lnRef>
-            <a:fillRef idx="1">
-              <a:schemeClr val="accent1"/>
-            </a:fillRef>
-            <a:effectRef idx="0">
-              <a:schemeClr val="accent1"/>
-            </a:effectRef>
-            <a:fontRef idx="minor">
-              <a:schemeClr val="lt1"/>
-            </a:fontRef>
-          </p:style>
-          <p:txBody>
-            <a:bodyPr rtlCol="0" anchor="ctr"/>
-            <a:lstStyle/>
-            <a:p>
-              <a:pPr algn="ctr"/>
-              <a:endParaRPr lang="zh-TW" altLang="en-US">
-                <a:solidFill>
-                  <a:schemeClr val="tx1"/>
-                </a:solidFill>
-              </a:endParaRPr>
-            </a:p>
-          </p:txBody>
-        </p:sp>
-        <p:grpSp>
-          <p:nvGrpSpPr>
-            <p:cNvPr id="11" name="群組 10" title="Bettery sign"/>
-            <p:cNvGrpSpPr/>
-            <p:nvPr/>
-          </p:nvGrpSpPr>
-          <p:grpSpPr>
-            <a:xfrm>
-              <a:off x="5899149" y="73932"/>
-              <a:ext cx="135889" cy="252185"/>
-              <a:chOff x="6238239" y="70121"/>
-              <a:chExt cx="135889" cy="252185"/>
-            </a:xfrm>
-          </p:grpSpPr>
-          <p:sp>
-            <p:nvSpPr>
-              <p:cNvPr id="9" name="矩形 8"/>
-              <p:cNvSpPr/>
-              <p:nvPr/>
-            </p:nvSpPr>
-            <p:spPr>
-              <a:xfrm flipV="1">
-                <a:off x="6258602" y="70121"/>
-                <a:ext cx="95161" cy="45719"/>
-              </a:xfrm>
-              <a:prstGeom prst="rect">
-                <a:avLst/>
-              </a:prstGeom>
-              <a:solidFill>
-                <a:schemeClr val="bg1"/>
-              </a:solidFill>
-              <a:ln>
-                <a:noFill/>
-              </a:ln>
-            </p:spPr>
-            <p:style>
-              <a:lnRef idx="2">
-                <a:schemeClr val="accent1">
-                  <a:shade val="50000"/>
-                </a:schemeClr>
-              </a:lnRef>
-              <a:fillRef idx="1">
-                <a:schemeClr val="accent1"/>
-              </a:fillRef>
-              <a:effectRef idx="0">
-                <a:schemeClr val="accent1"/>
-              </a:effectRef>
-              <a:fontRef idx="minor">
-                <a:schemeClr val="lt1"/>
-              </a:fontRef>
-            </p:style>
-            <p:txBody>
-              <a:bodyPr rtlCol="0" anchor="ctr"/>
-              <a:lstStyle/>
-              <a:p>
-                <a:pPr algn="ctr"/>
-                <a:endParaRPr lang="zh-TW" altLang="en-US"/>
-              </a:p>
-            </p:txBody>
-          </p:sp>
-          <p:sp>
-            <p:nvSpPr>
-              <p:cNvPr id="10" name="矩形 9"/>
-              <p:cNvSpPr/>
-              <p:nvPr/>
-            </p:nvSpPr>
-            <p:spPr>
-              <a:xfrm>
-                <a:off x="6238239" y="110490"/>
-                <a:ext cx="135889" cy="211816"/>
-              </a:xfrm>
-              <a:prstGeom prst="rect">
-                <a:avLst/>
-              </a:prstGeom>
-              <a:solidFill>
-                <a:schemeClr val="bg1"/>
-              </a:solidFill>
-              <a:ln>
-                <a:noFill/>
-              </a:ln>
-            </p:spPr>
-            <p:style>
-              <a:lnRef idx="2">
-                <a:schemeClr val="accent1">
-                  <a:shade val="50000"/>
-                </a:schemeClr>
-              </a:lnRef>
-              <a:fillRef idx="1">
-                <a:schemeClr val="accent1"/>
-              </a:fillRef>
-              <a:effectRef idx="0">
-                <a:schemeClr val="accent1"/>
-              </a:effectRef>
-              <a:fontRef idx="minor">
-                <a:schemeClr val="lt1"/>
-              </a:fontRef>
-            </p:style>
-            <p:txBody>
-              <a:bodyPr rtlCol="0" anchor="ctr"/>
-              <a:lstStyle/>
-              <a:p>
-                <a:pPr algn="ctr"/>
-                <a:endParaRPr lang="zh-TW" altLang="en-US"/>
-              </a:p>
-            </p:txBody>
-          </p:sp>
-        </p:grpSp>
-        <p:sp>
-          <p:nvSpPr>
-            <p:cNvPr id="12" name="文字方塊 11" title="System time"/>
-            <p:cNvSpPr txBox="1"/>
-            <p:nvPr/>
-          </p:nvSpPr>
-          <p:spPr>
-            <a:xfrm>
-              <a:off x="6173104" y="18535"/>
-              <a:ext cx="1139190" cy="369332"/>
-            </a:xfrm>
-            <a:prstGeom prst="rect">
-              <a:avLst/>
-            </a:prstGeom>
-            <a:noFill/>
-          </p:spPr>
-          <p:txBody>
-            <a:bodyPr wrap="square" rtlCol="0">
-              <a:spAutoFit/>
-            </a:bodyPr>
-            <a:lstStyle/>
-            <a:p>
-              <a:r>
-                <a:rPr lang="en-US" altLang="zh-TW" b="1" dirty="0" smtClean="0">
-                  <a:solidFill>
-                    <a:schemeClr val="bg1"/>
-                  </a:solidFill>
-                  <a:latin typeface="微軟正黑體" panose="020B0604030504040204" pitchFamily="34" charset="-120"/>
-                  <a:ea typeface="微軟正黑體" panose="020B0604030504040204" pitchFamily="34" charset="-120"/>
-                </a:rPr>
-                <a:t>8:00</a:t>
+                <a:t>8:01</a:t>
               </a:r>
               <a:endParaRPr lang="zh-TW" altLang="en-US" b="1" dirty="0">
                 <a:solidFill>

--- a/Final/影片動畫-孟瑾.pptx
+++ b/Final/影片動畫-孟瑾.pptx
@@ -6,16 +6,19 @@
   </p:sldMasterIdLst>
   <p:sldIdLst>
     <p:sldId id="256" r:id="rId2"/>
-    <p:sldId id="258" r:id="rId3"/>
-    <p:sldId id="257" r:id="rId4"/>
-    <p:sldId id="260" r:id="rId5"/>
-    <p:sldId id="261" r:id="rId6"/>
-    <p:sldId id="262" r:id="rId7"/>
-    <p:sldId id="259" r:id="rId8"/>
-    <p:sldId id="265" r:id="rId9"/>
-    <p:sldId id="263" r:id="rId10"/>
-    <p:sldId id="266" r:id="rId11"/>
-    <p:sldId id="264" r:id="rId12"/>
+    <p:sldId id="257" r:id="rId3"/>
+    <p:sldId id="260" r:id="rId4"/>
+    <p:sldId id="261" r:id="rId5"/>
+    <p:sldId id="259" r:id="rId6"/>
+    <p:sldId id="265" r:id="rId7"/>
+    <p:sldId id="263" r:id="rId8"/>
+    <p:sldId id="266" r:id="rId9"/>
+    <p:sldId id="264" r:id="rId10"/>
+    <p:sldId id="267" r:id="rId11"/>
+    <p:sldId id="268" r:id="rId12"/>
+    <p:sldId id="269" r:id="rId13"/>
+    <p:sldId id="270" r:id="rId14"/>
+    <p:sldId id="272" r:id="rId15"/>
   </p:sldIdLst>
   <p:sldSz cx="6858000" cy="12192000"/>
   <p:notesSz cx="6858000" cy="9144000"/>
@@ -3010,7 +3013,7 @@
               <a:avLst/>
             </a:prstGeom>
             <a:solidFill>
-              <a:srgbClr val="345CCC"/>
+              <a:srgbClr val="30409F"/>
             </a:solidFill>
             <a:ln>
               <a:noFill/>
@@ -3273,7 +3276,7 @@
               <a:avLst/>
             </a:prstGeom>
             <a:solidFill>
-              <a:srgbClr val="5476D4"/>
+              <a:srgbClr val="4050B5"/>
             </a:solidFill>
             <a:ln>
               <a:noFill/>
@@ -5054,34 +5057,34 @@
       </p:grpSpPr>
       <p:grpSp>
         <p:nvGrpSpPr>
-          <p:cNvPr id="26" name="群組 25"/>
+          <p:cNvPr id="4" name="群組 3" title="Bottom system bar"/>
           <p:cNvGrpSpPr/>
           <p:nvPr/>
         </p:nvGrpSpPr>
         <p:grpSpPr>
           <a:xfrm>
-            <a:off x="0" y="1"/>
-            <a:ext cx="7312294" cy="578782"/>
-            <a:chOff x="0" y="1"/>
-            <a:chExt cx="7312294" cy="578782"/>
+            <a:off x="0" y="11440160"/>
+            <a:ext cx="6858000" cy="751840"/>
+            <a:chOff x="0" y="11440160"/>
+            <a:chExt cx="6858000" cy="751840"/>
           </a:xfrm>
         </p:grpSpPr>
         <p:sp>
           <p:nvSpPr>
-            <p:cNvPr id="7" name="矩形 6" title="Top system bar"/>
+            <p:cNvPr id="5" name="矩形 4" title="Bottom system bar BG"/>
             <p:cNvSpPr/>
             <p:nvPr/>
           </p:nvSpPr>
           <p:spPr>
             <a:xfrm>
-              <a:off x="0" y="1"/>
-              <a:ext cx="6858000" cy="406400"/>
+              <a:off x="0" y="11440160"/>
+              <a:ext cx="6858000" cy="751840"/>
             </a:xfrm>
             <a:prstGeom prst="rect">
               <a:avLst/>
             </a:prstGeom>
             <a:solidFill>
-              <a:srgbClr val="345CCC"/>
+              <a:schemeClr val="tx1"/>
             </a:solidFill>
             <a:ln>
               <a:noFill/>
@@ -5114,7 +5117,208 @@
         </p:sp>
         <p:sp>
           <p:nvSpPr>
-            <p:cNvPr id="4" name="圓形圖 3" title="Wifi sign"/>
+            <p:cNvPr id="6" name="等腰三角形 5" title="Back button"/>
+            <p:cNvSpPr/>
+            <p:nvPr/>
+          </p:nvSpPr>
+          <p:spPr>
+            <a:xfrm rot="16200000">
+              <a:off x="1093700" y="11704405"/>
+              <a:ext cx="259082" cy="223348"/>
+            </a:xfrm>
+            <a:prstGeom prst="triangle">
+              <a:avLst/>
+            </a:prstGeom>
+            <a:noFill/>
+            <a:ln w="28575">
+              <a:solidFill>
+                <a:schemeClr val="bg1"/>
+              </a:solidFill>
+            </a:ln>
+          </p:spPr>
+          <p:style>
+            <a:lnRef idx="2">
+              <a:schemeClr val="accent1">
+                <a:shade val="50000"/>
+              </a:schemeClr>
+            </a:lnRef>
+            <a:fillRef idx="1">
+              <a:schemeClr val="accent1"/>
+            </a:fillRef>
+            <a:effectRef idx="0">
+              <a:schemeClr val="accent1"/>
+            </a:effectRef>
+            <a:fontRef idx="minor">
+              <a:schemeClr val="lt1"/>
+            </a:fontRef>
+          </p:style>
+          <p:txBody>
+            <a:bodyPr rtlCol="0" anchor="ctr"/>
+            <a:lstStyle/>
+            <a:p>
+              <a:pPr algn="ctr"/>
+              <a:endParaRPr lang="zh-TW" altLang="en-US"/>
+            </a:p>
+          </p:txBody>
+        </p:sp>
+        <p:sp>
+          <p:nvSpPr>
+            <p:cNvPr id="7" name="矩形 6" title="View botton"/>
+            <p:cNvSpPr/>
+            <p:nvPr/>
+          </p:nvSpPr>
+          <p:spPr>
+            <a:xfrm>
+              <a:off x="5511320" y="11691872"/>
+              <a:ext cx="246860" cy="246860"/>
+            </a:xfrm>
+            <a:prstGeom prst="rect">
+              <a:avLst/>
+            </a:prstGeom>
+            <a:noFill/>
+            <a:ln w="28575">
+              <a:solidFill>
+                <a:schemeClr val="bg1"/>
+              </a:solidFill>
+            </a:ln>
+          </p:spPr>
+          <p:style>
+            <a:lnRef idx="2">
+              <a:schemeClr val="accent1">
+                <a:shade val="50000"/>
+              </a:schemeClr>
+            </a:lnRef>
+            <a:fillRef idx="1">
+              <a:schemeClr val="accent1"/>
+            </a:fillRef>
+            <a:effectRef idx="0">
+              <a:schemeClr val="accent1"/>
+            </a:effectRef>
+            <a:fontRef idx="minor">
+              <a:schemeClr val="lt1"/>
+            </a:fontRef>
+          </p:style>
+          <p:txBody>
+            <a:bodyPr rtlCol="0" anchor="ctr"/>
+            <a:lstStyle/>
+            <a:p>
+              <a:pPr algn="ctr"/>
+              <a:endParaRPr lang="zh-TW" altLang="en-US"/>
+            </a:p>
+          </p:txBody>
+        </p:sp>
+        <p:sp>
+          <p:nvSpPr>
+            <p:cNvPr id="8" name="橢圓 7" title="Home botton"/>
+            <p:cNvSpPr>
+              <a:spLocks noChangeAspect="1"/>
+            </p:cNvSpPr>
+            <p:nvPr/>
+          </p:nvSpPr>
+          <p:spPr>
+            <a:xfrm>
+              <a:off x="3299462" y="11685763"/>
+              <a:ext cx="259078" cy="259078"/>
+            </a:xfrm>
+            <a:prstGeom prst="ellipse">
+              <a:avLst/>
+            </a:prstGeom>
+            <a:noFill/>
+            <a:ln w="28575">
+              <a:solidFill>
+                <a:schemeClr val="bg1"/>
+              </a:solidFill>
+            </a:ln>
+          </p:spPr>
+          <p:style>
+            <a:lnRef idx="2">
+              <a:schemeClr val="accent1">
+                <a:shade val="50000"/>
+              </a:schemeClr>
+            </a:lnRef>
+            <a:fillRef idx="1">
+              <a:schemeClr val="accent1"/>
+            </a:fillRef>
+            <a:effectRef idx="0">
+              <a:schemeClr val="accent1"/>
+            </a:effectRef>
+            <a:fontRef idx="minor">
+              <a:schemeClr val="lt1"/>
+            </a:fontRef>
+          </p:style>
+          <p:txBody>
+            <a:bodyPr rtlCol="0" anchor="ctr"/>
+            <a:lstStyle/>
+            <a:p>
+              <a:pPr algn="ctr"/>
+              <a:endParaRPr lang="zh-TW" altLang="en-US"/>
+            </a:p>
+          </p:txBody>
+        </p:sp>
+      </p:grpSp>
+      <p:grpSp>
+        <p:nvGrpSpPr>
+          <p:cNvPr id="9" name="群組 8"/>
+          <p:cNvGrpSpPr/>
+          <p:nvPr/>
+        </p:nvGrpSpPr>
+        <p:grpSpPr>
+          <a:xfrm>
+            <a:off x="0" y="1"/>
+            <a:ext cx="7312294" cy="578782"/>
+            <a:chOff x="0" y="1"/>
+            <a:chExt cx="7312294" cy="578782"/>
+          </a:xfrm>
+        </p:grpSpPr>
+        <p:sp>
+          <p:nvSpPr>
+            <p:cNvPr id="10" name="矩形 9" title="Top system bar"/>
+            <p:cNvSpPr/>
+            <p:nvPr/>
+          </p:nvSpPr>
+          <p:spPr>
+            <a:xfrm>
+              <a:off x="0" y="1"/>
+              <a:ext cx="6858000" cy="406400"/>
+            </a:xfrm>
+            <a:prstGeom prst="rect">
+              <a:avLst/>
+            </a:prstGeom>
+            <a:solidFill>
+              <a:srgbClr val="30409F"/>
+            </a:solidFill>
+            <a:ln>
+              <a:noFill/>
+            </a:ln>
+          </p:spPr>
+          <p:style>
+            <a:lnRef idx="2">
+              <a:schemeClr val="accent1">
+                <a:shade val="50000"/>
+              </a:schemeClr>
+            </a:lnRef>
+            <a:fillRef idx="1">
+              <a:schemeClr val="accent1"/>
+            </a:fillRef>
+            <a:effectRef idx="0">
+              <a:schemeClr val="accent1"/>
+            </a:effectRef>
+            <a:fontRef idx="minor">
+              <a:schemeClr val="lt1"/>
+            </a:fontRef>
+          </p:style>
+          <p:txBody>
+            <a:bodyPr rtlCol="0" anchor="ctr"/>
+            <a:lstStyle/>
+            <a:p>
+              <a:pPr algn="ctr"/>
+              <a:endParaRPr lang="zh-TW" altLang="en-US"/>
+            </a:p>
+          </p:txBody>
+        </p:sp>
+        <p:sp>
+          <p:nvSpPr>
+            <p:cNvPr id="11" name="圓形圖 10" title="Wifi sign"/>
             <p:cNvSpPr/>
             <p:nvPr/>
           </p:nvSpPr>
@@ -5167,7 +5371,7 @@
         </p:sp>
         <p:grpSp>
           <p:nvGrpSpPr>
-            <p:cNvPr id="11" name="群組 10" title="Bettery sign"/>
+            <p:cNvPr id="12" name="群組 11" title="Bettery sign"/>
             <p:cNvGrpSpPr/>
             <p:nvPr/>
           </p:nvGrpSpPr>
@@ -5181,7 +5385,7 @@
           </p:grpSpPr>
           <p:sp>
             <p:nvSpPr>
-              <p:cNvPr id="9" name="矩形 8"/>
+              <p:cNvPr id="14" name="矩形 13"/>
               <p:cNvSpPr/>
               <p:nvPr/>
             </p:nvSpPr>
@@ -5227,7 +5431,7 @@
           </p:sp>
           <p:sp>
             <p:nvSpPr>
-              <p:cNvPr id="10" name="矩形 9"/>
+              <p:cNvPr id="15" name="矩形 14"/>
               <p:cNvSpPr/>
               <p:nvPr/>
             </p:nvSpPr>
@@ -5274,7 +5478,7 @@
         </p:grpSp>
         <p:sp>
           <p:nvSpPr>
-            <p:cNvPr id="12" name="文字方塊 11" title="System time"/>
+            <p:cNvPr id="13" name="文字方塊 12" title="System time"/>
             <p:cNvSpPr txBox="1"/>
             <p:nvPr/>
           </p:nvSpPr>
@@ -5302,7 +5506,7 @@
                   <a:latin typeface="微軟正黑體" panose="020B0604030504040204" pitchFamily="34" charset="-120"/>
                   <a:ea typeface="微軟正黑體" panose="020B0604030504040204" pitchFamily="34" charset="-120"/>
                 </a:rPr>
-                <a:t>8:01</a:t>
+                <a:t>8:00</a:t>
               </a:r>
               <a:endParaRPr lang="zh-TW" altLang="en-US" b="1" dirty="0">
                 <a:solidFill>
@@ -5317,7 +5521,7 @@
       </p:grpSp>
       <p:grpSp>
         <p:nvGrpSpPr>
-          <p:cNvPr id="27" name="群組 26" title="Titile"/>
+          <p:cNvPr id="16" name="群組 15" title="Titile"/>
           <p:cNvGrpSpPr/>
           <p:nvPr/>
         </p:nvGrpSpPr>
@@ -5344,7 +5548,7 @@
               <a:avLst/>
             </a:prstGeom>
             <a:solidFill>
-              <a:srgbClr val="5476D4"/>
+              <a:srgbClr val="4050B5"/>
             </a:solidFill>
             <a:ln>
               <a:noFill/>
@@ -5398,14 +5602,14 @@
             <a:lstStyle/>
             <a:p>
               <a:r>
-                <a:rPr lang="en-US" altLang="zh-TW" sz="2800" b="1" dirty="0">
+                <a:rPr lang="en-US" altLang="zh-TW" sz="2800" b="1" dirty="0" smtClean="0">
                   <a:solidFill>
                     <a:schemeClr val="bg1"/>
                   </a:solidFill>
                   <a:latin typeface="微軟正黑體" panose="020B0604030504040204" pitchFamily="34" charset="-120"/>
                   <a:ea typeface="微軟正黑體" panose="020B0604030504040204" pitchFamily="34" charset="-120"/>
                 </a:rPr>
-                <a:t>Statistic</a:t>
+                <a:t>Export</a:t>
               </a:r>
               <a:endParaRPr lang="zh-TW" altLang="en-US" b="1" dirty="0">
                 <a:solidFill>
@@ -5418,9 +5622,240 @@
           </p:txBody>
         </p:sp>
       </p:grpSp>
+      <p:sp>
+        <p:nvSpPr>
+          <p:cNvPr id="19" name="文字方塊 18"/>
+          <p:cNvSpPr txBox="1"/>
+          <p:nvPr/>
+        </p:nvSpPr>
+        <p:spPr>
+          <a:xfrm>
+            <a:off x="534243" y="1905000"/>
+            <a:ext cx="2269917" cy="523220"/>
+          </a:xfrm>
+          <a:prstGeom prst="rect">
+            <a:avLst/>
+          </a:prstGeom>
+          <a:noFill/>
+        </p:spPr>
+        <p:txBody>
+          <a:bodyPr wrap="none" rtlCol="0">
+            <a:spAutoFit/>
+          </a:bodyPr>
+          <a:lstStyle/>
+          <a:p>
+            <a:r>
+              <a:rPr lang="en-US" altLang="zh-TW" sz="2800" dirty="0" smtClean="0"/>
+              <a:t>Export Format</a:t>
+            </a:r>
+            <a:endParaRPr lang="zh-TW" altLang="en-US" sz="2800" dirty="0"/>
+          </a:p>
+        </p:txBody>
+      </p:sp>
+      <p:sp>
+        <p:nvSpPr>
+          <p:cNvPr id="20" name="文字方塊 19"/>
+          <p:cNvSpPr txBox="1"/>
+          <p:nvPr/>
+        </p:nvSpPr>
+        <p:spPr>
+          <a:xfrm>
+            <a:off x="530832" y="2673823"/>
+            <a:ext cx="4721614" cy="523220"/>
+          </a:xfrm>
+          <a:prstGeom prst="rect">
+            <a:avLst/>
+          </a:prstGeom>
+          <a:solidFill>
+            <a:schemeClr val="bg1">
+              <a:lumMod val="95000"/>
+            </a:schemeClr>
+          </a:solidFill>
+          <a:ln>
+            <a:solidFill>
+              <a:schemeClr val="bg1">
+                <a:lumMod val="65000"/>
+              </a:schemeClr>
+            </a:solidFill>
+          </a:ln>
+        </p:spPr>
+        <p:txBody>
+          <a:bodyPr wrap="square" rtlCol="0">
+            <a:spAutoFit/>
+          </a:bodyPr>
+          <a:lstStyle/>
+          <a:p>
+            <a:r>
+              <a:rPr lang="en-US" altLang="zh-TW" sz="2800" dirty="0" smtClean="0"/>
+              <a:t>  CSV</a:t>
+            </a:r>
+            <a:endParaRPr lang="zh-TW" altLang="en-US" sz="2800" dirty="0"/>
+          </a:p>
+        </p:txBody>
+      </p:sp>
+      <p:sp>
+        <p:nvSpPr>
+          <p:cNvPr id="21" name="直角三角形 20"/>
+          <p:cNvSpPr/>
+          <p:nvPr/>
+        </p:nvSpPr>
+        <p:spPr>
+          <a:xfrm rot="18900000">
+            <a:off x="5599624" y="2794633"/>
+            <a:ext cx="180000" cy="180000"/>
+          </a:xfrm>
+          <a:prstGeom prst="rtTriangle">
+            <a:avLst/>
+          </a:prstGeom>
+          <a:solidFill>
+            <a:schemeClr val="bg1">
+              <a:lumMod val="50000"/>
+            </a:schemeClr>
+          </a:solidFill>
+          <a:ln>
+            <a:noFill/>
+          </a:ln>
+        </p:spPr>
+        <p:style>
+          <a:lnRef idx="2">
+            <a:schemeClr val="dk1">
+              <a:shade val="50000"/>
+            </a:schemeClr>
+          </a:lnRef>
+          <a:fillRef idx="1">
+            <a:schemeClr val="dk1"/>
+          </a:fillRef>
+          <a:effectRef idx="0">
+            <a:schemeClr val="dk1"/>
+          </a:effectRef>
+          <a:fontRef idx="minor">
+            <a:schemeClr val="lt1"/>
+          </a:fontRef>
+        </p:style>
+        <p:txBody>
+          <a:bodyPr rtlCol="0" anchor="ctr"/>
+          <a:lstStyle/>
+          <a:p>
+            <a:pPr algn="ctr"/>
+            <a:endParaRPr lang="zh-TW" altLang="en-US" dirty="0"/>
+          </a:p>
+        </p:txBody>
+      </p:sp>
+      <p:sp>
+        <p:nvSpPr>
+          <p:cNvPr id="22" name="文字方塊 21"/>
+          <p:cNvSpPr txBox="1"/>
+          <p:nvPr/>
+        </p:nvSpPr>
+        <p:spPr>
+          <a:xfrm>
+            <a:off x="2859773" y="3743129"/>
+            <a:ext cx="1138453" cy="523220"/>
+          </a:xfrm>
+          <a:prstGeom prst="rect">
+            <a:avLst/>
+          </a:prstGeom>
+          <a:solidFill>
+            <a:schemeClr val="bg1">
+              <a:lumMod val="95000"/>
+            </a:schemeClr>
+          </a:solidFill>
+          <a:ln>
+            <a:solidFill>
+              <a:schemeClr val="bg1">
+                <a:lumMod val="65000"/>
+              </a:schemeClr>
+            </a:solidFill>
+          </a:ln>
+        </p:spPr>
+        <p:txBody>
+          <a:bodyPr wrap="none" rtlCol="0">
+            <a:spAutoFit/>
+          </a:bodyPr>
+          <a:lstStyle/>
+          <a:p>
+            <a:r>
+              <a:rPr lang="en-US" altLang="zh-TW" sz="2800" dirty="0" smtClean="0"/>
+              <a:t>Export</a:t>
+            </a:r>
+            <a:endParaRPr lang="zh-TW" altLang="en-US" sz="2800" dirty="0"/>
+          </a:p>
+        </p:txBody>
+      </p:sp>
+    </p:spTree>
+    <p:extLst>
+      <p:ext uri="{BB962C8B-B14F-4D97-AF65-F5344CB8AC3E}">
+        <p14:creationId xmlns:p14="http://schemas.microsoft.com/office/powerpoint/2010/main" val="3783318150"/>
+      </p:ext>
+    </p:extLst>
+  </p:cSld>
+  <p:clrMapOvr>
+    <a:masterClrMapping/>
+  </p:clrMapOvr>
+</p:sld>
+</file>
+
+<file path=ppt/slides/slide11.xml><?xml version="1.0" encoding="utf-8"?>
+<p:sld xmlns:a="http://schemas.openxmlformats.org/drawingml/2006/main" xmlns:r="http://schemas.openxmlformats.org/officeDocument/2006/relationships" xmlns:p="http://schemas.openxmlformats.org/presentationml/2006/main">
+  <p:cSld>
+    <p:spTree>
+      <p:nvGrpSpPr>
+        <p:cNvPr id="1" name=""/>
+        <p:cNvGrpSpPr/>
+        <p:nvPr/>
+      </p:nvGrpSpPr>
+      <p:grpSpPr>
+        <a:xfrm>
+          <a:off x="0" y="0"/>
+          <a:ext cx="0" cy="0"/>
+          <a:chOff x="0" y="0"/>
+          <a:chExt cx="0" cy="0"/>
+        </a:xfrm>
+      </p:grpSpPr>
+      <p:sp>
+        <p:nvSpPr>
+          <p:cNvPr id="23" name="文字方塊 22"/>
+          <p:cNvSpPr txBox="1"/>
+          <p:nvPr/>
+        </p:nvSpPr>
+        <p:spPr>
+          <a:xfrm>
+            <a:off x="2859773" y="3743129"/>
+            <a:ext cx="1138453" cy="523220"/>
+          </a:xfrm>
+          <a:prstGeom prst="rect">
+            <a:avLst/>
+          </a:prstGeom>
+          <a:solidFill>
+            <a:schemeClr val="bg1">
+              <a:lumMod val="95000"/>
+            </a:schemeClr>
+          </a:solidFill>
+          <a:ln>
+            <a:solidFill>
+              <a:schemeClr val="bg1">
+                <a:lumMod val="65000"/>
+              </a:schemeClr>
+            </a:solidFill>
+          </a:ln>
+        </p:spPr>
+        <p:txBody>
+          <a:bodyPr wrap="none" rtlCol="0">
+            <a:spAutoFit/>
+          </a:bodyPr>
+          <a:lstStyle/>
+          <a:p>
+            <a:r>
+              <a:rPr lang="en-US" altLang="zh-TW" sz="2800" dirty="0" smtClean="0"/>
+              <a:t>Export</a:t>
+            </a:r>
+            <a:endParaRPr lang="zh-TW" altLang="en-US" sz="2800" dirty="0"/>
+          </a:p>
+        </p:txBody>
+      </p:sp>
       <p:grpSp>
         <p:nvGrpSpPr>
-          <p:cNvPr id="32" name="群組 31" title="Bottom system bar"/>
+          <p:cNvPr id="4" name="群組 3" title="Bottom system bar"/>
           <p:cNvGrpSpPr/>
           <p:nvPr/>
         </p:nvGrpSpPr>
@@ -5434,7 +5869,7 @@
         </p:grpSpPr>
         <p:sp>
           <p:nvSpPr>
-            <p:cNvPr id="28" name="矩形 27" title="Bottom system bar BG"/>
+            <p:cNvPr id="5" name="矩形 4" title="Bottom system bar BG"/>
             <p:cNvSpPr/>
             <p:nvPr/>
           </p:nvSpPr>
@@ -5480,7 +5915,7 @@
         </p:sp>
         <p:sp>
           <p:nvSpPr>
-            <p:cNvPr id="29" name="等腰三角形 28" title="Back button"/>
+            <p:cNvPr id="6" name="等腰三角形 5" title="Back button"/>
             <p:cNvSpPr/>
             <p:nvPr/>
           </p:nvSpPr>
@@ -5526,7 +5961,7 @@
         </p:sp>
         <p:sp>
           <p:nvSpPr>
-            <p:cNvPr id="30" name="矩形 29" title="View botton"/>
+            <p:cNvPr id="7" name="矩形 6" title="View botton"/>
             <p:cNvSpPr/>
             <p:nvPr/>
           </p:nvSpPr>
@@ -5572,7 +6007,7 @@
         </p:sp>
         <p:sp>
           <p:nvSpPr>
-            <p:cNvPr id="31" name="橢圓 30" title="Home botton"/>
+            <p:cNvPr id="8" name="橢圓 7" title="Home botton"/>
             <p:cNvSpPr>
               <a:spLocks noChangeAspect="1"/>
             </p:cNvSpPr>
@@ -5619,506 +6054,9 @@
           </p:txBody>
         </p:sp>
       </p:grpSp>
-      <p:sp>
-        <p:nvSpPr>
-          <p:cNvPr id="45" name="圓角矩形 44" title="Cal_/"/>
-          <p:cNvSpPr/>
-          <p:nvPr/>
-        </p:nvSpPr>
-        <p:spPr>
-          <a:xfrm>
-            <a:off x="64169" y="1450193"/>
-            <a:ext cx="2133600" cy="671488"/>
-          </a:xfrm>
-          <a:prstGeom prst="roundRect">
-            <a:avLst/>
-          </a:prstGeom>
-          <a:solidFill>
-            <a:schemeClr val="bg1">
-              <a:lumMod val="85000"/>
-            </a:schemeClr>
-          </a:solidFill>
-          <a:ln>
-            <a:solidFill>
-              <a:schemeClr val="bg1">
-                <a:lumMod val="75000"/>
-              </a:schemeClr>
-            </a:solidFill>
-          </a:ln>
-        </p:spPr>
-        <p:style>
-          <a:lnRef idx="2">
-            <a:schemeClr val="accent1">
-              <a:shade val="50000"/>
-            </a:schemeClr>
-          </a:lnRef>
-          <a:fillRef idx="1">
-            <a:schemeClr val="accent1"/>
-          </a:fillRef>
-          <a:effectRef idx="0">
-            <a:schemeClr val="accent1"/>
-          </a:effectRef>
-          <a:fontRef idx="minor">
-            <a:schemeClr val="lt1"/>
-          </a:fontRef>
-        </p:style>
-        <p:txBody>
-          <a:bodyPr rtlCol="0" anchor="ctr"/>
-          <a:lstStyle/>
-          <a:p>
-            <a:pPr algn="ctr"/>
-            <a:r>
-              <a:rPr lang="zh-TW" altLang="en-US" sz="2400" dirty="0" smtClean="0">
-                <a:solidFill>
-                  <a:schemeClr val="tx1"/>
-                </a:solidFill>
-                <a:latin typeface="微軟正黑體" panose="020B0604030504040204" pitchFamily="34" charset="-120"/>
-                <a:ea typeface="微軟正黑體" panose="020B0604030504040204" pitchFamily="34" charset="-120"/>
-              </a:rPr>
-              <a:t>年</a:t>
-            </a:r>
-            <a:endParaRPr lang="zh-TW" altLang="en-US" sz="2400" dirty="0">
-              <a:solidFill>
-                <a:schemeClr val="tx1"/>
-              </a:solidFill>
-              <a:latin typeface="微軟正黑體" panose="020B0604030504040204" pitchFamily="34" charset="-120"/>
-              <a:ea typeface="微軟正黑體" panose="020B0604030504040204" pitchFamily="34" charset="-120"/>
-            </a:endParaRPr>
-          </a:p>
-        </p:txBody>
-      </p:sp>
-      <p:sp>
-        <p:nvSpPr>
-          <p:cNvPr id="35" name="圓角矩形 34" title="Cal_/"/>
-          <p:cNvSpPr/>
-          <p:nvPr/>
-        </p:nvSpPr>
-        <p:spPr>
-          <a:xfrm>
-            <a:off x="2360998" y="1450193"/>
-            <a:ext cx="2133600" cy="671488"/>
-          </a:xfrm>
-          <a:prstGeom prst="roundRect">
-            <a:avLst/>
-          </a:prstGeom>
-          <a:solidFill>
-            <a:schemeClr val="bg1">
-              <a:lumMod val="85000"/>
-            </a:schemeClr>
-          </a:solidFill>
-          <a:ln>
-            <a:solidFill>
-              <a:schemeClr val="bg1">
-                <a:lumMod val="75000"/>
-              </a:schemeClr>
-            </a:solidFill>
-          </a:ln>
-        </p:spPr>
-        <p:style>
-          <a:lnRef idx="2">
-            <a:schemeClr val="accent1">
-              <a:shade val="50000"/>
-            </a:schemeClr>
-          </a:lnRef>
-          <a:fillRef idx="1">
-            <a:schemeClr val="accent1"/>
-          </a:fillRef>
-          <a:effectRef idx="0">
-            <a:schemeClr val="accent1"/>
-          </a:effectRef>
-          <a:fontRef idx="minor">
-            <a:schemeClr val="lt1"/>
-          </a:fontRef>
-        </p:style>
-        <p:txBody>
-          <a:bodyPr rtlCol="0" anchor="ctr"/>
-          <a:lstStyle/>
-          <a:p>
-            <a:pPr algn="ctr"/>
-            <a:r>
-              <a:rPr lang="zh-TW" altLang="en-US" sz="2400" dirty="0" smtClean="0">
-                <a:solidFill>
-                  <a:schemeClr val="tx1"/>
-                </a:solidFill>
-                <a:latin typeface="微軟正黑體" panose="020B0604030504040204" pitchFamily="34" charset="-120"/>
-                <a:ea typeface="微軟正黑體" panose="020B0604030504040204" pitchFamily="34" charset="-120"/>
-              </a:rPr>
-              <a:t>月</a:t>
-            </a:r>
-            <a:endParaRPr lang="zh-TW" altLang="en-US" sz="2400" dirty="0">
-              <a:solidFill>
-                <a:schemeClr val="tx1"/>
-              </a:solidFill>
-              <a:latin typeface="微軟正黑體" panose="020B0604030504040204" pitchFamily="34" charset="-120"/>
-              <a:ea typeface="微軟正黑體" panose="020B0604030504040204" pitchFamily="34" charset="-120"/>
-            </a:endParaRPr>
-          </a:p>
-        </p:txBody>
-      </p:sp>
-      <p:sp>
-        <p:nvSpPr>
-          <p:cNvPr id="36" name="圓角矩形 35" title="Cal_/"/>
-          <p:cNvSpPr/>
-          <p:nvPr/>
-        </p:nvSpPr>
-        <p:spPr>
-          <a:xfrm>
-            <a:off x="4657827" y="1450193"/>
-            <a:ext cx="2133600" cy="671488"/>
-          </a:xfrm>
-          <a:prstGeom prst="roundRect">
-            <a:avLst/>
-          </a:prstGeom>
-          <a:solidFill>
-            <a:schemeClr val="bg1">
-              <a:lumMod val="85000"/>
-            </a:schemeClr>
-          </a:solidFill>
-          <a:ln>
-            <a:solidFill>
-              <a:schemeClr val="bg1">
-                <a:lumMod val="75000"/>
-              </a:schemeClr>
-            </a:solidFill>
-          </a:ln>
-        </p:spPr>
-        <p:style>
-          <a:lnRef idx="2">
-            <a:schemeClr val="accent1">
-              <a:shade val="50000"/>
-            </a:schemeClr>
-          </a:lnRef>
-          <a:fillRef idx="1">
-            <a:schemeClr val="accent1"/>
-          </a:fillRef>
-          <a:effectRef idx="0">
-            <a:schemeClr val="accent1"/>
-          </a:effectRef>
-          <a:fontRef idx="minor">
-            <a:schemeClr val="lt1"/>
-          </a:fontRef>
-        </p:style>
-        <p:txBody>
-          <a:bodyPr rtlCol="0" anchor="ctr"/>
-          <a:lstStyle/>
-          <a:p>
-            <a:pPr algn="ctr"/>
-            <a:r>
-              <a:rPr lang="zh-TW" altLang="en-US" sz="2400" dirty="0" smtClean="0">
-                <a:solidFill>
-                  <a:schemeClr val="tx1"/>
-                </a:solidFill>
-                <a:latin typeface="微軟正黑體" panose="020B0604030504040204" pitchFamily="34" charset="-120"/>
-                <a:ea typeface="微軟正黑體" panose="020B0604030504040204" pitchFamily="34" charset="-120"/>
-              </a:rPr>
-              <a:t>日</a:t>
-            </a:r>
-            <a:endParaRPr lang="zh-TW" altLang="en-US" sz="2400" dirty="0">
-              <a:solidFill>
-                <a:schemeClr val="tx1"/>
-              </a:solidFill>
-              <a:latin typeface="微軟正黑體" panose="020B0604030504040204" pitchFamily="34" charset="-120"/>
-              <a:ea typeface="微軟正黑體" panose="020B0604030504040204" pitchFamily="34" charset="-120"/>
-            </a:endParaRPr>
-          </a:p>
-        </p:txBody>
-      </p:sp>
-      <p:pic>
-        <p:nvPicPr>
-          <p:cNvPr id="3" name="圖片 2"/>
-          <p:cNvPicPr>
-            <a:picLocks noChangeAspect="1"/>
-          </p:cNvPicPr>
-          <p:nvPr/>
-        </p:nvPicPr>
-        <p:blipFill>
-          <a:blip r:embed="rId2">
-            <a:extLst>
-              <a:ext uri="{28A0092B-C50C-407E-A947-70E740481C1C}">
-                <a14:useLocalDpi xmlns:a14="http://schemas.microsoft.com/office/drawing/2010/main" val="0"/>
-              </a:ext>
-            </a:extLst>
-          </a:blip>
-          <a:stretch>
-            <a:fillRect/>
-          </a:stretch>
-        </p:blipFill>
-        <p:spPr>
-          <a:xfrm>
-            <a:off x="1576165" y="2400143"/>
-            <a:ext cx="444517" cy="453407"/>
-          </a:xfrm>
-          <a:prstGeom prst="rect">
-            <a:avLst/>
-          </a:prstGeom>
-        </p:spPr>
-      </p:pic>
-      <p:pic>
-        <p:nvPicPr>
-          <p:cNvPr id="6" name="圖片 5"/>
-          <p:cNvPicPr>
-            <a:picLocks noChangeAspect="1"/>
-          </p:cNvPicPr>
-          <p:nvPr/>
-        </p:nvPicPr>
-        <p:blipFill>
-          <a:blip r:embed="rId3">
-            <a:extLst>
-              <a:ext uri="{28A0092B-C50C-407E-A947-70E740481C1C}">
-                <a14:useLocalDpi xmlns:a14="http://schemas.microsoft.com/office/drawing/2010/main" val="0"/>
-              </a:ext>
-            </a:extLst>
-          </a:blip>
-          <a:stretch>
-            <a:fillRect/>
-          </a:stretch>
-        </p:blipFill>
-        <p:spPr>
-          <a:xfrm>
-            <a:off x="4850902" y="2400143"/>
-            <a:ext cx="444706" cy="453600"/>
-          </a:xfrm>
-          <a:prstGeom prst="rect">
-            <a:avLst/>
-          </a:prstGeom>
-        </p:spPr>
-      </p:pic>
-      <p:sp>
-        <p:nvSpPr>
-          <p:cNvPr id="13" name="文字方塊 12"/>
-          <p:cNvSpPr txBox="1"/>
-          <p:nvPr/>
-        </p:nvSpPr>
-        <p:spPr>
-          <a:xfrm>
-            <a:off x="2114852" y="2334459"/>
-            <a:ext cx="2633612" cy="584775"/>
-          </a:xfrm>
-          <a:prstGeom prst="rect">
-            <a:avLst/>
-          </a:prstGeom>
-          <a:noFill/>
-        </p:spPr>
-        <p:txBody>
-          <a:bodyPr wrap="square" rtlCol="0">
-            <a:spAutoFit/>
-          </a:bodyPr>
-          <a:lstStyle/>
-          <a:p>
-            <a:pPr algn="ctr"/>
-            <a:r>
-              <a:rPr lang="en-US" altLang="zh-TW" sz="3200" dirty="0" smtClean="0">
-                <a:solidFill>
-                  <a:schemeClr val="tx1">
-                    <a:lumMod val="65000"/>
-                    <a:lumOff val="35000"/>
-                  </a:schemeClr>
-                </a:solidFill>
-                <a:latin typeface="微軟正黑體" panose="020B0604030504040204" pitchFamily="34" charset="-120"/>
-                <a:ea typeface="微軟正黑體" panose="020B0604030504040204" pitchFamily="34" charset="-120"/>
-              </a:rPr>
-              <a:t>2018/06</a:t>
-            </a:r>
-            <a:endParaRPr lang="zh-TW" altLang="en-US" sz="3200" dirty="0">
-              <a:solidFill>
-                <a:schemeClr val="tx1">
-                  <a:lumMod val="65000"/>
-                  <a:lumOff val="35000"/>
-                </a:schemeClr>
-              </a:solidFill>
-              <a:latin typeface="微軟正黑體" panose="020B0604030504040204" pitchFamily="34" charset="-120"/>
-              <a:ea typeface="微軟正黑體" panose="020B0604030504040204" pitchFamily="34" charset="-120"/>
-            </a:endParaRPr>
-          </a:p>
-        </p:txBody>
-      </p:sp>
-      <p:sp>
-        <p:nvSpPr>
-          <p:cNvPr id="14" name="文字方塊 13"/>
-          <p:cNvSpPr txBox="1"/>
-          <p:nvPr/>
-        </p:nvSpPr>
-        <p:spPr>
-          <a:xfrm>
-            <a:off x="417095" y="3336758"/>
-            <a:ext cx="5756009" cy="1384995"/>
-          </a:xfrm>
-          <a:prstGeom prst="rect">
-            <a:avLst/>
-          </a:prstGeom>
-          <a:noFill/>
-        </p:spPr>
-        <p:txBody>
-          <a:bodyPr wrap="square" rtlCol="0">
-            <a:spAutoFit/>
-          </a:bodyPr>
-          <a:lstStyle/>
-          <a:p>
-            <a:r>
-              <a:rPr lang="zh-TW" altLang="en-US" sz="2800" dirty="0" smtClean="0">
-                <a:latin typeface="微軟正黑體" panose="020B0604030504040204" pitchFamily="34" charset="-120"/>
-                <a:ea typeface="微軟正黑體" panose="020B0604030504040204" pitchFamily="34" charset="-120"/>
-              </a:rPr>
-              <a:t>收入：</a:t>
-            </a:r>
-            <a:r>
-              <a:rPr lang="en-US" altLang="zh-TW" sz="2800" dirty="0" smtClean="0">
-                <a:latin typeface="微軟正黑體" panose="020B0604030504040204" pitchFamily="34" charset="-120"/>
-                <a:ea typeface="微軟正黑體" panose="020B0604030504040204" pitchFamily="34" charset="-120"/>
-              </a:rPr>
-              <a:t>$22,000.00</a:t>
-            </a:r>
-          </a:p>
-          <a:p>
-            <a:r>
-              <a:rPr lang="zh-TW" altLang="en-US" sz="2800" dirty="0" smtClean="0">
-                <a:latin typeface="微軟正黑體" panose="020B0604030504040204" pitchFamily="34" charset="-120"/>
-                <a:ea typeface="微軟正黑體" panose="020B0604030504040204" pitchFamily="34" charset="-120"/>
-              </a:rPr>
-              <a:t>支出：</a:t>
-            </a:r>
-            <a:r>
-              <a:rPr lang="en-US" altLang="zh-TW" sz="2800" dirty="0" smtClean="0">
-                <a:latin typeface="微軟正黑體" panose="020B0604030504040204" pitchFamily="34" charset="-120"/>
-                <a:ea typeface="微軟正黑體" panose="020B0604030504040204" pitchFamily="34" charset="-120"/>
-              </a:rPr>
-              <a:t>$23,280.00</a:t>
-            </a:r>
-          </a:p>
-          <a:p>
-            <a:r>
-              <a:rPr lang="zh-TW" altLang="en-US" sz="2800" dirty="0" smtClean="0">
-                <a:latin typeface="微軟正黑體" panose="020B0604030504040204" pitchFamily="34" charset="-120"/>
-                <a:ea typeface="微軟正黑體" panose="020B0604030504040204" pitchFamily="34" charset="-120"/>
-              </a:rPr>
-              <a:t>結餘：</a:t>
-            </a:r>
-            <a:r>
-              <a:rPr lang="en-US" altLang="zh-TW" sz="2800" dirty="0" smtClean="0">
-                <a:latin typeface="微軟正黑體" panose="020B0604030504040204" pitchFamily="34" charset="-120"/>
-                <a:ea typeface="微軟正黑體" panose="020B0604030504040204" pitchFamily="34" charset="-120"/>
-              </a:rPr>
-              <a:t>$-1,280.00</a:t>
-            </a:r>
-            <a:endParaRPr lang="zh-TW" altLang="en-US" sz="2800" dirty="0">
-              <a:latin typeface="微軟正黑體" panose="020B0604030504040204" pitchFamily="34" charset="-120"/>
-              <a:ea typeface="微軟正黑體" panose="020B0604030504040204" pitchFamily="34" charset="-120"/>
-            </a:endParaRPr>
-          </a:p>
-        </p:txBody>
-      </p:sp>
-      <p:pic>
-        <p:nvPicPr>
-          <p:cNvPr id="2" name="圖片 1"/>
-          <p:cNvPicPr>
-            <a:picLocks noChangeAspect="1"/>
-          </p:cNvPicPr>
-          <p:nvPr/>
-        </p:nvPicPr>
-        <p:blipFill>
-          <a:blip r:embed="rId4"/>
-          <a:stretch>
-            <a:fillRect/>
-          </a:stretch>
-        </p:blipFill>
-        <p:spPr>
-          <a:xfrm>
-            <a:off x="1218503" y="5355935"/>
-            <a:ext cx="4506124" cy="4391423"/>
-          </a:xfrm>
-          <a:prstGeom prst="rect">
-            <a:avLst/>
-          </a:prstGeom>
-        </p:spPr>
-      </p:pic>
-      <p:pic>
-        <p:nvPicPr>
-          <p:cNvPr id="8" name="圖片 7"/>
-          <p:cNvPicPr>
-            <a:picLocks noChangeAspect="1"/>
-          </p:cNvPicPr>
-          <p:nvPr/>
-        </p:nvPicPr>
-        <p:blipFill>
-          <a:blip r:embed="rId5"/>
-          <a:stretch>
-            <a:fillRect/>
-          </a:stretch>
-        </p:blipFill>
-        <p:spPr>
-          <a:xfrm>
-            <a:off x="1142410" y="5489188"/>
-            <a:ext cx="4599728" cy="4795461"/>
-          </a:xfrm>
-          <a:prstGeom prst="rect">
-            <a:avLst/>
-          </a:prstGeom>
-        </p:spPr>
-      </p:pic>
-    </p:spTree>
-    <p:extLst>
-      <p:ext uri="{BB962C8B-B14F-4D97-AF65-F5344CB8AC3E}">
-        <p14:creationId xmlns:p14="http://schemas.microsoft.com/office/powerpoint/2010/main" val="3012887585"/>
-      </p:ext>
-    </p:extLst>
-  </p:cSld>
-  <p:clrMapOvr>
-    <a:masterClrMapping/>
-  </p:clrMapOvr>
-  <p:timing>
-    <p:tnLst>
-      <p:par>
-        <p:cTn id="1" dur="indefinite" restart="never" nodeType="tmRoot"/>
-      </p:par>
-    </p:tnLst>
-  </p:timing>
-</p:sld>
-</file>
-
-<file path=ppt/slides/slide11.xml><?xml version="1.0" encoding="utf-8"?>
-<p:sld xmlns:a="http://schemas.openxmlformats.org/drawingml/2006/main" xmlns:r="http://schemas.openxmlformats.org/officeDocument/2006/relationships" xmlns:p="http://schemas.openxmlformats.org/presentationml/2006/main">
-  <p:cSld>
-    <p:spTree>
-      <p:nvGrpSpPr>
-        <p:cNvPr id="1" name=""/>
-        <p:cNvGrpSpPr/>
-        <p:nvPr/>
-      </p:nvGrpSpPr>
-      <p:grpSpPr>
-        <a:xfrm>
-          <a:off x="0" y="0"/>
-          <a:ext cx="0" cy="0"/>
-          <a:chOff x="0" y="0"/>
-          <a:chExt cx="0" cy="0"/>
-        </a:xfrm>
-      </p:grpSpPr>
-      <p:pic>
-        <p:nvPicPr>
-          <p:cNvPr id="2" name="圖片 1"/>
-          <p:cNvPicPr>
-            <a:picLocks noChangeAspect="1"/>
-          </p:cNvPicPr>
-          <p:nvPr/>
-        </p:nvPicPr>
-        <p:blipFill>
-          <a:blip r:embed="rId2"/>
-          <a:stretch>
-            <a:fillRect/>
-          </a:stretch>
-        </p:blipFill>
-        <p:spPr>
-          <a:xfrm>
-            <a:off x="1138293" y="5482909"/>
-            <a:ext cx="4347274" cy="4233726"/>
-          </a:xfrm>
-          <a:prstGeom prst="rect">
-            <a:avLst/>
-          </a:prstGeom>
-        </p:spPr>
-      </p:pic>
       <p:grpSp>
         <p:nvGrpSpPr>
-          <p:cNvPr id="26" name="群組 25"/>
+          <p:cNvPr id="9" name="群組 8"/>
           <p:cNvGrpSpPr/>
           <p:nvPr/>
         </p:nvGrpSpPr>
@@ -6132,7 +6070,7 @@
         </p:grpSpPr>
         <p:sp>
           <p:nvSpPr>
-            <p:cNvPr id="7" name="矩形 6" title="Top system bar"/>
+            <p:cNvPr id="10" name="矩形 9" title="Top system bar"/>
             <p:cNvSpPr/>
             <p:nvPr/>
           </p:nvSpPr>
@@ -6145,7 +6083,7 @@
               <a:avLst/>
             </a:prstGeom>
             <a:solidFill>
-              <a:srgbClr val="345CCC"/>
+              <a:srgbClr val="30409F"/>
             </a:solidFill>
             <a:ln>
               <a:noFill/>
@@ -6178,7 +6116,7 @@
         </p:sp>
         <p:sp>
           <p:nvSpPr>
-            <p:cNvPr id="4" name="圓形圖 3" title="Wifi sign"/>
+            <p:cNvPr id="11" name="圓形圖 10" title="Wifi sign"/>
             <p:cNvSpPr/>
             <p:nvPr/>
           </p:nvSpPr>
@@ -6231,7 +6169,7 @@
         </p:sp>
         <p:grpSp>
           <p:nvGrpSpPr>
-            <p:cNvPr id="11" name="群組 10" title="Bettery sign"/>
+            <p:cNvPr id="12" name="群組 11" title="Bettery sign"/>
             <p:cNvGrpSpPr/>
             <p:nvPr/>
           </p:nvGrpSpPr>
@@ -6245,7 +6183,7 @@
           </p:grpSpPr>
           <p:sp>
             <p:nvSpPr>
-              <p:cNvPr id="9" name="矩形 8"/>
+              <p:cNvPr id="14" name="矩形 13"/>
               <p:cNvSpPr/>
               <p:nvPr/>
             </p:nvSpPr>
@@ -6291,7 +6229,7 @@
           </p:sp>
           <p:sp>
             <p:nvSpPr>
-              <p:cNvPr id="10" name="矩形 9"/>
+              <p:cNvPr id="15" name="矩形 14"/>
               <p:cNvSpPr/>
               <p:nvPr/>
             </p:nvSpPr>
@@ -6338,7 +6276,7 @@
         </p:grpSp>
         <p:sp>
           <p:nvSpPr>
-            <p:cNvPr id="12" name="文字方塊 11" title="System time"/>
+            <p:cNvPr id="13" name="文字方塊 12" title="System time"/>
             <p:cNvSpPr txBox="1"/>
             <p:nvPr/>
           </p:nvSpPr>
@@ -6366,15 +6304,22 @@
                   <a:latin typeface="微軟正黑體" panose="020B0604030504040204" pitchFamily="34" charset="-120"/>
                   <a:ea typeface="微軟正黑體" panose="020B0604030504040204" pitchFamily="34" charset="-120"/>
                 </a:rPr>
-                <a:t>8:01</a:t>
+                <a:t>8:00</a:t>
               </a:r>
+              <a:endParaRPr lang="zh-TW" altLang="en-US" b="1" dirty="0">
+                <a:solidFill>
+                  <a:schemeClr val="bg1"/>
+                </a:solidFill>
+                <a:latin typeface="微軟正黑體" panose="020B0604030504040204" pitchFamily="34" charset="-120"/>
+                <a:ea typeface="微軟正黑體" panose="020B0604030504040204" pitchFamily="34" charset="-120"/>
+              </a:endParaRPr>
             </a:p>
           </p:txBody>
         </p:sp>
       </p:grpSp>
       <p:grpSp>
         <p:nvGrpSpPr>
-          <p:cNvPr id="27" name="群組 26" title="Titile"/>
+          <p:cNvPr id="16" name="群組 15" title="Titile"/>
           <p:cNvGrpSpPr/>
           <p:nvPr/>
         </p:nvGrpSpPr>
@@ -6401,7 +6346,7 @@
               <a:avLst/>
             </a:prstGeom>
             <a:solidFill>
-              <a:srgbClr val="5476D4"/>
+              <a:srgbClr val="4050B5"/>
             </a:solidFill>
             <a:ln>
               <a:noFill/>
@@ -6455,14 +6400,14 @@
             <a:lstStyle/>
             <a:p>
               <a:r>
-                <a:rPr lang="en-US" altLang="zh-TW" sz="2800" b="1" dirty="0">
+                <a:rPr lang="en-US" altLang="zh-TW" sz="2800" b="1" dirty="0" smtClean="0">
                   <a:solidFill>
                     <a:schemeClr val="bg1"/>
                   </a:solidFill>
                   <a:latin typeface="微軟正黑體" panose="020B0604030504040204" pitchFamily="34" charset="-120"/>
                   <a:ea typeface="微軟正黑體" panose="020B0604030504040204" pitchFamily="34" charset="-120"/>
                 </a:rPr>
-                <a:t>Statistic</a:t>
+                <a:t>Export</a:t>
               </a:r>
               <a:endParaRPr lang="zh-TW" altLang="en-US" b="1" dirty="0">
                 <a:solidFill>
@@ -6475,9 +6420,173 @@
           </p:txBody>
         </p:sp>
       </p:grpSp>
+      <p:sp>
+        <p:nvSpPr>
+          <p:cNvPr id="19" name="文字方塊 18"/>
+          <p:cNvSpPr txBox="1"/>
+          <p:nvPr/>
+        </p:nvSpPr>
+        <p:spPr>
+          <a:xfrm>
+            <a:off x="534243" y="1905000"/>
+            <a:ext cx="2269917" cy="523220"/>
+          </a:xfrm>
+          <a:prstGeom prst="rect">
+            <a:avLst/>
+          </a:prstGeom>
+          <a:noFill/>
+        </p:spPr>
+        <p:txBody>
+          <a:bodyPr wrap="none" rtlCol="0">
+            <a:spAutoFit/>
+          </a:bodyPr>
+          <a:lstStyle/>
+          <a:p>
+            <a:r>
+              <a:rPr lang="en-US" altLang="zh-TW" sz="2800" dirty="0" smtClean="0"/>
+              <a:t>Export Format</a:t>
+            </a:r>
+            <a:endParaRPr lang="zh-TW" altLang="en-US" sz="2800" dirty="0"/>
+          </a:p>
+        </p:txBody>
+      </p:sp>
+      <p:sp>
+        <p:nvSpPr>
+          <p:cNvPr id="20" name="文字方塊 19"/>
+          <p:cNvSpPr txBox="1"/>
+          <p:nvPr/>
+        </p:nvSpPr>
+        <p:spPr>
+          <a:xfrm>
+            <a:off x="530832" y="2673823"/>
+            <a:ext cx="4721614" cy="1107996"/>
+          </a:xfrm>
+          <a:prstGeom prst="rect">
+            <a:avLst/>
+          </a:prstGeom>
+          <a:solidFill>
+            <a:schemeClr val="bg1">
+              <a:lumMod val="95000"/>
+            </a:schemeClr>
+          </a:solidFill>
+          <a:ln>
+            <a:solidFill>
+              <a:schemeClr val="bg1">
+                <a:lumMod val="65000"/>
+              </a:schemeClr>
+            </a:solidFill>
+          </a:ln>
+        </p:spPr>
+        <p:txBody>
+          <a:bodyPr wrap="square" rtlCol="0">
+            <a:spAutoFit/>
+          </a:bodyPr>
+          <a:lstStyle/>
+          <a:p>
+            <a:pPr>
+              <a:spcAft>
+                <a:spcPts val="1200"/>
+              </a:spcAft>
+            </a:pPr>
+            <a:r>
+              <a:rPr lang="en-US" altLang="zh-TW" sz="2800" dirty="0" smtClean="0"/>
+              <a:t>  CSV</a:t>
+            </a:r>
+          </a:p>
+          <a:p>
+            <a:pPr>
+              <a:spcAft>
+                <a:spcPts val="1200"/>
+              </a:spcAft>
+            </a:pPr>
+            <a:r>
+              <a:rPr lang="en-US" altLang="zh-TW" sz="2800" dirty="0" smtClean="0"/>
+              <a:t>  Text</a:t>
+            </a:r>
+          </a:p>
+        </p:txBody>
+      </p:sp>
+      <p:sp>
+        <p:nvSpPr>
+          <p:cNvPr id="21" name="直角三角形 20"/>
+          <p:cNvSpPr/>
+          <p:nvPr/>
+        </p:nvSpPr>
+        <p:spPr>
+          <a:xfrm rot="18900000">
+            <a:off x="5599624" y="2794633"/>
+            <a:ext cx="180000" cy="180000"/>
+          </a:xfrm>
+          <a:prstGeom prst="rtTriangle">
+            <a:avLst/>
+          </a:prstGeom>
+          <a:solidFill>
+            <a:schemeClr val="bg1">
+              <a:lumMod val="50000"/>
+            </a:schemeClr>
+          </a:solidFill>
+          <a:ln>
+            <a:noFill/>
+          </a:ln>
+        </p:spPr>
+        <p:style>
+          <a:lnRef idx="2">
+            <a:schemeClr val="dk1">
+              <a:shade val="50000"/>
+            </a:schemeClr>
+          </a:lnRef>
+          <a:fillRef idx="1">
+            <a:schemeClr val="dk1"/>
+          </a:fillRef>
+          <a:effectRef idx="0">
+            <a:schemeClr val="dk1"/>
+          </a:effectRef>
+          <a:fontRef idx="minor">
+            <a:schemeClr val="lt1"/>
+          </a:fontRef>
+        </p:style>
+        <p:txBody>
+          <a:bodyPr rtlCol="0" anchor="ctr"/>
+          <a:lstStyle/>
+          <a:p>
+            <a:pPr algn="ctr"/>
+            <a:endParaRPr lang="zh-TW" altLang="en-US" dirty="0"/>
+          </a:p>
+        </p:txBody>
+      </p:sp>
+    </p:spTree>
+    <p:extLst>
+      <p:ext uri="{BB962C8B-B14F-4D97-AF65-F5344CB8AC3E}">
+        <p14:creationId xmlns:p14="http://schemas.microsoft.com/office/powerpoint/2010/main" val="193416444"/>
+      </p:ext>
+    </p:extLst>
+  </p:cSld>
+  <p:clrMapOvr>
+    <a:masterClrMapping/>
+  </p:clrMapOvr>
+</p:sld>
+</file>
+
+<file path=ppt/slides/slide12.xml><?xml version="1.0" encoding="utf-8"?>
+<p:sld xmlns:a="http://schemas.openxmlformats.org/drawingml/2006/main" xmlns:r="http://schemas.openxmlformats.org/officeDocument/2006/relationships" xmlns:p="http://schemas.openxmlformats.org/presentationml/2006/main">
+  <p:cSld>
+    <p:spTree>
+      <p:nvGrpSpPr>
+        <p:cNvPr id="1" name=""/>
+        <p:cNvGrpSpPr/>
+        <p:nvPr/>
+      </p:nvGrpSpPr>
+      <p:grpSpPr>
+        <a:xfrm>
+          <a:off x="0" y="0"/>
+          <a:ext cx="0" cy="0"/>
+          <a:chOff x="0" y="0"/>
+          <a:chExt cx="0" cy="0"/>
+        </a:xfrm>
+      </p:grpSpPr>
       <p:grpSp>
         <p:nvGrpSpPr>
-          <p:cNvPr id="32" name="群組 31" title="Bottom system bar"/>
+          <p:cNvPr id="4" name="群組 3" title="Bottom system bar"/>
           <p:cNvGrpSpPr/>
           <p:nvPr/>
         </p:nvGrpSpPr>
@@ -6491,7 +6600,7 @@
         </p:grpSpPr>
         <p:sp>
           <p:nvSpPr>
-            <p:cNvPr id="28" name="矩形 27" title="Bottom system bar BG"/>
+            <p:cNvPr id="5" name="矩形 4" title="Bottom system bar BG"/>
             <p:cNvSpPr/>
             <p:nvPr/>
           </p:nvSpPr>
@@ -6537,7 +6646,7 @@
         </p:sp>
         <p:sp>
           <p:nvSpPr>
-            <p:cNvPr id="29" name="等腰三角形 28" title="Back button"/>
+            <p:cNvPr id="6" name="等腰三角形 5" title="Back button"/>
             <p:cNvSpPr/>
             <p:nvPr/>
           </p:nvSpPr>
@@ -6583,7 +6692,7 @@
         </p:sp>
         <p:sp>
           <p:nvSpPr>
-            <p:cNvPr id="30" name="矩形 29" title="View botton"/>
+            <p:cNvPr id="7" name="矩形 6" title="View botton"/>
             <p:cNvSpPr/>
             <p:nvPr/>
           </p:nvSpPr>
@@ -6629,7 +6738,7 @@
         </p:sp>
         <p:sp>
           <p:nvSpPr>
-            <p:cNvPr id="31" name="橢圓 30" title="Home botton"/>
+            <p:cNvPr id="8" name="橢圓 7" title="Home botton"/>
             <p:cNvSpPr>
               <a:spLocks noChangeAspect="1"/>
             </p:cNvSpPr>
@@ -6676,512 +6785,9 @@
           </p:txBody>
         </p:sp>
       </p:grpSp>
-      <p:sp>
-        <p:nvSpPr>
-          <p:cNvPr id="45" name="圓角矩形 44" title="Cal_/"/>
-          <p:cNvSpPr/>
-          <p:nvPr/>
-        </p:nvSpPr>
-        <p:spPr>
-          <a:xfrm>
-            <a:off x="64169" y="1450193"/>
-            <a:ext cx="2133600" cy="671488"/>
-          </a:xfrm>
-          <a:prstGeom prst="roundRect">
-            <a:avLst/>
-          </a:prstGeom>
-          <a:solidFill>
-            <a:schemeClr val="bg1">
-              <a:lumMod val="85000"/>
-            </a:schemeClr>
-          </a:solidFill>
-          <a:ln>
-            <a:solidFill>
-              <a:schemeClr val="bg1">
-                <a:lumMod val="75000"/>
-              </a:schemeClr>
-            </a:solidFill>
-          </a:ln>
-        </p:spPr>
-        <p:style>
-          <a:lnRef idx="2">
-            <a:schemeClr val="accent1">
-              <a:shade val="50000"/>
-            </a:schemeClr>
-          </a:lnRef>
-          <a:fillRef idx="1">
-            <a:schemeClr val="accent1"/>
-          </a:fillRef>
-          <a:effectRef idx="0">
-            <a:schemeClr val="accent1"/>
-          </a:effectRef>
-          <a:fontRef idx="minor">
-            <a:schemeClr val="lt1"/>
-          </a:fontRef>
-        </p:style>
-        <p:txBody>
-          <a:bodyPr rtlCol="0" anchor="ctr"/>
-          <a:lstStyle/>
-          <a:p>
-            <a:pPr algn="ctr"/>
-            <a:r>
-              <a:rPr lang="zh-TW" altLang="en-US" sz="2400" dirty="0" smtClean="0">
-                <a:solidFill>
-                  <a:schemeClr val="tx1"/>
-                </a:solidFill>
-                <a:latin typeface="微軟正黑體" panose="020B0604030504040204" pitchFamily="34" charset="-120"/>
-                <a:ea typeface="微軟正黑體" panose="020B0604030504040204" pitchFamily="34" charset="-120"/>
-              </a:rPr>
-              <a:t>年</a:t>
-            </a:r>
-            <a:endParaRPr lang="zh-TW" altLang="en-US" sz="2400" dirty="0">
-              <a:solidFill>
-                <a:schemeClr val="tx1"/>
-              </a:solidFill>
-              <a:latin typeface="微軟正黑體" panose="020B0604030504040204" pitchFamily="34" charset="-120"/>
-              <a:ea typeface="微軟正黑體" panose="020B0604030504040204" pitchFamily="34" charset="-120"/>
-            </a:endParaRPr>
-          </a:p>
-        </p:txBody>
-      </p:sp>
-      <p:sp>
-        <p:nvSpPr>
-          <p:cNvPr id="35" name="圓角矩形 34" title="Cal_/"/>
-          <p:cNvSpPr/>
-          <p:nvPr/>
-        </p:nvSpPr>
-        <p:spPr>
-          <a:xfrm>
-            <a:off x="2360998" y="1450193"/>
-            <a:ext cx="2133600" cy="671488"/>
-          </a:xfrm>
-          <a:prstGeom prst="roundRect">
-            <a:avLst/>
-          </a:prstGeom>
-          <a:solidFill>
-            <a:schemeClr val="bg1">
-              <a:lumMod val="85000"/>
-            </a:schemeClr>
-          </a:solidFill>
-          <a:ln>
-            <a:solidFill>
-              <a:schemeClr val="bg1">
-                <a:lumMod val="75000"/>
-              </a:schemeClr>
-            </a:solidFill>
-          </a:ln>
-        </p:spPr>
-        <p:style>
-          <a:lnRef idx="2">
-            <a:schemeClr val="accent1">
-              <a:shade val="50000"/>
-            </a:schemeClr>
-          </a:lnRef>
-          <a:fillRef idx="1">
-            <a:schemeClr val="accent1"/>
-          </a:fillRef>
-          <a:effectRef idx="0">
-            <a:schemeClr val="accent1"/>
-          </a:effectRef>
-          <a:fontRef idx="minor">
-            <a:schemeClr val="lt1"/>
-          </a:fontRef>
-        </p:style>
-        <p:txBody>
-          <a:bodyPr rtlCol="0" anchor="ctr"/>
-          <a:lstStyle/>
-          <a:p>
-            <a:pPr algn="ctr"/>
-            <a:r>
-              <a:rPr lang="zh-TW" altLang="en-US" sz="2400" dirty="0" smtClean="0">
-                <a:solidFill>
-                  <a:schemeClr val="tx1"/>
-                </a:solidFill>
-                <a:latin typeface="微軟正黑體" panose="020B0604030504040204" pitchFamily="34" charset="-120"/>
-                <a:ea typeface="微軟正黑體" panose="020B0604030504040204" pitchFamily="34" charset="-120"/>
-              </a:rPr>
-              <a:t>月</a:t>
-            </a:r>
-            <a:endParaRPr lang="zh-TW" altLang="en-US" sz="2400" dirty="0">
-              <a:solidFill>
-                <a:schemeClr val="tx1"/>
-              </a:solidFill>
-              <a:latin typeface="微軟正黑體" panose="020B0604030504040204" pitchFamily="34" charset="-120"/>
-              <a:ea typeface="微軟正黑體" panose="020B0604030504040204" pitchFamily="34" charset="-120"/>
-            </a:endParaRPr>
-          </a:p>
-        </p:txBody>
-      </p:sp>
-      <p:sp>
-        <p:nvSpPr>
-          <p:cNvPr id="36" name="圓角矩形 35" title="Cal_/"/>
-          <p:cNvSpPr/>
-          <p:nvPr/>
-        </p:nvSpPr>
-        <p:spPr>
-          <a:xfrm>
-            <a:off x="4657827" y="1450193"/>
-            <a:ext cx="2133600" cy="671488"/>
-          </a:xfrm>
-          <a:prstGeom prst="roundRect">
-            <a:avLst/>
-          </a:prstGeom>
-          <a:solidFill>
-            <a:schemeClr val="bg1">
-              <a:lumMod val="85000"/>
-            </a:schemeClr>
-          </a:solidFill>
-          <a:ln>
-            <a:solidFill>
-              <a:schemeClr val="bg1">
-                <a:lumMod val="75000"/>
-              </a:schemeClr>
-            </a:solidFill>
-          </a:ln>
-        </p:spPr>
-        <p:style>
-          <a:lnRef idx="2">
-            <a:schemeClr val="accent1">
-              <a:shade val="50000"/>
-            </a:schemeClr>
-          </a:lnRef>
-          <a:fillRef idx="1">
-            <a:schemeClr val="accent1"/>
-          </a:fillRef>
-          <a:effectRef idx="0">
-            <a:schemeClr val="accent1"/>
-          </a:effectRef>
-          <a:fontRef idx="minor">
-            <a:schemeClr val="lt1"/>
-          </a:fontRef>
-        </p:style>
-        <p:txBody>
-          <a:bodyPr rtlCol="0" anchor="ctr"/>
-          <a:lstStyle/>
-          <a:p>
-            <a:pPr algn="ctr"/>
-            <a:r>
-              <a:rPr lang="zh-TW" altLang="en-US" sz="2400" dirty="0" smtClean="0">
-                <a:solidFill>
-                  <a:schemeClr val="tx1"/>
-                </a:solidFill>
-                <a:latin typeface="微軟正黑體" panose="020B0604030504040204" pitchFamily="34" charset="-120"/>
-                <a:ea typeface="微軟正黑體" panose="020B0604030504040204" pitchFamily="34" charset="-120"/>
-              </a:rPr>
-              <a:t>日</a:t>
-            </a:r>
-            <a:endParaRPr lang="zh-TW" altLang="en-US" sz="2400" dirty="0">
-              <a:solidFill>
-                <a:schemeClr val="tx1"/>
-              </a:solidFill>
-              <a:latin typeface="微軟正黑體" panose="020B0604030504040204" pitchFamily="34" charset="-120"/>
-              <a:ea typeface="微軟正黑體" panose="020B0604030504040204" pitchFamily="34" charset="-120"/>
-            </a:endParaRPr>
-          </a:p>
-        </p:txBody>
-      </p:sp>
-      <p:pic>
-        <p:nvPicPr>
-          <p:cNvPr id="3" name="圖片 2"/>
-          <p:cNvPicPr>
-            <a:picLocks noChangeAspect="1"/>
-          </p:cNvPicPr>
-          <p:nvPr/>
-        </p:nvPicPr>
-        <p:blipFill>
-          <a:blip r:embed="rId3">
-            <a:extLst>
-              <a:ext uri="{28A0092B-C50C-407E-A947-70E740481C1C}">
-                <a14:useLocalDpi xmlns:a14="http://schemas.microsoft.com/office/drawing/2010/main" val="0"/>
-              </a:ext>
-            </a:extLst>
-          </a:blip>
-          <a:stretch>
-            <a:fillRect/>
-          </a:stretch>
-        </p:blipFill>
-        <p:spPr>
-          <a:xfrm>
-            <a:off x="1880963" y="2400143"/>
-            <a:ext cx="444517" cy="453407"/>
-          </a:xfrm>
-          <a:prstGeom prst="rect">
-            <a:avLst/>
-          </a:prstGeom>
-        </p:spPr>
-      </p:pic>
-      <p:pic>
-        <p:nvPicPr>
-          <p:cNvPr id="6" name="圖片 5"/>
-          <p:cNvPicPr>
-            <a:picLocks noChangeAspect="1"/>
-          </p:cNvPicPr>
-          <p:nvPr/>
-        </p:nvPicPr>
-        <p:blipFill>
-          <a:blip r:embed="rId4">
-            <a:extLst>
-              <a:ext uri="{28A0092B-C50C-407E-A947-70E740481C1C}">
-                <a14:useLocalDpi xmlns:a14="http://schemas.microsoft.com/office/drawing/2010/main" val="0"/>
-              </a:ext>
-            </a:extLst>
-          </a:blip>
-          <a:stretch>
-            <a:fillRect/>
-          </a:stretch>
-        </p:blipFill>
-        <p:spPr>
-          <a:xfrm>
-            <a:off x="4530060" y="2400143"/>
-            <a:ext cx="444706" cy="453600"/>
-          </a:xfrm>
-          <a:prstGeom prst="rect">
-            <a:avLst/>
-          </a:prstGeom>
-        </p:spPr>
-      </p:pic>
-      <p:sp>
-        <p:nvSpPr>
-          <p:cNvPr id="13" name="文字方塊 12"/>
-          <p:cNvSpPr txBox="1"/>
-          <p:nvPr/>
-        </p:nvSpPr>
-        <p:spPr>
-          <a:xfrm>
-            <a:off x="2110964" y="2334459"/>
-            <a:ext cx="2633612" cy="584775"/>
-          </a:xfrm>
-          <a:prstGeom prst="rect">
-            <a:avLst/>
-          </a:prstGeom>
-          <a:noFill/>
-        </p:spPr>
-        <p:txBody>
-          <a:bodyPr wrap="square" rtlCol="0">
-            <a:spAutoFit/>
-          </a:bodyPr>
-          <a:lstStyle/>
-          <a:p>
-            <a:pPr algn="ctr"/>
-            <a:r>
-              <a:rPr lang="en-US" altLang="zh-TW" sz="3200" dirty="0" smtClean="0">
-                <a:solidFill>
-                  <a:schemeClr val="tx1">
-                    <a:lumMod val="65000"/>
-                    <a:lumOff val="35000"/>
-                  </a:schemeClr>
-                </a:solidFill>
-                <a:latin typeface="微軟正黑體" panose="020B0604030504040204" pitchFamily="34" charset="-120"/>
-                <a:ea typeface="微軟正黑體" panose="020B0604030504040204" pitchFamily="34" charset="-120"/>
-              </a:rPr>
-              <a:t>2018</a:t>
-            </a:r>
-            <a:endParaRPr lang="zh-TW" altLang="en-US" sz="3200" dirty="0">
-              <a:solidFill>
-                <a:schemeClr val="tx1">
-                  <a:lumMod val="65000"/>
-                  <a:lumOff val="35000"/>
-                </a:schemeClr>
-              </a:solidFill>
-              <a:latin typeface="微軟正黑體" panose="020B0604030504040204" pitchFamily="34" charset="-120"/>
-              <a:ea typeface="微軟正黑體" panose="020B0604030504040204" pitchFamily="34" charset="-120"/>
-            </a:endParaRPr>
-          </a:p>
-        </p:txBody>
-      </p:sp>
-      <p:sp>
-        <p:nvSpPr>
-          <p:cNvPr id="14" name="文字方塊 13"/>
-          <p:cNvSpPr txBox="1"/>
-          <p:nvPr/>
-        </p:nvSpPr>
-        <p:spPr>
-          <a:xfrm>
-            <a:off x="417095" y="3336758"/>
-            <a:ext cx="5756009" cy="1384995"/>
-          </a:xfrm>
-          <a:prstGeom prst="rect">
-            <a:avLst/>
-          </a:prstGeom>
-          <a:noFill/>
-        </p:spPr>
-        <p:txBody>
-          <a:bodyPr wrap="square" rtlCol="0">
-            <a:spAutoFit/>
-          </a:bodyPr>
-          <a:lstStyle/>
-          <a:p>
-            <a:r>
-              <a:rPr lang="zh-TW" altLang="en-US" sz="2800" dirty="0" smtClean="0">
-                <a:latin typeface="微軟正黑體" panose="020B0604030504040204" pitchFamily="34" charset="-120"/>
-                <a:ea typeface="微軟正黑體" panose="020B0604030504040204" pitchFamily="34" charset="-120"/>
-              </a:rPr>
-              <a:t>收入：</a:t>
-            </a:r>
-            <a:r>
-              <a:rPr lang="en-US" altLang="zh-TW" sz="2800" dirty="0" smtClean="0">
-                <a:latin typeface="微軟正黑體" panose="020B0604030504040204" pitchFamily="34" charset="-120"/>
-                <a:ea typeface="微軟正黑體" panose="020B0604030504040204" pitchFamily="34" charset="-120"/>
-              </a:rPr>
-              <a:t>$308,000.00</a:t>
-            </a:r>
-          </a:p>
-          <a:p>
-            <a:r>
-              <a:rPr lang="zh-TW" altLang="en-US" sz="2800" dirty="0" smtClean="0">
-                <a:latin typeface="微軟正黑體" panose="020B0604030504040204" pitchFamily="34" charset="-120"/>
-                <a:ea typeface="微軟正黑體" panose="020B0604030504040204" pitchFamily="34" charset="-120"/>
-              </a:rPr>
-              <a:t>支出：</a:t>
-            </a:r>
-            <a:r>
-              <a:rPr lang="en-US" altLang="zh-TW" sz="2800" dirty="0" smtClean="0">
-                <a:latin typeface="微軟正黑體" panose="020B0604030504040204" pitchFamily="34" charset="-120"/>
-                <a:ea typeface="微軟正黑體" panose="020B0604030504040204" pitchFamily="34" charset="-120"/>
-              </a:rPr>
-              <a:t>$235,560.00</a:t>
-            </a:r>
-          </a:p>
-          <a:p>
-            <a:r>
-              <a:rPr lang="zh-TW" altLang="en-US" sz="2800" dirty="0" smtClean="0">
-                <a:latin typeface="微軟正黑體" panose="020B0604030504040204" pitchFamily="34" charset="-120"/>
-                <a:ea typeface="微軟正黑體" panose="020B0604030504040204" pitchFamily="34" charset="-120"/>
-              </a:rPr>
-              <a:t>結餘：</a:t>
-            </a:r>
-            <a:r>
-              <a:rPr lang="en-US" altLang="zh-TW" sz="2800" dirty="0" smtClean="0">
-                <a:latin typeface="微軟正黑體" panose="020B0604030504040204" pitchFamily="34" charset="-120"/>
-                <a:ea typeface="微軟正黑體" panose="020B0604030504040204" pitchFamily="34" charset="-120"/>
-              </a:rPr>
-              <a:t>$72,440.00</a:t>
-            </a:r>
-            <a:endParaRPr lang="zh-TW" altLang="en-US" sz="2800" dirty="0">
-              <a:latin typeface="微軟正黑體" panose="020B0604030504040204" pitchFamily="34" charset="-120"/>
-              <a:ea typeface="微軟正黑體" panose="020B0604030504040204" pitchFamily="34" charset="-120"/>
-            </a:endParaRPr>
-          </a:p>
-        </p:txBody>
-      </p:sp>
-    </p:spTree>
-    <p:extLst>
-      <p:ext uri="{BB962C8B-B14F-4D97-AF65-F5344CB8AC3E}">
-        <p14:creationId xmlns:p14="http://schemas.microsoft.com/office/powerpoint/2010/main" val="1902496552"/>
-      </p:ext>
-    </p:extLst>
-  </p:cSld>
-  <p:clrMapOvr>
-    <a:masterClrMapping/>
-  </p:clrMapOvr>
-  <p:timing>
-    <p:tnLst>
-      <p:par>
-        <p:cTn id="1" dur="indefinite" restart="never" nodeType="tmRoot"/>
-      </p:par>
-    </p:tnLst>
-  </p:timing>
-</p:sld>
-</file>
-
-<file path=ppt/slides/slide2.xml><?xml version="1.0" encoding="utf-8"?>
-<p:sld xmlns:a="http://schemas.openxmlformats.org/drawingml/2006/main" xmlns:r="http://schemas.openxmlformats.org/officeDocument/2006/relationships" xmlns:p="http://schemas.openxmlformats.org/presentationml/2006/main">
-  <p:cSld>
-    <p:spTree>
-      <p:nvGrpSpPr>
-        <p:cNvPr id="1" name=""/>
-        <p:cNvGrpSpPr/>
-        <p:nvPr/>
-      </p:nvGrpSpPr>
-      <p:grpSpPr>
-        <a:xfrm>
-          <a:off x="0" y="0"/>
-          <a:ext cx="0" cy="0"/>
-          <a:chOff x="0" y="0"/>
-          <a:chExt cx="0" cy="0"/>
-        </a:xfrm>
-      </p:grpSpPr>
-      <p:sp>
-        <p:nvSpPr>
-          <p:cNvPr id="2" name="標題 1"/>
-          <p:cNvSpPr>
-            <a:spLocks noGrp="1"/>
-          </p:cNvSpPr>
-          <p:nvPr>
-            <p:ph type="title"/>
-          </p:nvPr>
-        </p:nvSpPr>
-        <p:spPr>
-          <a:xfrm>
-            <a:off x="439404" y="4707767"/>
-            <a:ext cx="5915025" cy="2356556"/>
-          </a:xfrm>
-        </p:spPr>
-        <p:txBody>
-          <a:bodyPr/>
-          <a:lstStyle/>
-          <a:p>
-            <a:pPr algn="ctr"/>
-            <a:r>
-              <a:rPr lang="zh-TW" altLang="en-US" dirty="0" smtClean="0"/>
-              <a:t>↓ ↓</a:t>
-            </a:r>
-            <a:r>
-              <a:rPr lang="zh-TW" altLang="en-US" dirty="0"/>
-              <a:t> ↓</a:t>
-            </a:r>
-            <a:r>
-              <a:rPr lang="zh-TW" altLang="en-US" dirty="0" smtClean="0"/>
-              <a:t>帳戶管理↓</a:t>
-            </a:r>
-            <a:r>
-              <a:rPr lang="zh-TW" altLang="en-US" dirty="0"/>
-              <a:t> </a:t>
-            </a:r>
-            <a:r>
-              <a:rPr lang="zh-TW" altLang="en-US" dirty="0" smtClean="0"/>
-              <a:t>↓</a:t>
-            </a:r>
-            <a:r>
-              <a:rPr lang="zh-TW" altLang="en-US" dirty="0"/>
-              <a:t> ↓</a:t>
-            </a:r>
-          </a:p>
-        </p:txBody>
-      </p:sp>
-    </p:spTree>
-    <p:extLst>
-      <p:ext uri="{BB962C8B-B14F-4D97-AF65-F5344CB8AC3E}">
-        <p14:creationId xmlns:p14="http://schemas.microsoft.com/office/powerpoint/2010/main" val="1270170071"/>
-      </p:ext>
-    </p:extLst>
-  </p:cSld>
-  <p:clrMapOvr>
-    <a:masterClrMapping/>
-  </p:clrMapOvr>
-</p:sld>
-</file>
-
-<file path=ppt/slides/slide3.xml><?xml version="1.0" encoding="utf-8"?>
-<p:sld xmlns:a="http://schemas.openxmlformats.org/drawingml/2006/main" xmlns:r="http://schemas.openxmlformats.org/officeDocument/2006/relationships" xmlns:p="http://schemas.openxmlformats.org/presentationml/2006/main">
-  <p:cSld>
-    <p:spTree>
-      <p:nvGrpSpPr>
-        <p:cNvPr id="1" name=""/>
-        <p:cNvGrpSpPr/>
-        <p:nvPr/>
-      </p:nvGrpSpPr>
-      <p:grpSpPr>
-        <a:xfrm>
-          <a:off x="0" y="0"/>
-          <a:ext cx="0" cy="0"/>
-          <a:chOff x="0" y="0"/>
-          <a:chExt cx="0" cy="0"/>
-        </a:xfrm>
-      </p:grpSpPr>
       <p:grpSp>
         <p:nvGrpSpPr>
-          <p:cNvPr id="26" name="群組 25"/>
+          <p:cNvPr id="9" name="群組 8"/>
           <p:cNvGrpSpPr/>
           <p:nvPr/>
         </p:nvGrpSpPr>
@@ -7195,7 +6801,7 @@
         </p:grpSpPr>
         <p:sp>
           <p:nvSpPr>
-            <p:cNvPr id="7" name="矩形 6" title="Top system bar"/>
+            <p:cNvPr id="10" name="矩形 9" title="Top system bar"/>
             <p:cNvSpPr/>
             <p:nvPr/>
           </p:nvSpPr>
@@ -7208,7 +6814,7 @@
               <a:avLst/>
             </a:prstGeom>
             <a:solidFill>
-              <a:srgbClr val="345CCC"/>
+              <a:srgbClr val="30409F"/>
             </a:solidFill>
             <a:ln>
               <a:noFill/>
@@ -7241,7 +6847,7 @@
         </p:sp>
         <p:sp>
           <p:nvSpPr>
-            <p:cNvPr id="4" name="圓形圖 3" title="Wifi sign"/>
+            <p:cNvPr id="11" name="圓形圖 10" title="Wifi sign"/>
             <p:cNvSpPr/>
             <p:nvPr/>
           </p:nvSpPr>
@@ -7294,7 +6900,7 @@
         </p:sp>
         <p:grpSp>
           <p:nvGrpSpPr>
-            <p:cNvPr id="11" name="群組 10" title="Bettery sign"/>
+            <p:cNvPr id="12" name="群組 11" title="Bettery sign"/>
             <p:cNvGrpSpPr/>
             <p:nvPr/>
           </p:nvGrpSpPr>
@@ -7308,7 +6914,7 @@
           </p:grpSpPr>
           <p:sp>
             <p:nvSpPr>
-              <p:cNvPr id="9" name="矩形 8"/>
+              <p:cNvPr id="14" name="矩形 13"/>
               <p:cNvSpPr/>
               <p:nvPr/>
             </p:nvSpPr>
@@ -7354,7 +6960,7 @@
           </p:sp>
           <p:sp>
             <p:nvSpPr>
-              <p:cNvPr id="10" name="矩形 9"/>
+              <p:cNvPr id="15" name="矩形 14"/>
               <p:cNvSpPr/>
               <p:nvPr/>
             </p:nvSpPr>
@@ -7401,7 +7007,7 @@
         </p:grpSp>
         <p:sp>
           <p:nvSpPr>
-            <p:cNvPr id="12" name="文字方塊 11" title="System time"/>
+            <p:cNvPr id="13" name="文字方塊 12" title="System time"/>
             <p:cNvSpPr txBox="1"/>
             <p:nvPr/>
           </p:nvSpPr>
@@ -7444,7 +7050,7 @@
       </p:grpSp>
       <p:grpSp>
         <p:nvGrpSpPr>
-          <p:cNvPr id="27" name="群組 26" title="Titile"/>
+          <p:cNvPr id="16" name="群組 15" title="Titile"/>
           <p:cNvGrpSpPr/>
           <p:nvPr/>
         </p:nvGrpSpPr>
@@ -7471,7 +7077,7 @@
               <a:avLst/>
             </a:prstGeom>
             <a:solidFill>
-              <a:srgbClr val="5476D4"/>
+              <a:srgbClr val="4050B5"/>
             </a:solidFill>
             <a:ln>
               <a:noFill/>
@@ -7532,7 +7138,7 @@
                   <a:latin typeface="微軟正黑體" panose="020B0604030504040204" pitchFamily="34" charset="-120"/>
                   <a:ea typeface="微軟正黑體" panose="020B0604030504040204" pitchFamily="34" charset="-120"/>
                 </a:rPr>
-                <a:t>Account</a:t>
+                <a:t>Export</a:t>
               </a:r>
               <a:endParaRPr lang="zh-TW" altLang="en-US" b="1" dirty="0">
                 <a:solidFill>
@@ -7545,9 +7151,199 @@
           </p:txBody>
         </p:sp>
       </p:grpSp>
+      <p:sp>
+        <p:nvSpPr>
+          <p:cNvPr id="19" name="文字方塊 18"/>
+          <p:cNvSpPr txBox="1"/>
+          <p:nvPr/>
+        </p:nvSpPr>
+        <p:spPr>
+          <a:xfrm>
+            <a:off x="534243" y="1905000"/>
+            <a:ext cx="2269917" cy="523220"/>
+          </a:xfrm>
+          <a:prstGeom prst="rect">
+            <a:avLst/>
+          </a:prstGeom>
+          <a:noFill/>
+        </p:spPr>
+        <p:txBody>
+          <a:bodyPr wrap="none" rtlCol="0">
+            <a:spAutoFit/>
+          </a:bodyPr>
+          <a:lstStyle/>
+          <a:p>
+            <a:r>
+              <a:rPr lang="en-US" altLang="zh-TW" sz="2800" dirty="0" smtClean="0"/>
+              <a:t>Export Format</a:t>
+            </a:r>
+            <a:endParaRPr lang="zh-TW" altLang="en-US" sz="2800" dirty="0"/>
+          </a:p>
+        </p:txBody>
+      </p:sp>
+      <p:sp>
+        <p:nvSpPr>
+          <p:cNvPr id="20" name="文字方塊 19"/>
+          <p:cNvSpPr txBox="1"/>
+          <p:nvPr/>
+        </p:nvSpPr>
+        <p:spPr>
+          <a:xfrm>
+            <a:off x="530832" y="2673823"/>
+            <a:ext cx="4721614" cy="523220"/>
+          </a:xfrm>
+          <a:prstGeom prst="rect">
+            <a:avLst/>
+          </a:prstGeom>
+          <a:solidFill>
+            <a:schemeClr val="bg1">
+              <a:lumMod val="95000"/>
+            </a:schemeClr>
+          </a:solidFill>
+          <a:ln>
+            <a:solidFill>
+              <a:schemeClr val="bg1">
+                <a:lumMod val="65000"/>
+              </a:schemeClr>
+            </a:solidFill>
+          </a:ln>
+        </p:spPr>
+        <p:txBody>
+          <a:bodyPr wrap="square" rtlCol="0">
+            <a:spAutoFit/>
+          </a:bodyPr>
+          <a:lstStyle/>
+          <a:p>
+            <a:r>
+              <a:rPr lang="en-US" altLang="zh-TW" sz="2800" dirty="0" smtClean="0"/>
+              <a:t>  CSV</a:t>
+            </a:r>
+            <a:endParaRPr lang="zh-TW" altLang="en-US" sz="2800" dirty="0"/>
+          </a:p>
+        </p:txBody>
+      </p:sp>
+      <p:sp>
+        <p:nvSpPr>
+          <p:cNvPr id="21" name="直角三角形 20"/>
+          <p:cNvSpPr/>
+          <p:nvPr/>
+        </p:nvSpPr>
+        <p:spPr>
+          <a:xfrm rot="18900000">
+            <a:off x="5599624" y="2794633"/>
+            <a:ext cx="180000" cy="180000"/>
+          </a:xfrm>
+          <a:prstGeom prst="rtTriangle">
+            <a:avLst/>
+          </a:prstGeom>
+          <a:solidFill>
+            <a:schemeClr val="bg1">
+              <a:lumMod val="50000"/>
+            </a:schemeClr>
+          </a:solidFill>
+          <a:ln>
+            <a:noFill/>
+          </a:ln>
+        </p:spPr>
+        <p:style>
+          <a:lnRef idx="2">
+            <a:schemeClr val="dk1">
+              <a:shade val="50000"/>
+            </a:schemeClr>
+          </a:lnRef>
+          <a:fillRef idx="1">
+            <a:schemeClr val="dk1"/>
+          </a:fillRef>
+          <a:effectRef idx="0">
+            <a:schemeClr val="dk1"/>
+          </a:effectRef>
+          <a:fontRef idx="minor">
+            <a:schemeClr val="lt1"/>
+          </a:fontRef>
+        </p:style>
+        <p:txBody>
+          <a:bodyPr rtlCol="0" anchor="ctr"/>
+          <a:lstStyle/>
+          <a:p>
+            <a:pPr algn="ctr"/>
+            <a:endParaRPr lang="zh-TW" altLang="en-US" dirty="0"/>
+          </a:p>
+        </p:txBody>
+      </p:sp>
+      <p:sp>
+        <p:nvSpPr>
+          <p:cNvPr id="2" name="文字方塊 1"/>
+          <p:cNvSpPr txBox="1"/>
+          <p:nvPr/>
+        </p:nvSpPr>
+        <p:spPr>
+          <a:xfrm>
+            <a:off x="2859773" y="3743129"/>
+            <a:ext cx="1138453" cy="523220"/>
+          </a:xfrm>
+          <a:prstGeom prst="rect">
+            <a:avLst/>
+          </a:prstGeom>
+          <a:solidFill>
+            <a:schemeClr val="bg1">
+              <a:lumMod val="95000"/>
+            </a:schemeClr>
+          </a:solidFill>
+          <a:ln>
+            <a:solidFill>
+              <a:schemeClr val="bg1">
+                <a:lumMod val="65000"/>
+              </a:schemeClr>
+            </a:solidFill>
+          </a:ln>
+        </p:spPr>
+        <p:txBody>
+          <a:bodyPr wrap="none" rtlCol="0">
+            <a:spAutoFit/>
+          </a:bodyPr>
+          <a:lstStyle/>
+          <a:p>
+            <a:r>
+              <a:rPr lang="en-US" altLang="zh-TW" sz="2800" dirty="0" smtClean="0"/>
+              <a:t>Export</a:t>
+            </a:r>
+            <a:endParaRPr lang="zh-TW" altLang="en-US" sz="2800" dirty="0"/>
+          </a:p>
+        </p:txBody>
+      </p:sp>
+    </p:spTree>
+    <p:extLst>
+      <p:ext uri="{BB962C8B-B14F-4D97-AF65-F5344CB8AC3E}">
+        <p14:creationId xmlns:p14="http://schemas.microsoft.com/office/powerpoint/2010/main" val="1641301464"/>
+      </p:ext>
+    </p:extLst>
+  </p:cSld>
+  <p:clrMapOvr>
+    <a:masterClrMapping/>
+  </p:clrMapOvr>
+</p:sld>
+</file>
+
+<file path=ppt/slides/slide13.xml><?xml version="1.0" encoding="utf-8"?>
+<p:sld xmlns:a="http://schemas.openxmlformats.org/drawingml/2006/main" xmlns:r="http://schemas.openxmlformats.org/officeDocument/2006/relationships" xmlns:p="http://schemas.openxmlformats.org/presentationml/2006/main">
+  <p:cSld>
+    <p:spTree>
+      <p:nvGrpSpPr>
+        <p:cNvPr id="1" name=""/>
+        <p:cNvGrpSpPr/>
+        <p:nvPr/>
+      </p:nvGrpSpPr>
+      <p:grpSpPr>
+        <a:xfrm>
+          <a:off x="0" y="0"/>
+          <a:ext cx="0" cy="0"/>
+          <a:chOff x="0" y="0"/>
+          <a:chExt cx="0" cy="0"/>
+        </a:xfrm>
+      </p:grpSpPr>
       <p:grpSp>
         <p:nvGrpSpPr>
-          <p:cNvPr id="32" name="群組 31" title="Bottom system bar"/>
+          <p:cNvPr id="4" name="群組 3" title="Bottom system bar"/>
           <p:cNvGrpSpPr/>
           <p:nvPr/>
         </p:nvGrpSpPr>
@@ -7561,7 +7357,7 @@
         </p:grpSpPr>
         <p:sp>
           <p:nvSpPr>
-            <p:cNvPr id="28" name="矩形 27" title="Bottom system bar BG"/>
+            <p:cNvPr id="5" name="矩形 4" title="Bottom system bar BG"/>
             <p:cNvSpPr/>
             <p:nvPr/>
           </p:nvSpPr>
@@ -7607,7 +7403,7 @@
         </p:sp>
         <p:sp>
           <p:nvSpPr>
-            <p:cNvPr id="29" name="等腰三角形 28" title="Back button"/>
+            <p:cNvPr id="6" name="等腰三角形 5" title="Back button"/>
             <p:cNvSpPr/>
             <p:nvPr/>
           </p:nvSpPr>
@@ -7653,7 +7449,7 @@
         </p:sp>
         <p:sp>
           <p:nvSpPr>
-            <p:cNvPr id="30" name="矩形 29" title="View botton"/>
+            <p:cNvPr id="7" name="矩形 6" title="View botton"/>
             <p:cNvSpPr/>
             <p:nvPr/>
           </p:nvSpPr>
@@ -7699,7 +7495,7 @@
         </p:sp>
         <p:sp>
           <p:nvSpPr>
-            <p:cNvPr id="31" name="橢圓 30" title="Home botton"/>
+            <p:cNvPr id="8" name="橢圓 7" title="Home botton"/>
             <p:cNvSpPr>
               <a:spLocks noChangeAspect="1"/>
             </p:cNvSpPr>
@@ -7746,518 +7542,9 @@
           </p:txBody>
         </p:sp>
       </p:grpSp>
-      <p:sp>
-        <p:nvSpPr>
-          <p:cNvPr id="2" name="文字方塊 1"/>
-          <p:cNvSpPr txBox="1"/>
-          <p:nvPr/>
-        </p:nvSpPr>
-        <p:spPr>
-          <a:xfrm>
-            <a:off x="-3208" y="1563194"/>
-            <a:ext cx="4415806" cy="523220"/>
-          </a:xfrm>
-          <a:prstGeom prst="rect">
-            <a:avLst/>
-          </a:prstGeom>
-          <a:noFill/>
-        </p:spPr>
-        <p:txBody>
-          <a:bodyPr wrap="square" rtlCol="0">
-            <a:spAutoFit/>
-          </a:bodyPr>
-          <a:lstStyle/>
-          <a:p>
-            <a:r>
-              <a:rPr lang="zh-TW" altLang="en-US" sz="2800" dirty="0" smtClean="0">
-                <a:latin typeface="微軟正黑體" panose="020B0604030504040204" pitchFamily="34" charset="-120"/>
-                <a:ea typeface="微軟正黑體" panose="020B0604030504040204" pitchFamily="34" charset="-120"/>
-              </a:rPr>
-              <a:t>輸入欲新增之帳戶類別</a:t>
-            </a:r>
-            <a:endParaRPr lang="zh-TW" altLang="en-US" sz="2800" dirty="0">
-              <a:latin typeface="微軟正黑體" panose="020B0604030504040204" pitchFamily="34" charset="-120"/>
-              <a:ea typeface="微軟正黑體" panose="020B0604030504040204" pitchFamily="34" charset="-120"/>
-            </a:endParaRPr>
-          </a:p>
-        </p:txBody>
-      </p:sp>
-      <p:cxnSp>
-        <p:nvCxnSpPr>
-          <p:cNvPr id="5" name="直線接點 4"/>
-          <p:cNvCxnSpPr/>
-          <p:nvPr/>
-        </p:nvCxnSpPr>
-        <p:spPr>
-          <a:xfrm>
-            <a:off x="81280" y="2090907"/>
-            <a:ext cx="5114254" cy="0"/>
-          </a:xfrm>
-          <a:prstGeom prst="line">
-            <a:avLst/>
-          </a:prstGeom>
-          <a:ln>
-            <a:solidFill>
-              <a:schemeClr val="accent1">
-                <a:lumMod val="40000"/>
-                <a:lumOff val="60000"/>
-              </a:schemeClr>
-            </a:solidFill>
-          </a:ln>
-        </p:spPr>
-        <p:style>
-          <a:lnRef idx="1">
-            <a:schemeClr val="accent1"/>
-          </a:lnRef>
-          <a:fillRef idx="0">
-            <a:schemeClr val="accent1"/>
-          </a:fillRef>
-          <a:effectRef idx="0">
-            <a:schemeClr val="accent1"/>
-          </a:effectRef>
-          <a:fontRef idx="minor">
-            <a:schemeClr val="tx1"/>
-          </a:fontRef>
-        </p:style>
-      </p:cxnSp>
-      <p:sp>
-        <p:nvSpPr>
-          <p:cNvPr id="45" name="圓角矩形 44" title="Cal_/"/>
-          <p:cNvSpPr/>
-          <p:nvPr/>
-        </p:nvSpPr>
-        <p:spPr>
-          <a:xfrm>
-            <a:off x="5171743" y="1451821"/>
-            <a:ext cx="1543115" cy="671488"/>
-          </a:xfrm>
-          <a:prstGeom prst="roundRect">
-            <a:avLst/>
-          </a:prstGeom>
-          <a:solidFill>
-            <a:schemeClr val="bg1">
-              <a:lumMod val="85000"/>
-            </a:schemeClr>
-          </a:solidFill>
-          <a:ln>
-            <a:solidFill>
-              <a:schemeClr val="bg1">
-                <a:lumMod val="75000"/>
-              </a:schemeClr>
-            </a:solidFill>
-          </a:ln>
-        </p:spPr>
-        <p:style>
-          <a:lnRef idx="2">
-            <a:schemeClr val="accent1">
-              <a:shade val="50000"/>
-            </a:schemeClr>
-          </a:lnRef>
-          <a:fillRef idx="1">
-            <a:schemeClr val="accent1"/>
-          </a:fillRef>
-          <a:effectRef idx="0">
-            <a:schemeClr val="accent1"/>
-          </a:effectRef>
-          <a:fontRef idx="minor">
-            <a:schemeClr val="lt1"/>
-          </a:fontRef>
-        </p:style>
-        <p:txBody>
-          <a:bodyPr rtlCol="0" anchor="ctr"/>
-          <a:lstStyle/>
-          <a:p>
-            <a:pPr algn="ctr"/>
-            <a:r>
-              <a:rPr lang="zh-TW" altLang="en-US" sz="2400" dirty="0" smtClean="0">
-                <a:solidFill>
-                  <a:schemeClr val="tx1"/>
-                </a:solidFill>
-                <a:latin typeface="微軟正黑體" panose="020B0604030504040204" pitchFamily="34" charset="-120"/>
-                <a:ea typeface="微軟正黑體" panose="020B0604030504040204" pitchFamily="34" charset="-120"/>
-              </a:rPr>
-              <a:t>新增</a:t>
-            </a:r>
-            <a:endParaRPr lang="zh-TW" altLang="en-US" sz="2400" dirty="0">
-              <a:solidFill>
-                <a:schemeClr val="tx1"/>
-              </a:solidFill>
-              <a:latin typeface="微軟正黑體" panose="020B0604030504040204" pitchFamily="34" charset="-120"/>
-              <a:ea typeface="微軟正黑體" panose="020B0604030504040204" pitchFamily="34" charset="-120"/>
-            </a:endParaRPr>
-          </a:p>
-        </p:txBody>
-      </p:sp>
-      <p:sp>
-        <p:nvSpPr>
-          <p:cNvPr id="8" name="文字方塊 7"/>
-          <p:cNvSpPr txBox="1"/>
-          <p:nvPr/>
-        </p:nvSpPr>
-        <p:spPr>
-          <a:xfrm>
-            <a:off x="1397165" y="3243207"/>
-            <a:ext cx="2482485" cy="830997"/>
-          </a:xfrm>
-          <a:prstGeom prst="rect">
-            <a:avLst/>
-          </a:prstGeom>
-          <a:noFill/>
-        </p:spPr>
-        <p:txBody>
-          <a:bodyPr wrap="square" rtlCol="0">
-            <a:spAutoFit/>
-          </a:bodyPr>
-          <a:lstStyle/>
-          <a:p>
-            <a:pPr algn="ctr"/>
-            <a:r>
-              <a:rPr lang="zh-TW" altLang="en-US" sz="4800" dirty="0" smtClean="0">
-                <a:solidFill>
-                  <a:schemeClr val="tx1">
-                    <a:lumMod val="65000"/>
-                    <a:lumOff val="35000"/>
-                  </a:schemeClr>
-                </a:solidFill>
-                <a:latin typeface="微軟正黑體" panose="020B0604030504040204" pitchFamily="34" charset="-120"/>
-                <a:ea typeface="微軟正黑體" panose="020B0604030504040204" pitchFamily="34" charset="-120"/>
-              </a:rPr>
-              <a:t>現金</a:t>
-            </a:r>
-            <a:endParaRPr lang="zh-TW" altLang="en-US" sz="4800" dirty="0">
-              <a:solidFill>
-                <a:schemeClr val="tx1">
-                  <a:lumMod val="65000"/>
-                  <a:lumOff val="35000"/>
-                </a:schemeClr>
-              </a:solidFill>
-              <a:latin typeface="微軟正黑體" panose="020B0604030504040204" pitchFamily="34" charset="-120"/>
-              <a:ea typeface="微軟正黑體" panose="020B0604030504040204" pitchFamily="34" charset="-120"/>
-            </a:endParaRPr>
-          </a:p>
-        </p:txBody>
-      </p:sp>
-      <p:sp>
-        <p:nvSpPr>
-          <p:cNvPr id="51" name="文字方塊 50"/>
-          <p:cNvSpPr txBox="1"/>
-          <p:nvPr/>
-        </p:nvSpPr>
-        <p:spPr>
-          <a:xfrm>
-            <a:off x="1397165" y="4619334"/>
-            <a:ext cx="2482485" cy="830997"/>
-          </a:xfrm>
-          <a:prstGeom prst="rect">
-            <a:avLst/>
-          </a:prstGeom>
-          <a:noFill/>
-        </p:spPr>
-        <p:txBody>
-          <a:bodyPr wrap="square" rtlCol="0">
-            <a:spAutoFit/>
-          </a:bodyPr>
-          <a:lstStyle/>
-          <a:p>
-            <a:pPr algn="ctr"/>
-            <a:r>
-              <a:rPr lang="zh-TW" altLang="en-US" sz="4800" dirty="0" smtClean="0">
-                <a:solidFill>
-                  <a:schemeClr val="tx1">
-                    <a:lumMod val="65000"/>
-                    <a:lumOff val="35000"/>
-                  </a:schemeClr>
-                </a:solidFill>
-                <a:latin typeface="微軟正黑體" panose="020B0604030504040204" pitchFamily="34" charset="-120"/>
-                <a:ea typeface="微軟正黑體" panose="020B0604030504040204" pitchFamily="34" charset="-120"/>
-              </a:rPr>
-              <a:t>信用卡</a:t>
-            </a:r>
-            <a:endParaRPr lang="zh-TW" altLang="en-US" sz="4800" dirty="0">
-              <a:solidFill>
-                <a:schemeClr val="tx1">
-                  <a:lumMod val="65000"/>
-                  <a:lumOff val="35000"/>
-                </a:schemeClr>
-              </a:solidFill>
-              <a:latin typeface="微軟正黑體" panose="020B0604030504040204" pitchFamily="34" charset="-120"/>
-              <a:ea typeface="微軟正黑體" panose="020B0604030504040204" pitchFamily="34" charset="-120"/>
-            </a:endParaRPr>
-          </a:p>
-        </p:txBody>
-      </p:sp>
-      <p:sp>
-        <p:nvSpPr>
-          <p:cNvPr id="53" name="文字方塊 52"/>
-          <p:cNvSpPr txBox="1"/>
-          <p:nvPr/>
-        </p:nvSpPr>
-        <p:spPr>
-          <a:xfrm>
-            <a:off x="1397165" y="5995461"/>
-            <a:ext cx="2482485" cy="830997"/>
-          </a:xfrm>
-          <a:prstGeom prst="rect">
-            <a:avLst/>
-          </a:prstGeom>
-          <a:noFill/>
-        </p:spPr>
-        <p:txBody>
-          <a:bodyPr wrap="square" rtlCol="0">
-            <a:spAutoFit/>
-          </a:bodyPr>
-          <a:lstStyle/>
-          <a:p>
-            <a:pPr algn="ctr"/>
-            <a:r>
-              <a:rPr lang="zh-TW" altLang="en-US" sz="4800" dirty="0" smtClean="0">
-                <a:solidFill>
-                  <a:schemeClr val="tx1">
-                    <a:lumMod val="65000"/>
-                    <a:lumOff val="35000"/>
-                  </a:schemeClr>
-                </a:solidFill>
-                <a:latin typeface="微軟正黑體" panose="020B0604030504040204" pitchFamily="34" charset="-120"/>
-                <a:ea typeface="微軟正黑體" panose="020B0604030504040204" pitchFamily="34" charset="-120"/>
-              </a:rPr>
-              <a:t>悠遊卡</a:t>
-            </a:r>
-            <a:endParaRPr lang="zh-TW" altLang="en-US" sz="4800" dirty="0">
-              <a:solidFill>
-                <a:schemeClr val="tx1">
-                  <a:lumMod val="65000"/>
-                  <a:lumOff val="35000"/>
-                </a:schemeClr>
-              </a:solidFill>
-              <a:latin typeface="微軟正黑體" panose="020B0604030504040204" pitchFamily="34" charset="-120"/>
-              <a:ea typeface="微軟正黑體" panose="020B0604030504040204" pitchFamily="34" charset="-120"/>
-            </a:endParaRPr>
-          </a:p>
-        </p:txBody>
-      </p:sp>
-      <p:sp>
-        <p:nvSpPr>
-          <p:cNvPr id="55" name="圓角矩形 54" title="Cal_/"/>
-          <p:cNvSpPr/>
-          <p:nvPr/>
-        </p:nvSpPr>
-        <p:spPr>
-          <a:xfrm>
-            <a:off x="5171743" y="3322961"/>
-            <a:ext cx="1543115" cy="671488"/>
-          </a:xfrm>
-          <a:prstGeom prst="roundRect">
-            <a:avLst/>
-          </a:prstGeom>
-          <a:solidFill>
-            <a:schemeClr val="bg1">
-              <a:lumMod val="85000"/>
-            </a:schemeClr>
-          </a:solidFill>
-          <a:ln>
-            <a:solidFill>
-              <a:schemeClr val="bg1">
-                <a:lumMod val="75000"/>
-              </a:schemeClr>
-            </a:solidFill>
-          </a:ln>
-        </p:spPr>
-        <p:style>
-          <a:lnRef idx="2">
-            <a:schemeClr val="accent1">
-              <a:shade val="50000"/>
-            </a:schemeClr>
-          </a:lnRef>
-          <a:fillRef idx="1">
-            <a:schemeClr val="accent1"/>
-          </a:fillRef>
-          <a:effectRef idx="0">
-            <a:schemeClr val="accent1"/>
-          </a:effectRef>
-          <a:fontRef idx="minor">
-            <a:schemeClr val="lt1"/>
-          </a:fontRef>
-        </p:style>
-        <p:txBody>
-          <a:bodyPr rtlCol="0" anchor="ctr"/>
-          <a:lstStyle/>
-          <a:p>
-            <a:pPr algn="ctr"/>
-            <a:r>
-              <a:rPr lang="zh-TW" altLang="en-US" sz="2400" dirty="0">
-                <a:solidFill>
-                  <a:schemeClr val="tx1"/>
-                </a:solidFill>
-                <a:latin typeface="微軟正黑體" panose="020B0604030504040204" pitchFamily="34" charset="-120"/>
-                <a:ea typeface="微軟正黑體" panose="020B0604030504040204" pitchFamily="34" charset="-120"/>
-              </a:rPr>
-              <a:t>刪除</a:t>
-            </a:r>
-          </a:p>
-        </p:txBody>
-      </p:sp>
-      <p:sp>
-        <p:nvSpPr>
-          <p:cNvPr id="69" name="圓角矩形 68" title="Cal_/"/>
-          <p:cNvSpPr/>
-          <p:nvPr/>
-        </p:nvSpPr>
-        <p:spPr>
-          <a:xfrm>
-            <a:off x="5171743" y="4648798"/>
-            <a:ext cx="1543115" cy="671488"/>
-          </a:xfrm>
-          <a:prstGeom prst="roundRect">
-            <a:avLst/>
-          </a:prstGeom>
-          <a:solidFill>
-            <a:schemeClr val="bg1">
-              <a:lumMod val="85000"/>
-            </a:schemeClr>
-          </a:solidFill>
-          <a:ln>
-            <a:solidFill>
-              <a:schemeClr val="bg1">
-                <a:lumMod val="75000"/>
-              </a:schemeClr>
-            </a:solidFill>
-          </a:ln>
-        </p:spPr>
-        <p:style>
-          <a:lnRef idx="2">
-            <a:schemeClr val="accent1">
-              <a:shade val="50000"/>
-            </a:schemeClr>
-          </a:lnRef>
-          <a:fillRef idx="1">
-            <a:schemeClr val="accent1"/>
-          </a:fillRef>
-          <a:effectRef idx="0">
-            <a:schemeClr val="accent1"/>
-          </a:effectRef>
-          <a:fontRef idx="minor">
-            <a:schemeClr val="lt1"/>
-          </a:fontRef>
-        </p:style>
-        <p:txBody>
-          <a:bodyPr rtlCol="0" anchor="ctr"/>
-          <a:lstStyle/>
-          <a:p>
-            <a:pPr algn="ctr"/>
-            <a:r>
-              <a:rPr lang="zh-TW" altLang="en-US" sz="2400" dirty="0">
-                <a:solidFill>
-                  <a:schemeClr val="tx1"/>
-                </a:solidFill>
-                <a:latin typeface="微軟正黑體" panose="020B0604030504040204" pitchFamily="34" charset="-120"/>
-                <a:ea typeface="微軟正黑體" panose="020B0604030504040204" pitchFamily="34" charset="-120"/>
-              </a:rPr>
-              <a:t>刪除</a:t>
-            </a:r>
-          </a:p>
-        </p:txBody>
-      </p:sp>
-      <p:sp>
-        <p:nvSpPr>
-          <p:cNvPr id="71" name="圓角矩形 70" title="Cal_/"/>
-          <p:cNvSpPr/>
-          <p:nvPr/>
-        </p:nvSpPr>
-        <p:spPr>
-          <a:xfrm>
-            <a:off x="5171743" y="6001782"/>
-            <a:ext cx="1543115" cy="671488"/>
-          </a:xfrm>
-          <a:prstGeom prst="roundRect">
-            <a:avLst/>
-          </a:prstGeom>
-          <a:solidFill>
-            <a:schemeClr val="bg1">
-              <a:lumMod val="85000"/>
-            </a:schemeClr>
-          </a:solidFill>
-          <a:ln>
-            <a:solidFill>
-              <a:schemeClr val="bg1">
-                <a:lumMod val="75000"/>
-              </a:schemeClr>
-            </a:solidFill>
-          </a:ln>
-        </p:spPr>
-        <p:style>
-          <a:lnRef idx="2">
-            <a:schemeClr val="accent1">
-              <a:shade val="50000"/>
-            </a:schemeClr>
-          </a:lnRef>
-          <a:fillRef idx="1">
-            <a:schemeClr val="accent1"/>
-          </a:fillRef>
-          <a:effectRef idx="0">
-            <a:schemeClr val="accent1"/>
-          </a:effectRef>
-          <a:fontRef idx="minor">
-            <a:schemeClr val="lt1"/>
-          </a:fontRef>
-        </p:style>
-        <p:txBody>
-          <a:bodyPr rtlCol="0" anchor="ctr"/>
-          <a:lstStyle/>
-          <a:p>
-            <a:pPr algn="ctr"/>
-            <a:r>
-              <a:rPr lang="zh-TW" altLang="en-US" sz="2400" dirty="0">
-                <a:solidFill>
-                  <a:schemeClr val="tx1"/>
-                </a:solidFill>
-                <a:latin typeface="微軟正黑體" panose="020B0604030504040204" pitchFamily="34" charset="-120"/>
-                <a:ea typeface="微軟正黑體" panose="020B0604030504040204" pitchFamily="34" charset="-120"/>
-              </a:rPr>
-              <a:t>刪除</a:t>
-            </a:r>
-          </a:p>
-        </p:txBody>
-      </p:sp>
-    </p:spTree>
-    <p:extLst>
-      <p:ext uri="{BB962C8B-B14F-4D97-AF65-F5344CB8AC3E}">
-        <p14:creationId xmlns:p14="http://schemas.microsoft.com/office/powerpoint/2010/main" val="2906299206"/>
-      </p:ext>
-    </p:extLst>
-  </p:cSld>
-  <p:clrMapOvr>
-    <a:masterClrMapping/>
-  </p:clrMapOvr>
-  <p:timing>
-    <p:tnLst>
-      <p:par>
-        <p:cTn id="1" dur="indefinite" restart="never" nodeType="tmRoot"/>
-      </p:par>
-    </p:tnLst>
-  </p:timing>
-</p:sld>
-</file>
-
-<file path=ppt/slides/slide4.xml><?xml version="1.0" encoding="utf-8"?>
-<p:sld xmlns:a="http://schemas.openxmlformats.org/drawingml/2006/main" xmlns:r="http://schemas.openxmlformats.org/officeDocument/2006/relationships" xmlns:p="http://schemas.openxmlformats.org/presentationml/2006/main">
-  <p:cSld>
-    <p:spTree>
-      <p:nvGrpSpPr>
-        <p:cNvPr id="1" name=""/>
-        <p:cNvGrpSpPr/>
-        <p:nvPr/>
-      </p:nvGrpSpPr>
-      <p:grpSpPr>
-        <a:xfrm>
-          <a:off x="0" y="0"/>
-          <a:ext cx="0" cy="0"/>
-          <a:chOff x="0" y="0"/>
-          <a:chExt cx="0" cy="0"/>
-        </a:xfrm>
-      </p:grpSpPr>
       <p:grpSp>
         <p:nvGrpSpPr>
-          <p:cNvPr id="26" name="群組 25"/>
+          <p:cNvPr id="9" name="群組 8"/>
           <p:cNvGrpSpPr/>
           <p:nvPr/>
         </p:nvGrpSpPr>
@@ -8271,7 +7558,7 @@
         </p:grpSpPr>
         <p:sp>
           <p:nvSpPr>
-            <p:cNvPr id="7" name="矩形 6" title="Top system bar"/>
+            <p:cNvPr id="10" name="矩形 9" title="Top system bar"/>
             <p:cNvSpPr/>
             <p:nvPr/>
           </p:nvSpPr>
@@ -8284,7 +7571,7 @@
               <a:avLst/>
             </a:prstGeom>
             <a:solidFill>
-              <a:srgbClr val="345CCC"/>
+              <a:srgbClr val="30409F"/>
             </a:solidFill>
             <a:ln>
               <a:noFill/>
@@ -8317,7 +7604,7 @@
         </p:sp>
         <p:sp>
           <p:nvSpPr>
-            <p:cNvPr id="4" name="圓形圖 3" title="Wifi sign"/>
+            <p:cNvPr id="11" name="圓形圖 10" title="Wifi sign"/>
             <p:cNvSpPr/>
             <p:nvPr/>
           </p:nvSpPr>
@@ -8370,7 +7657,7 @@
         </p:sp>
         <p:grpSp>
           <p:nvGrpSpPr>
-            <p:cNvPr id="11" name="群組 10" title="Bettery sign"/>
+            <p:cNvPr id="12" name="群組 11" title="Bettery sign"/>
             <p:cNvGrpSpPr/>
             <p:nvPr/>
           </p:nvGrpSpPr>
@@ -8384,7 +7671,7 @@
           </p:grpSpPr>
           <p:sp>
             <p:nvSpPr>
-              <p:cNvPr id="9" name="矩形 8"/>
+              <p:cNvPr id="14" name="矩形 13"/>
               <p:cNvSpPr/>
               <p:nvPr/>
             </p:nvSpPr>
@@ -8430,7 +7717,7 @@
           </p:sp>
           <p:sp>
             <p:nvSpPr>
-              <p:cNvPr id="10" name="矩形 9"/>
+              <p:cNvPr id="15" name="矩形 14"/>
               <p:cNvSpPr/>
               <p:nvPr/>
             </p:nvSpPr>
@@ -8477,7 +7764,7 @@
         </p:grpSp>
         <p:sp>
           <p:nvSpPr>
-            <p:cNvPr id="12" name="文字方塊 11" title="System time"/>
+            <p:cNvPr id="13" name="文字方塊 12" title="System time"/>
             <p:cNvSpPr txBox="1"/>
             <p:nvPr/>
           </p:nvSpPr>
@@ -8520,7 +7807,7 @@
       </p:grpSp>
       <p:grpSp>
         <p:nvGrpSpPr>
-          <p:cNvPr id="27" name="群組 26" title="Titile"/>
+          <p:cNvPr id="16" name="群組 15" title="Titile"/>
           <p:cNvGrpSpPr/>
           <p:nvPr/>
         </p:nvGrpSpPr>
@@ -8547,7 +7834,7 @@
               <a:avLst/>
             </a:prstGeom>
             <a:solidFill>
-              <a:srgbClr val="5476D4"/>
+              <a:srgbClr val="4050B5"/>
             </a:solidFill>
             <a:ln>
               <a:noFill/>
@@ -8608,7 +7895,7 @@
                   <a:latin typeface="微軟正黑體" panose="020B0604030504040204" pitchFamily="34" charset="-120"/>
                   <a:ea typeface="微軟正黑體" panose="020B0604030504040204" pitchFamily="34" charset="-120"/>
                 </a:rPr>
-                <a:t>Account</a:t>
+                <a:t>Export</a:t>
               </a:r>
               <a:endParaRPr lang="zh-TW" altLang="en-US" b="1" dirty="0">
                 <a:solidFill>
@@ -8621,6 +7908,624 @@
           </p:txBody>
         </p:sp>
       </p:grpSp>
+      <p:sp>
+        <p:nvSpPr>
+          <p:cNvPr id="19" name="文字方塊 18"/>
+          <p:cNvSpPr txBox="1"/>
+          <p:nvPr/>
+        </p:nvSpPr>
+        <p:spPr>
+          <a:xfrm>
+            <a:off x="534243" y="1905000"/>
+            <a:ext cx="2269917" cy="523220"/>
+          </a:xfrm>
+          <a:prstGeom prst="rect">
+            <a:avLst/>
+          </a:prstGeom>
+          <a:noFill/>
+        </p:spPr>
+        <p:txBody>
+          <a:bodyPr wrap="none" rtlCol="0">
+            <a:spAutoFit/>
+          </a:bodyPr>
+          <a:lstStyle/>
+          <a:p>
+            <a:r>
+              <a:rPr lang="en-US" altLang="zh-TW" sz="2800" dirty="0" smtClean="0"/>
+              <a:t>Export Format</a:t>
+            </a:r>
+            <a:endParaRPr lang="zh-TW" altLang="en-US" sz="2800" dirty="0"/>
+          </a:p>
+        </p:txBody>
+      </p:sp>
+      <p:sp>
+        <p:nvSpPr>
+          <p:cNvPr id="20" name="文字方塊 19"/>
+          <p:cNvSpPr txBox="1"/>
+          <p:nvPr/>
+        </p:nvSpPr>
+        <p:spPr>
+          <a:xfrm>
+            <a:off x="530832" y="2673823"/>
+            <a:ext cx="4721614" cy="523220"/>
+          </a:xfrm>
+          <a:prstGeom prst="rect">
+            <a:avLst/>
+          </a:prstGeom>
+          <a:solidFill>
+            <a:schemeClr val="bg1">
+              <a:lumMod val="95000"/>
+            </a:schemeClr>
+          </a:solidFill>
+          <a:ln>
+            <a:solidFill>
+              <a:schemeClr val="bg1">
+                <a:lumMod val="65000"/>
+              </a:schemeClr>
+            </a:solidFill>
+          </a:ln>
+        </p:spPr>
+        <p:txBody>
+          <a:bodyPr wrap="square" rtlCol="0">
+            <a:spAutoFit/>
+          </a:bodyPr>
+          <a:lstStyle/>
+          <a:p>
+            <a:r>
+              <a:rPr lang="en-US" altLang="zh-TW" sz="2800" dirty="0" smtClean="0"/>
+              <a:t>  CSV</a:t>
+            </a:r>
+            <a:endParaRPr lang="zh-TW" altLang="en-US" sz="2800" dirty="0"/>
+          </a:p>
+        </p:txBody>
+      </p:sp>
+      <p:sp>
+        <p:nvSpPr>
+          <p:cNvPr id="21" name="直角三角形 20"/>
+          <p:cNvSpPr/>
+          <p:nvPr/>
+        </p:nvSpPr>
+        <p:spPr>
+          <a:xfrm rot="18900000">
+            <a:off x="5599624" y="2794633"/>
+            <a:ext cx="180000" cy="180000"/>
+          </a:xfrm>
+          <a:prstGeom prst="rtTriangle">
+            <a:avLst/>
+          </a:prstGeom>
+          <a:solidFill>
+            <a:schemeClr val="bg1">
+              <a:lumMod val="50000"/>
+            </a:schemeClr>
+          </a:solidFill>
+          <a:ln>
+            <a:noFill/>
+          </a:ln>
+        </p:spPr>
+        <p:style>
+          <a:lnRef idx="2">
+            <a:schemeClr val="dk1">
+              <a:shade val="50000"/>
+            </a:schemeClr>
+          </a:lnRef>
+          <a:fillRef idx="1">
+            <a:schemeClr val="dk1"/>
+          </a:fillRef>
+          <a:effectRef idx="0">
+            <a:schemeClr val="dk1"/>
+          </a:effectRef>
+          <a:fontRef idx="minor">
+            <a:schemeClr val="lt1"/>
+          </a:fontRef>
+        </p:style>
+        <p:txBody>
+          <a:bodyPr rtlCol="0" anchor="ctr"/>
+          <a:lstStyle/>
+          <a:p>
+            <a:pPr algn="ctr"/>
+            <a:endParaRPr lang="zh-TW" altLang="en-US" dirty="0"/>
+          </a:p>
+        </p:txBody>
+      </p:sp>
+      <p:sp>
+        <p:nvSpPr>
+          <p:cNvPr id="22" name="文字方塊 21"/>
+          <p:cNvSpPr txBox="1"/>
+          <p:nvPr/>
+        </p:nvSpPr>
+        <p:spPr>
+          <a:xfrm>
+            <a:off x="2859773" y="3743129"/>
+            <a:ext cx="1138453" cy="523220"/>
+          </a:xfrm>
+          <a:prstGeom prst="rect">
+            <a:avLst/>
+          </a:prstGeom>
+          <a:solidFill>
+            <a:schemeClr val="bg1">
+              <a:lumMod val="95000"/>
+            </a:schemeClr>
+          </a:solidFill>
+          <a:ln>
+            <a:solidFill>
+              <a:schemeClr val="bg1">
+                <a:lumMod val="65000"/>
+              </a:schemeClr>
+            </a:solidFill>
+          </a:ln>
+        </p:spPr>
+        <p:txBody>
+          <a:bodyPr wrap="none" rtlCol="0">
+            <a:spAutoFit/>
+          </a:bodyPr>
+          <a:lstStyle/>
+          <a:p>
+            <a:r>
+              <a:rPr lang="en-US" altLang="zh-TW" sz="2800" dirty="0" smtClean="0"/>
+              <a:t>Export</a:t>
+            </a:r>
+            <a:endParaRPr lang="zh-TW" altLang="en-US" sz="2800" dirty="0"/>
+          </a:p>
+        </p:txBody>
+      </p:sp>
+      <p:sp>
+        <p:nvSpPr>
+          <p:cNvPr id="23" name="圓角矩形 22"/>
+          <p:cNvSpPr/>
+          <p:nvPr/>
+        </p:nvSpPr>
+        <p:spPr>
+          <a:xfrm>
+            <a:off x="2369456" y="9810006"/>
+            <a:ext cx="2119086" cy="677335"/>
+          </a:xfrm>
+          <a:prstGeom prst="roundRect">
+            <a:avLst>
+              <a:gd name="adj" fmla="val 45562"/>
+            </a:avLst>
+          </a:prstGeom>
+          <a:blipFill>
+            <a:blip r:embed="rId2"/>
+            <a:stretch>
+              <a:fillRect/>
+            </a:stretch>
+          </a:blipFill>
+          <a:ln>
+            <a:noFill/>
+          </a:ln>
+        </p:spPr>
+        <p:style>
+          <a:lnRef idx="2">
+            <a:schemeClr val="accent1">
+              <a:shade val="50000"/>
+            </a:schemeClr>
+          </a:lnRef>
+          <a:fillRef idx="1">
+            <a:schemeClr val="accent1"/>
+          </a:fillRef>
+          <a:effectRef idx="0">
+            <a:schemeClr val="accent1"/>
+          </a:effectRef>
+          <a:fontRef idx="minor">
+            <a:schemeClr val="lt1"/>
+          </a:fontRef>
+        </p:style>
+        <p:txBody>
+          <a:bodyPr rtlCol="0" anchor="ctr"/>
+          <a:lstStyle/>
+          <a:p>
+            <a:pPr algn="ctr"/>
+            <a:endParaRPr lang="zh-TW" altLang="en-US" sz="3202"/>
+          </a:p>
+        </p:txBody>
+      </p:sp>
+    </p:spTree>
+    <p:extLst>
+      <p:ext uri="{BB962C8B-B14F-4D97-AF65-F5344CB8AC3E}">
+        <p14:creationId xmlns:p14="http://schemas.microsoft.com/office/powerpoint/2010/main" val="1918405644"/>
+      </p:ext>
+    </p:extLst>
+  </p:cSld>
+  <p:clrMapOvr>
+    <a:masterClrMapping/>
+  </p:clrMapOvr>
+</p:sld>
+</file>
+
+<file path=ppt/slides/slide14.xml><?xml version="1.0" encoding="utf-8"?>
+<p:sld xmlns:a="http://schemas.openxmlformats.org/drawingml/2006/main" xmlns:r="http://schemas.openxmlformats.org/officeDocument/2006/relationships" xmlns:p="http://schemas.openxmlformats.org/presentationml/2006/main">
+  <p:cSld>
+    <p:spTree>
+      <p:nvGrpSpPr>
+        <p:cNvPr id="1" name=""/>
+        <p:cNvGrpSpPr/>
+        <p:nvPr/>
+      </p:nvGrpSpPr>
+      <p:grpSpPr>
+        <a:xfrm>
+          <a:off x="0" y="0"/>
+          <a:ext cx="0" cy="0"/>
+          <a:chOff x="0" y="0"/>
+          <a:chExt cx="0" cy="0"/>
+        </a:xfrm>
+      </p:grpSpPr>
+      <p:sp>
+        <p:nvSpPr>
+          <p:cNvPr id="2" name="標題 1"/>
+          <p:cNvSpPr>
+            <a:spLocks noGrp="1"/>
+          </p:cNvSpPr>
+          <p:nvPr>
+            <p:ph type="title"/>
+          </p:nvPr>
+        </p:nvSpPr>
+        <p:spPr/>
+        <p:txBody>
+          <a:bodyPr/>
+          <a:lstStyle/>
+          <a:p>
+            <a:endParaRPr lang="zh-TW" altLang="en-US"/>
+          </a:p>
+        </p:txBody>
+      </p:sp>
+      <p:sp>
+        <p:nvSpPr>
+          <p:cNvPr id="3" name="內容版面配置區 2"/>
+          <p:cNvSpPr>
+            <a:spLocks noGrp="1"/>
+          </p:cNvSpPr>
+          <p:nvPr>
+            <p:ph idx="1"/>
+          </p:nvPr>
+        </p:nvSpPr>
+        <p:spPr/>
+        <p:txBody>
+          <a:bodyPr/>
+          <a:lstStyle/>
+          <a:p>
+            <a:endParaRPr lang="zh-TW" altLang="en-US"/>
+          </a:p>
+        </p:txBody>
+      </p:sp>
+      <p:pic>
+        <p:nvPicPr>
+          <p:cNvPr id="4" name="圖片 3"/>
+          <p:cNvPicPr>
+            <a:picLocks noChangeAspect="1"/>
+          </p:cNvPicPr>
+          <p:nvPr/>
+        </p:nvPicPr>
+        <p:blipFill>
+          <a:blip r:embed="rId2"/>
+          <a:stretch>
+            <a:fillRect/>
+          </a:stretch>
+        </p:blipFill>
+        <p:spPr>
+          <a:xfrm>
+            <a:off x="0" y="0"/>
+            <a:ext cx="6858000" cy="14466094"/>
+          </a:xfrm>
+          <a:prstGeom prst="rect">
+            <a:avLst/>
+          </a:prstGeom>
+        </p:spPr>
+      </p:pic>
+      <p:pic>
+        <p:nvPicPr>
+          <p:cNvPr id="7" name="圖片 6"/>
+          <p:cNvPicPr>
+            <a:picLocks noChangeAspect="1"/>
+          </p:cNvPicPr>
+          <p:nvPr/>
+        </p:nvPicPr>
+        <p:blipFill rotWithShape="1">
+          <a:blip r:embed="rId2"/>
+          <a:srcRect t="31289" r="4667" b="44375"/>
+          <a:stretch/>
+        </p:blipFill>
+        <p:spPr>
+          <a:xfrm>
+            <a:off x="0" y="502920"/>
+            <a:ext cx="6537960" cy="3520440"/>
+          </a:xfrm>
+          <a:prstGeom prst="rect">
+            <a:avLst/>
+          </a:prstGeom>
+        </p:spPr>
+      </p:pic>
+      <p:sp>
+        <p:nvSpPr>
+          <p:cNvPr id="8" name="文字方塊 7"/>
+          <p:cNvSpPr txBox="1"/>
+          <p:nvPr/>
+        </p:nvSpPr>
+        <p:spPr>
+          <a:xfrm>
+            <a:off x="-3171" y="502920"/>
+            <a:ext cx="6641562" cy="1200329"/>
+          </a:xfrm>
+          <a:prstGeom prst="rect">
+            <a:avLst/>
+          </a:prstGeom>
+          <a:noFill/>
+        </p:spPr>
+        <p:txBody>
+          <a:bodyPr wrap="none" rtlCol="0">
+            <a:spAutoFit/>
+          </a:bodyPr>
+          <a:lstStyle/>
+          <a:p>
+            <a:r>
+              <a:rPr lang="en-US" altLang="zh-TW" sz="2400" dirty="0" smtClean="0">
+                <a:solidFill>
+                  <a:schemeClr val="bg1">
+                    <a:lumMod val="85000"/>
+                  </a:schemeClr>
+                </a:solidFill>
+                <a:latin typeface="Consolas" panose="020B0609020204030204" pitchFamily="49" charset="0"/>
+              </a:rPr>
+              <a:t>D:\Application\Android\Android_Studio_</a:t>
+            </a:r>
+          </a:p>
+          <a:p>
+            <a:r>
+              <a:rPr lang="en-US" altLang="zh-TW" sz="2400" dirty="0" smtClean="0">
+                <a:solidFill>
+                  <a:schemeClr val="bg1">
+                    <a:lumMod val="85000"/>
+                  </a:schemeClr>
+                </a:solidFill>
+                <a:latin typeface="Consolas" panose="020B0609020204030204" pitchFamily="49" charset="0"/>
+              </a:rPr>
+              <a:t>SDK\platform-tools&gt; </a:t>
+            </a:r>
+            <a:r>
+              <a:rPr lang="en-US" altLang="zh-TW" sz="2400" dirty="0" err="1" smtClean="0">
+                <a:solidFill>
+                  <a:schemeClr val="bg1">
+                    <a:lumMod val="85000"/>
+                  </a:schemeClr>
+                </a:solidFill>
+                <a:latin typeface="Consolas" panose="020B0609020204030204" pitchFamily="49" charset="0"/>
+              </a:rPr>
+              <a:t>abd</a:t>
+            </a:r>
+            <a:r>
+              <a:rPr lang="en-US" altLang="zh-TW" sz="2400" dirty="0" smtClean="0">
+                <a:solidFill>
+                  <a:schemeClr val="bg1">
+                    <a:lumMod val="85000"/>
+                  </a:schemeClr>
+                </a:solidFill>
+                <a:latin typeface="Consolas" panose="020B0609020204030204" pitchFamily="49" charset="0"/>
+              </a:rPr>
+              <a:t> pull /</a:t>
+            </a:r>
+            <a:r>
+              <a:rPr lang="en-US" altLang="zh-TW" sz="2400" dirty="0" err="1" smtClean="0">
+                <a:solidFill>
+                  <a:schemeClr val="bg1">
+                    <a:lumMod val="85000"/>
+                  </a:schemeClr>
+                </a:solidFill>
+                <a:latin typeface="Consolas" panose="020B0609020204030204" pitchFamily="49" charset="0"/>
+              </a:rPr>
+              <a:t>sdcard</a:t>
+            </a:r>
+            <a:r>
+              <a:rPr lang="en-US" altLang="zh-TW" sz="2400" dirty="0" smtClean="0">
+                <a:solidFill>
+                  <a:schemeClr val="bg1">
+                    <a:lumMod val="85000"/>
+                  </a:schemeClr>
+                </a:solidFill>
+                <a:latin typeface="Consolas" panose="020B0609020204030204" pitchFamily="49" charset="0"/>
+              </a:rPr>
+              <a:t> \</a:t>
+            </a:r>
+          </a:p>
+          <a:p>
+            <a:r>
+              <a:rPr lang="en-US" altLang="zh-TW" sz="2400" dirty="0" err="1" smtClean="0">
+                <a:solidFill>
+                  <a:schemeClr val="bg1">
+                    <a:lumMod val="85000"/>
+                  </a:schemeClr>
+                </a:solidFill>
+                <a:latin typeface="Consolas" panose="020B0609020204030204" pitchFamily="49" charset="0"/>
+              </a:rPr>
+              <a:t>Sdcard</a:t>
+            </a:r>
+            <a:endParaRPr lang="zh-TW" altLang="en-US" sz="2400" dirty="0">
+              <a:solidFill>
+                <a:schemeClr val="bg1">
+                  <a:lumMod val="85000"/>
+                </a:schemeClr>
+              </a:solidFill>
+              <a:latin typeface="Consolas" panose="020B0609020204030204" pitchFamily="49" charset="0"/>
+            </a:endParaRPr>
+          </a:p>
+        </p:txBody>
+      </p:sp>
+      <p:sp>
+        <p:nvSpPr>
+          <p:cNvPr id="10" name="矩形 9"/>
+          <p:cNvSpPr/>
+          <p:nvPr/>
+        </p:nvSpPr>
+        <p:spPr>
+          <a:xfrm>
+            <a:off x="-3172" y="1645168"/>
+            <a:ext cx="6641563" cy="830997"/>
+          </a:xfrm>
+          <a:prstGeom prst="rect">
+            <a:avLst/>
+          </a:prstGeom>
+        </p:spPr>
+        <p:txBody>
+          <a:bodyPr wrap="square">
+            <a:spAutoFit/>
+          </a:bodyPr>
+          <a:lstStyle/>
+          <a:p>
+            <a:pPr lvl="0"/>
+            <a:r>
+              <a:rPr lang="en-US" altLang="zh-TW" sz="2400" dirty="0" smtClean="0">
+                <a:solidFill>
+                  <a:prstClr val="white">
+                    <a:lumMod val="85000"/>
+                  </a:prstClr>
+                </a:solidFill>
+                <a:latin typeface="Consolas" panose="020B0609020204030204" pitchFamily="49" charset="0"/>
+              </a:rPr>
+              <a:t>/</a:t>
+            </a:r>
+            <a:r>
+              <a:rPr lang="en-US" altLang="zh-TW" sz="2400" dirty="0" err="1">
+                <a:solidFill>
+                  <a:prstClr val="white">
+                    <a:lumMod val="85000"/>
+                  </a:prstClr>
+                </a:solidFill>
+                <a:latin typeface="Consolas" panose="020B0609020204030204" pitchFamily="49" charset="0"/>
+              </a:rPr>
+              <a:t>sdcard</a:t>
+            </a:r>
+            <a:r>
+              <a:rPr lang="en-US" altLang="zh-TW" sz="2400" dirty="0">
+                <a:solidFill>
+                  <a:prstClr val="white">
+                    <a:lumMod val="85000"/>
+                  </a:prstClr>
+                </a:solidFill>
+                <a:latin typeface="Consolas" panose="020B0609020204030204" pitchFamily="49" charset="0"/>
+              </a:rPr>
+              <a:t>/: 2 </a:t>
+            </a:r>
+            <a:r>
+              <a:rPr lang="en-US" altLang="zh-TW" sz="2400" dirty="0" err="1">
+                <a:solidFill>
+                  <a:prstClr val="white">
+                    <a:lumMod val="85000"/>
+                  </a:prstClr>
+                </a:solidFill>
+                <a:latin typeface="Consolas" panose="020B0609020204030204" pitchFamily="49" charset="0"/>
+              </a:rPr>
+              <a:t>fuiles</a:t>
+            </a:r>
+            <a:r>
+              <a:rPr lang="en-US" altLang="zh-TW" sz="2400" dirty="0">
+                <a:solidFill>
+                  <a:prstClr val="white">
+                    <a:lumMod val="85000"/>
+                  </a:prstClr>
+                </a:solidFill>
+                <a:latin typeface="Consolas" panose="020B0609020204030204" pitchFamily="49" charset="0"/>
+              </a:rPr>
+              <a:t> pulled. 0.0 MB/s </a:t>
+            </a:r>
+            <a:r>
+              <a:rPr lang="en-US" altLang="zh-TW" sz="2400" dirty="0" smtClean="0">
+                <a:solidFill>
+                  <a:prstClr val="white">
+                    <a:lumMod val="85000"/>
+                  </a:prstClr>
+                </a:solidFill>
+                <a:latin typeface="Consolas" panose="020B0609020204030204" pitchFamily="49" charset="0"/>
+              </a:rPr>
+              <a:t>(2</a:t>
+            </a:r>
+          </a:p>
+          <a:p>
+            <a:pPr lvl="0"/>
+            <a:r>
+              <a:rPr lang="en-US" altLang="zh-TW" sz="2400" dirty="0" smtClean="0">
+                <a:solidFill>
+                  <a:prstClr val="white">
+                    <a:lumMod val="85000"/>
+                  </a:prstClr>
+                </a:solidFill>
+                <a:latin typeface="Consolas" panose="020B0609020204030204" pitchFamily="49" charset="0"/>
+              </a:rPr>
+              <a:t>65 </a:t>
+            </a:r>
+            <a:r>
+              <a:rPr lang="en-US" altLang="zh-TW" sz="2400" dirty="0">
+                <a:solidFill>
+                  <a:prstClr val="white">
+                    <a:lumMod val="85000"/>
+                  </a:prstClr>
+                </a:solidFill>
+                <a:latin typeface="Consolas" panose="020B0609020204030204" pitchFamily="49" charset="0"/>
+              </a:rPr>
+              <a:t>bytes in 0.124s)</a:t>
+            </a:r>
+            <a:endParaRPr lang="zh-TW" altLang="en-US" sz="2400" dirty="0">
+              <a:solidFill>
+                <a:prstClr val="white">
+                  <a:lumMod val="85000"/>
+                </a:prstClr>
+              </a:solidFill>
+              <a:latin typeface="Consolas" panose="020B0609020204030204" pitchFamily="49" charset="0"/>
+            </a:endParaRPr>
+          </a:p>
+        </p:txBody>
+      </p:sp>
+      <p:pic>
+        <p:nvPicPr>
+          <p:cNvPr id="12" name="圖片 11"/>
+          <p:cNvPicPr>
+            <a:picLocks noChangeAspect="1"/>
+          </p:cNvPicPr>
+          <p:nvPr/>
+        </p:nvPicPr>
+        <p:blipFill>
+          <a:blip r:embed="rId3"/>
+          <a:stretch>
+            <a:fillRect/>
+          </a:stretch>
+        </p:blipFill>
+        <p:spPr>
+          <a:xfrm>
+            <a:off x="9194" y="6597253"/>
+            <a:ext cx="6848806" cy="7868841"/>
+          </a:xfrm>
+          <a:prstGeom prst="rect">
+            <a:avLst/>
+          </a:prstGeom>
+        </p:spPr>
+      </p:pic>
+    </p:spTree>
+    <p:extLst>
+      <p:ext uri="{BB962C8B-B14F-4D97-AF65-F5344CB8AC3E}">
+        <p14:creationId xmlns:p14="http://schemas.microsoft.com/office/powerpoint/2010/main" val="3572870646"/>
+      </p:ext>
+    </p:extLst>
+  </p:cSld>
+  <p:clrMapOvr>
+    <a:masterClrMapping/>
+  </p:clrMapOvr>
+</p:sld>
+</file>
+
+<file path=ppt/slides/slide2.xml><?xml version="1.0" encoding="utf-8"?>
+<p:sld xmlns:a="http://schemas.openxmlformats.org/drawingml/2006/main" xmlns:r="http://schemas.openxmlformats.org/officeDocument/2006/relationships" xmlns:p="http://schemas.openxmlformats.org/presentationml/2006/main">
+  <p:cSld>
+    <p:spTree>
+      <p:nvGrpSpPr>
+        <p:cNvPr id="1" name=""/>
+        <p:cNvGrpSpPr/>
+        <p:nvPr/>
+      </p:nvGrpSpPr>
+      <p:grpSpPr>
+        <a:xfrm>
+          <a:off x="0" y="0"/>
+          <a:ext cx="0" cy="0"/>
+          <a:chOff x="0" y="0"/>
+          <a:chExt cx="0" cy="0"/>
+        </a:xfrm>
+      </p:grpSpPr>
       <p:grpSp>
         <p:nvGrpSpPr>
           <p:cNvPr id="32" name="群組 31" title="Bottom system bar"/>
@@ -8849,7 +8754,7 @@
                 <a:latin typeface="微軟正黑體" panose="020B0604030504040204" pitchFamily="34" charset="-120"/>
                 <a:ea typeface="微軟正黑體" panose="020B0604030504040204" pitchFamily="34" charset="-120"/>
               </a:rPr>
-              <a:t>一卡通</a:t>
+              <a:t>輸入欲新增之帳戶類別</a:t>
             </a:r>
             <a:endParaRPr lang="zh-TW" altLang="en-US" sz="2800" dirty="0">
               <a:latin typeface="微軟正黑體" panose="020B0604030504040204" pitchFamily="34" charset="-120"/>
@@ -9294,46 +9199,9 @@
           </a:p>
         </p:txBody>
       </p:sp>
-    </p:spTree>
-    <p:extLst>
-      <p:ext uri="{BB962C8B-B14F-4D97-AF65-F5344CB8AC3E}">
-        <p14:creationId xmlns:p14="http://schemas.microsoft.com/office/powerpoint/2010/main" val="1734895405"/>
-      </p:ext>
-    </p:extLst>
-  </p:cSld>
-  <p:clrMapOvr>
-    <a:masterClrMapping/>
-  </p:clrMapOvr>
-  <p:timing>
-    <p:tnLst>
-      <p:par>
-        <p:cTn id="1" dur="indefinite" restart="never" nodeType="tmRoot"/>
-      </p:par>
-    </p:tnLst>
-  </p:timing>
-</p:sld>
-</file>
-
-<file path=ppt/slides/slide5.xml><?xml version="1.0" encoding="utf-8"?>
-<p:sld xmlns:a="http://schemas.openxmlformats.org/drawingml/2006/main" xmlns:r="http://schemas.openxmlformats.org/officeDocument/2006/relationships" xmlns:p="http://schemas.openxmlformats.org/presentationml/2006/main">
-  <p:cSld>
-    <p:spTree>
-      <p:nvGrpSpPr>
-        <p:cNvPr id="1" name=""/>
-        <p:cNvGrpSpPr/>
-        <p:nvPr/>
-      </p:nvGrpSpPr>
-      <p:grpSpPr>
-        <a:xfrm>
-          <a:off x="0" y="0"/>
-          <a:ext cx="0" cy="0"/>
-          <a:chOff x="0" y="0"/>
-          <a:chExt cx="0" cy="0"/>
-        </a:xfrm>
-      </p:grpSpPr>
       <p:grpSp>
         <p:nvGrpSpPr>
-          <p:cNvPr id="26" name="群組 25"/>
+          <p:cNvPr id="33" name="群組 32"/>
           <p:cNvGrpSpPr/>
           <p:nvPr/>
         </p:nvGrpSpPr>
@@ -9347,7 +9215,7 @@
         </p:grpSpPr>
         <p:sp>
           <p:nvSpPr>
-            <p:cNvPr id="7" name="矩形 6" title="Top system bar"/>
+            <p:cNvPr id="34" name="矩形 33" title="Top system bar"/>
             <p:cNvSpPr/>
             <p:nvPr/>
           </p:nvSpPr>
@@ -9360,7 +9228,7 @@
               <a:avLst/>
             </a:prstGeom>
             <a:solidFill>
-              <a:srgbClr val="345CCC"/>
+              <a:srgbClr val="30409F"/>
             </a:solidFill>
             <a:ln>
               <a:noFill/>
@@ -9393,7 +9261,7 @@
         </p:sp>
         <p:sp>
           <p:nvSpPr>
-            <p:cNvPr id="4" name="圓形圖 3" title="Wifi sign"/>
+            <p:cNvPr id="35" name="圓形圖 34" title="Wifi sign"/>
             <p:cNvSpPr/>
             <p:nvPr/>
           </p:nvSpPr>
@@ -9446,7 +9314,7 @@
         </p:sp>
         <p:grpSp>
           <p:nvGrpSpPr>
-            <p:cNvPr id="11" name="群組 10" title="Bettery sign"/>
+            <p:cNvPr id="36" name="群組 35" title="Bettery sign"/>
             <p:cNvGrpSpPr/>
             <p:nvPr/>
           </p:nvGrpSpPr>
@@ -9460,7 +9328,7 @@
           </p:grpSpPr>
           <p:sp>
             <p:nvSpPr>
-              <p:cNvPr id="9" name="矩形 8"/>
+              <p:cNvPr id="38" name="矩形 37"/>
               <p:cNvSpPr/>
               <p:nvPr/>
             </p:nvSpPr>
@@ -9506,7 +9374,7 @@
           </p:sp>
           <p:sp>
             <p:nvSpPr>
-              <p:cNvPr id="10" name="矩形 9"/>
+              <p:cNvPr id="39" name="矩形 38"/>
               <p:cNvSpPr/>
               <p:nvPr/>
             </p:nvSpPr>
@@ -9553,7 +9421,7 @@
         </p:grpSp>
         <p:sp>
           <p:nvSpPr>
-            <p:cNvPr id="12" name="文字方塊 11" title="System time"/>
+            <p:cNvPr id="37" name="文字方塊 36" title="System time"/>
             <p:cNvSpPr txBox="1"/>
             <p:nvPr/>
           </p:nvSpPr>
@@ -9596,7 +9464,7 @@
       </p:grpSp>
       <p:grpSp>
         <p:nvGrpSpPr>
-          <p:cNvPr id="27" name="群組 26" title="Titile"/>
+          <p:cNvPr id="40" name="群組 39" title="Titile"/>
           <p:cNvGrpSpPr/>
           <p:nvPr/>
         </p:nvGrpSpPr>
@@ -9610,7 +9478,7 @@
         </p:grpSpPr>
         <p:sp>
           <p:nvSpPr>
-            <p:cNvPr id="17" name="矩形 16" title="Title BG"/>
+            <p:cNvPr id="41" name="矩形 40" title="Title BG"/>
             <p:cNvSpPr/>
             <p:nvPr/>
           </p:nvSpPr>
@@ -9623,7 +9491,7 @@
               <a:avLst/>
             </a:prstGeom>
             <a:solidFill>
-              <a:srgbClr val="5476D4"/>
+              <a:srgbClr val="4050B5"/>
             </a:solidFill>
             <a:ln>
               <a:noFill/>
@@ -9656,7 +9524,7 @@
         </p:sp>
         <p:sp>
           <p:nvSpPr>
-            <p:cNvPr id="18" name="文字方塊 17" title="Titile text"/>
+            <p:cNvPr id="42" name="文字方塊 41" title="Titile text"/>
             <p:cNvSpPr txBox="1"/>
             <p:nvPr/>
           </p:nvSpPr>
@@ -9697,6 +9565,43 @@
           </p:txBody>
         </p:sp>
       </p:grpSp>
+    </p:spTree>
+    <p:extLst>
+      <p:ext uri="{BB962C8B-B14F-4D97-AF65-F5344CB8AC3E}">
+        <p14:creationId xmlns:p14="http://schemas.microsoft.com/office/powerpoint/2010/main" val="2906299206"/>
+      </p:ext>
+    </p:extLst>
+  </p:cSld>
+  <p:clrMapOvr>
+    <a:masterClrMapping/>
+  </p:clrMapOvr>
+  <p:timing>
+    <p:tnLst>
+      <p:par>
+        <p:cTn id="1" dur="indefinite" restart="never" nodeType="tmRoot"/>
+      </p:par>
+    </p:tnLst>
+  </p:timing>
+</p:sld>
+</file>
+
+<file path=ppt/slides/slide3.xml><?xml version="1.0" encoding="utf-8"?>
+<p:sld xmlns:a="http://schemas.openxmlformats.org/drawingml/2006/main" xmlns:r="http://schemas.openxmlformats.org/officeDocument/2006/relationships" xmlns:p="http://schemas.openxmlformats.org/presentationml/2006/main">
+  <p:cSld>
+    <p:spTree>
+      <p:nvGrpSpPr>
+        <p:cNvPr id="1" name=""/>
+        <p:cNvGrpSpPr/>
+        <p:nvPr/>
+      </p:nvGrpSpPr>
+      <p:grpSpPr>
+        <a:xfrm>
+          <a:off x="0" y="0"/>
+          <a:ext cx="0" cy="0"/>
+          <a:chOff x="0" y="0"/>
+          <a:chExt cx="0" cy="0"/>
+        </a:xfrm>
+      </p:grpSpPr>
       <p:grpSp>
         <p:nvGrpSpPr>
           <p:cNvPr id="32" name="群組 31" title="Bottom system bar"/>
@@ -9898,6 +9803,42 @@
           </p:txBody>
         </p:sp>
       </p:grpSp>
+      <p:sp>
+        <p:nvSpPr>
+          <p:cNvPr id="2" name="文字方塊 1"/>
+          <p:cNvSpPr txBox="1"/>
+          <p:nvPr/>
+        </p:nvSpPr>
+        <p:spPr>
+          <a:xfrm>
+            <a:off x="-3208" y="1563194"/>
+            <a:ext cx="4415806" cy="523220"/>
+          </a:xfrm>
+          <a:prstGeom prst="rect">
+            <a:avLst/>
+          </a:prstGeom>
+          <a:noFill/>
+        </p:spPr>
+        <p:txBody>
+          <a:bodyPr wrap="square" rtlCol="0">
+            <a:spAutoFit/>
+          </a:bodyPr>
+          <a:lstStyle/>
+          <a:p>
+            <a:r>
+              <a:rPr lang="zh-TW" altLang="en-US" sz="2800" dirty="0" smtClean="0">
+                <a:latin typeface="微軟正黑體" panose="020B0604030504040204" pitchFamily="34" charset="-120"/>
+                <a:ea typeface="微軟正黑體" panose="020B0604030504040204" pitchFamily="34" charset="-120"/>
+              </a:rPr>
+              <a:t>一卡通</a:t>
+            </a:r>
+            <a:endParaRPr lang="zh-TW" altLang="en-US" sz="2800" dirty="0">
+              <a:latin typeface="微軟正黑體" panose="020B0604030504040204" pitchFamily="34" charset="-120"/>
+              <a:ea typeface="微軟正黑體" panose="020B0604030504040204" pitchFamily="34" charset="-120"/>
+            </a:endParaRPr>
+          </a:p>
+        </p:txBody>
+      </p:sp>
       <p:cxnSp>
         <p:nvCxnSpPr>
           <p:cNvPr id="5" name="直線接點 4"/>
@@ -10334,215 +10275,9 @@
           </a:p>
         </p:txBody>
       </p:sp>
-      <p:sp>
-        <p:nvSpPr>
-          <p:cNvPr id="33" name="文字方塊 32"/>
-          <p:cNvSpPr txBox="1"/>
-          <p:nvPr/>
-        </p:nvSpPr>
-        <p:spPr>
-          <a:xfrm>
-            <a:off x="1397165" y="7371588"/>
-            <a:ext cx="2482485" cy="830997"/>
-          </a:xfrm>
-          <a:prstGeom prst="rect">
-            <a:avLst/>
-          </a:prstGeom>
-          <a:noFill/>
-        </p:spPr>
-        <p:txBody>
-          <a:bodyPr wrap="square" rtlCol="0">
-            <a:spAutoFit/>
-          </a:bodyPr>
-          <a:lstStyle/>
-          <a:p>
-            <a:pPr algn="ctr"/>
-            <a:r>
-              <a:rPr lang="zh-TW" altLang="en-US" sz="4800" dirty="0" smtClean="0">
-                <a:solidFill>
-                  <a:schemeClr val="tx1">
-                    <a:lumMod val="65000"/>
-                    <a:lumOff val="35000"/>
-                  </a:schemeClr>
-                </a:solidFill>
-                <a:latin typeface="微軟正黑體" panose="020B0604030504040204" pitchFamily="34" charset="-120"/>
-                <a:ea typeface="微軟正黑體" panose="020B0604030504040204" pitchFamily="34" charset="-120"/>
-              </a:rPr>
-              <a:t>一卡通</a:t>
-            </a:r>
-            <a:endParaRPr lang="zh-TW" altLang="en-US" sz="4800" dirty="0">
-              <a:solidFill>
-                <a:schemeClr val="tx1">
-                  <a:lumMod val="65000"/>
-                  <a:lumOff val="35000"/>
-                </a:schemeClr>
-              </a:solidFill>
-              <a:latin typeface="微軟正黑體" panose="020B0604030504040204" pitchFamily="34" charset="-120"/>
-              <a:ea typeface="微軟正黑體" panose="020B0604030504040204" pitchFamily="34" charset="-120"/>
-            </a:endParaRPr>
-          </a:p>
-        </p:txBody>
-      </p:sp>
-      <p:sp>
-        <p:nvSpPr>
-          <p:cNvPr id="36" name="圓角矩形 35" title="Cal_/"/>
-          <p:cNvSpPr/>
-          <p:nvPr/>
-        </p:nvSpPr>
-        <p:spPr>
-          <a:xfrm>
-            <a:off x="5171742" y="7372991"/>
-            <a:ext cx="1543115" cy="671488"/>
-          </a:xfrm>
-          <a:prstGeom prst="roundRect">
-            <a:avLst/>
-          </a:prstGeom>
-          <a:solidFill>
-            <a:schemeClr val="bg1">
-              <a:lumMod val="85000"/>
-            </a:schemeClr>
-          </a:solidFill>
-          <a:ln>
-            <a:solidFill>
-              <a:schemeClr val="bg1">
-                <a:lumMod val="75000"/>
-              </a:schemeClr>
-            </a:solidFill>
-          </a:ln>
-        </p:spPr>
-        <p:style>
-          <a:lnRef idx="2">
-            <a:schemeClr val="accent1">
-              <a:shade val="50000"/>
-            </a:schemeClr>
-          </a:lnRef>
-          <a:fillRef idx="1">
-            <a:schemeClr val="accent1"/>
-          </a:fillRef>
-          <a:effectRef idx="0">
-            <a:schemeClr val="accent1"/>
-          </a:effectRef>
-          <a:fontRef idx="minor">
-            <a:schemeClr val="lt1"/>
-          </a:fontRef>
-        </p:style>
-        <p:txBody>
-          <a:bodyPr rtlCol="0" anchor="ctr"/>
-          <a:lstStyle/>
-          <a:p>
-            <a:pPr algn="ctr"/>
-            <a:r>
-              <a:rPr lang="zh-TW" altLang="en-US" sz="2400" dirty="0">
-                <a:solidFill>
-                  <a:schemeClr val="tx1"/>
-                </a:solidFill>
-                <a:latin typeface="微軟正黑體" panose="020B0604030504040204" pitchFamily="34" charset="-120"/>
-                <a:ea typeface="微軟正黑體" panose="020B0604030504040204" pitchFamily="34" charset="-120"/>
-              </a:rPr>
-              <a:t>刪除</a:t>
-            </a:r>
-          </a:p>
-        </p:txBody>
-      </p:sp>
-    </p:spTree>
-    <p:extLst>
-      <p:ext uri="{BB962C8B-B14F-4D97-AF65-F5344CB8AC3E}">
-        <p14:creationId xmlns:p14="http://schemas.microsoft.com/office/powerpoint/2010/main" val="1309752825"/>
-      </p:ext>
-    </p:extLst>
-  </p:cSld>
-  <p:clrMapOvr>
-    <a:masterClrMapping/>
-  </p:clrMapOvr>
-  <p:timing>
-    <p:tnLst>
-      <p:par>
-        <p:cTn id="1" dur="indefinite" restart="never" nodeType="tmRoot"/>
-      </p:par>
-    </p:tnLst>
-  </p:timing>
-</p:sld>
-</file>
-
-<file path=ppt/slides/slide6.xml><?xml version="1.0" encoding="utf-8"?>
-<p:sld xmlns:a="http://schemas.openxmlformats.org/drawingml/2006/main" xmlns:r="http://schemas.openxmlformats.org/officeDocument/2006/relationships" xmlns:p="http://schemas.openxmlformats.org/presentationml/2006/main">
-  <p:cSld>
-    <p:spTree>
-      <p:nvGrpSpPr>
-        <p:cNvPr id="1" name=""/>
-        <p:cNvGrpSpPr/>
-        <p:nvPr/>
-      </p:nvGrpSpPr>
-      <p:grpSpPr>
-        <a:xfrm>
-          <a:off x="0" y="0"/>
-          <a:ext cx="0" cy="0"/>
-          <a:chOff x="0" y="0"/>
-          <a:chExt cx="0" cy="0"/>
-        </a:xfrm>
-      </p:grpSpPr>
-      <p:sp>
-        <p:nvSpPr>
-          <p:cNvPr id="2" name="標題 1"/>
-          <p:cNvSpPr>
-            <a:spLocks noGrp="1"/>
-          </p:cNvSpPr>
-          <p:nvPr>
-            <p:ph type="title"/>
-          </p:nvPr>
-        </p:nvSpPr>
-        <p:spPr>
-          <a:xfrm>
-            <a:off x="439404" y="4707767"/>
-            <a:ext cx="5915025" cy="2356556"/>
-          </a:xfrm>
-        </p:spPr>
-        <p:txBody>
-          <a:bodyPr/>
-          <a:lstStyle/>
-          <a:p>
-            <a:pPr algn="ctr"/>
-            <a:r>
-              <a:rPr lang="zh-TW" altLang="en-US" dirty="0" smtClean="0"/>
-              <a:t>↓ ↓ ↓圖表統計↓ ↓ ↓</a:t>
-            </a:r>
-            <a:endParaRPr lang="zh-TW" altLang="en-US" dirty="0"/>
-          </a:p>
-        </p:txBody>
-      </p:sp>
-    </p:spTree>
-    <p:extLst>
-      <p:ext uri="{BB962C8B-B14F-4D97-AF65-F5344CB8AC3E}">
-        <p14:creationId xmlns:p14="http://schemas.microsoft.com/office/powerpoint/2010/main" val="803325029"/>
-      </p:ext>
-    </p:extLst>
-  </p:cSld>
-  <p:clrMapOvr>
-    <a:masterClrMapping/>
-  </p:clrMapOvr>
-</p:sld>
-</file>
-
-<file path=ppt/slides/slide7.xml><?xml version="1.0" encoding="utf-8"?>
-<p:sld xmlns:a="http://schemas.openxmlformats.org/drawingml/2006/main" xmlns:r="http://schemas.openxmlformats.org/officeDocument/2006/relationships" xmlns:p="http://schemas.openxmlformats.org/presentationml/2006/main">
-  <p:cSld>
-    <p:spTree>
-      <p:nvGrpSpPr>
-        <p:cNvPr id="1" name=""/>
-        <p:cNvGrpSpPr/>
-        <p:nvPr/>
-      </p:nvGrpSpPr>
-      <p:grpSpPr>
-        <a:xfrm>
-          <a:off x="0" y="0"/>
-          <a:ext cx="0" cy="0"/>
-          <a:chOff x="0" y="0"/>
-          <a:chExt cx="0" cy="0"/>
-        </a:xfrm>
-      </p:grpSpPr>
       <p:grpSp>
         <p:nvGrpSpPr>
-          <p:cNvPr id="26" name="群組 25"/>
+          <p:cNvPr id="43" name="群組 42"/>
           <p:cNvGrpSpPr/>
           <p:nvPr/>
         </p:nvGrpSpPr>
@@ -10556,7 +10291,7 @@
         </p:grpSpPr>
         <p:sp>
           <p:nvSpPr>
-            <p:cNvPr id="7" name="矩形 6" title="Top system bar"/>
+            <p:cNvPr id="44" name="矩形 43" title="Top system bar"/>
             <p:cNvSpPr/>
             <p:nvPr/>
           </p:nvSpPr>
@@ -10569,7 +10304,7 @@
               <a:avLst/>
             </a:prstGeom>
             <a:solidFill>
-              <a:srgbClr val="345CCC"/>
+              <a:srgbClr val="30409F"/>
             </a:solidFill>
             <a:ln>
               <a:noFill/>
@@ -10602,7 +10337,7 @@
         </p:sp>
         <p:sp>
           <p:nvSpPr>
-            <p:cNvPr id="4" name="圓形圖 3" title="Wifi sign"/>
+            <p:cNvPr id="46" name="圓形圖 45" title="Wifi sign"/>
             <p:cNvSpPr/>
             <p:nvPr/>
           </p:nvSpPr>
@@ -10655,7 +10390,7 @@
         </p:sp>
         <p:grpSp>
           <p:nvGrpSpPr>
-            <p:cNvPr id="11" name="群組 10" title="Bettery sign"/>
+            <p:cNvPr id="47" name="群組 46" title="Bettery sign"/>
             <p:cNvGrpSpPr/>
             <p:nvPr/>
           </p:nvGrpSpPr>
@@ -10669,7 +10404,7 @@
           </p:grpSpPr>
           <p:sp>
             <p:nvSpPr>
-              <p:cNvPr id="9" name="矩形 8"/>
+              <p:cNvPr id="49" name="矩形 48"/>
               <p:cNvSpPr/>
               <p:nvPr/>
             </p:nvSpPr>
@@ -10715,7 +10450,7 @@
           </p:sp>
           <p:sp>
             <p:nvSpPr>
-              <p:cNvPr id="10" name="矩形 9"/>
+              <p:cNvPr id="50" name="矩形 49"/>
               <p:cNvSpPr/>
               <p:nvPr/>
             </p:nvSpPr>
@@ -10762,7 +10497,7 @@
         </p:grpSp>
         <p:sp>
           <p:nvSpPr>
-            <p:cNvPr id="12" name="文字方塊 11" title="System time"/>
+            <p:cNvPr id="48" name="文字方塊 47" title="System time"/>
             <p:cNvSpPr txBox="1"/>
             <p:nvPr/>
           </p:nvSpPr>
@@ -10805,7 +10540,7 @@
       </p:grpSp>
       <p:grpSp>
         <p:nvGrpSpPr>
-          <p:cNvPr id="27" name="群組 26" title="Titile"/>
+          <p:cNvPr id="52" name="群組 51" title="Titile"/>
           <p:cNvGrpSpPr/>
           <p:nvPr/>
         </p:nvGrpSpPr>
@@ -10819,7 +10554,7 @@
         </p:grpSpPr>
         <p:sp>
           <p:nvSpPr>
-            <p:cNvPr id="17" name="矩形 16" title="Title BG"/>
+            <p:cNvPr id="54" name="矩形 53" title="Title BG"/>
             <p:cNvSpPr/>
             <p:nvPr/>
           </p:nvSpPr>
@@ -10832,7 +10567,7 @@
               <a:avLst/>
             </a:prstGeom>
             <a:solidFill>
-              <a:srgbClr val="5476D4"/>
+              <a:srgbClr val="4050B5"/>
             </a:solidFill>
             <a:ln>
               <a:noFill/>
@@ -10865,7 +10600,7 @@
         </p:sp>
         <p:sp>
           <p:nvSpPr>
-            <p:cNvPr id="18" name="文字方塊 17" title="Titile text"/>
+            <p:cNvPr id="56" name="文字方塊 55" title="Titile text"/>
             <p:cNvSpPr txBox="1"/>
             <p:nvPr/>
           </p:nvSpPr>
@@ -10886,14 +10621,14 @@
             <a:lstStyle/>
             <a:p>
               <a:r>
-                <a:rPr lang="en-US" altLang="zh-TW" sz="2800" b="1" dirty="0">
+                <a:rPr lang="en-US" altLang="zh-TW" sz="2800" b="1" dirty="0" smtClean="0">
                   <a:solidFill>
                     <a:schemeClr val="bg1"/>
                   </a:solidFill>
                   <a:latin typeface="微軟正黑體" panose="020B0604030504040204" pitchFamily="34" charset="-120"/>
                   <a:ea typeface="微軟正黑體" panose="020B0604030504040204" pitchFamily="34" charset="-120"/>
                 </a:rPr>
-                <a:t>Statistic</a:t>
+                <a:t>Account</a:t>
               </a:r>
               <a:endParaRPr lang="zh-TW" altLang="en-US" b="1" dirty="0">
                 <a:solidFill>
@@ -10906,6 +10641,43 @@
           </p:txBody>
         </p:sp>
       </p:grpSp>
+    </p:spTree>
+    <p:extLst>
+      <p:ext uri="{BB962C8B-B14F-4D97-AF65-F5344CB8AC3E}">
+        <p14:creationId xmlns:p14="http://schemas.microsoft.com/office/powerpoint/2010/main" val="1734895405"/>
+      </p:ext>
+    </p:extLst>
+  </p:cSld>
+  <p:clrMapOvr>
+    <a:masterClrMapping/>
+  </p:clrMapOvr>
+  <p:timing>
+    <p:tnLst>
+      <p:par>
+        <p:cTn id="1" dur="indefinite" restart="never" nodeType="tmRoot"/>
+      </p:par>
+    </p:tnLst>
+  </p:timing>
+</p:sld>
+</file>
+
+<file path=ppt/slides/slide4.xml><?xml version="1.0" encoding="utf-8"?>
+<p:sld xmlns:a="http://schemas.openxmlformats.org/drawingml/2006/main" xmlns:r="http://schemas.openxmlformats.org/officeDocument/2006/relationships" xmlns:p="http://schemas.openxmlformats.org/presentationml/2006/main">
+  <p:cSld>
+    <p:spTree>
+      <p:nvGrpSpPr>
+        <p:cNvPr id="1" name=""/>
+        <p:cNvGrpSpPr/>
+        <p:nvPr/>
+      </p:nvGrpSpPr>
+      <p:grpSpPr>
+        <a:xfrm>
+          <a:off x="0" y="0"/>
+          <a:ext cx="0" cy="0"/>
+          <a:chOff x="0" y="0"/>
+          <a:chExt cx="0" cy="0"/>
+        </a:xfrm>
+      </p:grpSpPr>
       <p:grpSp>
         <p:nvGrpSpPr>
           <p:cNvPr id="32" name="群組 31" title="Bottom system bar"/>
@@ -11107,6 +10879,44 @@
           </p:txBody>
         </p:sp>
       </p:grpSp>
+      <p:cxnSp>
+        <p:nvCxnSpPr>
+          <p:cNvPr id="5" name="直線接點 4"/>
+          <p:cNvCxnSpPr/>
+          <p:nvPr/>
+        </p:nvCxnSpPr>
+        <p:spPr>
+          <a:xfrm>
+            <a:off x="81280" y="2090907"/>
+            <a:ext cx="5114254" cy="0"/>
+          </a:xfrm>
+          <a:prstGeom prst="line">
+            <a:avLst/>
+          </a:prstGeom>
+          <a:ln>
+            <a:solidFill>
+              <a:schemeClr val="accent1">
+                <a:lumMod val="40000"/>
+                <a:lumOff val="60000"/>
+              </a:schemeClr>
+            </a:solidFill>
+          </a:ln>
+        </p:spPr>
+        <p:style>
+          <a:lnRef idx="1">
+            <a:schemeClr val="accent1"/>
+          </a:lnRef>
+          <a:fillRef idx="0">
+            <a:schemeClr val="accent1"/>
+          </a:fillRef>
+          <a:effectRef idx="0">
+            <a:schemeClr val="accent1"/>
+          </a:effectRef>
+          <a:fontRef idx="minor">
+            <a:schemeClr val="tx1"/>
+          </a:fontRef>
+        </p:style>
+      </p:cxnSp>
       <p:sp>
         <p:nvSpPr>
           <p:cNvPr id="45" name="圓角矩形 44" title="Cal_/"/>
@@ -11115,8 +10925,8 @@
         </p:nvSpPr>
         <p:spPr>
           <a:xfrm>
-            <a:off x="64169" y="1450193"/>
-            <a:ext cx="2133600" cy="671488"/>
+            <a:off x="5171743" y="1451821"/>
+            <a:ext cx="1543115" cy="671488"/>
           </a:xfrm>
           <a:prstGeom prst="roundRect">
             <a:avLst/>
@@ -11163,7 +10973,7 @@
                 <a:latin typeface="微軟正黑體" panose="020B0604030504040204" pitchFamily="34" charset="-120"/>
                 <a:ea typeface="微軟正黑體" panose="020B0604030504040204" pitchFamily="34" charset="-120"/>
               </a:rPr>
-              <a:t>年</a:t>
+              <a:t>新增</a:t>
             </a:r>
             <a:endParaRPr lang="zh-TW" altLang="en-US" sz="2400" dirty="0">
               <a:solidFill>
@@ -11177,14 +10987,161 @@
       </p:sp>
       <p:sp>
         <p:nvSpPr>
-          <p:cNvPr id="35" name="圓角矩形 34" title="Cal_/"/>
+          <p:cNvPr id="8" name="文字方塊 7"/>
+          <p:cNvSpPr txBox="1"/>
+          <p:nvPr/>
+        </p:nvSpPr>
+        <p:spPr>
+          <a:xfrm>
+            <a:off x="1397165" y="3243207"/>
+            <a:ext cx="2482485" cy="830997"/>
+          </a:xfrm>
+          <a:prstGeom prst="rect">
+            <a:avLst/>
+          </a:prstGeom>
+          <a:noFill/>
+        </p:spPr>
+        <p:txBody>
+          <a:bodyPr wrap="square" rtlCol="0">
+            <a:spAutoFit/>
+          </a:bodyPr>
+          <a:lstStyle/>
+          <a:p>
+            <a:pPr algn="ctr"/>
+            <a:r>
+              <a:rPr lang="zh-TW" altLang="en-US" sz="4800" dirty="0" smtClean="0">
+                <a:solidFill>
+                  <a:schemeClr val="tx1">
+                    <a:lumMod val="65000"/>
+                    <a:lumOff val="35000"/>
+                  </a:schemeClr>
+                </a:solidFill>
+                <a:latin typeface="微軟正黑體" panose="020B0604030504040204" pitchFamily="34" charset="-120"/>
+                <a:ea typeface="微軟正黑體" panose="020B0604030504040204" pitchFamily="34" charset="-120"/>
+              </a:rPr>
+              <a:t>現金</a:t>
+            </a:r>
+            <a:endParaRPr lang="zh-TW" altLang="en-US" sz="4800" dirty="0">
+              <a:solidFill>
+                <a:schemeClr val="tx1">
+                  <a:lumMod val="65000"/>
+                  <a:lumOff val="35000"/>
+                </a:schemeClr>
+              </a:solidFill>
+              <a:latin typeface="微軟正黑體" panose="020B0604030504040204" pitchFamily="34" charset="-120"/>
+              <a:ea typeface="微軟正黑體" panose="020B0604030504040204" pitchFamily="34" charset="-120"/>
+            </a:endParaRPr>
+          </a:p>
+        </p:txBody>
+      </p:sp>
+      <p:sp>
+        <p:nvSpPr>
+          <p:cNvPr id="51" name="文字方塊 50"/>
+          <p:cNvSpPr txBox="1"/>
+          <p:nvPr/>
+        </p:nvSpPr>
+        <p:spPr>
+          <a:xfrm>
+            <a:off x="1397165" y="4619334"/>
+            <a:ext cx="2482485" cy="830997"/>
+          </a:xfrm>
+          <a:prstGeom prst="rect">
+            <a:avLst/>
+          </a:prstGeom>
+          <a:noFill/>
+        </p:spPr>
+        <p:txBody>
+          <a:bodyPr wrap="square" rtlCol="0">
+            <a:spAutoFit/>
+          </a:bodyPr>
+          <a:lstStyle/>
+          <a:p>
+            <a:pPr algn="ctr"/>
+            <a:r>
+              <a:rPr lang="zh-TW" altLang="en-US" sz="4800" dirty="0" smtClean="0">
+                <a:solidFill>
+                  <a:schemeClr val="tx1">
+                    <a:lumMod val="65000"/>
+                    <a:lumOff val="35000"/>
+                  </a:schemeClr>
+                </a:solidFill>
+                <a:latin typeface="微軟正黑體" panose="020B0604030504040204" pitchFamily="34" charset="-120"/>
+                <a:ea typeface="微軟正黑體" panose="020B0604030504040204" pitchFamily="34" charset="-120"/>
+              </a:rPr>
+              <a:t>信用卡</a:t>
+            </a:r>
+            <a:endParaRPr lang="zh-TW" altLang="en-US" sz="4800" dirty="0">
+              <a:solidFill>
+                <a:schemeClr val="tx1">
+                  <a:lumMod val="65000"/>
+                  <a:lumOff val="35000"/>
+                </a:schemeClr>
+              </a:solidFill>
+              <a:latin typeface="微軟正黑體" panose="020B0604030504040204" pitchFamily="34" charset="-120"/>
+              <a:ea typeface="微軟正黑體" panose="020B0604030504040204" pitchFamily="34" charset="-120"/>
+            </a:endParaRPr>
+          </a:p>
+        </p:txBody>
+      </p:sp>
+      <p:sp>
+        <p:nvSpPr>
+          <p:cNvPr id="53" name="文字方塊 52"/>
+          <p:cNvSpPr txBox="1"/>
+          <p:nvPr/>
+        </p:nvSpPr>
+        <p:spPr>
+          <a:xfrm>
+            <a:off x="1397165" y="5995461"/>
+            <a:ext cx="2482485" cy="830997"/>
+          </a:xfrm>
+          <a:prstGeom prst="rect">
+            <a:avLst/>
+          </a:prstGeom>
+          <a:noFill/>
+        </p:spPr>
+        <p:txBody>
+          <a:bodyPr wrap="square" rtlCol="0">
+            <a:spAutoFit/>
+          </a:bodyPr>
+          <a:lstStyle/>
+          <a:p>
+            <a:pPr algn="ctr"/>
+            <a:r>
+              <a:rPr lang="zh-TW" altLang="en-US" sz="4800" dirty="0" smtClean="0">
+                <a:solidFill>
+                  <a:schemeClr val="tx1">
+                    <a:lumMod val="65000"/>
+                    <a:lumOff val="35000"/>
+                  </a:schemeClr>
+                </a:solidFill>
+                <a:latin typeface="微軟正黑體" panose="020B0604030504040204" pitchFamily="34" charset="-120"/>
+                <a:ea typeface="微軟正黑體" panose="020B0604030504040204" pitchFamily="34" charset="-120"/>
+              </a:rPr>
+              <a:t>悠遊卡</a:t>
+            </a:r>
+            <a:endParaRPr lang="zh-TW" altLang="en-US" sz="4800" dirty="0">
+              <a:solidFill>
+                <a:schemeClr val="tx1">
+                  <a:lumMod val="65000"/>
+                  <a:lumOff val="35000"/>
+                </a:schemeClr>
+              </a:solidFill>
+              <a:latin typeface="微軟正黑體" panose="020B0604030504040204" pitchFamily="34" charset="-120"/>
+              <a:ea typeface="微軟正黑體" panose="020B0604030504040204" pitchFamily="34" charset="-120"/>
+            </a:endParaRPr>
+          </a:p>
+        </p:txBody>
+      </p:sp>
+      <p:sp>
+        <p:nvSpPr>
+          <p:cNvPr id="55" name="圓角矩形 54" title="Cal_/"/>
           <p:cNvSpPr/>
           <p:nvPr/>
         </p:nvSpPr>
         <p:spPr>
           <a:xfrm>
-            <a:off x="2360998" y="1450193"/>
-            <a:ext cx="2133600" cy="671488"/>
+            <a:off x="5171743" y="3322961"/>
+            <a:ext cx="1543115" cy="671488"/>
           </a:xfrm>
           <a:prstGeom prst="roundRect">
             <a:avLst/>
@@ -11224,35 +11181,28 @@
           <a:p>
             <a:pPr algn="ctr"/>
             <a:r>
-              <a:rPr lang="zh-TW" altLang="en-US" sz="2400" dirty="0" smtClean="0">
+              <a:rPr lang="zh-TW" altLang="en-US" sz="2400" dirty="0">
                 <a:solidFill>
                   <a:schemeClr val="tx1"/>
                 </a:solidFill>
                 <a:latin typeface="微軟正黑體" panose="020B0604030504040204" pitchFamily="34" charset="-120"/>
                 <a:ea typeface="微軟正黑體" panose="020B0604030504040204" pitchFamily="34" charset="-120"/>
               </a:rPr>
-              <a:t>月</a:t>
-            </a:r>
-            <a:endParaRPr lang="zh-TW" altLang="en-US" sz="2400" dirty="0">
-              <a:solidFill>
-                <a:schemeClr val="tx1"/>
-              </a:solidFill>
-              <a:latin typeface="微軟正黑體" panose="020B0604030504040204" pitchFamily="34" charset="-120"/>
-              <a:ea typeface="微軟正黑體" panose="020B0604030504040204" pitchFamily="34" charset="-120"/>
-            </a:endParaRPr>
+              <a:t>刪除</a:t>
+            </a:r>
           </a:p>
         </p:txBody>
       </p:sp>
       <p:sp>
         <p:nvSpPr>
-          <p:cNvPr id="36" name="圓角矩形 35" title="Cal_/"/>
+          <p:cNvPr id="69" name="圓角矩形 68" title="Cal_/"/>
           <p:cNvSpPr/>
           <p:nvPr/>
         </p:nvSpPr>
         <p:spPr>
           <a:xfrm>
-            <a:off x="4657827" y="1450193"/>
-            <a:ext cx="2133600" cy="671488"/>
+            <a:off x="5171743" y="4648798"/>
+            <a:ext cx="1543115" cy="671488"/>
           </a:xfrm>
           <a:prstGeom prst="roundRect">
             <a:avLst/>
@@ -11292,95 +11242,89 @@
           <a:p>
             <a:pPr algn="ctr"/>
             <a:r>
-              <a:rPr lang="zh-TW" altLang="en-US" sz="2400" dirty="0" smtClean="0">
+              <a:rPr lang="zh-TW" altLang="en-US" sz="2400" dirty="0">
                 <a:solidFill>
                   <a:schemeClr val="tx1"/>
                 </a:solidFill>
                 <a:latin typeface="微軟正黑體" panose="020B0604030504040204" pitchFamily="34" charset="-120"/>
                 <a:ea typeface="微軟正黑體" panose="020B0604030504040204" pitchFamily="34" charset="-120"/>
               </a:rPr>
-              <a:t>日</a:t>
-            </a:r>
-            <a:endParaRPr lang="zh-TW" altLang="en-US" sz="2400" dirty="0">
-              <a:solidFill>
-                <a:schemeClr val="tx1"/>
-              </a:solidFill>
-              <a:latin typeface="微軟正黑體" panose="020B0604030504040204" pitchFamily="34" charset="-120"/>
-              <a:ea typeface="微軟正黑體" panose="020B0604030504040204" pitchFamily="34" charset="-120"/>
-            </a:endParaRPr>
+              <a:t>刪除</a:t>
+            </a:r>
           </a:p>
         </p:txBody>
       </p:sp>
-      <p:pic>
-        <p:nvPicPr>
-          <p:cNvPr id="3" name="圖片 2"/>
-          <p:cNvPicPr>
-            <a:picLocks noChangeAspect="1"/>
-          </p:cNvPicPr>
+      <p:sp>
+        <p:nvSpPr>
+          <p:cNvPr id="71" name="圓角矩形 70" title="Cal_/"/>
+          <p:cNvSpPr/>
           <p:nvPr/>
-        </p:nvPicPr>
-        <p:blipFill>
-          <a:blip r:embed="rId2">
-            <a:extLst>
-              <a:ext uri="{28A0092B-C50C-407E-A947-70E740481C1C}">
-                <a14:useLocalDpi xmlns:a14="http://schemas.microsoft.com/office/drawing/2010/main" val="0"/>
-              </a:ext>
-            </a:extLst>
-          </a:blip>
-          <a:stretch>
-            <a:fillRect/>
-          </a:stretch>
-        </p:blipFill>
+        </p:nvSpPr>
         <p:spPr>
           <a:xfrm>
-            <a:off x="1223241" y="2400143"/>
-            <a:ext cx="444517" cy="453407"/>
-          </a:xfrm>
-          <a:prstGeom prst="rect">
+            <a:off x="5171743" y="6001782"/>
+            <a:ext cx="1543115" cy="671488"/>
+          </a:xfrm>
+          <a:prstGeom prst="roundRect">
             <a:avLst/>
           </a:prstGeom>
+          <a:solidFill>
+            <a:schemeClr val="bg1">
+              <a:lumMod val="85000"/>
+            </a:schemeClr>
+          </a:solidFill>
+          <a:ln>
+            <a:solidFill>
+              <a:schemeClr val="bg1">
+                <a:lumMod val="75000"/>
+              </a:schemeClr>
+            </a:solidFill>
+          </a:ln>
         </p:spPr>
-      </p:pic>
-      <p:pic>
-        <p:nvPicPr>
-          <p:cNvPr id="6" name="圖片 5"/>
-          <p:cNvPicPr>
-            <a:picLocks noChangeAspect="1"/>
-          </p:cNvPicPr>
-          <p:nvPr/>
-        </p:nvPicPr>
-        <p:blipFill>
-          <a:blip r:embed="rId3">
-            <a:extLst>
-              <a:ext uri="{28A0092B-C50C-407E-A947-70E740481C1C}">
-                <a14:useLocalDpi xmlns:a14="http://schemas.microsoft.com/office/drawing/2010/main" val="0"/>
-              </a:ext>
-            </a:extLst>
-          </a:blip>
-          <a:stretch>
-            <a:fillRect/>
-          </a:stretch>
-        </p:blipFill>
-        <p:spPr>
-          <a:xfrm>
-            <a:off x="5203826" y="2400143"/>
-            <a:ext cx="444706" cy="453600"/>
-          </a:xfrm>
-          <a:prstGeom prst="rect">
-            <a:avLst/>
-          </a:prstGeom>
-        </p:spPr>
-      </p:pic>
+        <p:style>
+          <a:lnRef idx="2">
+            <a:schemeClr val="accent1">
+              <a:shade val="50000"/>
+            </a:schemeClr>
+          </a:lnRef>
+          <a:fillRef idx="1">
+            <a:schemeClr val="accent1"/>
+          </a:fillRef>
+          <a:effectRef idx="0">
+            <a:schemeClr val="accent1"/>
+          </a:effectRef>
+          <a:fontRef idx="minor">
+            <a:schemeClr val="lt1"/>
+          </a:fontRef>
+        </p:style>
+        <p:txBody>
+          <a:bodyPr rtlCol="0" anchor="ctr"/>
+          <a:lstStyle/>
+          <a:p>
+            <a:pPr algn="ctr"/>
+            <a:r>
+              <a:rPr lang="zh-TW" altLang="en-US" sz="2400" dirty="0">
+                <a:solidFill>
+                  <a:schemeClr val="tx1"/>
+                </a:solidFill>
+                <a:latin typeface="微軟正黑體" panose="020B0604030504040204" pitchFamily="34" charset="-120"/>
+                <a:ea typeface="微軟正黑體" panose="020B0604030504040204" pitchFamily="34" charset="-120"/>
+              </a:rPr>
+              <a:t>刪除</a:t>
+            </a:r>
+          </a:p>
+        </p:txBody>
+      </p:sp>
       <p:sp>
         <p:nvSpPr>
-          <p:cNvPr id="13" name="文字方塊 12"/>
+          <p:cNvPr id="33" name="文字方塊 32"/>
           <p:cNvSpPr txBox="1"/>
           <p:nvPr/>
         </p:nvSpPr>
         <p:spPr>
           <a:xfrm>
-            <a:off x="2114852" y="2334459"/>
-            <a:ext cx="2633612" cy="584775"/>
+            <a:off x="1397165" y="7371588"/>
+            <a:ext cx="2482485" cy="830997"/>
           </a:xfrm>
           <a:prstGeom prst="rect">
             <a:avLst/>
@@ -11395,7 +11339,7 @@
           <a:p>
             <a:pPr algn="ctr"/>
             <a:r>
-              <a:rPr lang="en-US" altLang="zh-TW" sz="3200" dirty="0" smtClean="0">
+              <a:rPr lang="zh-TW" altLang="en-US" sz="4800" dirty="0" smtClean="0">
                 <a:solidFill>
                   <a:schemeClr val="tx1">
                     <a:lumMod val="65000"/>
@@ -11405,9 +11349,9 @@
                 <a:latin typeface="微軟正黑體" panose="020B0604030504040204" pitchFamily="34" charset="-120"/>
                 <a:ea typeface="微軟正黑體" panose="020B0604030504040204" pitchFamily="34" charset="-120"/>
               </a:rPr>
-              <a:t>2018/06/10</a:t>
-            </a:r>
-            <a:endParaRPr lang="zh-TW" altLang="en-US" sz="3200" dirty="0">
+              <a:t>一卡通</a:t>
+            </a:r>
+            <a:endParaRPr lang="zh-TW" altLang="en-US" sz="4800" dirty="0">
               <a:solidFill>
                 <a:schemeClr val="tx1">
                   <a:lumMod val="65000"/>
@@ -11422,143 +11366,68 @@
       </p:sp>
       <p:sp>
         <p:nvSpPr>
-          <p:cNvPr id="14" name="文字方塊 13"/>
-          <p:cNvSpPr txBox="1"/>
+          <p:cNvPr id="36" name="圓角矩形 35" title="Cal_/"/>
+          <p:cNvSpPr/>
           <p:nvPr/>
         </p:nvSpPr>
         <p:spPr>
           <a:xfrm>
-            <a:off x="417095" y="3336758"/>
-            <a:ext cx="5756009" cy="1384995"/>
-          </a:xfrm>
-          <a:prstGeom prst="rect">
+            <a:off x="5171742" y="7372991"/>
+            <a:ext cx="1543115" cy="671488"/>
+          </a:xfrm>
+          <a:prstGeom prst="roundRect">
             <a:avLst/>
           </a:prstGeom>
-          <a:noFill/>
+          <a:solidFill>
+            <a:schemeClr val="bg1">
+              <a:lumMod val="85000"/>
+            </a:schemeClr>
+          </a:solidFill>
+          <a:ln>
+            <a:solidFill>
+              <a:schemeClr val="bg1">
+                <a:lumMod val="75000"/>
+              </a:schemeClr>
+            </a:solidFill>
+          </a:ln>
         </p:spPr>
+        <p:style>
+          <a:lnRef idx="2">
+            <a:schemeClr val="accent1">
+              <a:shade val="50000"/>
+            </a:schemeClr>
+          </a:lnRef>
+          <a:fillRef idx="1">
+            <a:schemeClr val="accent1"/>
+          </a:fillRef>
+          <a:effectRef idx="0">
+            <a:schemeClr val="accent1"/>
+          </a:effectRef>
+          <a:fontRef idx="minor">
+            <a:schemeClr val="lt1"/>
+          </a:fontRef>
+        </p:style>
         <p:txBody>
-          <a:bodyPr wrap="square" rtlCol="0">
-            <a:spAutoFit/>
-          </a:bodyPr>
+          <a:bodyPr rtlCol="0" anchor="ctr"/>
           <a:lstStyle/>
           <a:p>
-            <a:r>
-              <a:rPr lang="zh-TW" altLang="en-US" sz="2800" dirty="0" smtClean="0">
+            <a:pPr algn="ctr"/>
+            <a:r>
+              <a:rPr lang="zh-TW" altLang="en-US" sz="2400" dirty="0">
+                <a:solidFill>
+                  <a:schemeClr val="tx1"/>
+                </a:solidFill>
                 <a:latin typeface="微軟正黑體" panose="020B0604030504040204" pitchFamily="34" charset="-120"/>
                 <a:ea typeface="微軟正黑體" panose="020B0604030504040204" pitchFamily="34" charset="-120"/>
               </a:rPr>
-              <a:t>收入：</a:t>
-            </a:r>
-            <a:r>
-              <a:rPr lang="en-US" altLang="zh-TW" sz="2800" dirty="0" smtClean="0">
-                <a:latin typeface="微軟正黑體" panose="020B0604030504040204" pitchFamily="34" charset="-120"/>
-                <a:ea typeface="微軟正黑體" panose="020B0604030504040204" pitchFamily="34" charset="-120"/>
-              </a:rPr>
-              <a:t>$400.00</a:t>
-            </a:r>
-          </a:p>
-          <a:p>
-            <a:r>
-              <a:rPr lang="zh-TW" altLang="en-US" sz="2800" dirty="0" smtClean="0">
-                <a:latin typeface="微軟正黑體" panose="020B0604030504040204" pitchFamily="34" charset="-120"/>
-                <a:ea typeface="微軟正黑體" panose="020B0604030504040204" pitchFamily="34" charset="-120"/>
-              </a:rPr>
-              <a:t>支出：</a:t>
-            </a:r>
-            <a:r>
-              <a:rPr lang="en-US" altLang="zh-TW" sz="2800" dirty="0" smtClean="0">
-                <a:latin typeface="微軟正黑體" panose="020B0604030504040204" pitchFamily="34" charset="-120"/>
-                <a:ea typeface="微軟正黑體" panose="020B0604030504040204" pitchFamily="34" charset="-120"/>
-              </a:rPr>
-              <a:t>$1,640.00</a:t>
-            </a:r>
-          </a:p>
-          <a:p>
-            <a:r>
-              <a:rPr lang="zh-TW" altLang="en-US" sz="2800" dirty="0" smtClean="0">
-                <a:latin typeface="微軟正黑體" panose="020B0604030504040204" pitchFamily="34" charset="-120"/>
-                <a:ea typeface="微軟正黑體" panose="020B0604030504040204" pitchFamily="34" charset="-120"/>
-              </a:rPr>
-              <a:t>結餘：</a:t>
-            </a:r>
-            <a:r>
-              <a:rPr lang="en-US" altLang="zh-TW" sz="2800" dirty="0" smtClean="0">
-                <a:latin typeface="微軟正黑體" panose="020B0604030504040204" pitchFamily="34" charset="-120"/>
-                <a:ea typeface="微軟正黑體" panose="020B0604030504040204" pitchFamily="34" charset="-120"/>
-              </a:rPr>
-              <a:t>$-1,240.00</a:t>
-            </a:r>
-            <a:endParaRPr lang="zh-TW" altLang="en-US" sz="2800" dirty="0">
-              <a:latin typeface="微軟正黑體" panose="020B0604030504040204" pitchFamily="34" charset="-120"/>
-              <a:ea typeface="微軟正黑體" panose="020B0604030504040204" pitchFamily="34" charset="-120"/>
-            </a:endParaRPr>
+              <a:t>刪除</a:t>
+            </a:r>
           </a:p>
         </p:txBody>
       </p:sp>
-      <p:pic>
-        <p:nvPicPr>
-          <p:cNvPr id="15" name="圖片 14"/>
-          <p:cNvPicPr>
-            <a:picLocks noChangeAspect="1"/>
-          </p:cNvPicPr>
-          <p:nvPr/>
-        </p:nvPicPr>
-        <p:blipFill>
-          <a:blip r:embed="rId4"/>
-          <a:stretch>
-            <a:fillRect/>
-          </a:stretch>
-        </p:blipFill>
-        <p:spPr>
-          <a:xfrm>
-            <a:off x="1108761" y="5374462"/>
-            <a:ext cx="4501009" cy="4350418"/>
-          </a:xfrm>
-          <a:prstGeom prst="rect">
-            <a:avLst/>
-          </a:prstGeom>
-        </p:spPr>
-      </p:pic>
-    </p:spTree>
-    <p:extLst>
-      <p:ext uri="{BB962C8B-B14F-4D97-AF65-F5344CB8AC3E}">
-        <p14:creationId xmlns:p14="http://schemas.microsoft.com/office/powerpoint/2010/main" val="3537659288"/>
-      </p:ext>
-    </p:extLst>
-  </p:cSld>
-  <p:clrMapOvr>
-    <a:masterClrMapping/>
-  </p:clrMapOvr>
-  <p:timing>
-    <p:tnLst>
-      <p:par>
-        <p:cTn id="1" dur="indefinite" restart="never" nodeType="tmRoot"/>
-      </p:par>
-    </p:tnLst>
-  </p:timing>
-</p:sld>
-</file>
-
-<file path=ppt/slides/slide8.xml><?xml version="1.0" encoding="utf-8"?>
-<p:sld xmlns:a="http://schemas.openxmlformats.org/drawingml/2006/main" xmlns:r="http://schemas.openxmlformats.org/officeDocument/2006/relationships" xmlns:p="http://schemas.openxmlformats.org/presentationml/2006/main">
-  <p:cSld>
-    <p:spTree>
-      <p:nvGrpSpPr>
-        <p:cNvPr id="1" name=""/>
-        <p:cNvGrpSpPr/>
-        <p:nvPr/>
-      </p:nvGrpSpPr>
-      <p:grpSpPr>
-        <a:xfrm>
-          <a:off x="0" y="0"/>
-          <a:ext cx="0" cy="0"/>
-          <a:chOff x="0" y="0"/>
-          <a:chExt cx="0" cy="0"/>
-        </a:xfrm>
-      </p:grpSpPr>
       <p:grpSp>
         <p:nvGrpSpPr>
-          <p:cNvPr id="26" name="群組 25"/>
+          <p:cNvPr id="34" name="群組 33"/>
           <p:cNvGrpSpPr/>
           <p:nvPr/>
         </p:nvGrpSpPr>
@@ -11572,7 +11441,7 @@
         </p:grpSpPr>
         <p:sp>
           <p:nvSpPr>
-            <p:cNvPr id="7" name="矩形 6" title="Top system bar"/>
+            <p:cNvPr id="35" name="矩形 34" title="Top system bar"/>
             <p:cNvSpPr/>
             <p:nvPr/>
           </p:nvSpPr>
@@ -11585,7 +11454,7 @@
               <a:avLst/>
             </a:prstGeom>
             <a:solidFill>
-              <a:srgbClr val="345CCC"/>
+              <a:srgbClr val="30409F"/>
             </a:solidFill>
             <a:ln>
               <a:noFill/>
@@ -11618,7 +11487,7 @@
         </p:sp>
         <p:sp>
           <p:nvSpPr>
-            <p:cNvPr id="4" name="圓形圖 3" title="Wifi sign"/>
+            <p:cNvPr id="37" name="圓形圖 36" title="Wifi sign"/>
             <p:cNvSpPr/>
             <p:nvPr/>
           </p:nvSpPr>
@@ -11671,7 +11540,7 @@
         </p:sp>
         <p:grpSp>
           <p:nvGrpSpPr>
-            <p:cNvPr id="11" name="群組 10" title="Bettery sign"/>
+            <p:cNvPr id="38" name="群組 37" title="Bettery sign"/>
             <p:cNvGrpSpPr/>
             <p:nvPr/>
           </p:nvGrpSpPr>
@@ -11685,7 +11554,7 @@
           </p:grpSpPr>
           <p:sp>
             <p:nvSpPr>
-              <p:cNvPr id="9" name="矩形 8"/>
+              <p:cNvPr id="40" name="矩形 39"/>
               <p:cNvSpPr/>
               <p:nvPr/>
             </p:nvSpPr>
@@ -11731,7 +11600,7 @@
           </p:sp>
           <p:sp>
             <p:nvSpPr>
-              <p:cNvPr id="10" name="矩形 9"/>
+              <p:cNvPr id="41" name="矩形 40"/>
               <p:cNvSpPr/>
               <p:nvPr/>
             </p:nvSpPr>
@@ -11778,7 +11647,7 @@
         </p:grpSp>
         <p:sp>
           <p:nvSpPr>
-            <p:cNvPr id="12" name="文字方塊 11" title="System time"/>
+            <p:cNvPr id="39" name="文字方塊 38" title="System time"/>
             <p:cNvSpPr txBox="1"/>
             <p:nvPr/>
           </p:nvSpPr>
@@ -11821,7 +11690,7 @@
       </p:grpSp>
       <p:grpSp>
         <p:nvGrpSpPr>
-          <p:cNvPr id="27" name="群組 26" title="Titile"/>
+          <p:cNvPr id="42" name="群組 41" title="Titile"/>
           <p:cNvGrpSpPr/>
           <p:nvPr/>
         </p:nvGrpSpPr>
@@ -11835,7 +11704,7 @@
         </p:grpSpPr>
         <p:sp>
           <p:nvSpPr>
-            <p:cNvPr id="17" name="矩形 16" title="Title BG"/>
+            <p:cNvPr id="43" name="矩形 42" title="Title BG"/>
             <p:cNvSpPr/>
             <p:nvPr/>
           </p:nvSpPr>
@@ -11848,7 +11717,7 @@
               <a:avLst/>
             </a:prstGeom>
             <a:solidFill>
-              <a:srgbClr val="5476D4"/>
+              <a:srgbClr val="4050B5"/>
             </a:solidFill>
             <a:ln>
               <a:noFill/>
@@ -11881,7 +11750,7 @@
         </p:sp>
         <p:sp>
           <p:nvSpPr>
-            <p:cNvPr id="18" name="文字方塊 17" title="Titile text"/>
+            <p:cNvPr id="44" name="文字方塊 43" title="Titile text"/>
             <p:cNvSpPr txBox="1"/>
             <p:nvPr/>
           </p:nvSpPr>
@@ -11902,14 +11771,14 @@
             <a:lstStyle/>
             <a:p>
               <a:r>
-                <a:rPr lang="en-US" altLang="zh-TW" sz="2800" b="1" dirty="0">
+                <a:rPr lang="en-US" altLang="zh-TW" sz="2800" b="1" dirty="0" smtClean="0">
                   <a:solidFill>
                     <a:schemeClr val="bg1"/>
                   </a:solidFill>
                   <a:latin typeface="微軟正黑體" panose="020B0604030504040204" pitchFamily="34" charset="-120"/>
                   <a:ea typeface="微軟正黑體" panose="020B0604030504040204" pitchFamily="34" charset="-120"/>
                 </a:rPr>
-                <a:t>Statistic</a:t>
+                <a:t>Account</a:t>
               </a:r>
               <a:endParaRPr lang="zh-TW" altLang="en-US" b="1" dirty="0">
                 <a:solidFill>
@@ -11922,6 +11791,43 @@
           </p:txBody>
         </p:sp>
       </p:grpSp>
+    </p:spTree>
+    <p:extLst>
+      <p:ext uri="{BB962C8B-B14F-4D97-AF65-F5344CB8AC3E}">
+        <p14:creationId xmlns:p14="http://schemas.microsoft.com/office/powerpoint/2010/main" val="1309752825"/>
+      </p:ext>
+    </p:extLst>
+  </p:cSld>
+  <p:clrMapOvr>
+    <a:masterClrMapping/>
+  </p:clrMapOvr>
+  <p:timing>
+    <p:tnLst>
+      <p:par>
+        <p:cTn id="1" dur="indefinite" restart="never" nodeType="tmRoot"/>
+      </p:par>
+    </p:tnLst>
+  </p:timing>
+</p:sld>
+</file>
+
+<file path=ppt/slides/slide5.xml><?xml version="1.0" encoding="utf-8"?>
+<p:sld xmlns:a="http://schemas.openxmlformats.org/drawingml/2006/main" xmlns:r="http://schemas.openxmlformats.org/officeDocument/2006/relationships" xmlns:p="http://schemas.openxmlformats.org/presentationml/2006/main">
+  <p:cSld>
+    <p:spTree>
+      <p:nvGrpSpPr>
+        <p:cNvPr id="1" name=""/>
+        <p:cNvGrpSpPr/>
+        <p:nvPr/>
+      </p:nvGrpSpPr>
+      <p:grpSpPr>
+        <a:xfrm>
+          <a:off x="0" y="0"/>
+          <a:ext cx="0" cy="0"/>
+          <a:chOff x="0" y="0"/>
+          <a:chExt cx="0" cy="0"/>
+        </a:xfrm>
+      </p:grpSpPr>
       <p:grpSp>
         <p:nvGrpSpPr>
           <p:cNvPr id="32" name="群組 31" title="Bottom system bar"/>
@@ -12421,7 +12327,7 @@
                 <a:latin typeface="微軟正黑體" panose="020B0604030504040204" pitchFamily="34" charset="-120"/>
                 <a:ea typeface="微軟正黑體" panose="020B0604030504040204" pitchFamily="34" charset="-120"/>
               </a:rPr>
-              <a:t>2018/06/09</a:t>
+              <a:t>2018/06/10</a:t>
             </a:r>
             <a:endParaRPr lang="zh-TW" altLang="en-US" sz="3200" dirty="0">
               <a:solidFill>
@@ -12470,7 +12376,7 @@
                 <a:latin typeface="微軟正黑體" panose="020B0604030504040204" pitchFamily="34" charset="-120"/>
                 <a:ea typeface="微軟正黑體" panose="020B0604030504040204" pitchFamily="34" charset="-120"/>
               </a:rPr>
-              <a:t>$300.00</a:t>
+              <a:t>$400.00</a:t>
             </a:r>
           </a:p>
           <a:p>
@@ -12486,7 +12392,7 @@
                 <a:latin typeface="微軟正黑體" panose="020B0604030504040204" pitchFamily="34" charset="-120"/>
                 <a:ea typeface="微軟正黑體" panose="020B0604030504040204" pitchFamily="34" charset="-120"/>
               </a:rPr>
-              <a:t>$1,420.00</a:t>
+              <a:t>$1,640.00</a:t>
             </a:r>
           </a:p>
           <a:p>
@@ -12502,7 +12408,7 @@
                 <a:latin typeface="微軟正黑體" panose="020B0604030504040204" pitchFamily="34" charset="-120"/>
                 <a:ea typeface="微軟正黑體" panose="020B0604030504040204" pitchFamily="34" charset="-120"/>
               </a:rPr>
-              <a:t>$-1,120.00</a:t>
+              <a:t>$-1,240.00</a:t>
             </a:r>
             <a:endParaRPr lang="zh-TW" altLang="en-US" sz="2800" dirty="0">
               <a:latin typeface="微軟正黑體" panose="020B0604030504040204" pitchFamily="34" charset="-120"/>
@@ -12513,7 +12419,7 @@
       </p:sp>
       <p:pic>
         <p:nvPicPr>
-          <p:cNvPr id="5" name="圖片 4"/>
+          <p:cNvPr id="15" name="圖片 14"/>
           <p:cNvPicPr>
             <a:picLocks noChangeAspect="1"/>
           </p:cNvPicPr>
@@ -12527,54 +12433,17 @@
         </p:blipFill>
         <p:spPr>
           <a:xfrm>
-            <a:off x="922639" y="5299132"/>
-            <a:ext cx="4914065" cy="4613204"/>
+            <a:off x="1108761" y="5374462"/>
+            <a:ext cx="4501009" cy="4350418"/>
           </a:xfrm>
           <a:prstGeom prst="rect">
             <a:avLst/>
           </a:prstGeom>
         </p:spPr>
       </p:pic>
-    </p:spTree>
-    <p:extLst>
-      <p:ext uri="{BB962C8B-B14F-4D97-AF65-F5344CB8AC3E}">
-        <p14:creationId xmlns:p14="http://schemas.microsoft.com/office/powerpoint/2010/main" val="3333223657"/>
-      </p:ext>
-    </p:extLst>
-  </p:cSld>
-  <p:clrMapOvr>
-    <a:masterClrMapping/>
-  </p:clrMapOvr>
-  <p:timing>
-    <p:tnLst>
-      <p:par>
-        <p:cTn id="1" dur="indefinite" restart="never" nodeType="tmRoot"/>
-      </p:par>
-    </p:tnLst>
-  </p:timing>
-</p:sld>
-</file>
-
-<file path=ppt/slides/slide9.xml><?xml version="1.0" encoding="utf-8"?>
-<p:sld xmlns:a="http://schemas.openxmlformats.org/drawingml/2006/main" xmlns:r="http://schemas.openxmlformats.org/officeDocument/2006/relationships" xmlns:p="http://schemas.openxmlformats.org/presentationml/2006/main">
-  <p:cSld>
-    <p:spTree>
-      <p:nvGrpSpPr>
-        <p:cNvPr id="1" name=""/>
-        <p:cNvGrpSpPr/>
-        <p:nvPr/>
-      </p:nvGrpSpPr>
-      <p:grpSpPr>
-        <a:xfrm>
-          <a:off x="0" y="0"/>
-          <a:ext cx="0" cy="0"/>
-          <a:chOff x="0" y="0"/>
-          <a:chExt cx="0" cy="0"/>
-        </a:xfrm>
-      </p:grpSpPr>
       <p:grpSp>
         <p:nvGrpSpPr>
-          <p:cNvPr id="26" name="群組 25"/>
+          <p:cNvPr id="25" name="群組 24"/>
           <p:cNvGrpSpPr/>
           <p:nvPr/>
         </p:nvGrpSpPr>
@@ -12588,7 +12457,7 @@
         </p:grpSpPr>
         <p:sp>
           <p:nvSpPr>
-            <p:cNvPr id="7" name="矩形 6" title="Top system bar"/>
+            <p:cNvPr id="33" name="矩形 32" title="Top system bar"/>
             <p:cNvSpPr/>
             <p:nvPr/>
           </p:nvSpPr>
@@ -12601,7 +12470,7 @@
               <a:avLst/>
             </a:prstGeom>
             <a:solidFill>
-              <a:srgbClr val="345CCC"/>
+              <a:srgbClr val="30409F"/>
             </a:solidFill>
             <a:ln>
               <a:noFill/>
@@ -12634,7 +12503,7 @@
         </p:sp>
         <p:sp>
           <p:nvSpPr>
-            <p:cNvPr id="4" name="圓形圖 3" title="Wifi sign"/>
+            <p:cNvPr id="34" name="圓形圖 33" title="Wifi sign"/>
             <p:cNvSpPr/>
             <p:nvPr/>
           </p:nvSpPr>
@@ -12687,7 +12556,7 @@
         </p:sp>
         <p:grpSp>
           <p:nvGrpSpPr>
-            <p:cNvPr id="11" name="群組 10" title="Bettery sign"/>
+            <p:cNvPr id="37" name="群組 36" title="Bettery sign"/>
             <p:cNvGrpSpPr/>
             <p:nvPr/>
           </p:nvGrpSpPr>
@@ -12701,7 +12570,7 @@
           </p:grpSpPr>
           <p:sp>
             <p:nvSpPr>
-              <p:cNvPr id="9" name="矩形 8"/>
+              <p:cNvPr id="39" name="矩形 38"/>
               <p:cNvSpPr/>
               <p:nvPr/>
             </p:nvSpPr>
@@ -12747,7 +12616,7 @@
           </p:sp>
           <p:sp>
             <p:nvSpPr>
-              <p:cNvPr id="10" name="矩形 9"/>
+              <p:cNvPr id="40" name="矩形 39"/>
               <p:cNvSpPr/>
               <p:nvPr/>
             </p:nvSpPr>
@@ -12794,7 +12663,7 @@
         </p:grpSp>
         <p:sp>
           <p:nvSpPr>
-            <p:cNvPr id="12" name="文字方塊 11" title="System time"/>
+            <p:cNvPr id="38" name="文字方塊 37" title="System time"/>
             <p:cNvSpPr txBox="1"/>
             <p:nvPr/>
           </p:nvSpPr>
@@ -12822,7 +12691,7 @@
                   <a:latin typeface="微軟正黑體" panose="020B0604030504040204" pitchFamily="34" charset="-120"/>
                   <a:ea typeface="微軟正黑體" panose="020B0604030504040204" pitchFamily="34" charset="-120"/>
                 </a:rPr>
-                <a:t>8:01</a:t>
+                <a:t>8:00</a:t>
               </a:r>
               <a:endParaRPr lang="zh-TW" altLang="en-US" b="1" dirty="0">
                 <a:solidFill>
@@ -12837,7 +12706,7 @@
       </p:grpSp>
       <p:grpSp>
         <p:nvGrpSpPr>
-          <p:cNvPr id="27" name="群組 26" title="Titile"/>
+          <p:cNvPr id="41" name="群組 40" title="Titile"/>
           <p:cNvGrpSpPr/>
           <p:nvPr/>
         </p:nvGrpSpPr>
@@ -12851,7 +12720,7 @@
         </p:grpSpPr>
         <p:sp>
           <p:nvSpPr>
-            <p:cNvPr id="17" name="矩形 16" title="Title BG"/>
+            <p:cNvPr id="42" name="矩形 41" title="Title BG"/>
             <p:cNvSpPr/>
             <p:nvPr/>
           </p:nvSpPr>
@@ -12864,7 +12733,7 @@
               <a:avLst/>
             </a:prstGeom>
             <a:solidFill>
-              <a:srgbClr val="5476D4"/>
+              <a:srgbClr val="4050B5"/>
             </a:solidFill>
             <a:ln>
               <a:noFill/>
@@ -12897,7 +12766,7 @@
         </p:sp>
         <p:sp>
           <p:nvSpPr>
-            <p:cNvPr id="18" name="文字方塊 17" title="Titile text"/>
+            <p:cNvPr id="43" name="文字方塊 42" title="Titile text"/>
             <p:cNvSpPr txBox="1"/>
             <p:nvPr/>
           </p:nvSpPr>
@@ -12918,14 +12787,14 @@
             <a:lstStyle/>
             <a:p>
               <a:r>
-                <a:rPr lang="en-US" altLang="zh-TW" sz="2800" b="1" dirty="0">
+                <a:rPr lang="en-US" altLang="zh-TW" sz="2800" b="1" dirty="0" smtClean="0">
                   <a:solidFill>
                     <a:schemeClr val="bg1"/>
                   </a:solidFill>
                   <a:latin typeface="微軟正黑體" panose="020B0604030504040204" pitchFamily="34" charset="-120"/>
                   <a:ea typeface="微軟正黑體" panose="020B0604030504040204" pitchFamily="34" charset="-120"/>
                 </a:rPr>
-                <a:t>Statistic</a:t>
+                <a:t>Statistics</a:t>
               </a:r>
               <a:endParaRPr lang="zh-TW" altLang="en-US" b="1" dirty="0">
                 <a:solidFill>
@@ -12938,6 +12807,43 @@
           </p:txBody>
         </p:sp>
       </p:grpSp>
+    </p:spTree>
+    <p:extLst>
+      <p:ext uri="{BB962C8B-B14F-4D97-AF65-F5344CB8AC3E}">
+        <p14:creationId xmlns:p14="http://schemas.microsoft.com/office/powerpoint/2010/main" val="3537659288"/>
+      </p:ext>
+    </p:extLst>
+  </p:cSld>
+  <p:clrMapOvr>
+    <a:masterClrMapping/>
+  </p:clrMapOvr>
+  <p:timing>
+    <p:tnLst>
+      <p:par>
+        <p:cTn id="1" dur="indefinite" restart="never" nodeType="tmRoot"/>
+      </p:par>
+    </p:tnLst>
+  </p:timing>
+</p:sld>
+</file>
+
+<file path=ppt/slides/slide6.xml><?xml version="1.0" encoding="utf-8"?>
+<p:sld xmlns:a="http://schemas.openxmlformats.org/drawingml/2006/main" xmlns:r="http://schemas.openxmlformats.org/officeDocument/2006/relationships" xmlns:p="http://schemas.openxmlformats.org/presentationml/2006/main">
+  <p:cSld>
+    <p:spTree>
+      <p:nvGrpSpPr>
+        <p:cNvPr id="1" name=""/>
+        <p:cNvGrpSpPr/>
+        <p:nvPr/>
+      </p:nvGrpSpPr>
+      <p:grpSpPr>
+        <a:xfrm>
+          <a:off x="0" y="0"/>
+          <a:ext cx="0" cy="0"/>
+          <a:chOff x="0" y="0"/>
+          <a:chExt cx="0" cy="0"/>
+        </a:xfrm>
+      </p:grpSpPr>
       <p:grpSp>
         <p:nvGrpSpPr>
           <p:cNvPr id="32" name="群組 31" title="Bottom system bar"/>
@@ -13365,7 +13271,7 @@
         </p:blipFill>
         <p:spPr>
           <a:xfrm>
-            <a:off x="1576165" y="2400143"/>
+            <a:off x="1223241" y="2400143"/>
             <a:ext cx="444517" cy="453407"/>
           </a:xfrm>
           <a:prstGeom prst="rect">
@@ -13395,6 +13301,1022 @@
         </p:blipFill>
         <p:spPr>
           <a:xfrm>
+            <a:off x="5203826" y="2400143"/>
+            <a:ext cx="444706" cy="453600"/>
+          </a:xfrm>
+          <a:prstGeom prst="rect">
+            <a:avLst/>
+          </a:prstGeom>
+        </p:spPr>
+      </p:pic>
+      <p:sp>
+        <p:nvSpPr>
+          <p:cNvPr id="13" name="文字方塊 12"/>
+          <p:cNvSpPr txBox="1"/>
+          <p:nvPr/>
+        </p:nvSpPr>
+        <p:spPr>
+          <a:xfrm>
+            <a:off x="2114852" y="2334459"/>
+            <a:ext cx="2633612" cy="584775"/>
+          </a:xfrm>
+          <a:prstGeom prst="rect">
+            <a:avLst/>
+          </a:prstGeom>
+          <a:noFill/>
+        </p:spPr>
+        <p:txBody>
+          <a:bodyPr wrap="square" rtlCol="0">
+            <a:spAutoFit/>
+          </a:bodyPr>
+          <a:lstStyle/>
+          <a:p>
+            <a:pPr algn="ctr"/>
+            <a:r>
+              <a:rPr lang="en-US" altLang="zh-TW" sz="3200" dirty="0" smtClean="0">
+                <a:solidFill>
+                  <a:schemeClr val="tx1">
+                    <a:lumMod val="65000"/>
+                    <a:lumOff val="35000"/>
+                  </a:schemeClr>
+                </a:solidFill>
+                <a:latin typeface="微軟正黑體" panose="020B0604030504040204" pitchFamily="34" charset="-120"/>
+                <a:ea typeface="微軟正黑體" panose="020B0604030504040204" pitchFamily="34" charset="-120"/>
+              </a:rPr>
+              <a:t>2018/06/09</a:t>
+            </a:r>
+            <a:endParaRPr lang="zh-TW" altLang="en-US" sz="3200" dirty="0">
+              <a:solidFill>
+                <a:schemeClr val="tx1">
+                  <a:lumMod val="65000"/>
+                  <a:lumOff val="35000"/>
+                </a:schemeClr>
+              </a:solidFill>
+              <a:latin typeface="微軟正黑體" panose="020B0604030504040204" pitchFamily="34" charset="-120"/>
+              <a:ea typeface="微軟正黑體" panose="020B0604030504040204" pitchFamily="34" charset="-120"/>
+            </a:endParaRPr>
+          </a:p>
+        </p:txBody>
+      </p:sp>
+      <p:sp>
+        <p:nvSpPr>
+          <p:cNvPr id="14" name="文字方塊 13"/>
+          <p:cNvSpPr txBox="1"/>
+          <p:nvPr/>
+        </p:nvSpPr>
+        <p:spPr>
+          <a:xfrm>
+            <a:off x="417095" y="3336758"/>
+            <a:ext cx="5756009" cy="1384995"/>
+          </a:xfrm>
+          <a:prstGeom prst="rect">
+            <a:avLst/>
+          </a:prstGeom>
+          <a:noFill/>
+        </p:spPr>
+        <p:txBody>
+          <a:bodyPr wrap="square" rtlCol="0">
+            <a:spAutoFit/>
+          </a:bodyPr>
+          <a:lstStyle/>
+          <a:p>
+            <a:r>
+              <a:rPr lang="zh-TW" altLang="en-US" sz="2800" dirty="0" smtClean="0">
+                <a:latin typeface="微軟正黑體" panose="020B0604030504040204" pitchFamily="34" charset="-120"/>
+                <a:ea typeface="微軟正黑體" panose="020B0604030504040204" pitchFamily="34" charset="-120"/>
+              </a:rPr>
+              <a:t>收入：</a:t>
+            </a:r>
+            <a:r>
+              <a:rPr lang="en-US" altLang="zh-TW" sz="2800" dirty="0" smtClean="0">
+                <a:latin typeface="微軟正黑體" panose="020B0604030504040204" pitchFamily="34" charset="-120"/>
+                <a:ea typeface="微軟正黑體" panose="020B0604030504040204" pitchFamily="34" charset="-120"/>
+              </a:rPr>
+              <a:t>$300.00</a:t>
+            </a:r>
+          </a:p>
+          <a:p>
+            <a:r>
+              <a:rPr lang="zh-TW" altLang="en-US" sz="2800" dirty="0" smtClean="0">
+                <a:latin typeface="微軟正黑體" panose="020B0604030504040204" pitchFamily="34" charset="-120"/>
+                <a:ea typeface="微軟正黑體" panose="020B0604030504040204" pitchFamily="34" charset="-120"/>
+              </a:rPr>
+              <a:t>支出：</a:t>
+            </a:r>
+            <a:r>
+              <a:rPr lang="en-US" altLang="zh-TW" sz="2800" dirty="0" smtClean="0">
+                <a:latin typeface="微軟正黑體" panose="020B0604030504040204" pitchFamily="34" charset="-120"/>
+                <a:ea typeface="微軟正黑體" panose="020B0604030504040204" pitchFamily="34" charset="-120"/>
+              </a:rPr>
+              <a:t>$1,420.00</a:t>
+            </a:r>
+          </a:p>
+          <a:p>
+            <a:r>
+              <a:rPr lang="zh-TW" altLang="en-US" sz="2800" dirty="0" smtClean="0">
+                <a:latin typeface="微軟正黑體" panose="020B0604030504040204" pitchFamily="34" charset="-120"/>
+                <a:ea typeface="微軟正黑體" panose="020B0604030504040204" pitchFamily="34" charset="-120"/>
+              </a:rPr>
+              <a:t>結餘：</a:t>
+            </a:r>
+            <a:r>
+              <a:rPr lang="en-US" altLang="zh-TW" sz="2800" dirty="0" smtClean="0">
+                <a:latin typeface="微軟正黑體" panose="020B0604030504040204" pitchFamily="34" charset="-120"/>
+                <a:ea typeface="微軟正黑體" panose="020B0604030504040204" pitchFamily="34" charset="-120"/>
+              </a:rPr>
+              <a:t>$-1,120.00</a:t>
+            </a:r>
+            <a:endParaRPr lang="zh-TW" altLang="en-US" sz="2800" dirty="0">
+              <a:latin typeface="微軟正黑體" panose="020B0604030504040204" pitchFamily="34" charset="-120"/>
+              <a:ea typeface="微軟正黑體" panose="020B0604030504040204" pitchFamily="34" charset="-120"/>
+            </a:endParaRPr>
+          </a:p>
+        </p:txBody>
+      </p:sp>
+      <p:pic>
+        <p:nvPicPr>
+          <p:cNvPr id="5" name="圖片 4"/>
+          <p:cNvPicPr>
+            <a:picLocks noChangeAspect="1"/>
+          </p:cNvPicPr>
+          <p:nvPr/>
+        </p:nvPicPr>
+        <p:blipFill>
+          <a:blip r:embed="rId4"/>
+          <a:stretch>
+            <a:fillRect/>
+          </a:stretch>
+        </p:blipFill>
+        <p:spPr>
+          <a:xfrm>
+            <a:off x="922639" y="5299132"/>
+            <a:ext cx="4914065" cy="4613204"/>
+          </a:xfrm>
+          <a:prstGeom prst="rect">
+            <a:avLst/>
+          </a:prstGeom>
+        </p:spPr>
+      </p:pic>
+      <p:grpSp>
+        <p:nvGrpSpPr>
+          <p:cNvPr id="25" name="群組 24"/>
+          <p:cNvGrpSpPr/>
+          <p:nvPr/>
+        </p:nvGrpSpPr>
+        <p:grpSpPr>
+          <a:xfrm>
+            <a:off x="0" y="1"/>
+            <a:ext cx="7312294" cy="578782"/>
+            <a:chOff x="0" y="1"/>
+            <a:chExt cx="7312294" cy="578782"/>
+          </a:xfrm>
+        </p:grpSpPr>
+        <p:sp>
+          <p:nvSpPr>
+            <p:cNvPr id="33" name="矩形 32" title="Top system bar"/>
+            <p:cNvSpPr/>
+            <p:nvPr/>
+          </p:nvSpPr>
+          <p:spPr>
+            <a:xfrm>
+              <a:off x="0" y="1"/>
+              <a:ext cx="6858000" cy="406400"/>
+            </a:xfrm>
+            <a:prstGeom prst="rect">
+              <a:avLst/>
+            </a:prstGeom>
+            <a:solidFill>
+              <a:srgbClr val="30409F"/>
+            </a:solidFill>
+            <a:ln>
+              <a:noFill/>
+            </a:ln>
+          </p:spPr>
+          <p:style>
+            <a:lnRef idx="2">
+              <a:schemeClr val="accent1">
+                <a:shade val="50000"/>
+              </a:schemeClr>
+            </a:lnRef>
+            <a:fillRef idx="1">
+              <a:schemeClr val="accent1"/>
+            </a:fillRef>
+            <a:effectRef idx="0">
+              <a:schemeClr val="accent1"/>
+            </a:effectRef>
+            <a:fontRef idx="minor">
+              <a:schemeClr val="lt1"/>
+            </a:fontRef>
+          </p:style>
+          <p:txBody>
+            <a:bodyPr rtlCol="0" anchor="ctr"/>
+            <a:lstStyle/>
+            <a:p>
+              <a:pPr algn="ctr"/>
+              <a:endParaRPr lang="zh-TW" altLang="en-US"/>
+            </a:p>
+          </p:txBody>
+        </p:sp>
+        <p:sp>
+          <p:nvSpPr>
+            <p:cNvPr id="34" name="圓形圖 33" title="Wifi sign"/>
+            <p:cNvSpPr/>
+            <p:nvPr/>
+          </p:nvSpPr>
+          <p:spPr>
+            <a:xfrm rot="2700000">
+              <a:off x="5357104" y="73451"/>
+              <a:ext cx="505332" cy="505332"/>
+            </a:xfrm>
+            <a:prstGeom prst="pie">
+              <a:avLst>
+                <a:gd name="adj1" fmla="val 10897748"/>
+                <a:gd name="adj2" fmla="val 16200000"/>
+              </a:avLst>
+            </a:prstGeom>
+            <a:solidFill>
+              <a:schemeClr val="bg1"/>
+            </a:solidFill>
+            <a:ln>
+              <a:noFill/>
+            </a:ln>
+          </p:spPr>
+          <p:style>
+            <a:lnRef idx="2">
+              <a:schemeClr val="accent1">
+                <a:shade val="50000"/>
+              </a:schemeClr>
+            </a:lnRef>
+            <a:fillRef idx="1">
+              <a:schemeClr val="accent1"/>
+            </a:fillRef>
+            <a:effectRef idx="0">
+              <a:schemeClr val="accent1"/>
+            </a:effectRef>
+            <a:fontRef idx="minor">
+              <a:schemeClr val="lt1"/>
+            </a:fontRef>
+          </p:style>
+          <p:txBody>
+            <a:bodyPr rtlCol="0" anchor="ctr"/>
+            <a:lstStyle/>
+            <a:p>
+              <a:pPr algn="ctr"/>
+              <a:endParaRPr lang="zh-TW" altLang="en-US">
+                <a:solidFill>
+                  <a:schemeClr val="tx1"/>
+                </a:solidFill>
+              </a:endParaRPr>
+            </a:p>
+          </p:txBody>
+        </p:sp>
+        <p:grpSp>
+          <p:nvGrpSpPr>
+            <p:cNvPr id="37" name="群組 36" title="Bettery sign"/>
+            <p:cNvGrpSpPr/>
+            <p:nvPr/>
+          </p:nvGrpSpPr>
+          <p:grpSpPr>
+            <a:xfrm>
+              <a:off x="5899149" y="73932"/>
+              <a:ext cx="135889" cy="252185"/>
+              <a:chOff x="6238239" y="70121"/>
+              <a:chExt cx="135889" cy="252185"/>
+            </a:xfrm>
+          </p:grpSpPr>
+          <p:sp>
+            <p:nvSpPr>
+              <p:cNvPr id="39" name="矩形 38"/>
+              <p:cNvSpPr/>
+              <p:nvPr/>
+            </p:nvSpPr>
+            <p:spPr>
+              <a:xfrm flipV="1">
+                <a:off x="6258602" y="70121"/>
+                <a:ext cx="95161" cy="45719"/>
+              </a:xfrm>
+              <a:prstGeom prst="rect">
+                <a:avLst/>
+              </a:prstGeom>
+              <a:solidFill>
+                <a:schemeClr val="bg1"/>
+              </a:solidFill>
+              <a:ln>
+                <a:noFill/>
+              </a:ln>
+            </p:spPr>
+            <p:style>
+              <a:lnRef idx="2">
+                <a:schemeClr val="accent1">
+                  <a:shade val="50000"/>
+                </a:schemeClr>
+              </a:lnRef>
+              <a:fillRef idx="1">
+                <a:schemeClr val="accent1"/>
+              </a:fillRef>
+              <a:effectRef idx="0">
+                <a:schemeClr val="accent1"/>
+              </a:effectRef>
+              <a:fontRef idx="minor">
+                <a:schemeClr val="lt1"/>
+              </a:fontRef>
+            </p:style>
+            <p:txBody>
+              <a:bodyPr rtlCol="0" anchor="ctr"/>
+              <a:lstStyle/>
+              <a:p>
+                <a:pPr algn="ctr"/>
+                <a:endParaRPr lang="zh-TW" altLang="en-US"/>
+              </a:p>
+            </p:txBody>
+          </p:sp>
+          <p:sp>
+            <p:nvSpPr>
+              <p:cNvPr id="40" name="矩形 39"/>
+              <p:cNvSpPr/>
+              <p:nvPr/>
+            </p:nvSpPr>
+            <p:spPr>
+              <a:xfrm>
+                <a:off x="6238239" y="110490"/>
+                <a:ext cx="135889" cy="211816"/>
+              </a:xfrm>
+              <a:prstGeom prst="rect">
+                <a:avLst/>
+              </a:prstGeom>
+              <a:solidFill>
+                <a:schemeClr val="bg1"/>
+              </a:solidFill>
+              <a:ln>
+                <a:noFill/>
+              </a:ln>
+            </p:spPr>
+            <p:style>
+              <a:lnRef idx="2">
+                <a:schemeClr val="accent1">
+                  <a:shade val="50000"/>
+                </a:schemeClr>
+              </a:lnRef>
+              <a:fillRef idx="1">
+                <a:schemeClr val="accent1"/>
+              </a:fillRef>
+              <a:effectRef idx="0">
+                <a:schemeClr val="accent1"/>
+              </a:effectRef>
+              <a:fontRef idx="minor">
+                <a:schemeClr val="lt1"/>
+              </a:fontRef>
+            </p:style>
+            <p:txBody>
+              <a:bodyPr rtlCol="0" anchor="ctr"/>
+              <a:lstStyle/>
+              <a:p>
+                <a:pPr algn="ctr"/>
+                <a:endParaRPr lang="zh-TW" altLang="en-US"/>
+              </a:p>
+            </p:txBody>
+          </p:sp>
+        </p:grpSp>
+        <p:sp>
+          <p:nvSpPr>
+            <p:cNvPr id="38" name="文字方塊 37" title="System time"/>
+            <p:cNvSpPr txBox="1"/>
+            <p:nvPr/>
+          </p:nvSpPr>
+          <p:spPr>
+            <a:xfrm>
+              <a:off x="6173104" y="18535"/>
+              <a:ext cx="1139190" cy="369332"/>
+            </a:xfrm>
+            <a:prstGeom prst="rect">
+              <a:avLst/>
+            </a:prstGeom>
+            <a:noFill/>
+          </p:spPr>
+          <p:txBody>
+            <a:bodyPr wrap="square" rtlCol="0">
+              <a:spAutoFit/>
+            </a:bodyPr>
+            <a:lstStyle/>
+            <a:p>
+              <a:r>
+                <a:rPr lang="en-US" altLang="zh-TW" b="1" dirty="0" smtClean="0">
+                  <a:solidFill>
+                    <a:schemeClr val="bg1"/>
+                  </a:solidFill>
+                  <a:latin typeface="微軟正黑體" panose="020B0604030504040204" pitchFamily="34" charset="-120"/>
+                  <a:ea typeface="微軟正黑體" panose="020B0604030504040204" pitchFamily="34" charset="-120"/>
+                </a:rPr>
+                <a:t>8:00</a:t>
+              </a:r>
+              <a:endParaRPr lang="zh-TW" altLang="en-US" b="1" dirty="0">
+                <a:solidFill>
+                  <a:schemeClr val="bg1"/>
+                </a:solidFill>
+                <a:latin typeface="微軟正黑體" panose="020B0604030504040204" pitchFamily="34" charset="-120"/>
+                <a:ea typeface="微軟正黑體" panose="020B0604030504040204" pitchFamily="34" charset="-120"/>
+              </a:endParaRPr>
+            </a:p>
+          </p:txBody>
+        </p:sp>
+      </p:grpSp>
+      <p:grpSp>
+        <p:nvGrpSpPr>
+          <p:cNvPr id="41" name="群組 40" title="Titile"/>
+          <p:cNvGrpSpPr/>
+          <p:nvPr/>
+        </p:nvGrpSpPr>
+        <p:grpSpPr>
+          <a:xfrm>
+            <a:off x="0" y="406400"/>
+            <a:ext cx="6858000" cy="975359"/>
+            <a:chOff x="0" y="406400"/>
+            <a:chExt cx="6858000" cy="975359"/>
+          </a:xfrm>
+        </p:grpSpPr>
+        <p:sp>
+          <p:nvSpPr>
+            <p:cNvPr id="42" name="矩形 41" title="Title BG"/>
+            <p:cNvSpPr/>
+            <p:nvPr/>
+          </p:nvSpPr>
+          <p:spPr>
+            <a:xfrm>
+              <a:off x="0" y="406400"/>
+              <a:ext cx="6858000" cy="975359"/>
+            </a:xfrm>
+            <a:prstGeom prst="rect">
+              <a:avLst/>
+            </a:prstGeom>
+            <a:solidFill>
+              <a:srgbClr val="4050B5"/>
+            </a:solidFill>
+            <a:ln>
+              <a:noFill/>
+            </a:ln>
+          </p:spPr>
+          <p:style>
+            <a:lnRef idx="2">
+              <a:schemeClr val="accent1">
+                <a:shade val="50000"/>
+              </a:schemeClr>
+            </a:lnRef>
+            <a:fillRef idx="1">
+              <a:schemeClr val="accent1"/>
+            </a:fillRef>
+            <a:effectRef idx="0">
+              <a:schemeClr val="accent1"/>
+            </a:effectRef>
+            <a:fontRef idx="minor">
+              <a:schemeClr val="lt1"/>
+            </a:fontRef>
+          </p:style>
+          <p:txBody>
+            <a:bodyPr rtlCol="0" anchor="ctr"/>
+            <a:lstStyle/>
+            <a:p>
+              <a:pPr algn="ctr"/>
+              <a:endParaRPr lang="zh-TW" altLang="en-US"/>
+            </a:p>
+          </p:txBody>
+        </p:sp>
+        <p:sp>
+          <p:nvSpPr>
+            <p:cNvPr id="43" name="文字方塊 42" title="Titile text"/>
+            <p:cNvSpPr txBox="1"/>
+            <p:nvPr/>
+          </p:nvSpPr>
+          <p:spPr>
+            <a:xfrm>
+              <a:off x="188864" y="632469"/>
+              <a:ext cx="2615296" cy="523220"/>
+            </a:xfrm>
+            <a:prstGeom prst="rect">
+              <a:avLst/>
+            </a:prstGeom>
+            <a:noFill/>
+          </p:spPr>
+          <p:txBody>
+            <a:bodyPr wrap="square" rtlCol="0">
+              <a:spAutoFit/>
+            </a:bodyPr>
+            <a:lstStyle/>
+            <a:p>
+              <a:r>
+                <a:rPr lang="en-US" altLang="zh-TW" sz="2800" b="1" dirty="0" smtClean="0">
+                  <a:solidFill>
+                    <a:schemeClr val="bg1"/>
+                  </a:solidFill>
+                  <a:latin typeface="微軟正黑體" panose="020B0604030504040204" pitchFamily="34" charset="-120"/>
+                  <a:ea typeface="微軟正黑體" panose="020B0604030504040204" pitchFamily="34" charset="-120"/>
+                </a:rPr>
+                <a:t>Statistics</a:t>
+              </a:r>
+              <a:endParaRPr lang="zh-TW" altLang="en-US" b="1" dirty="0">
+                <a:solidFill>
+                  <a:schemeClr val="bg1"/>
+                </a:solidFill>
+                <a:latin typeface="微軟正黑體" panose="020B0604030504040204" pitchFamily="34" charset="-120"/>
+                <a:ea typeface="微軟正黑體" panose="020B0604030504040204" pitchFamily="34" charset="-120"/>
+              </a:endParaRPr>
+            </a:p>
+          </p:txBody>
+        </p:sp>
+      </p:grpSp>
+    </p:spTree>
+    <p:extLst>
+      <p:ext uri="{BB962C8B-B14F-4D97-AF65-F5344CB8AC3E}">
+        <p14:creationId xmlns:p14="http://schemas.microsoft.com/office/powerpoint/2010/main" val="3333223657"/>
+      </p:ext>
+    </p:extLst>
+  </p:cSld>
+  <p:clrMapOvr>
+    <a:masterClrMapping/>
+  </p:clrMapOvr>
+  <p:timing>
+    <p:tnLst>
+      <p:par>
+        <p:cTn id="1" dur="indefinite" restart="never" nodeType="tmRoot"/>
+      </p:par>
+    </p:tnLst>
+  </p:timing>
+</p:sld>
+</file>
+
+<file path=ppt/slides/slide7.xml><?xml version="1.0" encoding="utf-8"?>
+<p:sld xmlns:a="http://schemas.openxmlformats.org/drawingml/2006/main" xmlns:r="http://schemas.openxmlformats.org/officeDocument/2006/relationships" xmlns:p="http://schemas.openxmlformats.org/presentationml/2006/main">
+  <p:cSld>
+    <p:spTree>
+      <p:nvGrpSpPr>
+        <p:cNvPr id="1" name=""/>
+        <p:cNvGrpSpPr/>
+        <p:nvPr/>
+      </p:nvGrpSpPr>
+      <p:grpSpPr>
+        <a:xfrm>
+          <a:off x="0" y="0"/>
+          <a:ext cx="0" cy="0"/>
+          <a:chOff x="0" y="0"/>
+          <a:chExt cx="0" cy="0"/>
+        </a:xfrm>
+      </p:grpSpPr>
+      <p:grpSp>
+        <p:nvGrpSpPr>
+          <p:cNvPr id="32" name="群組 31" title="Bottom system bar"/>
+          <p:cNvGrpSpPr/>
+          <p:nvPr/>
+        </p:nvGrpSpPr>
+        <p:grpSpPr>
+          <a:xfrm>
+            <a:off x="0" y="11440160"/>
+            <a:ext cx="6858000" cy="751840"/>
+            <a:chOff x="0" y="11440160"/>
+            <a:chExt cx="6858000" cy="751840"/>
+          </a:xfrm>
+        </p:grpSpPr>
+        <p:sp>
+          <p:nvSpPr>
+            <p:cNvPr id="28" name="矩形 27" title="Bottom system bar BG"/>
+            <p:cNvSpPr/>
+            <p:nvPr/>
+          </p:nvSpPr>
+          <p:spPr>
+            <a:xfrm>
+              <a:off x="0" y="11440160"/>
+              <a:ext cx="6858000" cy="751840"/>
+            </a:xfrm>
+            <a:prstGeom prst="rect">
+              <a:avLst/>
+            </a:prstGeom>
+            <a:solidFill>
+              <a:schemeClr val="tx1"/>
+            </a:solidFill>
+            <a:ln>
+              <a:noFill/>
+            </a:ln>
+          </p:spPr>
+          <p:style>
+            <a:lnRef idx="2">
+              <a:schemeClr val="accent1">
+                <a:shade val="50000"/>
+              </a:schemeClr>
+            </a:lnRef>
+            <a:fillRef idx="1">
+              <a:schemeClr val="accent1"/>
+            </a:fillRef>
+            <a:effectRef idx="0">
+              <a:schemeClr val="accent1"/>
+            </a:effectRef>
+            <a:fontRef idx="minor">
+              <a:schemeClr val="lt1"/>
+            </a:fontRef>
+          </p:style>
+          <p:txBody>
+            <a:bodyPr rtlCol="0" anchor="ctr"/>
+            <a:lstStyle/>
+            <a:p>
+              <a:pPr algn="ctr"/>
+              <a:endParaRPr lang="zh-TW" altLang="en-US"/>
+            </a:p>
+          </p:txBody>
+        </p:sp>
+        <p:sp>
+          <p:nvSpPr>
+            <p:cNvPr id="29" name="等腰三角形 28" title="Back button"/>
+            <p:cNvSpPr/>
+            <p:nvPr/>
+          </p:nvSpPr>
+          <p:spPr>
+            <a:xfrm rot="16200000">
+              <a:off x="1093700" y="11704405"/>
+              <a:ext cx="259082" cy="223348"/>
+            </a:xfrm>
+            <a:prstGeom prst="triangle">
+              <a:avLst/>
+            </a:prstGeom>
+            <a:noFill/>
+            <a:ln w="28575">
+              <a:solidFill>
+                <a:schemeClr val="bg1"/>
+              </a:solidFill>
+            </a:ln>
+          </p:spPr>
+          <p:style>
+            <a:lnRef idx="2">
+              <a:schemeClr val="accent1">
+                <a:shade val="50000"/>
+              </a:schemeClr>
+            </a:lnRef>
+            <a:fillRef idx="1">
+              <a:schemeClr val="accent1"/>
+            </a:fillRef>
+            <a:effectRef idx="0">
+              <a:schemeClr val="accent1"/>
+            </a:effectRef>
+            <a:fontRef idx="minor">
+              <a:schemeClr val="lt1"/>
+            </a:fontRef>
+          </p:style>
+          <p:txBody>
+            <a:bodyPr rtlCol="0" anchor="ctr"/>
+            <a:lstStyle/>
+            <a:p>
+              <a:pPr algn="ctr"/>
+              <a:endParaRPr lang="zh-TW" altLang="en-US"/>
+            </a:p>
+          </p:txBody>
+        </p:sp>
+        <p:sp>
+          <p:nvSpPr>
+            <p:cNvPr id="30" name="矩形 29" title="View botton"/>
+            <p:cNvSpPr/>
+            <p:nvPr/>
+          </p:nvSpPr>
+          <p:spPr>
+            <a:xfrm>
+              <a:off x="5511320" y="11691872"/>
+              <a:ext cx="246860" cy="246860"/>
+            </a:xfrm>
+            <a:prstGeom prst="rect">
+              <a:avLst/>
+            </a:prstGeom>
+            <a:noFill/>
+            <a:ln w="28575">
+              <a:solidFill>
+                <a:schemeClr val="bg1"/>
+              </a:solidFill>
+            </a:ln>
+          </p:spPr>
+          <p:style>
+            <a:lnRef idx="2">
+              <a:schemeClr val="accent1">
+                <a:shade val="50000"/>
+              </a:schemeClr>
+            </a:lnRef>
+            <a:fillRef idx="1">
+              <a:schemeClr val="accent1"/>
+            </a:fillRef>
+            <a:effectRef idx="0">
+              <a:schemeClr val="accent1"/>
+            </a:effectRef>
+            <a:fontRef idx="minor">
+              <a:schemeClr val="lt1"/>
+            </a:fontRef>
+          </p:style>
+          <p:txBody>
+            <a:bodyPr rtlCol="0" anchor="ctr"/>
+            <a:lstStyle/>
+            <a:p>
+              <a:pPr algn="ctr"/>
+              <a:endParaRPr lang="zh-TW" altLang="en-US"/>
+            </a:p>
+          </p:txBody>
+        </p:sp>
+        <p:sp>
+          <p:nvSpPr>
+            <p:cNvPr id="31" name="橢圓 30" title="Home botton"/>
+            <p:cNvSpPr>
+              <a:spLocks noChangeAspect="1"/>
+            </p:cNvSpPr>
+            <p:nvPr/>
+          </p:nvSpPr>
+          <p:spPr>
+            <a:xfrm>
+              <a:off x="3299462" y="11685763"/>
+              <a:ext cx="259078" cy="259078"/>
+            </a:xfrm>
+            <a:prstGeom prst="ellipse">
+              <a:avLst/>
+            </a:prstGeom>
+            <a:noFill/>
+            <a:ln w="28575">
+              <a:solidFill>
+                <a:schemeClr val="bg1"/>
+              </a:solidFill>
+            </a:ln>
+          </p:spPr>
+          <p:style>
+            <a:lnRef idx="2">
+              <a:schemeClr val="accent1">
+                <a:shade val="50000"/>
+              </a:schemeClr>
+            </a:lnRef>
+            <a:fillRef idx="1">
+              <a:schemeClr val="accent1"/>
+            </a:fillRef>
+            <a:effectRef idx="0">
+              <a:schemeClr val="accent1"/>
+            </a:effectRef>
+            <a:fontRef idx="minor">
+              <a:schemeClr val="lt1"/>
+            </a:fontRef>
+          </p:style>
+          <p:txBody>
+            <a:bodyPr rtlCol="0" anchor="ctr"/>
+            <a:lstStyle/>
+            <a:p>
+              <a:pPr algn="ctr"/>
+              <a:endParaRPr lang="zh-TW" altLang="en-US"/>
+            </a:p>
+          </p:txBody>
+        </p:sp>
+      </p:grpSp>
+      <p:sp>
+        <p:nvSpPr>
+          <p:cNvPr id="45" name="圓角矩形 44" title="Cal_/"/>
+          <p:cNvSpPr/>
+          <p:nvPr/>
+        </p:nvSpPr>
+        <p:spPr>
+          <a:xfrm>
+            <a:off x="64169" y="1450193"/>
+            <a:ext cx="2133600" cy="671488"/>
+          </a:xfrm>
+          <a:prstGeom prst="roundRect">
+            <a:avLst/>
+          </a:prstGeom>
+          <a:solidFill>
+            <a:schemeClr val="bg1">
+              <a:lumMod val="85000"/>
+            </a:schemeClr>
+          </a:solidFill>
+          <a:ln>
+            <a:solidFill>
+              <a:schemeClr val="bg1">
+                <a:lumMod val="75000"/>
+              </a:schemeClr>
+            </a:solidFill>
+          </a:ln>
+        </p:spPr>
+        <p:style>
+          <a:lnRef idx="2">
+            <a:schemeClr val="accent1">
+              <a:shade val="50000"/>
+            </a:schemeClr>
+          </a:lnRef>
+          <a:fillRef idx="1">
+            <a:schemeClr val="accent1"/>
+          </a:fillRef>
+          <a:effectRef idx="0">
+            <a:schemeClr val="accent1"/>
+          </a:effectRef>
+          <a:fontRef idx="minor">
+            <a:schemeClr val="lt1"/>
+          </a:fontRef>
+        </p:style>
+        <p:txBody>
+          <a:bodyPr rtlCol="0" anchor="ctr"/>
+          <a:lstStyle/>
+          <a:p>
+            <a:pPr algn="ctr"/>
+            <a:r>
+              <a:rPr lang="zh-TW" altLang="en-US" sz="2400" dirty="0" smtClean="0">
+                <a:solidFill>
+                  <a:schemeClr val="tx1"/>
+                </a:solidFill>
+                <a:latin typeface="微軟正黑體" panose="020B0604030504040204" pitchFamily="34" charset="-120"/>
+                <a:ea typeface="微軟正黑體" panose="020B0604030504040204" pitchFamily="34" charset="-120"/>
+              </a:rPr>
+              <a:t>年</a:t>
+            </a:r>
+            <a:endParaRPr lang="zh-TW" altLang="en-US" sz="2400" dirty="0">
+              <a:solidFill>
+                <a:schemeClr val="tx1"/>
+              </a:solidFill>
+              <a:latin typeface="微軟正黑體" panose="020B0604030504040204" pitchFamily="34" charset="-120"/>
+              <a:ea typeface="微軟正黑體" panose="020B0604030504040204" pitchFamily="34" charset="-120"/>
+            </a:endParaRPr>
+          </a:p>
+        </p:txBody>
+      </p:sp>
+      <p:sp>
+        <p:nvSpPr>
+          <p:cNvPr id="35" name="圓角矩形 34" title="Cal_/"/>
+          <p:cNvSpPr/>
+          <p:nvPr/>
+        </p:nvSpPr>
+        <p:spPr>
+          <a:xfrm>
+            <a:off x="2360998" y="1450193"/>
+            <a:ext cx="2133600" cy="671488"/>
+          </a:xfrm>
+          <a:prstGeom prst="roundRect">
+            <a:avLst/>
+          </a:prstGeom>
+          <a:solidFill>
+            <a:schemeClr val="bg1">
+              <a:lumMod val="85000"/>
+            </a:schemeClr>
+          </a:solidFill>
+          <a:ln>
+            <a:solidFill>
+              <a:schemeClr val="bg1">
+                <a:lumMod val="75000"/>
+              </a:schemeClr>
+            </a:solidFill>
+          </a:ln>
+        </p:spPr>
+        <p:style>
+          <a:lnRef idx="2">
+            <a:schemeClr val="accent1">
+              <a:shade val="50000"/>
+            </a:schemeClr>
+          </a:lnRef>
+          <a:fillRef idx="1">
+            <a:schemeClr val="accent1"/>
+          </a:fillRef>
+          <a:effectRef idx="0">
+            <a:schemeClr val="accent1"/>
+          </a:effectRef>
+          <a:fontRef idx="minor">
+            <a:schemeClr val="lt1"/>
+          </a:fontRef>
+        </p:style>
+        <p:txBody>
+          <a:bodyPr rtlCol="0" anchor="ctr"/>
+          <a:lstStyle/>
+          <a:p>
+            <a:pPr algn="ctr"/>
+            <a:r>
+              <a:rPr lang="zh-TW" altLang="en-US" sz="2400" dirty="0" smtClean="0">
+                <a:solidFill>
+                  <a:schemeClr val="tx1"/>
+                </a:solidFill>
+                <a:latin typeface="微軟正黑體" panose="020B0604030504040204" pitchFamily="34" charset="-120"/>
+                <a:ea typeface="微軟正黑體" panose="020B0604030504040204" pitchFamily="34" charset="-120"/>
+              </a:rPr>
+              <a:t>月</a:t>
+            </a:r>
+            <a:endParaRPr lang="zh-TW" altLang="en-US" sz="2400" dirty="0">
+              <a:solidFill>
+                <a:schemeClr val="tx1"/>
+              </a:solidFill>
+              <a:latin typeface="微軟正黑體" panose="020B0604030504040204" pitchFamily="34" charset="-120"/>
+              <a:ea typeface="微軟正黑體" panose="020B0604030504040204" pitchFamily="34" charset="-120"/>
+            </a:endParaRPr>
+          </a:p>
+        </p:txBody>
+      </p:sp>
+      <p:sp>
+        <p:nvSpPr>
+          <p:cNvPr id="36" name="圓角矩形 35" title="Cal_/"/>
+          <p:cNvSpPr/>
+          <p:nvPr/>
+        </p:nvSpPr>
+        <p:spPr>
+          <a:xfrm>
+            <a:off x="4657827" y="1450193"/>
+            <a:ext cx="2133600" cy="671488"/>
+          </a:xfrm>
+          <a:prstGeom prst="roundRect">
+            <a:avLst/>
+          </a:prstGeom>
+          <a:solidFill>
+            <a:schemeClr val="bg1">
+              <a:lumMod val="85000"/>
+            </a:schemeClr>
+          </a:solidFill>
+          <a:ln>
+            <a:solidFill>
+              <a:schemeClr val="bg1">
+                <a:lumMod val="75000"/>
+              </a:schemeClr>
+            </a:solidFill>
+          </a:ln>
+        </p:spPr>
+        <p:style>
+          <a:lnRef idx="2">
+            <a:schemeClr val="accent1">
+              <a:shade val="50000"/>
+            </a:schemeClr>
+          </a:lnRef>
+          <a:fillRef idx="1">
+            <a:schemeClr val="accent1"/>
+          </a:fillRef>
+          <a:effectRef idx="0">
+            <a:schemeClr val="accent1"/>
+          </a:effectRef>
+          <a:fontRef idx="minor">
+            <a:schemeClr val="lt1"/>
+          </a:fontRef>
+        </p:style>
+        <p:txBody>
+          <a:bodyPr rtlCol="0" anchor="ctr"/>
+          <a:lstStyle/>
+          <a:p>
+            <a:pPr algn="ctr"/>
+            <a:r>
+              <a:rPr lang="zh-TW" altLang="en-US" sz="2400" dirty="0" smtClean="0">
+                <a:solidFill>
+                  <a:schemeClr val="tx1"/>
+                </a:solidFill>
+                <a:latin typeface="微軟正黑體" panose="020B0604030504040204" pitchFamily="34" charset="-120"/>
+                <a:ea typeface="微軟正黑體" panose="020B0604030504040204" pitchFamily="34" charset="-120"/>
+              </a:rPr>
+              <a:t>日</a:t>
+            </a:r>
+            <a:endParaRPr lang="zh-TW" altLang="en-US" sz="2400" dirty="0">
+              <a:solidFill>
+                <a:schemeClr val="tx1"/>
+              </a:solidFill>
+              <a:latin typeface="微軟正黑體" panose="020B0604030504040204" pitchFamily="34" charset="-120"/>
+              <a:ea typeface="微軟正黑體" panose="020B0604030504040204" pitchFamily="34" charset="-120"/>
+            </a:endParaRPr>
+          </a:p>
+        </p:txBody>
+      </p:sp>
+      <p:pic>
+        <p:nvPicPr>
+          <p:cNvPr id="3" name="圖片 2"/>
+          <p:cNvPicPr>
+            <a:picLocks noChangeAspect="1"/>
+          </p:cNvPicPr>
+          <p:nvPr/>
+        </p:nvPicPr>
+        <p:blipFill>
+          <a:blip r:embed="rId2">
+            <a:extLst>
+              <a:ext uri="{28A0092B-C50C-407E-A947-70E740481C1C}">
+                <a14:useLocalDpi xmlns:a14="http://schemas.microsoft.com/office/drawing/2010/main" val="0"/>
+              </a:ext>
+            </a:extLst>
+          </a:blip>
+          <a:stretch>
+            <a:fillRect/>
+          </a:stretch>
+        </p:blipFill>
+        <p:spPr>
+          <a:xfrm>
+            <a:off x="1576165" y="2400143"/>
+            <a:ext cx="444517" cy="453407"/>
+          </a:xfrm>
+          <a:prstGeom prst="rect">
+            <a:avLst/>
+          </a:prstGeom>
+        </p:spPr>
+      </p:pic>
+      <p:pic>
+        <p:nvPicPr>
+          <p:cNvPr id="6" name="圖片 5"/>
+          <p:cNvPicPr>
+            <a:picLocks noChangeAspect="1"/>
+          </p:cNvPicPr>
+          <p:nvPr/>
+        </p:nvPicPr>
+        <p:blipFill>
+          <a:blip r:embed="rId3">
+            <a:extLst>
+              <a:ext uri="{28A0092B-C50C-407E-A947-70E740481C1C}">
+                <a14:useLocalDpi xmlns:a14="http://schemas.microsoft.com/office/drawing/2010/main" val="0"/>
+              </a:ext>
+            </a:extLst>
+          </a:blip>
+          <a:stretch>
+            <a:fillRect/>
+          </a:stretch>
+        </p:blipFill>
+        <p:spPr>
+          <a:xfrm>
             <a:off x="4850902" y="2400143"/>
             <a:ext cx="444706" cy="453600"/>
           </a:xfrm>
@@ -13551,10 +14473,2432 @@
           </a:prstGeom>
         </p:spPr>
       </p:pic>
+      <p:grpSp>
+        <p:nvGrpSpPr>
+          <p:cNvPr id="25" name="群組 24"/>
+          <p:cNvGrpSpPr/>
+          <p:nvPr/>
+        </p:nvGrpSpPr>
+        <p:grpSpPr>
+          <a:xfrm>
+            <a:off x="0" y="1"/>
+            <a:ext cx="7312294" cy="578782"/>
+            <a:chOff x="0" y="1"/>
+            <a:chExt cx="7312294" cy="578782"/>
+          </a:xfrm>
+        </p:grpSpPr>
+        <p:sp>
+          <p:nvSpPr>
+            <p:cNvPr id="33" name="矩形 32" title="Top system bar"/>
+            <p:cNvSpPr/>
+            <p:nvPr/>
+          </p:nvSpPr>
+          <p:spPr>
+            <a:xfrm>
+              <a:off x="0" y="1"/>
+              <a:ext cx="6858000" cy="406400"/>
+            </a:xfrm>
+            <a:prstGeom prst="rect">
+              <a:avLst/>
+            </a:prstGeom>
+            <a:solidFill>
+              <a:srgbClr val="30409F"/>
+            </a:solidFill>
+            <a:ln>
+              <a:noFill/>
+            </a:ln>
+          </p:spPr>
+          <p:style>
+            <a:lnRef idx="2">
+              <a:schemeClr val="accent1">
+                <a:shade val="50000"/>
+              </a:schemeClr>
+            </a:lnRef>
+            <a:fillRef idx="1">
+              <a:schemeClr val="accent1"/>
+            </a:fillRef>
+            <a:effectRef idx="0">
+              <a:schemeClr val="accent1"/>
+            </a:effectRef>
+            <a:fontRef idx="minor">
+              <a:schemeClr val="lt1"/>
+            </a:fontRef>
+          </p:style>
+          <p:txBody>
+            <a:bodyPr rtlCol="0" anchor="ctr"/>
+            <a:lstStyle/>
+            <a:p>
+              <a:pPr algn="ctr"/>
+              <a:endParaRPr lang="zh-TW" altLang="en-US"/>
+            </a:p>
+          </p:txBody>
+        </p:sp>
+        <p:sp>
+          <p:nvSpPr>
+            <p:cNvPr id="34" name="圓形圖 33" title="Wifi sign"/>
+            <p:cNvSpPr/>
+            <p:nvPr/>
+          </p:nvSpPr>
+          <p:spPr>
+            <a:xfrm rot="2700000">
+              <a:off x="5357104" y="73451"/>
+              <a:ext cx="505332" cy="505332"/>
+            </a:xfrm>
+            <a:prstGeom prst="pie">
+              <a:avLst>
+                <a:gd name="adj1" fmla="val 10897748"/>
+                <a:gd name="adj2" fmla="val 16200000"/>
+              </a:avLst>
+            </a:prstGeom>
+            <a:solidFill>
+              <a:schemeClr val="bg1"/>
+            </a:solidFill>
+            <a:ln>
+              <a:noFill/>
+            </a:ln>
+          </p:spPr>
+          <p:style>
+            <a:lnRef idx="2">
+              <a:schemeClr val="accent1">
+                <a:shade val="50000"/>
+              </a:schemeClr>
+            </a:lnRef>
+            <a:fillRef idx="1">
+              <a:schemeClr val="accent1"/>
+            </a:fillRef>
+            <a:effectRef idx="0">
+              <a:schemeClr val="accent1"/>
+            </a:effectRef>
+            <a:fontRef idx="minor">
+              <a:schemeClr val="lt1"/>
+            </a:fontRef>
+          </p:style>
+          <p:txBody>
+            <a:bodyPr rtlCol="0" anchor="ctr"/>
+            <a:lstStyle/>
+            <a:p>
+              <a:pPr algn="ctr"/>
+              <a:endParaRPr lang="zh-TW" altLang="en-US">
+                <a:solidFill>
+                  <a:schemeClr val="tx1"/>
+                </a:solidFill>
+              </a:endParaRPr>
+            </a:p>
+          </p:txBody>
+        </p:sp>
+        <p:grpSp>
+          <p:nvGrpSpPr>
+            <p:cNvPr id="37" name="群組 36" title="Bettery sign"/>
+            <p:cNvGrpSpPr/>
+            <p:nvPr/>
+          </p:nvGrpSpPr>
+          <p:grpSpPr>
+            <a:xfrm>
+              <a:off x="5899149" y="73932"/>
+              <a:ext cx="135889" cy="252185"/>
+              <a:chOff x="6238239" y="70121"/>
+              <a:chExt cx="135889" cy="252185"/>
+            </a:xfrm>
+          </p:grpSpPr>
+          <p:sp>
+            <p:nvSpPr>
+              <p:cNvPr id="39" name="矩形 38"/>
+              <p:cNvSpPr/>
+              <p:nvPr/>
+            </p:nvSpPr>
+            <p:spPr>
+              <a:xfrm flipV="1">
+                <a:off x="6258602" y="70121"/>
+                <a:ext cx="95161" cy="45719"/>
+              </a:xfrm>
+              <a:prstGeom prst="rect">
+                <a:avLst/>
+              </a:prstGeom>
+              <a:solidFill>
+                <a:schemeClr val="bg1"/>
+              </a:solidFill>
+              <a:ln>
+                <a:noFill/>
+              </a:ln>
+            </p:spPr>
+            <p:style>
+              <a:lnRef idx="2">
+                <a:schemeClr val="accent1">
+                  <a:shade val="50000"/>
+                </a:schemeClr>
+              </a:lnRef>
+              <a:fillRef idx="1">
+                <a:schemeClr val="accent1"/>
+              </a:fillRef>
+              <a:effectRef idx="0">
+                <a:schemeClr val="accent1"/>
+              </a:effectRef>
+              <a:fontRef idx="minor">
+                <a:schemeClr val="lt1"/>
+              </a:fontRef>
+            </p:style>
+            <p:txBody>
+              <a:bodyPr rtlCol="0" anchor="ctr"/>
+              <a:lstStyle/>
+              <a:p>
+                <a:pPr algn="ctr"/>
+                <a:endParaRPr lang="zh-TW" altLang="en-US"/>
+              </a:p>
+            </p:txBody>
+          </p:sp>
+          <p:sp>
+            <p:nvSpPr>
+              <p:cNvPr id="40" name="矩形 39"/>
+              <p:cNvSpPr/>
+              <p:nvPr/>
+            </p:nvSpPr>
+            <p:spPr>
+              <a:xfrm>
+                <a:off x="6238239" y="110490"/>
+                <a:ext cx="135889" cy="211816"/>
+              </a:xfrm>
+              <a:prstGeom prst="rect">
+                <a:avLst/>
+              </a:prstGeom>
+              <a:solidFill>
+                <a:schemeClr val="bg1"/>
+              </a:solidFill>
+              <a:ln>
+                <a:noFill/>
+              </a:ln>
+            </p:spPr>
+            <p:style>
+              <a:lnRef idx="2">
+                <a:schemeClr val="accent1">
+                  <a:shade val="50000"/>
+                </a:schemeClr>
+              </a:lnRef>
+              <a:fillRef idx="1">
+                <a:schemeClr val="accent1"/>
+              </a:fillRef>
+              <a:effectRef idx="0">
+                <a:schemeClr val="accent1"/>
+              </a:effectRef>
+              <a:fontRef idx="minor">
+                <a:schemeClr val="lt1"/>
+              </a:fontRef>
+            </p:style>
+            <p:txBody>
+              <a:bodyPr rtlCol="0" anchor="ctr"/>
+              <a:lstStyle/>
+              <a:p>
+                <a:pPr algn="ctr"/>
+                <a:endParaRPr lang="zh-TW" altLang="en-US"/>
+              </a:p>
+            </p:txBody>
+          </p:sp>
+        </p:grpSp>
+        <p:sp>
+          <p:nvSpPr>
+            <p:cNvPr id="38" name="文字方塊 37" title="System time"/>
+            <p:cNvSpPr txBox="1"/>
+            <p:nvPr/>
+          </p:nvSpPr>
+          <p:spPr>
+            <a:xfrm>
+              <a:off x="6173104" y="18535"/>
+              <a:ext cx="1139190" cy="369332"/>
+            </a:xfrm>
+            <a:prstGeom prst="rect">
+              <a:avLst/>
+            </a:prstGeom>
+            <a:noFill/>
+          </p:spPr>
+          <p:txBody>
+            <a:bodyPr wrap="square" rtlCol="0">
+              <a:spAutoFit/>
+            </a:bodyPr>
+            <a:lstStyle/>
+            <a:p>
+              <a:r>
+                <a:rPr lang="en-US" altLang="zh-TW" b="1" dirty="0" smtClean="0">
+                  <a:solidFill>
+                    <a:schemeClr val="bg1"/>
+                  </a:solidFill>
+                  <a:latin typeface="微軟正黑體" panose="020B0604030504040204" pitchFamily="34" charset="-120"/>
+                  <a:ea typeface="微軟正黑體" panose="020B0604030504040204" pitchFamily="34" charset="-120"/>
+                </a:rPr>
+                <a:t>8:00</a:t>
+              </a:r>
+              <a:endParaRPr lang="zh-TW" altLang="en-US" b="1" dirty="0">
+                <a:solidFill>
+                  <a:schemeClr val="bg1"/>
+                </a:solidFill>
+                <a:latin typeface="微軟正黑體" panose="020B0604030504040204" pitchFamily="34" charset="-120"/>
+                <a:ea typeface="微軟正黑體" panose="020B0604030504040204" pitchFamily="34" charset="-120"/>
+              </a:endParaRPr>
+            </a:p>
+          </p:txBody>
+        </p:sp>
+      </p:grpSp>
+      <p:grpSp>
+        <p:nvGrpSpPr>
+          <p:cNvPr id="41" name="群組 40" title="Titile"/>
+          <p:cNvGrpSpPr/>
+          <p:nvPr/>
+        </p:nvGrpSpPr>
+        <p:grpSpPr>
+          <a:xfrm>
+            <a:off x="0" y="406400"/>
+            <a:ext cx="6858000" cy="975359"/>
+            <a:chOff x="0" y="406400"/>
+            <a:chExt cx="6858000" cy="975359"/>
+          </a:xfrm>
+        </p:grpSpPr>
+        <p:sp>
+          <p:nvSpPr>
+            <p:cNvPr id="42" name="矩形 41" title="Title BG"/>
+            <p:cNvSpPr/>
+            <p:nvPr/>
+          </p:nvSpPr>
+          <p:spPr>
+            <a:xfrm>
+              <a:off x="0" y="406400"/>
+              <a:ext cx="6858000" cy="975359"/>
+            </a:xfrm>
+            <a:prstGeom prst="rect">
+              <a:avLst/>
+            </a:prstGeom>
+            <a:solidFill>
+              <a:srgbClr val="4050B5"/>
+            </a:solidFill>
+            <a:ln>
+              <a:noFill/>
+            </a:ln>
+          </p:spPr>
+          <p:style>
+            <a:lnRef idx="2">
+              <a:schemeClr val="accent1">
+                <a:shade val="50000"/>
+              </a:schemeClr>
+            </a:lnRef>
+            <a:fillRef idx="1">
+              <a:schemeClr val="accent1"/>
+            </a:fillRef>
+            <a:effectRef idx="0">
+              <a:schemeClr val="accent1"/>
+            </a:effectRef>
+            <a:fontRef idx="minor">
+              <a:schemeClr val="lt1"/>
+            </a:fontRef>
+          </p:style>
+          <p:txBody>
+            <a:bodyPr rtlCol="0" anchor="ctr"/>
+            <a:lstStyle/>
+            <a:p>
+              <a:pPr algn="ctr"/>
+              <a:endParaRPr lang="zh-TW" altLang="en-US"/>
+            </a:p>
+          </p:txBody>
+        </p:sp>
+        <p:sp>
+          <p:nvSpPr>
+            <p:cNvPr id="43" name="文字方塊 42" title="Titile text"/>
+            <p:cNvSpPr txBox="1"/>
+            <p:nvPr/>
+          </p:nvSpPr>
+          <p:spPr>
+            <a:xfrm>
+              <a:off x="188864" y="632469"/>
+              <a:ext cx="2615296" cy="523220"/>
+            </a:xfrm>
+            <a:prstGeom prst="rect">
+              <a:avLst/>
+            </a:prstGeom>
+            <a:noFill/>
+          </p:spPr>
+          <p:txBody>
+            <a:bodyPr wrap="square" rtlCol="0">
+              <a:spAutoFit/>
+            </a:bodyPr>
+            <a:lstStyle/>
+            <a:p>
+              <a:r>
+                <a:rPr lang="en-US" altLang="zh-TW" sz="2800" b="1" dirty="0" smtClean="0">
+                  <a:solidFill>
+                    <a:schemeClr val="bg1"/>
+                  </a:solidFill>
+                  <a:latin typeface="微軟正黑體" panose="020B0604030504040204" pitchFamily="34" charset="-120"/>
+                  <a:ea typeface="微軟正黑體" panose="020B0604030504040204" pitchFamily="34" charset="-120"/>
+                </a:rPr>
+                <a:t>Statistics</a:t>
+              </a:r>
+              <a:endParaRPr lang="zh-TW" altLang="en-US" b="1" dirty="0">
+                <a:solidFill>
+                  <a:schemeClr val="bg1"/>
+                </a:solidFill>
+                <a:latin typeface="微軟正黑體" panose="020B0604030504040204" pitchFamily="34" charset="-120"/>
+                <a:ea typeface="微軟正黑體" panose="020B0604030504040204" pitchFamily="34" charset="-120"/>
+              </a:endParaRPr>
+            </a:p>
+          </p:txBody>
+        </p:sp>
+      </p:grpSp>
     </p:spTree>
     <p:extLst>
       <p:ext uri="{BB962C8B-B14F-4D97-AF65-F5344CB8AC3E}">
         <p14:creationId xmlns:p14="http://schemas.microsoft.com/office/powerpoint/2010/main" val="1244337233"/>
+      </p:ext>
+    </p:extLst>
+  </p:cSld>
+  <p:clrMapOvr>
+    <a:masterClrMapping/>
+  </p:clrMapOvr>
+  <p:timing>
+    <p:tnLst>
+      <p:par>
+        <p:cTn id="1" dur="indefinite" restart="never" nodeType="tmRoot"/>
+      </p:par>
+    </p:tnLst>
+  </p:timing>
+</p:sld>
+</file>
+
+<file path=ppt/slides/slide8.xml><?xml version="1.0" encoding="utf-8"?>
+<p:sld xmlns:a="http://schemas.openxmlformats.org/drawingml/2006/main" xmlns:r="http://schemas.openxmlformats.org/officeDocument/2006/relationships" xmlns:p="http://schemas.openxmlformats.org/presentationml/2006/main">
+  <p:cSld>
+    <p:spTree>
+      <p:nvGrpSpPr>
+        <p:cNvPr id="1" name=""/>
+        <p:cNvGrpSpPr/>
+        <p:nvPr/>
+      </p:nvGrpSpPr>
+      <p:grpSpPr>
+        <a:xfrm>
+          <a:off x="0" y="0"/>
+          <a:ext cx="0" cy="0"/>
+          <a:chOff x="0" y="0"/>
+          <a:chExt cx="0" cy="0"/>
+        </a:xfrm>
+      </p:grpSpPr>
+      <p:grpSp>
+        <p:nvGrpSpPr>
+          <p:cNvPr id="32" name="群組 31" title="Bottom system bar"/>
+          <p:cNvGrpSpPr/>
+          <p:nvPr/>
+        </p:nvGrpSpPr>
+        <p:grpSpPr>
+          <a:xfrm>
+            <a:off x="0" y="11440160"/>
+            <a:ext cx="6858000" cy="751840"/>
+            <a:chOff x="0" y="11440160"/>
+            <a:chExt cx="6858000" cy="751840"/>
+          </a:xfrm>
+        </p:grpSpPr>
+        <p:sp>
+          <p:nvSpPr>
+            <p:cNvPr id="28" name="矩形 27" title="Bottom system bar BG"/>
+            <p:cNvSpPr/>
+            <p:nvPr/>
+          </p:nvSpPr>
+          <p:spPr>
+            <a:xfrm>
+              <a:off x="0" y="11440160"/>
+              <a:ext cx="6858000" cy="751840"/>
+            </a:xfrm>
+            <a:prstGeom prst="rect">
+              <a:avLst/>
+            </a:prstGeom>
+            <a:solidFill>
+              <a:schemeClr val="tx1"/>
+            </a:solidFill>
+            <a:ln>
+              <a:noFill/>
+            </a:ln>
+          </p:spPr>
+          <p:style>
+            <a:lnRef idx="2">
+              <a:schemeClr val="accent1">
+                <a:shade val="50000"/>
+              </a:schemeClr>
+            </a:lnRef>
+            <a:fillRef idx="1">
+              <a:schemeClr val="accent1"/>
+            </a:fillRef>
+            <a:effectRef idx="0">
+              <a:schemeClr val="accent1"/>
+            </a:effectRef>
+            <a:fontRef idx="minor">
+              <a:schemeClr val="lt1"/>
+            </a:fontRef>
+          </p:style>
+          <p:txBody>
+            <a:bodyPr rtlCol="0" anchor="ctr"/>
+            <a:lstStyle/>
+            <a:p>
+              <a:pPr algn="ctr"/>
+              <a:endParaRPr lang="zh-TW" altLang="en-US"/>
+            </a:p>
+          </p:txBody>
+        </p:sp>
+        <p:sp>
+          <p:nvSpPr>
+            <p:cNvPr id="29" name="等腰三角形 28" title="Back button"/>
+            <p:cNvSpPr/>
+            <p:nvPr/>
+          </p:nvSpPr>
+          <p:spPr>
+            <a:xfrm rot="16200000">
+              <a:off x="1093700" y="11704405"/>
+              <a:ext cx="259082" cy="223348"/>
+            </a:xfrm>
+            <a:prstGeom prst="triangle">
+              <a:avLst/>
+            </a:prstGeom>
+            <a:noFill/>
+            <a:ln w="28575">
+              <a:solidFill>
+                <a:schemeClr val="bg1"/>
+              </a:solidFill>
+            </a:ln>
+          </p:spPr>
+          <p:style>
+            <a:lnRef idx="2">
+              <a:schemeClr val="accent1">
+                <a:shade val="50000"/>
+              </a:schemeClr>
+            </a:lnRef>
+            <a:fillRef idx="1">
+              <a:schemeClr val="accent1"/>
+            </a:fillRef>
+            <a:effectRef idx="0">
+              <a:schemeClr val="accent1"/>
+            </a:effectRef>
+            <a:fontRef idx="minor">
+              <a:schemeClr val="lt1"/>
+            </a:fontRef>
+          </p:style>
+          <p:txBody>
+            <a:bodyPr rtlCol="0" anchor="ctr"/>
+            <a:lstStyle/>
+            <a:p>
+              <a:pPr algn="ctr"/>
+              <a:endParaRPr lang="zh-TW" altLang="en-US"/>
+            </a:p>
+          </p:txBody>
+        </p:sp>
+        <p:sp>
+          <p:nvSpPr>
+            <p:cNvPr id="30" name="矩形 29" title="View botton"/>
+            <p:cNvSpPr/>
+            <p:nvPr/>
+          </p:nvSpPr>
+          <p:spPr>
+            <a:xfrm>
+              <a:off x="5511320" y="11691872"/>
+              <a:ext cx="246860" cy="246860"/>
+            </a:xfrm>
+            <a:prstGeom prst="rect">
+              <a:avLst/>
+            </a:prstGeom>
+            <a:noFill/>
+            <a:ln w="28575">
+              <a:solidFill>
+                <a:schemeClr val="bg1"/>
+              </a:solidFill>
+            </a:ln>
+          </p:spPr>
+          <p:style>
+            <a:lnRef idx="2">
+              <a:schemeClr val="accent1">
+                <a:shade val="50000"/>
+              </a:schemeClr>
+            </a:lnRef>
+            <a:fillRef idx="1">
+              <a:schemeClr val="accent1"/>
+            </a:fillRef>
+            <a:effectRef idx="0">
+              <a:schemeClr val="accent1"/>
+            </a:effectRef>
+            <a:fontRef idx="minor">
+              <a:schemeClr val="lt1"/>
+            </a:fontRef>
+          </p:style>
+          <p:txBody>
+            <a:bodyPr rtlCol="0" anchor="ctr"/>
+            <a:lstStyle/>
+            <a:p>
+              <a:pPr algn="ctr"/>
+              <a:endParaRPr lang="zh-TW" altLang="en-US"/>
+            </a:p>
+          </p:txBody>
+        </p:sp>
+        <p:sp>
+          <p:nvSpPr>
+            <p:cNvPr id="31" name="橢圓 30" title="Home botton"/>
+            <p:cNvSpPr>
+              <a:spLocks noChangeAspect="1"/>
+            </p:cNvSpPr>
+            <p:nvPr/>
+          </p:nvSpPr>
+          <p:spPr>
+            <a:xfrm>
+              <a:off x="3299462" y="11685763"/>
+              <a:ext cx="259078" cy="259078"/>
+            </a:xfrm>
+            <a:prstGeom prst="ellipse">
+              <a:avLst/>
+            </a:prstGeom>
+            <a:noFill/>
+            <a:ln w="28575">
+              <a:solidFill>
+                <a:schemeClr val="bg1"/>
+              </a:solidFill>
+            </a:ln>
+          </p:spPr>
+          <p:style>
+            <a:lnRef idx="2">
+              <a:schemeClr val="accent1">
+                <a:shade val="50000"/>
+              </a:schemeClr>
+            </a:lnRef>
+            <a:fillRef idx="1">
+              <a:schemeClr val="accent1"/>
+            </a:fillRef>
+            <a:effectRef idx="0">
+              <a:schemeClr val="accent1"/>
+            </a:effectRef>
+            <a:fontRef idx="minor">
+              <a:schemeClr val="lt1"/>
+            </a:fontRef>
+          </p:style>
+          <p:txBody>
+            <a:bodyPr rtlCol="0" anchor="ctr"/>
+            <a:lstStyle/>
+            <a:p>
+              <a:pPr algn="ctr"/>
+              <a:endParaRPr lang="zh-TW" altLang="en-US"/>
+            </a:p>
+          </p:txBody>
+        </p:sp>
+      </p:grpSp>
+      <p:sp>
+        <p:nvSpPr>
+          <p:cNvPr id="45" name="圓角矩形 44" title="Cal_/"/>
+          <p:cNvSpPr/>
+          <p:nvPr/>
+        </p:nvSpPr>
+        <p:spPr>
+          <a:xfrm>
+            <a:off x="64169" y="1450193"/>
+            <a:ext cx="2133600" cy="671488"/>
+          </a:xfrm>
+          <a:prstGeom prst="roundRect">
+            <a:avLst/>
+          </a:prstGeom>
+          <a:solidFill>
+            <a:schemeClr val="bg1">
+              <a:lumMod val="85000"/>
+            </a:schemeClr>
+          </a:solidFill>
+          <a:ln>
+            <a:solidFill>
+              <a:schemeClr val="bg1">
+                <a:lumMod val="75000"/>
+              </a:schemeClr>
+            </a:solidFill>
+          </a:ln>
+        </p:spPr>
+        <p:style>
+          <a:lnRef idx="2">
+            <a:schemeClr val="accent1">
+              <a:shade val="50000"/>
+            </a:schemeClr>
+          </a:lnRef>
+          <a:fillRef idx="1">
+            <a:schemeClr val="accent1"/>
+          </a:fillRef>
+          <a:effectRef idx="0">
+            <a:schemeClr val="accent1"/>
+          </a:effectRef>
+          <a:fontRef idx="minor">
+            <a:schemeClr val="lt1"/>
+          </a:fontRef>
+        </p:style>
+        <p:txBody>
+          <a:bodyPr rtlCol="0" anchor="ctr"/>
+          <a:lstStyle/>
+          <a:p>
+            <a:pPr algn="ctr"/>
+            <a:r>
+              <a:rPr lang="zh-TW" altLang="en-US" sz="2400" dirty="0" smtClean="0">
+                <a:solidFill>
+                  <a:schemeClr val="tx1"/>
+                </a:solidFill>
+                <a:latin typeface="微軟正黑體" panose="020B0604030504040204" pitchFamily="34" charset="-120"/>
+                <a:ea typeface="微軟正黑體" panose="020B0604030504040204" pitchFamily="34" charset="-120"/>
+              </a:rPr>
+              <a:t>年</a:t>
+            </a:r>
+            <a:endParaRPr lang="zh-TW" altLang="en-US" sz="2400" dirty="0">
+              <a:solidFill>
+                <a:schemeClr val="tx1"/>
+              </a:solidFill>
+              <a:latin typeface="微軟正黑體" panose="020B0604030504040204" pitchFamily="34" charset="-120"/>
+              <a:ea typeface="微軟正黑體" panose="020B0604030504040204" pitchFamily="34" charset="-120"/>
+            </a:endParaRPr>
+          </a:p>
+        </p:txBody>
+      </p:sp>
+      <p:sp>
+        <p:nvSpPr>
+          <p:cNvPr id="35" name="圓角矩形 34" title="Cal_/"/>
+          <p:cNvSpPr/>
+          <p:nvPr/>
+        </p:nvSpPr>
+        <p:spPr>
+          <a:xfrm>
+            <a:off x="2360998" y="1450193"/>
+            <a:ext cx="2133600" cy="671488"/>
+          </a:xfrm>
+          <a:prstGeom prst="roundRect">
+            <a:avLst/>
+          </a:prstGeom>
+          <a:solidFill>
+            <a:schemeClr val="bg1">
+              <a:lumMod val="85000"/>
+            </a:schemeClr>
+          </a:solidFill>
+          <a:ln>
+            <a:solidFill>
+              <a:schemeClr val="bg1">
+                <a:lumMod val="75000"/>
+              </a:schemeClr>
+            </a:solidFill>
+          </a:ln>
+        </p:spPr>
+        <p:style>
+          <a:lnRef idx="2">
+            <a:schemeClr val="accent1">
+              <a:shade val="50000"/>
+            </a:schemeClr>
+          </a:lnRef>
+          <a:fillRef idx="1">
+            <a:schemeClr val="accent1"/>
+          </a:fillRef>
+          <a:effectRef idx="0">
+            <a:schemeClr val="accent1"/>
+          </a:effectRef>
+          <a:fontRef idx="minor">
+            <a:schemeClr val="lt1"/>
+          </a:fontRef>
+        </p:style>
+        <p:txBody>
+          <a:bodyPr rtlCol="0" anchor="ctr"/>
+          <a:lstStyle/>
+          <a:p>
+            <a:pPr algn="ctr"/>
+            <a:r>
+              <a:rPr lang="zh-TW" altLang="en-US" sz="2400" dirty="0" smtClean="0">
+                <a:solidFill>
+                  <a:schemeClr val="tx1"/>
+                </a:solidFill>
+                <a:latin typeface="微軟正黑體" panose="020B0604030504040204" pitchFamily="34" charset="-120"/>
+                <a:ea typeface="微軟正黑體" panose="020B0604030504040204" pitchFamily="34" charset="-120"/>
+              </a:rPr>
+              <a:t>月</a:t>
+            </a:r>
+            <a:endParaRPr lang="zh-TW" altLang="en-US" sz="2400" dirty="0">
+              <a:solidFill>
+                <a:schemeClr val="tx1"/>
+              </a:solidFill>
+              <a:latin typeface="微軟正黑體" panose="020B0604030504040204" pitchFamily="34" charset="-120"/>
+              <a:ea typeface="微軟正黑體" panose="020B0604030504040204" pitchFamily="34" charset="-120"/>
+            </a:endParaRPr>
+          </a:p>
+        </p:txBody>
+      </p:sp>
+      <p:sp>
+        <p:nvSpPr>
+          <p:cNvPr id="36" name="圓角矩形 35" title="Cal_/"/>
+          <p:cNvSpPr/>
+          <p:nvPr/>
+        </p:nvSpPr>
+        <p:spPr>
+          <a:xfrm>
+            <a:off x="4657827" y="1450193"/>
+            <a:ext cx="2133600" cy="671488"/>
+          </a:xfrm>
+          <a:prstGeom prst="roundRect">
+            <a:avLst/>
+          </a:prstGeom>
+          <a:solidFill>
+            <a:schemeClr val="bg1">
+              <a:lumMod val="85000"/>
+            </a:schemeClr>
+          </a:solidFill>
+          <a:ln>
+            <a:solidFill>
+              <a:schemeClr val="bg1">
+                <a:lumMod val="75000"/>
+              </a:schemeClr>
+            </a:solidFill>
+          </a:ln>
+        </p:spPr>
+        <p:style>
+          <a:lnRef idx="2">
+            <a:schemeClr val="accent1">
+              <a:shade val="50000"/>
+            </a:schemeClr>
+          </a:lnRef>
+          <a:fillRef idx="1">
+            <a:schemeClr val="accent1"/>
+          </a:fillRef>
+          <a:effectRef idx="0">
+            <a:schemeClr val="accent1"/>
+          </a:effectRef>
+          <a:fontRef idx="minor">
+            <a:schemeClr val="lt1"/>
+          </a:fontRef>
+        </p:style>
+        <p:txBody>
+          <a:bodyPr rtlCol="0" anchor="ctr"/>
+          <a:lstStyle/>
+          <a:p>
+            <a:pPr algn="ctr"/>
+            <a:r>
+              <a:rPr lang="zh-TW" altLang="en-US" sz="2400" dirty="0" smtClean="0">
+                <a:solidFill>
+                  <a:schemeClr val="tx1"/>
+                </a:solidFill>
+                <a:latin typeface="微軟正黑體" panose="020B0604030504040204" pitchFamily="34" charset="-120"/>
+                <a:ea typeface="微軟正黑體" panose="020B0604030504040204" pitchFamily="34" charset="-120"/>
+              </a:rPr>
+              <a:t>日</a:t>
+            </a:r>
+            <a:endParaRPr lang="zh-TW" altLang="en-US" sz="2400" dirty="0">
+              <a:solidFill>
+                <a:schemeClr val="tx1"/>
+              </a:solidFill>
+              <a:latin typeface="微軟正黑體" panose="020B0604030504040204" pitchFamily="34" charset="-120"/>
+              <a:ea typeface="微軟正黑體" panose="020B0604030504040204" pitchFamily="34" charset="-120"/>
+            </a:endParaRPr>
+          </a:p>
+        </p:txBody>
+      </p:sp>
+      <p:pic>
+        <p:nvPicPr>
+          <p:cNvPr id="3" name="圖片 2"/>
+          <p:cNvPicPr>
+            <a:picLocks noChangeAspect="1"/>
+          </p:cNvPicPr>
+          <p:nvPr/>
+        </p:nvPicPr>
+        <p:blipFill>
+          <a:blip r:embed="rId2">
+            <a:extLst>
+              <a:ext uri="{28A0092B-C50C-407E-A947-70E740481C1C}">
+                <a14:useLocalDpi xmlns:a14="http://schemas.microsoft.com/office/drawing/2010/main" val="0"/>
+              </a:ext>
+            </a:extLst>
+          </a:blip>
+          <a:stretch>
+            <a:fillRect/>
+          </a:stretch>
+        </p:blipFill>
+        <p:spPr>
+          <a:xfrm>
+            <a:off x="1576165" y="2400143"/>
+            <a:ext cx="444517" cy="453407"/>
+          </a:xfrm>
+          <a:prstGeom prst="rect">
+            <a:avLst/>
+          </a:prstGeom>
+        </p:spPr>
+      </p:pic>
+      <p:pic>
+        <p:nvPicPr>
+          <p:cNvPr id="6" name="圖片 5"/>
+          <p:cNvPicPr>
+            <a:picLocks noChangeAspect="1"/>
+          </p:cNvPicPr>
+          <p:nvPr/>
+        </p:nvPicPr>
+        <p:blipFill>
+          <a:blip r:embed="rId3">
+            <a:extLst>
+              <a:ext uri="{28A0092B-C50C-407E-A947-70E740481C1C}">
+                <a14:useLocalDpi xmlns:a14="http://schemas.microsoft.com/office/drawing/2010/main" val="0"/>
+              </a:ext>
+            </a:extLst>
+          </a:blip>
+          <a:stretch>
+            <a:fillRect/>
+          </a:stretch>
+        </p:blipFill>
+        <p:spPr>
+          <a:xfrm>
+            <a:off x="4850902" y="2400143"/>
+            <a:ext cx="444706" cy="453600"/>
+          </a:xfrm>
+          <a:prstGeom prst="rect">
+            <a:avLst/>
+          </a:prstGeom>
+        </p:spPr>
+      </p:pic>
+      <p:sp>
+        <p:nvSpPr>
+          <p:cNvPr id="13" name="文字方塊 12"/>
+          <p:cNvSpPr txBox="1"/>
+          <p:nvPr/>
+        </p:nvSpPr>
+        <p:spPr>
+          <a:xfrm>
+            <a:off x="2114852" y="2334459"/>
+            <a:ext cx="2633612" cy="584775"/>
+          </a:xfrm>
+          <a:prstGeom prst="rect">
+            <a:avLst/>
+          </a:prstGeom>
+          <a:noFill/>
+        </p:spPr>
+        <p:txBody>
+          <a:bodyPr wrap="square" rtlCol="0">
+            <a:spAutoFit/>
+          </a:bodyPr>
+          <a:lstStyle/>
+          <a:p>
+            <a:pPr algn="ctr"/>
+            <a:r>
+              <a:rPr lang="en-US" altLang="zh-TW" sz="3200" dirty="0" smtClean="0">
+                <a:solidFill>
+                  <a:schemeClr val="tx1">
+                    <a:lumMod val="65000"/>
+                    <a:lumOff val="35000"/>
+                  </a:schemeClr>
+                </a:solidFill>
+                <a:latin typeface="微軟正黑體" panose="020B0604030504040204" pitchFamily="34" charset="-120"/>
+                <a:ea typeface="微軟正黑體" panose="020B0604030504040204" pitchFamily="34" charset="-120"/>
+              </a:rPr>
+              <a:t>2018/06</a:t>
+            </a:r>
+            <a:endParaRPr lang="zh-TW" altLang="en-US" sz="3200" dirty="0">
+              <a:solidFill>
+                <a:schemeClr val="tx1">
+                  <a:lumMod val="65000"/>
+                  <a:lumOff val="35000"/>
+                </a:schemeClr>
+              </a:solidFill>
+              <a:latin typeface="微軟正黑體" panose="020B0604030504040204" pitchFamily="34" charset="-120"/>
+              <a:ea typeface="微軟正黑體" panose="020B0604030504040204" pitchFamily="34" charset="-120"/>
+            </a:endParaRPr>
+          </a:p>
+        </p:txBody>
+      </p:sp>
+      <p:sp>
+        <p:nvSpPr>
+          <p:cNvPr id="14" name="文字方塊 13"/>
+          <p:cNvSpPr txBox="1"/>
+          <p:nvPr/>
+        </p:nvSpPr>
+        <p:spPr>
+          <a:xfrm>
+            <a:off x="417095" y="3336758"/>
+            <a:ext cx="5756009" cy="1384995"/>
+          </a:xfrm>
+          <a:prstGeom prst="rect">
+            <a:avLst/>
+          </a:prstGeom>
+          <a:noFill/>
+        </p:spPr>
+        <p:txBody>
+          <a:bodyPr wrap="square" rtlCol="0">
+            <a:spAutoFit/>
+          </a:bodyPr>
+          <a:lstStyle/>
+          <a:p>
+            <a:r>
+              <a:rPr lang="zh-TW" altLang="en-US" sz="2800" dirty="0" smtClean="0">
+                <a:latin typeface="微軟正黑體" panose="020B0604030504040204" pitchFamily="34" charset="-120"/>
+                <a:ea typeface="微軟正黑體" panose="020B0604030504040204" pitchFamily="34" charset="-120"/>
+              </a:rPr>
+              <a:t>收入：</a:t>
+            </a:r>
+            <a:r>
+              <a:rPr lang="en-US" altLang="zh-TW" sz="2800" dirty="0" smtClean="0">
+                <a:latin typeface="微軟正黑體" panose="020B0604030504040204" pitchFamily="34" charset="-120"/>
+                <a:ea typeface="微軟正黑體" panose="020B0604030504040204" pitchFamily="34" charset="-120"/>
+              </a:rPr>
+              <a:t>$22,000.00</a:t>
+            </a:r>
+          </a:p>
+          <a:p>
+            <a:r>
+              <a:rPr lang="zh-TW" altLang="en-US" sz="2800" dirty="0" smtClean="0">
+                <a:latin typeface="微軟正黑體" panose="020B0604030504040204" pitchFamily="34" charset="-120"/>
+                <a:ea typeface="微軟正黑體" panose="020B0604030504040204" pitchFamily="34" charset="-120"/>
+              </a:rPr>
+              <a:t>支出：</a:t>
+            </a:r>
+            <a:r>
+              <a:rPr lang="en-US" altLang="zh-TW" sz="2800" dirty="0" smtClean="0">
+                <a:latin typeface="微軟正黑體" panose="020B0604030504040204" pitchFamily="34" charset="-120"/>
+                <a:ea typeface="微軟正黑體" panose="020B0604030504040204" pitchFamily="34" charset="-120"/>
+              </a:rPr>
+              <a:t>$23,280.00</a:t>
+            </a:r>
+          </a:p>
+          <a:p>
+            <a:r>
+              <a:rPr lang="zh-TW" altLang="en-US" sz="2800" dirty="0" smtClean="0">
+                <a:latin typeface="微軟正黑體" panose="020B0604030504040204" pitchFamily="34" charset="-120"/>
+                <a:ea typeface="微軟正黑體" panose="020B0604030504040204" pitchFamily="34" charset="-120"/>
+              </a:rPr>
+              <a:t>結餘：</a:t>
+            </a:r>
+            <a:r>
+              <a:rPr lang="en-US" altLang="zh-TW" sz="2800" dirty="0" smtClean="0">
+                <a:latin typeface="微軟正黑體" panose="020B0604030504040204" pitchFamily="34" charset="-120"/>
+                <a:ea typeface="微軟正黑體" panose="020B0604030504040204" pitchFamily="34" charset="-120"/>
+              </a:rPr>
+              <a:t>$-1,280.00</a:t>
+            </a:r>
+            <a:endParaRPr lang="zh-TW" altLang="en-US" sz="2800" dirty="0">
+              <a:latin typeface="微軟正黑體" panose="020B0604030504040204" pitchFamily="34" charset="-120"/>
+              <a:ea typeface="微軟正黑體" panose="020B0604030504040204" pitchFamily="34" charset="-120"/>
+            </a:endParaRPr>
+          </a:p>
+        </p:txBody>
+      </p:sp>
+      <p:pic>
+        <p:nvPicPr>
+          <p:cNvPr id="2" name="圖片 1"/>
+          <p:cNvPicPr>
+            <a:picLocks noChangeAspect="1"/>
+          </p:cNvPicPr>
+          <p:nvPr/>
+        </p:nvPicPr>
+        <p:blipFill>
+          <a:blip r:embed="rId4"/>
+          <a:stretch>
+            <a:fillRect/>
+          </a:stretch>
+        </p:blipFill>
+        <p:spPr>
+          <a:xfrm>
+            <a:off x="1218503" y="5355935"/>
+            <a:ext cx="4506124" cy="4391423"/>
+          </a:xfrm>
+          <a:prstGeom prst="rect">
+            <a:avLst/>
+          </a:prstGeom>
+        </p:spPr>
+      </p:pic>
+      <p:pic>
+        <p:nvPicPr>
+          <p:cNvPr id="8" name="圖片 7"/>
+          <p:cNvPicPr>
+            <a:picLocks noChangeAspect="1"/>
+          </p:cNvPicPr>
+          <p:nvPr/>
+        </p:nvPicPr>
+        <p:blipFill>
+          <a:blip r:embed="rId5"/>
+          <a:stretch>
+            <a:fillRect/>
+          </a:stretch>
+        </p:blipFill>
+        <p:spPr>
+          <a:xfrm>
+            <a:off x="1142410" y="5489188"/>
+            <a:ext cx="4599728" cy="4795461"/>
+          </a:xfrm>
+          <a:prstGeom prst="rect">
+            <a:avLst/>
+          </a:prstGeom>
+        </p:spPr>
+      </p:pic>
+      <p:grpSp>
+        <p:nvGrpSpPr>
+          <p:cNvPr id="33" name="群組 32"/>
+          <p:cNvGrpSpPr/>
+          <p:nvPr/>
+        </p:nvGrpSpPr>
+        <p:grpSpPr>
+          <a:xfrm>
+            <a:off x="0" y="1"/>
+            <a:ext cx="7312294" cy="578782"/>
+            <a:chOff x="0" y="1"/>
+            <a:chExt cx="7312294" cy="578782"/>
+          </a:xfrm>
+        </p:grpSpPr>
+        <p:sp>
+          <p:nvSpPr>
+            <p:cNvPr id="34" name="矩形 33" title="Top system bar"/>
+            <p:cNvSpPr/>
+            <p:nvPr/>
+          </p:nvSpPr>
+          <p:spPr>
+            <a:xfrm>
+              <a:off x="0" y="1"/>
+              <a:ext cx="6858000" cy="406400"/>
+            </a:xfrm>
+            <a:prstGeom prst="rect">
+              <a:avLst/>
+            </a:prstGeom>
+            <a:solidFill>
+              <a:srgbClr val="30409F"/>
+            </a:solidFill>
+            <a:ln>
+              <a:noFill/>
+            </a:ln>
+          </p:spPr>
+          <p:style>
+            <a:lnRef idx="2">
+              <a:schemeClr val="accent1">
+                <a:shade val="50000"/>
+              </a:schemeClr>
+            </a:lnRef>
+            <a:fillRef idx="1">
+              <a:schemeClr val="accent1"/>
+            </a:fillRef>
+            <a:effectRef idx="0">
+              <a:schemeClr val="accent1"/>
+            </a:effectRef>
+            <a:fontRef idx="minor">
+              <a:schemeClr val="lt1"/>
+            </a:fontRef>
+          </p:style>
+          <p:txBody>
+            <a:bodyPr rtlCol="0" anchor="ctr"/>
+            <a:lstStyle/>
+            <a:p>
+              <a:pPr algn="ctr"/>
+              <a:endParaRPr lang="zh-TW" altLang="en-US"/>
+            </a:p>
+          </p:txBody>
+        </p:sp>
+        <p:sp>
+          <p:nvSpPr>
+            <p:cNvPr id="37" name="圓形圖 36" title="Wifi sign"/>
+            <p:cNvSpPr/>
+            <p:nvPr/>
+          </p:nvSpPr>
+          <p:spPr>
+            <a:xfrm rot="2700000">
+              <a:off x="5357104" y="73451"/>
+              <a:ext cx="505332" cy="505332"/>
+            </a:xfrm>
+            <a:prstGeom prst="pie">
+              <a:avLst>
+                <a:gd name="adj1" fmla="val 10897748"/>
+                <a:gd name="adj2" fmla="val 16200000"/>
+              </a:avLst>
+            </a:prstGeom>
+            <a:solidFill>
+              <a:schemeClr val="bg1"/>
+            </a:solidFill>
+            <a:ln>
+              <a:noFill/>
+            </a:ln>
+          </p:spPr>
+          <p:style>
+            <a:lnRef idx="2">
+              <a:schemeClr val="accent1">
+                <a:shade val="50000"/>
+              </a:schemeClr>
+            </a:lnRef>
+            <a:fillRef idx="1">
+              <a:schemeClr val="accent1"/>
+            </a:fillRef>
+            <a:effectRef idx="0">
+              <a:schemeClr val="accent1"/>
+            </a:effectRef>
+            <a:fontRef idx="minor">
+              <a:schemeClr val="lt1"/>
+            </a:fontRef>
+          </p:style>
+          <p:txBody>
+            <a:bodyPr rtlCol="0" anchor="ctr"/>
+            <a:lstStyle/>
+            <a:p>
+              <a:pPr algn="ctr"/>
+              <a:endParaRPr lang="zh-TW" altLang="en-US">
+                <a:solidFill>
+                  <a:schemeClr val="tx1"/>
+                </a:solidFill>
+              </a:endParaRPr>
+            </a:p>
+          </p:txBody>
+        </p:sp>
+        <p:grpSp>
+          <p:nvGrpSpPr>
+            <p:cNvPr id="38" name="群組 37" title="Bettery sign"/>
+            <p:cNvGrpSpPr/>
+            <p:nvPr/>
+          </p:nvGrpSpPr>
+          <p:grpSpPr>
+            <a:xfrm>
+              <a:off x="5899149" y="73932"/>
+              <a:ext cx="135889" cy="252185"/>
+              <a:chOff x="6238239" y="70121"/>
+              <a:chExt cx="135889" cy="252185"/>
+            </a:xfrm>
+          </p:grpSpPr>
+          <p:sp>
+            <p:nvSpPr>
+              <p:cNvPr id="40" name="矩形 39"/>
+              <p:cNvSpPr/>
+              <p:nvPr/>
+            </p:nvSpPr>
+            <p:spPr>
+              <a:xfrm flipV="1">
+                <a:off x="6258602" y="70121"/>
+                <a:ext cx="95161" cy="45719"/>
+              </a:xfrm>
+              <a:prstGeom prst="rect">
+                <a:avLst/>
+              </a:prstGeom>
+              <a:solidFill>
+                <a:schemeClr val="bg1"/>
+              </a:solidFill>
+              <a:ln>
+                <a:noFill/>
+              </a:ln>
+            </p:spPr>
+            <p:style>
+              <a:lnRef idx="2">
+                <a:schemeClr val="accent1">
+                  <a:shade val="50000"/>
+                </a:schemeClr>
+              </a:lnRef>
+              <a:fillRef idx="1">
+                <a:schemeClr val="accent1"/>
+              </a:fillRef>
+              <a:effectRef idx="0">
+                <a:schemeClr val="accent1"/>
+              </a:effectRef>
+              <a:fontRef idx="minor">
+                <a:schemeClr val="lt1"/>
+              </a:fontRef>
+            </p:style>
+            <p:txBody>
+              <a:bodyPr rtlCol="0" anchor="ctr"/>
+              <a:lstStyle/>
+              <a:p>
+                <a:pPr algn="ctr"/>
+                <a:endParaRPr lang="zh-TW" altLang="en-US"/>
+              </a:p>
+            </p:txBody>
+          </p:sp>
+          <p:sp>
+            <p:nvSpPr>
+              <p:cNvPr id="41" name="矩形 40"/>
+              <p:cNvSpPr/>
+              <p:nvPr/>
+            </p:nvSpPr>
+            <p:spPr>
+              <a:xfrm>
+                <a:off x="6238239" y="110490"/>
+                <a:ext cx="135889" cy="211816"/>
+              </a:xfrm>
+              <a:prstGeom prst="rect">
+                <a:avLst/>
+              </a:prstGeom>
+              <a:solidFill>
+                <a:schemeClr val="bg1"/>
+              </a:solidFill>
+              <a:ln>
+                <a:noFill/>
+              </a:ln>
+            </p:spPr>
+            <p:style>
+              <a:lnRef idx="2">
+                <a:schemeClr val="accent1">
+                  <a:shade val="50000"/>
+                </a:schemeClr>
+              </a:lnRef>
+              <a:fillRef idx="1">
+                <a:schemeClr val="accent1"/>
+              </a:fillRef>
+              <a:effectRef idx="0">
+                <a:schemeClr val="accent1"/>
+              </a:effectRef>
+              <a:fontRef idx="minor">
+                <a:schemeClr val="lt1"/>
+              </a:fontRef>
+            </p:style>
+            <p:txBody>
+              <a:bodyPr rtlCol="0" anchor="ctr"/>
+              <a:lstStyle/>
+              <a:p>
+                <a:pPr algn="ctr"/>
+                <a:endParaRPr lang="zh-TW" altLang="en-US"/>
+              </a:p>
+            </p:txBody>
+          </p:sp>
+        </p:grpSp>
+        <p:sp>
+          <p:nvSpPr>
+            <p:cNvPr id="39" name="文字方塊 38" title="System time"/>
+            <p:cNvSpPr txBox="1"/>
+            <p:nvPr/>
+          </p:nvSpPr>
+          <p:spPr>
+            <a:xfrm>
+              <a:off x="6173104" y="18535"/>
+              <a:ext cx="1139190" cy="369332"/>
+            </a:xfrm>
+            <a:prstGeom prst="rect">
+              <a:avLst/>
+            </a:prstGeom>
+            <a:noFill/>
+          </p:spPr>
+          <p:txBody>
+            <a:bodyPr wrap="square" rtlCol="0">
+              <a:spAutoFit/>
+            </a:bodyPr>
+            <a:lstStyle/>
+            <a:p>
+              <a:r>
+                <a:rPr lang="en-US" altLang="zh-TW" b="1" dirty="0" smtClean="0">
+                  <a:solidFill>
+                    <a:schemeClr val="bg1"/>
+                  </a:solidFill>
+                  <a:latin typeface="微軟正黑體" panose="020B0604030504040204" pitchFamily="34" charset="-120"/>
+                  <a:ea typeface="微軟正黑體" panose="020B0604030504040204" pitchFamily="34" charset="-120"/>
+                </a:rPr>
+                <a:t>8:00</a:t>
+              </a:r>
+              <a:endParaRPr lang="zh-TW" altLang="en-US" b="1" dirty="0">
+                <a:solidFill>
+                  <a:schemeClr val="bg1"/>
+                </a:solidFill>
+                <a:latin typeface="微軟正黑體" panose="020B0604030504040204" pitchFamily="34" charset="-120"/>
+                <a:ea typeface="微軟正黑體" panose="020B0604030504040204" pitchFamily="34" charset="-120"/>
+              </a:endParaRPr>
+            </a:p>
+          </p:txBody>
+        </p:sp>
+      </p:grpSp>
+      <p:grpSp>
+        <p:nvGrpSpPr>
+          <p:cNvPr id="42" name="群組 41" title="Titile"/>
+          <p:cNvGrpSpPr/>
+          <p:nvPr/>
+        </p:nvGrpSpPr>
+        <p:grpSpPr>
+          <a:xfrm>
+            <a:off x="0" y="406400"/>
+            <a:ext cx="6858000" cy="975359"/>
+            <a:chOff x="0" y="406400"/>
+            <a:chExt cx="6858000" cy="975359"/>
+          </a:xfrm>
+        </p:grpSpPr>
+        <p:sp>
+          <p:nvSpPr>
+            <p:cNvPr id="43" name="矩形 42" title="Title BG"/>
+            <p:cNvSpPr/>
+            <p:nvPr/>
+          </p:nvSpPr>
+          <p:spPr>
+            <a:xfrm>
+              <a:off x="0" y="406400"/>
+              <a:ext cx="6858000" cy="975359"/>
+            </a:xfrm>
+            <a:prstGeom prst="rect">
+              <a:avLst/>
+            </a:prstGeom>
+            <a:solidFill>
+              <a:srgbClr val="4050B5"/>
+            </a:solidFill>
+            <a:ln>
+              <a:noFill/>
+            </a:ln>
+          </p:spPr>
+          <p:style>
+            <a:lnRef idx="2">
+              <a:schemeClr val="accent1">
+                <a:shade val="50000"/>
+              </a:schemeClr>
+            </a:lnRef>
+            <a:fillRef idx="1">
+              <a:schemeClr val="accent1"/>
+            </a:fillRef>
+            <a:effectRef idx="0">
+              <a:schemeClr val="accent1"/>
+            </a:effectRef>
+            <a:fontRef idx="minor">
+              <a:schemeClr val="lt1"/>
+            </a:fontRef>
+          </p:style>
+          <p:txBody>
+            <a:bodyPr rtlCol="0" anchor="ctr"/>
+            <a:lstStyle/>
+            <a:p>
+              <a:pPr algn="ctr"/>
+              <a:endParaRPr lang="zh-TW" altLang="en-US"/>
+            </a:p>
+          </p:txBody>
+        </p:sp>
+        <p:sp>
+          <p:nvSpPr>
+            <p:cNvPr id="44" name="文字方塊 43" title="Titile text"/>
+            <p:cNvSpPr txBox="1"/>
+            <p:nvPr/>
+          </p:nvSpPr>
+          <p:spPr>
+            <a:xfrm>
+              <a:off x="188864" y="632469"/>
+              <a:ext cx="2615296" cy="523220"/>
+            </a:xfrm>
+            <a:prstGeom prst="rect">
+              <a:avLst/>
+            </a:prstGeom>
+            <a:noFill/>
+          </p:spPr>
+          <p:txBody>
+            <a:bodyPr wrap="square" rtlCol="0">
+              <a:spAutoFit/>
+            </a:bodyPr>
+            <a:lstStyle/>
+            <a:p>
+              <a:r>
+                <a:rPr lang="en-US" altLang="zh-TW" sz="2800" b="1" dirty="0" smtClean="0">
+                  <a:solidFill>
+                    <a:schemeClr val="bg1"/>
+                  </a:solidFill>
+                  <a:latin typeface="微軟正黑體" panose="020B0604030504040204" pitchFamily="34" charset="-120"/>
+                  <a:ea typeface="微軟正黑體" panose="020B0604030504040204" pitchFamily="34" charset="-120"/>
+                </a:rPr>
+                <a:t>Statistics</a:t>
+              </a:r>
+              <a:endParaRPr lang="zh-TW" altLang="en-US" b="1" dirty="0">
+                <a:solidFill>
+                  <a:schemeClr val="bg1"/>
+                </a:solidFill>
+                <a:latin typeface="微軟正黑體" panose="020B0604030504040204" pitchFamily="34" charset="-120"/>
+                <a:ea typeface="微軟正黑體" panose="020B0604030504040204" pitchFamily="34" charset="-120"/>
+              </a:endParaRPr>
+            </a:p>
+          </p:txBody>
+        </p:sp>
+      </p:grpSp>
+    </p:spTree>
+    <p:extLst>
+      <p:ext uri="{BB962C8B-B14F-4D97-AF65-F5344CB8AC3E}">
+        <p14:creationId xmlns:p14="http://schemas.microsoft.com/office/powerpoint/2010/main" val="3012887585"/>
+      </p:ext>
+    </p:extLst>
+  </p:cSld>
+  <p:clrMapOvr>
+    <a:masterClrMapping/>
+  </p:clrMapOvr>
+  <p:timing>
+    <p:tnLst>
+      <p:par>
+        <p:cTn id="1" dur="indefinite" restart="never" nodeType="tmRoot"/>
+      </p:par>
+    </p:tnLst>
+  </p:timing>
+</p:sld>
+</file>
+
+<file path=ppt/slides/slide9.xml><?xml version="1.0" encoding="utf-8"?>
+<p:sld xmlns:a="http://schemas.openxmlformats.org/drawingml/2006/main" xmlns:r="http://schemas.openxmlformats.org/officeDocument/2006/relationships" xmlns:p="http://schemas.openxmlformats.org/presentationml/2006/main">
+  <p:cSld>
+    <p:spTree>
+      <p:nvGrpSpPr>
+        <p:cNvPr id="1" name=""/>
+        <p:cNvGrpSpPr/>
+        <p:nvPr/>
+      </p:nvGrpSpPr>
+      <p:grpSpPr>
+        <a:xfrm>
+          <a:off x="0" y="0"/>
+          <a:ext cx="0" cy="0"/>
+          <a:chOff x="0" y="0"/>
+          <a:chExt cx="0" cy="0"/>
+        </a:xfrm>
+      </p:grpSpPr>
+      <p:pic>
+        <p:nvPicPr>
+          <p:cNvPr id="2" name="圖片 1"/>
+          <p:cNvPicPr>
+            <a:picLocks noChangeAspect="1"/>
+          </p:cNvPicPr>
+          <p:nvPr/>
+        </p:nvPicPr>
+        <p:blipFill>
+          <a:blip r:embed="rId2"/>
+          <a:stretch>
+            <a:fillRect/>
+          </a:stretch>
+        </p:blipFill>
+        <p:spPr>
+          <a:xfrm>
+            <a:off x="1138293" y="5482909"/>
+            <a:ext cx="4347274" cy="4233726"/>
+          </a:xfrm>
+          <a:prstGeom prst="rect">
+            <a:avLst/>
+          </a:prstGeom>
+        </p:spPr>
+      </p:pic>
+      <p:grpSp>
+        <p:nvGrpSpPr>
+          <p:cNvPr id="32" name="群組 31" title="Bottom system bar"/>
+          <p:cNvGrpSpPr/>
+          <p:nvPr/>
+        </p:nvGrpSpPr>
+        <p:grpSpPr>
+          <a:xfrm>
+            <a:off x="0" y="11440160"/>
+            <a:ext cx="6858000" cy="751840"/>
+            <a:chOff x="0" y="11440160"/>
+            <a:chExt cx="6858000" cy="751840"/>
+          </a:xfrm>
+        </p:grpSpPr>
+        <p:sp>
+          <p:nvSpPr>
+            <p:cNvPr id="28" name="矩形 27" title="Bottom system bar BG"/>
+            <p:cNvSpPr/>
+            <p:nvPr/>
+          </p:nvSpPr>
+          <p:spPr>
+            <a:xfrm>
+              <a:off x="0" y="11440160"/>
+              <a:ext cx="6858000" cy="751840"/>
+            </a:xfrm>
+            <a:prstGeom prst="rect">
+              <a:avLst/>
+            </a:prstGeom>
+            <a:solidFill>
+              <a:schemeClr val="tx1"/>
+            </a:solidFill>
+            <a:ln>
+              <a:noFill/>
+            </a:ln>
+          </p:spPr>
+          <p:style>
+            <a:lnRef idx="2">
+              <a:schemeClr val="accent1">
+                <a:shade val="50000"/>
+              </a:schemeClr>
+            </a:lnRef>
+            <a:fillRef idx="1">
+              <a:schemeClr val="accent1"/>
+            </a:fillRef>
+            <a:effectRef idx="0">
+              <a:schemeClr val="accent1"/>
+            </a:effectRef>
+            <a:fontRef idx="minor">
+              <a:schemeClr val="lt1"/>
+            </a:fontRef>
+          </p:style>
+          <p:txBody>
+            <a:bodyPr rtlCol="0" anchor="ctr"/>
+            <a:lstStyle/>
+            <a:p>
+              <a:pPr algn="ctr"/>
+              <a:endParaRPr lang="zh-TW" altLang="en-US"/>
+            </a:p>
+          </p:txBody>
+        </p:sp>
+        <p:sp>
+          <p:nvSpPr>
+            <p:cNvPr id="29" name="等腰三角形 28" title="Back button"/>
+            <p:cNvSpPr/>
+            <p:nvPr/>
+          </p:nvSpPr>
+          <p:spPr>
+            <a:xfrm rot="16200000">
+              <a:off x="1093700" y="11704405"/>
+              <a:ext cx="259082" cy="223348"/>
+            </a:xfrm>
+            <a:prstGeom prst="triangle">
+              <a:avLst/>
+            </a:prstGeom>
+            <a:noFill/>
+            <a:ln w="28575">
+              <a:solidFill>
+                <a:schemeClr val="bg1"/>
+              </a:solidFill>
+            </a:ln>
+          </p:spPr>
+          <p:style>
+            <a:lnRef idx="2">
+              <a:schemeClr val="accent1">
+                <a:shade val="50000"/>
+              </a:schemeClr>
+            </a:lnRef>
+            <a:fillRef idx="1">
+              <a:schemeClr val="accent1"/>
+            </a:fillRef>
+            <a:effectRef idx="0">
+              <a:schemeClr val="accent1"/>
+            </a:effectRef>
+            <a:fontRef idx="minor">
+              <a:schemeClr val="lt1"/>
+            </a:fontRef>
+          </p:style>
+          <p:txBody>
+            <a:bodyPr rtlCol="0" anchor="ctr"/>
+            <a:lstStyle/>
+            <a:p>
+              <a:pPr algn="ctr"/>
+              <a:endParaRPr lang="zh-TW" altLang="en-US"/>
+            </a:p>
+          </p:txBody>
+        </p:sp>
+        <p:sp>
+          <p:nvSpPr>
+            <p:cNvPr id="30" name="矩形 29" title="View botton"/>
+            <p:cNvSpPr/>
+            <p:nvPr/>
+          </p:nvSpPr>
+          <p:spPr>
+            <a:xfrm>
+              <a:off x="5511320" y="11691872"/>
+              <a:ext cx="246860" cy="246860"/>
+            </a:xfrm>
+            <a:prstGeom prst="rect">
+              <a:avLst/>
+            </a:prstGeom>
+            <a:noFill/>
+            <a:ln w="28575">
+              <a:solidFill>
+                <a:schemeClr val="bg1"/>
+              </a:solidFill>
+            </a:ln>
+          </p:spPr>
+          <p:style>
+            <a:lnRef idx="2">
+              <a:schemeClr val="accent1">
+                <a:shade val="50000"/>
+              </a:schemeClr>
+            </a:lnRef>
+            <a:fillRef idx="1">
+              <a:schemeClr val="accent1"/>
+            </a:fillRef>
+            <a:effectRef idx="0">
+              <a:schemeClr val="accent1"/>
+            </a:effectRef>
+            <a:fontRef idx="minor">
+              <a:schemeClr val="lt1"/>
+            </a:fontRef>
+          </p:style>
+          <p:txBody>
+            <a:bodyPr rtlCol="0" anchor="ctr"/>
+            <a:lstStyle/>
+            <a:p>
+              <a:pPr algn="ctr"/>
+              <a:endParaRPr lang="zh-TW" altLang="en-US"/>
+            </a:p>
+          </p:txBody>
+        </p:sp>
+        <p:sp>
+          <p:nvSpPr>
+            <p:cNvPr id="31" name="橢圓 30" title="Home botton"/>
+            <p:cNvSpPr>
+              <a:spLocks noChangeAspect="1"/>
+            </p:cNvSpPr>
+            <p:nvPr/>
+          </p:nvSpPr>
+          <p:spPr>
+            <a:xfrm>
+              <a:off x="3299462" y="11685763"/>
+              <a:ext cx="259078" cy="259078"/>
+            </a:xfrm>
+            <a:prstGeom prst="ellipse">
+              <a:avLst/>
+            </a:prstGeom>
+            <a:noFill/>
+            <a:ln w="28575">
+              <a:solidFill>
+                <a:schemeClr val="bg1"/>
+              </a:solidFill>
+            </a:ln>
+          </p:spPr>
+          <p:style>
+            <a:lnRef idx="2">
+              <a:schemeClr val="accent1">
+                <a:shade val="50000"/>
+              </a:schemeClr>
+            </a:lnRef>
+            <a:fillRef idx="1">
+              <a:schemeClr val="accent1"/>
+            </a:fillRef>
+            <a:effectRef idx="0">
+              <a:schemeClr val="accent1"/>
+            </a:effectRef>
+            <a:fontRef idx="minor">
+              <a:schemeClr val="lt1"/>
+            </a:fontRef>
+          </p:style>
+          <p:txBody>
+            <a:bodyPr rtlCol="0" anchor="ctr"/>
+            <a:lstStyle/>
+            <a:p>
+              <a:pPr algn="ctr"/>
+              <a:endParaRPr lang="zh-TW" altLang="en-US"/>
+            </a:p>
+          </p:txBody>
+        </p:sp>
+      </p:grpSp>
+      <p:sp>
+        <p:nvSpPr>
+          <p:cNvPr id="45" name="圓角矩形 44" title="Cal_/"/>
+          <p:cNvSpPr/>
+          <p:nvPr/>
+        </p:nvSpPr>
+        <p:spPr>
+          <a:xfrm>
+            <a:off x="64169" y="1450193"/>
+            <a:ext cx="2133600" cy="671488"/>
+          </a:xfrm>
+          <a:prstGeom prst="roundRect">
+            <a:avLst/>
+          </a:prstGeom>
+          <a:solidFill>
+            <a:schemeClr val="bg1">
+              <a:lumMod val="85000"/>
+            </a:schemeClr>
+          </a:solidFill>
+          <a:ln>
+            <a:solidFill>
+              <a:schemeClr val="bg1">
+                <a:lumMod val="75000"/>
+              </a:schemeClr>
+            </a:solidFill>
+          </a:ln>
+        </p:spPr>
+        <p:style>
+          <a:lnRef idx="2">
+            <a:schemeClr val="accent1">
+              <a:shade val="50000"/>
+            </a:schemeClr>
+          </a:lnRef>
+          <a:fillRef idx="1">
+            <a:schemeClr val="accent1"/>
+          </a:fillRef>
+          <a:effectRef idx="0">
+            <a:schemeClr val="accent1"/>
+          </a:effectRef>
+          <a:fontRef idx="minor">
+            <a:schemeClr val="lt1"/>
+          </a:fontRef>
+        </p:style>
+        <p:txBody>
+          <a:bodyPr rtlCol="0" anchor="ctr"/>
+          <a:lstStyle/>
+          <a:p>
+            <a:pPr algn="ctr"/>
+            <a:r>
+              <a:rPr lang="zh-TW" altLang="en-US" sz="2400" dirty="0" smtClean="0">
+                <a:solidFill>
+                  <a:schemeClr val="tx1"/>
+                </a:solidFill>
+                <a:latin typeface="微軟正黑體" panose="020B0604030504040204" pitchFamily="34" charset="-120"/>
+                <a:ea typeface="微軟正黑體" panose="020B0604030504040204" pitchFamily="34" charset="-120"/>
+              </a:rPr>
+              <a:t>年</a:t>
+            </a:r>
+            <a:endParaRPr lang="zh-TW" altLang="en-US" sz="2400" dirty="0">
+              <a:solidFill>
+                <a:schemeClr val="tx1"/>
+              </a:solidFill>
+              <a:latin typeface="微軟正黑體" panose="020B0604030504040204" pitchFamily="34" charset="-120"/>
+              <a:ea typeface="微軟正黑體" panose="020B0604030504040204" pitchFamily="34" charset="-120"/>
+            </a:endParaRPr>
+          </a:p>
+        </p:txBody>
+      </p:sp>
+      <p:sp>
+        <p:nvSpPr>
+          <p:cNvPr id="35" name="圓角矩形 34" title="Cal_/"/>
+          <p:cNvSpPr/>
+          <p:nvPr/>
+        </p:nvSpPr>
+        <p:spPr>
+          <a:xfrm>
+            <a:off x="2360998" y="1450193"/>
+            <a:ext cx="2133600" cy="671488"/>
+          </a:xfrm>
+          <a:prstGeom prst="roundRect">
+            <a:avLst/>
+          </a:prstGeom>
+          <a:solidFill>
+            <a:schemeClr val="bg1">
+              <a:lumMod val="85000"/>
+            </a:schemeClr>
+          </a:solidFill>
+          <a:ln>
+            <a:solidFill>
+              <a:schemeClr val="bg1">
+                <a:lumMod val="75000"/>
+              </a:schemeClr>
+            </a:solidFill>
+          </a:ln>
+        </p:spPr>
+        <p:style>
+          <a:lnRef idx="2">
+            <a:schemeClr val="accent1">
+              <a:shade val="50000"/>
+            </a:schemeClr>
+          </a:lnRef>
+          <a:fillRef idx="1">
+            <a:schemeClr val="accent1"/>
+          </a:fillRef>
+          <a:effectRef idx="0">
+            <a:schemeClr val="accent1"/>
+          </a:effectRef>
+          <a:fontRef idx="minor">
+            <a:schemeClr val="lt1"/>
+          </a:fontRef>
+        </p:style>
+        <p:txBody>
+          <a:bodyPr rtlCol="0" anchor="ctr"/>
+          <a:lstStyle/>
+          <a:p>
+            <a:pPr algn="ctr"/>
+            <a:r>
+              <a:rPr lang="zh-TW" altLang="en-US" sz="2400" dirty="0" smtClean="0">
+                <a:solidFill>
+                  <a:schemeClr val="tx1"/>
+                </a:solidFill>
+                <a:latin typeface="微軟正黑體" panose="020B0604030504040204" pitchFamily="34" charset="-120"/>
+                <a:ea typeface="微軟正黑體" panose="020B0604030504040204" pitchFamily="34" charset="-120"/>
+              </a:rPr>
+              <a:t>月</a:t>
+            </a:r>
+            <a:endParaRPr lang="zh-TW" altLang="en-US" sz="2400" dirty="0">
+              <a:solidFill>
+                <a:schemeClr val="tx1"/>
+              </a:solidFill>
+              <a:latin typeface="微軟正黑體" panose="020B0604030504040204" pitchFamily="34" charset="-120"/>
+              <a:ea typeface="微軟正黑體" panose="020B0604030504040204" pitchFamily="34" charset="-120"/>
+            </a:endParaRPr>
+          </a:p>
+        </p:txBody>
+      </p:sp>
+      <p:sp>
+        <p:nvSpPr>
+          <p:cNvPr id="36" name="圓角矩形 35" title="Cal_/"/>
+          <p:cNvSpPr/>
+          <p:nvPr/>
+        </p:nvSpPr>
+        <p:spPr>
+          <a:xfrm>
+            <a:off x="4657827" y="1450193"/>
+            <a:ext cx="2133600" cy="671488"/>
+          </a:xfrm>
+          <a:prstGeom prst="roundRect">
+            <a:avLst/>
+          </a:prstGeom>
+          <a:solidFill>
+            <a:schemeClr val="bg1">
+              <a:lumMod val="85000"/>
+            </a:schemeClr>
+          </a:solidFill>
+          <a:ln>
+            <a:solidFill>
+              <a:schemeClr val="bg1">
+                <a:lumMod val="75000"/>
+              </a:schemeClr>
+            </a:solidFill>
+          </a:ln>
+        </p:spPr>
+        <p:style>
+          <a:lnRef idx="2">
+            <a:schemeClr val="accent1">
+              <a:shade val="50000"/>
+            </a:schemeClr>
+          </a:lnRef>
+          <a:fillRef idx="1">
+            <a:schemeClr val="accent1"/>
+          </a:fillRef>
+          <a:effectRef idx="0">
+            <a:schemeClr val="accent1"/>
+          </a:effectRef>
+          <a:fontRef idx="minor">
+            <a:schemeClr val="lt1"/>
+          </a:fontRef>
+        </p:style>
+        <p:txBody>
+          <a:bodyPr rtlCol="0" anchor="ctr"/>
+          <a:lstStyle/>
+          <a:p>
+            <a:pPr algn="ctr"/>
+            <a:r>
+              <a:rPr lang="zh-TW" altLang="en-US" sz="2400" dirty="0" smtClean="0">
+                <a:solidFill>
+                  <a:schemeClr val="tx1"/>
+                </a:solidFill>
+                <a:latin typeface="微軟正黑體" panose="020B0604030504040204" pitchFamily="34" charset="-120"/>
+                <a:ea typeface="微軟正黑體" panose="020B0604030504040204" pitchFamily="34" charset="-120"/>
+              </a:rPr>
+              <a:t>日</a:t>
+            </a:r>
+            <a:endParaRPr lang="zh-TW" altLang="en-US" sz="2400" dirty="0">
+              <a:solidFill>
+                <a:schemeClr val="tx1"/>
+              </a:solidFill>
+              <a:latin typeface="微軟正黑體" panose="020B0604030504040204" pitchFamily="34" charset="-120"/>
+              <a:ea typeface="微軟正黑體" panose="020B0604030504040204" pitchFamily="34" charset="-120"/>
+            </a:endParaRPr>
+          </a:p>
+        </p:txBody>
+      </p:sp>
+      <p:pic>
+        <p:nvPicPr>
+          <p:cNvPr id="3" name="圖片 2"/>
+          <p:cNvPicPr>
+            <a:picLocks noChangeAspect="1"/>
+          </p:cNvPicPr>
+          <p:nvPr/>
+        </p:nvPicPr>
+        <p:blipFill>
+          <a:blip r:embed="rId3">
+            <a:extLst>
+              <a:ext uri="{28A0092B-C50C-407E-A947-70E740481C1C}">
+                <a14:useLocalDpi xmlns:a14="http://schemas.microsoft.com/office/drawing/2010/main" val="0"/>
+              </a:ext>
+            </a:extLst>
+          </a:blip>
+          <a:stretch>
+            <a:fillRect/>
+          </a:stretch>
+        </p:blipFill>
+        <p:spPr>
+          <a:xfrm>
+            <a:off x="1880963" y="2400143"/>
+            <a:ext cx="444517" cy="453407"/>
+          </a:xfrm>
+          <a:prstGeom prst="rect">
+            <a:avLst/>
+          </a:prstGeom>
+        </p:spPr>
+      </p:pic>
+      <p:pic>
+        <p:nvPicPr>
+          <p:cNvPr id="6" name="圖片 5"/>
+          <p:cNvPicPr>
+            <a:picLocks noChangeAspect="1"/>
+          </p:cNvPicPr>
+          <p:nvPr/>
+        </p:nvPicPr>
+        <p:blipFill>
+          <a:blip r:embed="rId4">
+            <a:extLst>
+              <a:ext uri="{28A0092B-C50C-407E-A947-70E740481C1C}">
+                <a14:useLocalDpi xmlns:a14="http://schemas.microsoft.com/office/drawing/2010/main" val="0"/>
+              </a:ext>
+            </a:extLst>
+          </a:blip>
+          <a:stretch>
+            <a:fillRect/>
+          </a:stretch>
+        </p:blipFill>
+        <p:spPr>
+          <a:xfrm>
+            <a:off x="4530060" y="2400143"/>
+            <a:ext cx="444706" cy="453600"/>
+          </a:xfrm>
+          <a:prstGeom prst="rect">
+            <a:avLst/>
+          </a:prstGeom>
+        </p:spPr>
+      </p:pic>
+      <p:sp>
+        <p:nvSpPr>
+          <p:cNvPr id="13" name="文字方塊 12"/>
+          <p:cNvSpPr txBox="1"/>
+          <p:nvPr/>
+        </p:nvSpPr>
+        <p:spPr>
+          <a:xfrm>
+            <a:off x="2110964" y="2334459"/>
+            <a:ext cx="2633612" cy="584775"/>
+          </a:xfrm>
+          <a:prstGeom prst="rect">
+            <a:avLst/>
+          </a:prstGeom>
+          <a:noFill/>
+        </p:spPr>
+        <p:txBody>
+          <a:bodyPr wrap="square" rtlCol="0">
+            <a:spAutoFit/>
+          </a:bodyPr>
+          <a:lstStyle/>
+          <a:p>
+            <a:pPr algn="ctr"/>
+            <a:r>
+              <a:rPr lang="en-US" altLang="zh-TW" sz="3200" dirty="0" smtClean="0">
+                <a:solidFill>
+                  <a:schemeClr val="tx1">
+                    <a:lumMod val="65000"/>
+                    <a:lumOff val="35000"/>
+                  </a:schemeClr>
+                </a:solidFill>
+                <a:latin typeface="微軟正黑體" panose="020B0604030504040204" pitchFamily="34" charset="-120"/>
+                <a:ea typeface="微軟正黑體" panose="020B0604030504040204" pitchFamily="34" charset="-120"/>
+              </a:rPr>
+              <a:t>2018</a:t>
+            </a:r>
+            <a:endParaRPr lang="zh-TW" altLang="en-US" sz="3200" dirty="0">
+              <a:solidFill>
+                <a:schemeClr val="tx1">
+                  <a:lumMod val="65000"/>
+                  <a:lumOff val="35000"/>
+                </a:schemeClr>
+              </a:solidFill>
+              <a:latin typeface="微軟正黑體" panose="020B0604030504040204" pitchFamily="34" charset="-120"/>
+              <a:ea typeface="微軟正黑體" panose="020B0604030504040204" pitchFamily="34" charset="-120"/>
+            </a:endParaRPr>
+          </a:p>
+        </p:txBody>
+      </p:sp>
+      <p:sp>
+        <p:nvSpPr>
+          <p:cNvPr id="14" name="文字方塊 13"/>
+          <p:cNvSpPr txBox="1"/>
+          <p:nvPr/>
+        </p:nvSpPr>
+        <p:spPr>
+          <a:xfrm>
+            <a:off x="417095" y="3336758"/>
+            <a:ext cx="5756009" cy="1384995"/>
+          </a:xfrm>
+          <a:prstGeom prst="rect">
+            <a:avLst/>
+          </a:prstGeom>
+          <a:noFill/>
+        </p:spPr>
+        <p:txBody>
+          <a:bodyPr wrap="square" rtlCol="0">
+            <a:spAutoFit/>
+          </a:bodyPr>
+          <a:lstStyle/>
+          <a:p>
+            <a:r>
+              <a:rPr lang="zh-TW" altLang="en-US" sz="2800" dirty="0" smtClean="0">
+                <a:latin typeface="微軟正黑體" panose="020B0604030504040204" pitchFamily="34" charset="-120"/>
+                <a:ea typeface="微軟正黑體" panose="020B0604030504040204" pitchFamily="34" charset="-120"/>
+              </a:rPr>
+              <a:t>收入：</a:t>
+            </a:r>
+            <a:r>
+              <a:rPr lang="en-US" altLang="zh-TW" sz="2800" dirty="0" smtClean="0">
+                <a:latin typeface="微軟正黑體" panose="020B0604030504040204" pitchFamily="34" charset="-120"/>
+                <a:ea typeface="微軟正黑體" panose="020B0604030504040204" pitchFamily="34" charset="-120"/>
+              </a:rPr>
+              <a:t>$308,000.00</a:t>
+            </a:r>
+          </a:p>
+          <a:p>
+            <a:r>
+              <a:rPr lang="zh-TW" altLang="en-US" sz="2800" dirty="0" smtClean="0">
+                <a:latin typeface="微軟正黑體" panose="020B0604030504040204" pitchFamily="34" charset="-120"/>
+                <a:ea typeface="微軟正黑體" panose="020B0604030504040204" pitchFamily="34" charset="-120"/>
+              </a:rPr>
+              <a:t>支出：</a:t>
+            </a:r>
+            <a:r>
+              <a:rPr lang="en-US" altLang="zh-TW" sz="2800" dirty="0" smtClean="0">
+                <a:latin typeface="微軟正黑體" panose="020B0604030504040204" pitchFamily="34" charset="-120"/>
+                <a:ea typeface="微軟正黑體" panose="020B0604030504040204" pitchFamily="34" charset="-120"/>
+              </a:rPr>
+              <a:t>$235,560.00</a:t>
+            </a:r>
+          </a:p>
+          <a:p>
+            <a:r>
+              <a:rPr lang="zh-TW" altLang="en-US" sz="2800" dirty="0" smtClean="0">
+                <a:latin typeface="微軟正黑體" panose="020B0604030504040204" pitchFamily="34" charset="-120"/>
+                <a:ea typeface="微軟正黑體" panose="020B0604030504040204" pitchFamily="34" charset="-120"/>
+              </a:rPr>
+              <a:t>結餘：</a:t>
+            </a:r>
+            <a:r>
+              <a:rPr lang="en-US" altLang="zh-TW" sz="2800" dirty="0" smtClean="0">
+                <a:latin typeface="微軟正黑體" panose="020B0604030504040204" pitchFamily="34" charset="-120"/>
+                <a:ea typeface="微軟正黑體" panose="020B0604030504040204" pitchFamily="34" charset="-120"/>
+              </a:rPr>
+              <a:t>$72,440.00</a:t>
+            </a:r>
+            <a:endParaRPr lang="zh-TW" altLang="en-US" sz="2800" dirty="0">
+              <a:latin typeface="微軟正黑體" panose="020B0604030504040204" pitchFamily="34" charset="-120"/>
+              <a:ea typeface="微軟正黑體" panose="020B0604030504040204" pitchFamily="34" charset="-120"/>
+            </a:endParaRPr>
+          </a:p>
+        </p:txBody>
+      </p:sp>
+      <p:grpSp>
+        <p:nvGrpSpPr>
+          <p:cNvPr id="25" name="群組 24"/>
+          <p:cNvGrpSpPr/>
+          <p:nvPr/>
+        </p:nvGrpSpPr>
+        <p:grpSpPr>
+          <a:xfrm>
+            <a:off x="0" y="1"/>
+            <a:ext cx="7312294" cy="578782"/>
+            <a:chOff x="0" y="1"/>
+            <a:chExt cx="7312294" cy="578782"/>
+          </a:xfrm>
+        </p:grpSpPr>
+        <p:sp>
+          <p:nvSpPr>
+            <p:cNvPr id="33" name="矩形 32" title="Top system bar"/>
+            <p:cNvSpPr/>
+            <p:nvPr/>
+          </p:nvSpPr>
+          <p:spPr>
+            <a:xfrm>
+              <a:off x="0" y="1"/>
+              <a:ext cx="6858000" cy="406400"/>
+            </a:xfrm>
+            <a:prstGeom prst="rect">
+              <a:avLst/>
+            </a:prstGeom>
+            <a:solidFill>
+              <a:srgbClr val="30409F"/>
+            </a:solidFill>
+            <a:ln>
+              <a:noFill/>
+            </a:ln>
+          </p:spPr>
+          <p:style>
+            <a:lnRef idx="2">
+              <a:schemeClr val="accent1">
+                <a:shade val="50000"/>
+              </a:schemeClr>
+            </a:lnRef>
+            <a:fillRef idx="1">
+              <a:schemeClr val="accent1"/>
+            </a:fillRef>
+            <a:effectRef idx="0">
+              <a:schemeClr val="accent1"/>
+            </a:effectRef>
+            <a:fontRef idx="minor">
+              <a:schemeClr val="lt1"/>
+            </a:fontRef>
+          </p:style>
+          <p:txBody>
+            <a:bodyPr rtlCol="0" anchor="ctr"/>
+            <a:lstStyle/>
+            <a:p>
+              <a:pPr algn="ctr"/>
+              <a:endParaRPr lang="zh-TW" altLang="en-US"/>
+            </a:p>
+          </p:txBody>
+        </p:sp>
+        <p:sp>
+          <p:nvSpPr>
+            <p:cNvPr id="34" name="圓形圖 33" title="Wifi sign"/>
+            <p:cNvSpPr/>
+            <p:nvPr/>
+          </p:nvSpPr>
+          <p:spPr>
+            <a:xfrm rot="2700000">
+              <a:off x="5357104" y="73451"/>
+              <a:ext cx="505332" cy="505332"/>
+            </a:xfrm>
+            <a:prstGeom prst="pie">
+              <a:avLst>
+                <a:gd name="adj1" fmla="val 10897748"/>
+                <a:gd name="adj2" fmla="val 16200000"/>
+              </a:avLst>
+            </a:prstGeom>
+            <a:solidFill>
+              <a:schemeClr val="bg1"/>
+            </a:solidFill>
+            <a:ln>
+              <a:noFill/>
+            </a:ln>
+          </p:spPr>
+          <p:style>
+            <a:lnRef idx="2">
+              <a:schemeClr val="accent1">
+                <a:shade val="50000"/>
+              </a:schemeClr>
+            </a:lnRef>
+            <a:fillRef idx="1">
+              <a:schemeClr val="accent1"/>
+            </a:fillRef>
+            <a:effectRef idx="0">
+              <a:schemeClr val="accent1"/>
+            </a:effectRef>
+            <a:fontRef idx="minor">
+              <a:schemeClr val="lt1"/>
+            </a:fontRef>
+          </p:style>
+          <p:txBody>
+            <a:bodyPr rtlCol="0" anchor="ctr"/>
+            <a:lstStyle/>
+            <a:p>
+              <a:pPr algn="ctr"/>
+              <a:endParaRPr lang="zh-TW" altLang="en-US">
+                <a:solidFill>
+                  <a:schemeClr val="tx1"/>
+                </a:solidFill>
+              </a:endParaRPr>
+            </a:p>
+          </p:txBody>
+        </p:sp>
+        <p:grpSp>
+          <p:nvGrpSpPr>
+            <p:cNvPr id="37" name="群組 36" title="Bettery sign"/>
+            <p:cNvGrpSpPr/>
+            <p:nvPr/>
+          </p:nvGrpSpPr>
+          <p:grpSpPr>
+            <a:xfrm>
+              <a:off x="5899149" y="73932"/>
+              <a:ext cx="135889" cy="252185"/>
+              <a:chOff x="6238239" y="70121"/>
+              <a:chExt cx="135889" cy="252185"/>
+            </a:xfrm>
+          </p:grpSpPr>
+          <p:sp>
+            <p:nvSpPr>
+              <p:cNvPr id="39" name="矩形 38"/>
+              <p:cNvSpPr/>
+              <p:nvPr/>
+            </p:nvSpPr>
+            <p:spPr>
+              <a:xfrm flipV="1">
+                <a:off x="6258602" y="70121"/>
+                <a:ext cx="95161" cy="45719"/>
+              </a:xfrm>
+              <a:prstGeom prst="rect">
+                <a:avLst/>
+              </a:prstGeom>
+              <a:solidFill>
+                <a:schemeClr val="bg1"/>
+              </a:solidFill>
+              <a:ln>
+                <a:noFill/>
+              </a:ln>
+            </p:spPr>
+            <p:style>
+              <a:lnRef idx="2">
+                <a:schemeClr val="accent1">
+                  <a:shade val="50000"/>
+                </a:schemeClr>
+              </a:lnRef>
+              <a:fillRef idx="1">
+                <a:schemeClr val="accent1"/>
+              </a:fillRef>
+              <a:effectRef idx="0">
+                <a:schemeClr val="accent1"/>
+              </a:effectRef>
+              <a:fontRef idx="minor">
+                <a:schemeClr val="lt1"/>
+              </a:fontRef>
+            </p:style>
+            <p:txBody>
+              <a:bodyPr rtlCol="0" anchor="ctr"/>
+              <a:lstStyle/>
+              <a:p>
+                <a:pPr algn="ctr"/>
+                <a:endParaRPr lang="zh-TW" altLang="en-US"/>
+              </a:p>
+            </p:txBody>
+          </p:sp>
+          <p:sp>
+            <p:nvSpPr>
+              <p:cNvPr id="40" name="矩形 39"/>
+              <p:cNvSpPr/>
+              <p:nvPr/>
+            </p:nvSpPr>
+            <p:spPr>
+              <a:xfrm>
+                <a:off x="6238239" y="110490"/>
+                <a:ext cx="135889" cy="211816"/>
+              </a:xfrm>
+              <a:prstGeom prst="rect">
+                <a:avLst/>
+              </a:prstGeom>
+              <a:solidFill>
+                <a:schemeClr val="bg1"/>
+              </a:solidFill>
+              <a:ln>
+                <a:noFill/>
+              </a:ln>
+            </p:spPr>
+            <p:style>
+              <a:lnRef idx="2">
+                <a:schemeClr val="accent1">
+                  <a:shade val="50000"/>
+                </a:schemeClr>
+              </a:lnRef>
+              <a:fillRef idx="1">
+                <a:schemeClr val="accent1"/>
+              </a:fillRef>
+              <a:effectRef idx="0">
+                <a:schemeClr val="accent1"/>
+              </a:effectRef>
+              <a:fontRef idx="minor">
+                <a:schemeClr val="lt1"/>
+              </a:fontRef>
+            </p:style>
+            <p:txBody>
+              <a:bodyPr rtlCol="0" anchor="ctr"/>
+              <a:lstStyle/>
+              <a:p>
+                <a:pPr algn="ctr"/>
+                <a:endParaRPr lang="zh-TW" altLang="en-US"/>
+              </a:p>
+            </p:txBody>
+          </p:sp>
+        </p:grpSp>
+        <p:sp>
+          <p:nvSpPr>
+            <p:cNvPr id="38" name="文字方塊 37" title="System time"/>
+            <p:cNvSpPr txBox="1"/>
+            <p:nvPr/>
+          </p:nvSpPr>
+          <p:spPr>
+            <a:xfrm>
+              <a:off x="6173104" y="18535"/>
+              <a:ext cx="1139190" cy="369332"/>
+            </a:xfrm>
+            <a:prstGeom prst="rect">
+              <a:avLst/>
+            </a:prstGeom>
+            <a:noFill/>
+          </p:spPr>
+          <p:txBody>
+            <a:bodyPr wrap="square" rtlCol="0">
+              <a:spAutoFit/>
+            </a:bodyPr>
+            <a:lstStyle/>
+            <a:p>
+              <a:r>
+                <a:rPr lang="en-US" altLang="zh-TW" b="1" dirty="0" smtClean="0">
+                  <a:solidFill>
+                    <a:schemeClr val="bg1"/>
+                  </a:solidFill>
+                  <a:latin typeface="微軟正黑體" panose="020B0604030504040204" pitchFamily="34" charset="-120"/>
+                  <a:ea typeface="微軟正黑體" panose="020B0604030504040204" pitchFamily="34" charset="-120"/>
+                </a:rPr>
+                <a:t>8:00</a:t>
+              </a:r>
+              <a:endParaRPr lang="zh-TW" altLang="en-US" b="1" dirty="0">
+                <a:solidFill>
+                  <a:schemeClr val="bg1"/>
+                </a:solidFill>
+                <a:latin typeface="微軟正黑體" panose="020B0604030504040204" pitchFamily="34" charset="-120"/>
+                <a:ea typeface="微軟正黑體" panose="020B0604030504040204" pitchFamily="34" charset="-120"/>
+              </a:endParaRPr>
+            </a:p>
+          </p:txBody>
+        </p:sp>
+      </p:grpSp>
+      <p:grpSp>
+        <p:nvGrpSpPr>
+          <p:cNvPr id="41" name="群組 40" title="Titile"/>
+          <p:cNvGrpSpPr/>
+          <p:nvPr/>
+        </p:nvGrpSpPr>
+        <p:grpSpPr>
+          <a:xfrm>
+            <a:off x="0" y="406400"/>
+            <a:ext cx="6858000" cy="975359"/>
+            <a:chOff x="0" y="406400"/>
+            <a:chExt cx="6858000" cy="975359"/>
+          </a:xfrm>
+        </p:grpSpPr>
+        <p:sp>
+          <p:nvSpPr>
+            <p:cNvPr id="42" name="矩形 41" title="Title BG"/>
+            <p:cNvSpPr/>
+            <p:nvPr/>
+          </p:nvSpPr>
+          <p:spPr>
+            <a:xfrm>
+              <a:off x="0" y="406400"/>
+              <a:ext cx="6858000" cy="975359"/>
+            </a:xfrm>
+            <a:prstGeom prst="rect">
+              <a:avLst/>
+            </a:prstGeom>
+            <a:solidFill>
+              <a:srgbClr val="4050B5"/>
+            </a:solidFill>
+            <a:ln>
+              <a:noFill/>
+            </a:ln>
+          </p:spPr>
+          <p:style>
+            <a:lnRef idx="2">
+              <a:schemeClr val="accent1">
+                <a:shade val="50000"/>
+              </a:schemeClr>
+            </a:lnRef>
+            <a:fillRef idx="1">
+              <a:schemeClr val="accent1"/>
+            </a:fillRef>
+            <a:effectRef idx="0">
+              <a:schemeClr val="accent1"/>
+            </a:effectRef>
+            <a:fontRef idx="minor">
+              <a:schemeClr val="lt1"/>
+            </a:fontRef>
+          </p:style>
+          <p:txBody>
+            <a:bodyPr rtlCol="0" anchor="ctr"/>
+            <a:lstStyle/>
+            <a:p>
+              <a:pPr algn="ctr"/>
+              <a:endParaRPr lang="zh-TW" altLang="en-US"/>
+            </a:p>
+          </p:txBody>
+        </p:sp>
+        <p:sp>
+          <p:nvSpPr>
+            <p:cNvPr id="43" name="文字方塊 42" title="Titile text"/>
+            <p:cNvSpPr txBox="1"/>
+            <p:nvPr/>
+          </p:nvSpPr>
+          <p:spPr>
+            <a:xfrm>
+              <a:off x="188864" y="632469"/>
+              <a:ext cx="2615296" cy="523220"/>
+            </a:xfrm>
+            <a:prstGeom prst="rect">
+              <a:avLst/>
+            </a:prstGeom>
+            <a:noFill/>
+          </p:spPr>
+          <p:txBody>
+            <a:bodyPr wrap="square" rtlCol="0">
+              <a:spAutoFit/>
+            </a:bodyPr>
+            <a:lstStyle/>
+            <a:p>
+              <a:r>
+                <a:rPr lang="en-US" altLang="zh-TW" sz="2800" b="1" dirty="0" smtClean="0">
+                  <a:solidFill>
+                    <a:schemeClr val="bg1"/>
+                  </a:solidFill>
+                  <a:latin typeface="微軟正黑體" panose="020B0604030504040204" pitchFamily="34" charset="-120"/>
+                  <a:ea typeface="微軟正黑體" panose="020B0604030504040204" pitchFamily="34" charset="-120"/>
+                </a:rPr>
+                <a:t>Statistics</a:t>
+              </a:r>
+              <a:endParaRPr lang="zh-TW" altLang="en-US" b="1" dirty="0">
+                <a:solidFill>
+                  <a:schemeClr val="bg1"/>
+                </a:solidFill>
+                <a:latin typeface="微軟正黑體" panose="020B0604030504040204" pitchFamily="34" charset="-120"/>
+                <a:ea typeface="微軟正黑體" panose="020B0604030504040204" pitchFamily="34" charset="-120"/>
+              </a:endParaRPr>
+            </a:p>
+          </p:txBody>
+        </p:sp>
+      </p:grpSp>
+    </p:spTree>
+    <p:extLst>
+      <p:ext uri="{BB962C8B-B14F-4D97-AF65-F5344CB8AC3E}">
+        <p14:creationId xmlns:p14="http://schemas.microsoft.com/office/powerpoint/2010/main" val="1902496552"/>
       </p:ext>
     </p:extLst>
   </p:cSld>

--- a/Final/影片動畫-孟瑾.pptx
+++ b/Final/影片動畫-孟瑾.pptx
@@ -5792,6 +5792,13 @@
   <p:clrMapOvr>
     <a:masterClrMapping/>
   </p:clrMapOvr>
+  <p:timing>
+    <p:tnLst>
+      <p:par>
+        <p:cTn id="1" dur="indefinite" restart="never" nodeType="tmRoot"/>
+      </p:par>
+    </p:tnLst>
+  </p:timing>
 </p:sld>
 </file>
 
@@ -6564,6 +6571,13 @@
   <p:clrMapOvr>
     <a:masterClrMapping/>
   </p:clrMapOvr>
+  <p:timing>
+    <p:tnLst>
+      <p:par>
+        <p:cTn id="1" dur="indefinite" restart="never" nodeType="tmRoot"/>
+      </p:par>
+    </p:tnLst>
+  </p:timing>
 </p:sld>
 </file>
 
@@ -7321,6 +7335,13 @@
   <p:clrMapOvr>
     <a:masterClrMapping/>
   </p:clrMapOvr>
+  <p:timing>
+    <p:tnLst>
+      <p:par>
+        <p:cTn id="1" dur="indefinite" restart="never" nodeType="tmRoot"/>
+      </p:par>
+    </p:tnLst>
+  </p:timing>
 </p:sld>
 </file>
 
@@ -8129,6 +8150,13 @@
   <p:clrMapOvr>
     <a:masterClrMapping/>
   </p:clrMapOvr>
+  <p:timing>
+    <p:tnLst>
+      <p:par>
+        <p:cTn id="1" dur="indefinite" restart="never" nodeType="tmRoot"/>
+      </p:par>
+    </p:tnLst>
+  </p:timing>
 </p:sld>
 </file>
 
@@ -8506,6 +8534,13 @@
   <p:clrMapOvr>
     <a:masterClrMapping/>
   </p:clrMapOvr>
+  <p:timing>
+    <p:tnLst>
+      <p:par>
+        <p:cTn id="1" dur="indefinite" restart="never" nodeType="tmRoot"/>
+      </p:par>
+    </p:tnLst>
+  </p:timing>
 </p:sld>
 </file>
 
